--- a/Cannabis Analysis.pptx
+++ b/Cannabis Analysis.pptx
@@ -8,6 +8,18 @@
     <p:sldId id="257" r:id="rId2"/>
     <p:sldId id="258" r:id="rId3"/>
     <p:sldId id="259" r:id="rId4"/>
+    <p:sldId id="260" r:id="rId5"/>
+    <p:sldId id="261" r:id="rId6"/>
+    <p:sldId id="262" r:id="rId7"/>
+    <p:sldId id="263" r:id="rId8"/>
+    <p:sldId id="264" r:id="rId9"/>
+    <p:sldId id="265" r:id="rId10"/>
+    <p:sldId id="266" r:id="rId11"/>
+    <p:sldId id="267" r:id="rId12"/>
+    <p:sldId id="268" r:id="rId13"/>
+    <p:sldId id="269" r:id="rId14"/>
+    <p:sldId id="270" r:id="rId15"/>
+    <p:sldId id="271" r:id="rId16"/>
   </p:sldIdLst>
   <p:sldSz cx="12192000" cy="6858000"/>
   <p:notesSz cx="6858000" cy="9144000"/>
@@ -106,6 +118,11 @@
       </a:defRPr>
     </a:lvl9pPr>
   </p:defaultTextStyle>
+  <p:extLst>
+    <p:ext uri="{EFAFB233-063F-42B5-8137-9DF3F51BA10A}">
+      <p15:sldGuideLst xmlns:p15="http://schemas.microsoft.com/office/powerpoint/2012/main"/>
+    </p:ext>
+  </p:extLst>
 </p:presentation>
 </file>
 
@@ -2940,7 +2957,7 @@
           <a:p>
             <a:fld id="{69F92D36-85D3-CE46-89D4-60137E68FEA3}" type="datetimeFigureOut">
               <a:rPr lang="en-IL" smtClean="0"/>
-              <a:t>20/05/2021</a:t>
+              <a:t>18/06/2021</a:t>
             </a:fld>
             <a:endParaRPr lang="en-IL"/>
           </a:p>
@@ -3140,7 +3157,7 @@
           <a:p>
             <a:fld id="{69F92D36-85D3-CE46-89D4-60137E68FEA3}" type="datetimeFigureOut">
               <a:rPr lang="en-IL" smtClean="0"/>
-              <a:t>20/05/2021</a:t>
+              <a:t>18/06/2021</a:t>
             </a:fld>
             <a:endParaRPr lang="en-IL"/>
           </a:p>
@@ -3350,7 +3367,7 @@
           <a:p>
             <a:fld id="{69F92D36-85D3-CE46-89D4-60137E68FEA3}" type="datetimeFigureOut">
               <a:rPr lang="en-IL" smtClean="0"/>
-              <a:t>20/05/2021</a:t>
+              <a:t>18/06/2021</a:t>
             </a:fld>
             <a:endParaRPr lang="en-IL"/>
           </a:p>
@@ -3550,7 +3567,7 @@
           <a:p>
             <a:fld id="{69F92D36-85D3-CE46-89D4-60137E68FEA3}" type="datetimeFigureOut">
               <a:rPr lang="en-IL" smtClean="0"/>
-              <a:t>20/05/2021</a:t>
+              <a:t>18/06/2021</a:t>
             </a:fld>
             <a:endParaRPr lang="en-IL"/>
           </a:p>
@@ -3826,7 +3843,7 @@
           <a:p>
             <a:fld id="{69F92D36-85D3-CE46-89D4-60137E68FEA3}" type="datetimeFigureOut">
               <a:rPr lang="en-IL" smtClean="0"/>
-              <a:t>20/05/2021</a:t>
+              <a:t>18/06/2021</a:t>
             </a:fld>
             <a:endParaRPr lang="en-IL"/>
           </a:p>
@@ -4094,7 +4111,7 @@
           <a:p>
             <a:fld id="{69F92D36-85D3-CE46-89D4-60137E68FEA3}" type="datetimeFigureOut">
               <a:rPr lang="en-IL" smtClean="0"/>
-              <a:t>20/05/2021</a:t>
+              <a:t>18/06/2021</a:t>
             </a:fld>
             <a:endParaRPr lang="en-IL"/>
           </a:p>
@@ -4509,7 +4526,7 @@
           <a:p>
             <a:fld id="{69F92D36-85D3-CE46-89D4-60137E68FEA3}" type="datetimeFigureOut">
               <a:rPr lang="en-IL" smtClean="0"/>
-              <a:t>20/05/2021</a:t>
+              <a:t>18/06/2021</a:t>
             </a:fld>
             <a:endParaRPr lang="en-IL"/>
           </a:p>
@@ -4651,7 +4668,7 @@
           <a:p>
             <a:fld id="{69F92D36-85D3-CE46-89D4-60137E68FEA3}" type="datetimeFigureOut">
               <a:rPr lang="en-IL" smtClean="0"/>
-              <a:t>20/05/2021</a:t>
+              <a:t>18/06/2021</a:t>
             </a:fld>
             <a:endParaRPr lang="en-IL"/>
           </a:p>
@@ -4764,7 +4781,7 @@
           <a:p>
             <a:fld id="{69F92D36-85D3-CE46-89D4-60137E68FEA3}" type="datetimeFigureOut">
               <a:rPr lang="en-IL" smtClean="0"/>
-              <a:t>20/05/2021</a:t>
+              <a:t>18/06/2021</a:t>
             </a:fld>
             <a:endParaRPr lang="en-IL"/>
           </a:p>
@@ -5077,7 +5094,7 @@
           <a:p>
             <a:fld id="{69F92D36-85D3-CE46-89D4-60137E68FEA3}" type="datetimeFigureOut">
               <a:rPr lang="en-IL" smtClean="0"/>
-              <a:t>20/05/2021</a:t>
+              <a:t>18/06/2021</a:t>
             </a:fld>
             <a:endParaRPr lang="en-IL"/>
           </a:p>
@@ -5366,7 +5383,7 @@
           <a:p>
             <a:fld id="{69F92D36-85D3-CE46-89D4-60137E68FEA3}" type="datetimeFigureOut">
               <a:rPr lang="en-IL" smtClean="0"/>
-              <a:t>20/05/2021</a:t>
+              <a:t>18/06/2021</a:t>
             </a:fld>
             <a:endParaRPr lang="en-IL"/>
           </a:p>
@@ -5609,7 +5626,7 @@
           <a:p>
             <a:fld id="{69F92D36-85D3-CE46-89D4-60137E68FEA3}" type="datetimeFigureOut">
               <a:rPr lang="en-IL" smtClean="0"/>
-              <a:t>20/05/2021</a:t>
+              <a:t>18/06/2021</a:t>
             </a:fld>
             <a:endParaRPr lang="en-IL"/>
           </a:p>
@@ -7005,7 +7022,7 @@
 </p:sld>
 </file>
 
-<file path=ppt/slides/slide2.xml><?xml version="1.0" encoding="utf-8"?>
+<file path=ppt/slides/slide10.xml><?xml version="1.0" encoding="utf-8"?>
 <p:sld xmlns:a="http://schemas.openxmlformats.org/drawingml/2006/main" xmlns:r="http://schemas.openxmlformats.org/officeDocument/2006/relationships" xmlns:p="http://schemas.openxmlformats.org/presentationml/2006/main">
   <p:cSld>
     <p:bg>
@@ -7329,7 +7346,7 @@
         </p:nvSpPr>
         <p:spPr>
           <a:xfrm>
-            <a:off x="833002" y="365125"/>
+            <a:off x="833002" y="190030"/>
             <a:ext cx="10520702" cy="1325563"/>
           </a:xfrm>
         </p:spPr>
@@ -7345,7 +7362,7 @@
                   <a:srgbClr val="FFFFFF"/>
                 </a:solidFill>
               </a:rPr>
-              <a:t>The Research</a:t>
+              <a:t>Data Scrubbing – Missing data filling</a:t>
             </a:r>
           </a:p>
         </p:txBody>
@@ -7368,7 +7385,7 @@
         </p:nvSpPr>
         <p:spPr>
           <a:xfrm>
-            <a:off x="838201" y="1581618"/>
+            <a:off x="838201" y="1315733"/>
             <a:ext cx="10515598" cy="4154361"/>
           </a:xfrm>
         </p:spPr>
@@ -7387,7 +7404,7 @@
                   <a:srgbClr val="FFFFFF"/>
                 </a:solidFill>
               </a:rPr>
-              <a:t>Background</a:t>
+              <a:t>How?</a:t>
             </a:r>
           </a:p>
           <a:p>
@@ -7400,77 +7417,7 @@
                   <a:srgbClr val="FFFFFF"/>
                 </a:solidFill>
               </a:rPr>
-              <a:t>Most of the cannabis strains that exist today are genetical </a:t>
-            </a:r>
-            <a:r>
-              <a:rPr lang="en-US" sz="1800" dirty="0">
-                <a:solidFill>
-                  <a:srgbClr val="FFFFFF"/>
-                </a:solidFill>
-              </a:rPr>
-              <a:t>descendants of 2 main strain types – Sativa &amp; Indica.</a:t>
-            </a:r>
-          </a:p>
-          <a:p>
-            <a:pPr marL="0" indent="0">
-              <a:buNone/>
-            </a:pPr>
-            <a:r>
-              <a:rPr lang="en-US" sz="1800" dirty="0">
-                <a:solidFill>
-                  <a:srgbClr val="FFFFFF"/>
-                </a:solidFill>
-              </a:rPr>
-              <a:t>As the popularity of cannabis increased in the last years thanks to countries legalizing the plant, the number of available strains increased accordingly.</a:t>
-            </a:r>
-          </a:p>
-          <a:p>
-            <a:pPr marL="0" indent="0">
-              <a:buNone/>
-            </a:pPr>
-            <a:r>
-              <a:rPr lang="en-US" sz="1800" dirty="0">
-                <a:solidFill>
-                  <a:srgbClr val="FFFFFF"/>
-                </a:solidFill>
-              </a:rPr>
-              <a:t>New strains are created by hybridization of 2 existing strains.</a:t>
-            </a:r>
-          </a:p>
-          <a:p>
-            <a:pPr marL="0" indent="0">
-              <a:buNone/>
-            </a:pPr>
-            <a:r>
-              <a:rPr lang="en-US" sz="1800" dirty="0">
-                <a:solidFill>
-                  <a:srgbClr val="FFFFFF"/>
-                </a:solidFill>
-              </a:rPr>
-              <a:t>Today, the 3 main types are: Sativa, Indica and Hybrid.</a:t>
-            </a:r>
-          </a:p>
-          <a:p>
-            <a:pPr marL="0" indent="0">
-              <a:buNone/>
-            </a:pPr>
-            <a:endParaRPr lang="en-US" sz="1800" dirty="0">
-              <a:solidFill>
-                <a:srgbClr val="FFFFFF"/>
-              </a:solidFill>
-            </a:endParaRPr>
-          </a:p>
-          <a:p>
-            <a:pPr marL="0" indent="0">
-              <a:buNone/>
-            </a:pPr>
-            <a:r>
-              <a:rPr lang="en-US" sz="2500" u="sng" dirty="0">
-                <a:solidFill>
-                  <a:srgbClr val="FFFFFF"/>
-                </a:solidFill>
-              </a:rPr>
-              <a:t>Our Goal</a:t>
+              <a:t>As strains are gentic “children” of other strains, it makes sense that a strain will inherit some features from its’ ”parents”.</a:t>
             </a:r>
           </a:p>
           <a:p>
@@ -7483,62 +7430,105 @@
                   <a:srgbClr val="FFFFFF"/>
                 </a:solidFill>
               </a:rPr>
-              <a:t>Create a Machine Learning model that can predict a strain’s type, based on a set of different features.</a:t>
+              <a:t>An example is THC % - for strains that are missing this data we built a dataframe that contains the parent strains, as well as all their children. Then, we took the mean value of that dataframe in order to determine the THC % in our strain that is missing that data.</a:t>
             </a:r>
           </a:p>
         </p:txBody>
       </p:sp>
       <p:pic>
         <p:nvPicPr>
-          <p:cNvPr id="1030" name="Picture 6">
-            <a:extLst>
-              <a:ext uri="{FF2B5EF4-FFF2-40B4-BE49-F238E27FC236}">
-                <a16:creationId xmlns:a16="http://schemas.microsoft.com/office/drawing/2014/main" id="{21C0F2AE-0D44-D74C-A42E-5664EA157D3A}"/>
+          <p:cNvPr id="9" name="Picture 8">
+            <a:extLst>
+              <a:ext uri="{FF2B5EF4-FFF2-40B4-BE49-F238E27FC236}">
+                <a16:creationId xmlns:a16="http://schemas.microsoft.com/office/drawing/2014/main" id="{7FB33FA6-3F31-074B-9B43-1CF95D39ECD3}"/>
               </a:ext>
             </a:extLst>
           </p:cNvPr>
           <p:cNvPicPr>
-            <a:picLocks noChangeAspect="1" noChangeArrowheads="1"/>
+            <a:picLocks noChangeAspect="1"/>
           </p:cNvPicPr>
           <p:nvPr/>
         </p:nvPicPr>
         <p:blipFill>
-          <a:blip r:embed="rId2">
-            <a:extLst>
-              <a:ext uri="{28A0092B-C50C-407E-A947-70E740481C1C}">
-                <a14:useLocalDpi xmlns:a14="http://schemas.microsoft.com/office/drawing/2010/main" val="0"/>
-              </a:ext>
-            </a:extLst>
-          </a:blip>
-          <a:srcRect/>
+          <a:blip r:embed="rId2"/>
           <a:stretch>
             <a:fillRect/>
           </a:stretch>
         </p:blipFill>
-        <p:spPr bwMode="auto">
-          <a:xfrm>
-            <a:off x="10229850" y="4033736"/>
-            <a:ext cx="2117544" cy="2824264"/>
+        <p:spPr>
+          <a:xfrm>
+            <a:off x="920885" y="3245712"/>
+            <a:ext cx="7548664" cy="1616696"/>
           </a:xfrm>
           <a:prstGeom prst="rect">
             <a:avLst/>
           </a:prstGeom>
-          <a:noFill/>
-          <a:extLst>
-            <a:ext uri="{909E8E84-426E-40DD-AFC4-6F175D3DCCD1}">
-              <a14:hiddenFill xmlns:a14="http://schemas.microsoft.com/office/drawing/2010/main">
-                <a:solidFill>
-                  <a:srgbClr val="FFFFFF"/>
-                </a:solidFill>
-              </a14:hiddenFill>
-            </a:ext>
-          </a:extLst>
+        </p:spPr>
+      </p:pic>
+      <p:pic>
+        <p:nvPicPr>
+          <p:cNvPr id="10" name="Picture 9">
+            <a:extLst>
+              <a:ext uri="{FF2B5EF4-FFF2-40B4-BE49-F238E27FC236}">
+                <a16:creationId xmlns:a16="http://schemas.microsoft.com/office/drawing/2014/main" id="{A988F742-1F8C-554D-9620-F2DA22BBD31E}"/>
+              </a:ext>
+            </a:extLst>
+          </p:cNvPr>
+          <p:cNvPicPr>
+            <a:picLocks noChangeAspect="1"/>
+          </p:cNvPicPr>
+          <p:nvPr/>
+        </p:nvPicPr>
+        <p:blipFill>
+          <a:blip r:embed="rId3"/>
+          <a:stretch>
+            <a:fillRect/>
+          </a:stretch>
+        </p:blipFill>
+        <p:spPr>
+          <a:xfrm>
+            <a:off x="920885" y="5996799"/>
+            <a:ext cx="7470843" cy="609967"/>
+          </a:xfrm>
+          <a:prstGeom prst="rect">
+            <a:avLst/>
+          </a:prstGeom>
+        </p:spPr>
+      </p:pic>
+      <p:pic>
+        <p:nvPicPr>
+          <p:cNvPr id="11" name="Picture 10">
+            <a:extLst>
+              <a:ext uri="{FF2B5EF4-FFF2-40B4-BE49-F238E27FC236}">
+                <a16:creationId xmlns:a16="http://schemas.microsoft.com/office/drawing/2014/main" id="{D43AFF36-4589-764F-B48D-5876C9F3802A}"/>
+              </a:ext>
+            </a:extLst>
+          </p:cNvPr>
+          <p:cNvPicPr>
+            <a:picLocks noChangeAspect="1"/>
+          </p:cNvPicPr>
+          <p:nvPr/>
+        </p:nvPicPr>
+        <p:blipFill>
+          <a:blip r:embed="rId4"/>
+          <a:stretch>
+            <a:fillRect/>
+          </a:stretch>
+        </p:blipFill>
+        <p:spPr>
+          <a:xfrm>
+            <a:off x="920885" y="5068204"/>
+            <a:ext cx="7548664" cy="722799"/>
+          </a:xfrm>
+          <a:prstGeom prst="rect">
+            <a:avLst/>
+          </a:prstGeom>
         </p:spPr>
       </p:pic>
     </p:spTree>
     <p:extLst>
       <p:ext uri="{BB962C8B-B14F-4D97-AF65-F5344CB8AC3E}">
-        <p14:creationId xmlns:p14="http://schemas.microsoft.com/office/powerpoint/2010/main" val="2520336780"/>
+        <p14:creationId xmlns:p14="http://schemas.microsoft.com/office/powerpoint/2010/main" val="1056381728"/>
       </p:ext>
     </p:extLst>
   </p:cSld>
@@ -7548,7 +7538,7 @@
 </p:sld>
 </file>
 
-<file path=ppt/slides/slide3.xml><?xml version="1.0" encoding="utf-8"?>
+<file path=ppt/slides/slide11.xml><?xml version="1.0" encoding="utf-8"?>
 <p:sld xmlns:a="http://schemas.openxmlformats.org/drawingml/2006/main" xmlns:r="http://schemas.openxmlformats.org/officeDocument/2006/relationships" xmlns:p="http://schemas.openxmlformats.org/presentationml/2006/main">
   <p:cSld>
     <p:bg>
@@ -7872,7 +7862,3885 @@
         </p:nvSpPr>
         <p:spPr>
           <a:xfrm>
-            <a:off x="833002" y="365125"/>
+            <a:off x="833002" y="190030"/>
+            <a:ext cx="10520702" cy="1325563"/>
+          </a:xfrm>
+        </p:spPr>
+        <p:txBody>
+          <a:bodyPr>
+            <a:normAutofit/>
+          </a:bodyPr>
+          <a:lstStyle/>
+          <a:p>
+            <a:r>
+              <a:rPr lang="en-IL" dirty="0">
+                <a:solidFill>
+                  <a:srgbClr val="FFFFFF"/>
+                </a:solidFill>
+              </a:rPr>
+              <a:t>EDA – Strain Data</a:t>
+            </a:r>
+          </a:p>
+        </p:txBody>
+      </p:sp>
+      <p:pic>
+        <p:nvPicPr>
+          <p:cNvPr id="13" name="Picture 12" descr="Chart, histogram&#10;&#10;Description automatically generated">
+            <a:extLst>
+              <a:ext uri="{FF2B5EF4-FFF2-40B4-BE49-F238E27FC236}">
+                <a16:creationId xmlns:a16="http://schemas.microsoft.com/office/drawing/2014/main" id="{5E0DE9FA-46C8-D94D-88CA-CACF0EDA7C87}"/>
+              </a:ext>
+            </a:extLst>
+          </p:cNvPr>
+          <p:cNvPicPr>
+            <a:picLocks noChangeAspect="1"/>
+          </p:cNvPicPr>
+          <p:nvPr/>
+        </p:nvPicPr>
+        <p:blipFill>
+          <a:blip r:embed="rId2"/>
+          <a:stretch>
+            <a:fillRect/>
+          </a:stretch>
+        </p:blipFill>
+        <p:spPr>
+          <a:xfrm>
+            <a:off x="6538878" y="1364591"/>
+            <a:ext cx="3644987" cy="2429991"/>
+          </a:xfrm>
+          <a:prstGeom prst="rect">
+            <a:avLst/>
+          </a:prstGeom>
+        </p:spPr>
+      </p:pic>
+      <p:pic>
+        <p:nvPicPr>
+          <p:cNvPr id="22" name="Picture 21" descr="Chart, pie chart&#10;&#10;Description automatically generated">
+            <a:extLst>
+              <a:ext uri="{FF2B5EF4-FFF2-40B4-BE49-F238E27FC236}">
+                <a16:creationId xmlns:a16="http://schemas.microsoft.com/office/drawing/2014/main" id="{0E9E4923-900F-2144-9F83-968E45F88724}"/>
+              </a:ext>
+            </a:extLst>
+          </p:cNvPr>
+          <p:cNvPicPr>
+            <a:picLocks noChangeAspect="1"/>
+          </p:cNvPicPr>
+          <p:nvPr/>
+        </p:nvPicPr>
+        <p:blipFill>
+          <a:blip r:embed="rId3"/>
+          <a:stretch>
+            <a:fillRect/>
+          </a:stretch>
+        </p:blipFill>
+        <p:spPr>
+          <a:xfrm>
+            <a:off x="5374513" y="4046163"/>
+            <a:ext cx="3581399" cy="2387599"/>
+          </a:xfrm>
+          <a:prstGeom prst="rect">
+            <a:avLst/>
+          </a:prstGeom>
+        </p:spPr>
+      </p:pic>
+      <p:pic>
+        <p:nvPicPr>
+          <p:cNvPr id="30" name="Picture 29" descr="Chart, pie chart&#10;&#10;Description automatically generated">
+            <a:extLst>
+              <a:ext uri="{FF2B5EF4-FFF2-40B4-BE49-F238E27FC236}">
+                <a16:creationId xmlns:a16="http://schemas.microsoft.com/office/drawing/2014/main" id="{3D5F2977-50DE-1B4C-85D6-505636617611}"/>
+              </a:ext>
+            </a:extLst>
+          </p:cNvPr>
+          <p:cNvPicPr>
+            <a:picLocks noChangeAspect="1"/>
+          </p:cNvPicPr>
+          <p:nvPr/>
+        </p:nvPicPr>
+        <p:blipFill>
+          <a:blip r:embed="rId4"/>
+          <a:stretch>
+            <a:fillRect/>
+          </a:stretch>
+        </p:blipFill>
+        <p:spPr>
+          <a:xfrm>
+            <a:off x="7915295" y="4046162"/>
+            <a:ext cx="3581399" cy="2387599"/>
+          </a:xfrm>
+          <a:prstGeom prst="rect">
+            <a:avLst/>
+          </a:prstGeom>
+        </p:spPr>
+      </p:pic>
+      <p:sp>
+        <p:nvSpPr>
+          <p:cNvPr id="33" name="TextBox 32">
+            <a:extLst>
+              <a:ext uri="{FF2B5EF4-FFF2-40B4-BE49-F238E27FC236}">
+                <a16:creationId xmlns:a16="http://schemas.microsoft.com/office/drawing/2014/main" id="{8AB71FD3-815C-C64D-8B7A-C851875419F4}"/>
+              </a:ext>
+            </a:extLst>
+          </p:cNvPr>
+          <p:cNvSpPr txBox="1"/>
+          <p:nvPr/>
+        </p:nvSpPr>
+        <p:spPr>
+          <a:xfrm>
+            <a:off x="845511" y="1448558"/>
+            <a:ext cx="2553520" cy="477054"/>
+          </a:xfrm>
+          <a:prstGeom prst="rect">
+            <a:avLst/>
+          </a:prstGeom>
+          <a:noFill/>
+        </p:spPr>
+        <p:txBody>
+          <a:bodyPr wrap="none" rtlCol="0">
+            <a:spAutoFit/>
+          </a:bodyPr>
+          <a:lstStyle/>
+          <a:p>
+            <a:r>
+              <a:rPr lang="en-IL" sz="2500" u="sng" dirty="0"/>
+              <a:t>THC% Distribution</a:t>
+            </a:r>
+          </a:p>
+        </p:txBody>
+      </p:sp>
+      <p:sp>
+        <p:nvSpPr>
+          <p:cNvPr id="34" name="TextBox 33">
+            <a:extLst>
+              <a:ext uri="{FF2B5EF4-FFF2-40B4-BE49-F238E27FC236}">
+                <a16:creationId xmlns:a16="http://schemas.microsoft.com/office/drawing/2014/main" id="{0322D2C2-1AE1-AF49-9BFA-CEF8FE5DB71F}"/>
+              </a:ext>
+            </a:extLst>
+          </p:cNvPr>
+          <p:cNvSpPr txBox="1"/>
+          <p:nvPr/>
+        </p:nvSpPr>
+        <p:spPr>
+          <a:xfrm>
+            <a:off x="845511" y="1925612"/>
+            <a:ext cx="4090479" cy="369332"/>
+          </a:xfrm>
+          <a:prstGeom prst="rect">
+            <a:avLst/>
+          </a:prstGeom>
+          <a:noFill/>
+        </p:spPr>
+        <p:txBody>
+          <a:bodyPr wrap="none" rtlCol="0">
+            <a:spAutoFit/>
+          </a:bodyPr>
+          <a:lstStyle/>
+          <a:p>
+            <a:r>
+              <a:rPr lang="en-IL" dirty="0"/>
+              <a:t>Most of the strains contain 15 – 20 % THC</a:t>
+            </a:r>
+          </a:p>
+        </p:txBody>
+      </p:sp>
+      <p:sp>
+        <p:nvSpPr>
+          <p:cNvPr id="41" name="TextBox 40">
+            <a:extLst>
+              <a:ext uri="{FF2B5EF4-FFF2-40B4-BE49-F238E27FC236}">
+                <a16:creationId xmlns:a16="http://schemas.microsoft.com/office/drawing/2014/main" id="{D4E064E1-078D-A14B-B788-8BA616038666}"/>
+              </a:ext>
+            </a:extLst>
+          </p:cNvPr>
+          <p:cNvSpPr txBox="1"/>
+          <p:nvPr/>
+        </p:nvSpPr>
+        <p:spPr>
+          <a:xfrm>
+            <a:off x="858020" y="4046162"/>
+            <a:ext cx="1753685" cy="477054"/>
+          </a:xfrm>
+          <a:prstGeom prst="rect">
+            <a:avLst/>
+          </a:prstGeom>
+          <a:noFill/>
+        </p:spPr>
+        <p:txBody>
+          <a:bodyPr wrap="none" rtlCol="0">
+            <a:spAutoFit/>
+          </a:bodyPr>
+          <a:lstStyle/>
+          <a:p>
+            <a:r>
+              <a:rPr lang="en-IL" sz="2500" u="sng" dirty="0"/>
+              <a:t>Strain Types</a:t>
+            </a:r>
+          </a:p>
+        </p:txBody>
+      </p:sp>
+      <p:sp>
+        <p:nvSpPr>
+          <p:cNvPr id="42" name="TextBox 41">
+            <a:extLst>
+              <a:ext uri="{FF2B5EF4-FFF2-40B4-BE49-F238E27FC236}">
+                <a16:creationId xmlns:a16="http://schemas.microsoft.com/office/drawing/2014/main" id="{C080A2E2-BDCA-1146-AEB8-8C6E5BCEFC8A}"/>
+              </a:ext>
+            </a:extLst>
+          </p:cNvPr>
+          <p:cNvSpPr txBox="1"/>
+          <p:nvPr/>
+        </p:nvSpPr>
+        <p:spPr>
+          <a:xfrm>
+            <a:off x="858020" y="4523216"/>
+            <a:ext cx="4616328" cy="369332"/>
+          </a:xfrm>
+          <a:prstGeom prst="rect">
+            <a:avLst/>
+          </a:prstGeom>
+          <a:noFill/>
+        </p:spPr>
+        <p:txBody>
+          <a:bodyPr wrap="none" rtlCol="0">
+            <a:spAutoFit/>
+          </a:bodyPr>
+          <a:lstStyle/>
+          <a:p>
+            <a:r>
+              <a:rPr lang="en-IL" dirty="0"/>
+              <a:t>More than 50% of our data are “Hybrid” strains</a:t>
+            </a:r>
+          </a:p>
+        </p:txBody>
+      </p:sp>
+      <p:sp>
+        <p:nvSpPr>
+          <p:cNvPr id="43" name="TextBox 42">
+            <a:extLst>
+              <a:ext uri="{FF2B5EF4-FFF2-40B4-BE49-F238E27FC236}">
+                <a16:creationId xmlns:a16="http://schemas.microsoft.com/office/drawing/2014/main" id="{6CD3BDA3-CB29-1E45-B8B8-D807C1EB93A7}"/>
+              </a:ext>
+            </a:extLst>
+          </p:cNvPr>
+          <p:cNvSpPr txBox="1"/>
+          <p:nvPr/>
+        </p:nvSpPr>
+        <p:spPr>
+          <a:xfrm>
+            <a:off x="845511" y="5076604"/>
+            <a:ext cx="3371436" cy="477054"/>
+          </a:xfrm>
+          <a:prstGeom prst="rect">
+            <a:avLst/>
+          </a:prstGeom>
+          <a:noFill/>
+        </p:spPr>
+        <p:txBody>
+          <a:bodyPr wrap="none" rtlCol="0">
+            <a:spAutoFit/>
+          </a:bodyPr>
+          <a:lstStyle/>
+          <a:p>
+            <a:r>
+              <a:rPr lang="en-IL" sz="2500" u="sng" dirty="0"/>
+              <a:t>Most Common Terpenes</a:t>
+            </a:r>
+          </a:p>
+        </p:txBody>
+      </p:sp>
+      <p:sp>
+        <p:nvSpPr>
+          <p:cNvPr id="44" name="TextBox 43">
+            <a:extLst>
+              <a:ext uri="{FF2B5EF4-FFF2-40B4-BE49-F238E27FC236}">
+                <a16:creationId xmlns:a16="http://schemas.microsoft.com/office/drawing/2014/main" id="{3838845F-4A08-5148-9AC7-D2A8878DACEA}"/>
+              </a:ext>
+            </a:extLst>
+          </p:cNvPr>
+          <p:cNvSpPr txBox="1"/>
+          <p:nvPr/>
+        </p:nvSpPr>
+        <p:spPr>
+          <a:xfrm>
+            <a:off x="845511" y="5553658"/>
+            <a:ext cx="4616328" cy="369332"/>
+          </a:xfrm>
+          <a:prstGeom prst="rect">
+            <a:avLst/>
+          </a:prstGeom>
+          <a:noFill/>
+        </p:spPr>
+        <p:txBody>
+          <a:bodyPr wrap="none" rtlCol="0">
+            <a:spAutoFit/>
+          </a:bodyPr>
+          <a:lstStyle/>
+          <a:p>
+            <a:r>
+              <a:rPr lang="en-IL" dirty="0"/>
+              <a:t>More than 50% of our data are “Hybrid” strains</a:t>
+            </a:r>
+          </a:p>
+        </p:txBody>
+      </p:sp>
+    </p:spTree>
+    <p:extLst>
+      <p:ext uri="{BB962C8B-B14F-4D97-AF65-F5344CB8AC3E}">
+        <p14:creationId xmlns:p14="http://schemas.microsoft.com/office/powerpoint/2010/main" val="3198905166"/>
+      </p:ext>
+    </p:extLst>
+  </p:cSld>
+  <p:clrMapOvr>
+    <a:overrideClrMapping bg1="dk1" tx1="lt1" bg2="dk2" tx2="lt2" accent1="accent1" accent2="accent2" accent3="accent3" accent4="accent4" accent5="accent5" accent6="accent6" hlink="hlink" folHlink="folHlink"/>
+  </p:clrMapOvr>
+</p:sld>
+</file>
+
+<file path=ppt/slides/slide12.xml><?xml version="1.0" encoding="utf-8"?>
+<p:sld xmlns:a="http://schemas.openxmlformats.org/drawingml/2006/main" xmlns:r="http://schemas.openxmlformats.org/officeDocument/2006/relationships" xmlns:p="http://schemas.openxmlformats.org/presentationml/2006/main">
+  <p:cSld>
+    <p:bg>
+      <p:bgPr>
+        <a:solidFill>
+          <a:srgbClr val="404040"/>
+        </a:solidFill>
+        <a:effectLst/>
+      </p:bgPr>
+    </p:bg>
+    <p:spTree>
+      <p:nvGrpSpPr>
+        <p:cNvPr id="1" name=""/>
+        <p:cNvGrpSpPr/>
+        <p:nvPr/>
+      </p:nvGrpSpPr>
+      <p:grpSpPr>
+        <a:xfrm>
+          <a:off x="0" y="0"/>
+          <a:ext cx="0" cy="0"/>
+          <a:chOff x="0" y="0"/>
+          <a:chExt cx="0" cy="0"/>
+        </a:xfrm>
+      </p:grpSpPr>
+      <p:sp>
+        <p:nvSpPr>
+          <p:cNvPr id="14" name="Rectangle 7">
+            <a:extLst>
+              <a:ext uri="{FF2B5EF4-FFF2-40B4-BE49-F238E27FC236}">
+                <a16:creationId xmlns:a16="http://schemas.microsoft.com/office/drawing/2014/main" id="{EA67B5B4-3A24-436E-B663-1B2EBFF8A0CD}"/>
+              </a:ext>
+              <a:ext uri="{C183D7F6-B498-43B3-948B-1728B52AA6E4}">
+                <adec:decorative xmlns:adec="http://schemas.microsoft.com/office/drawing/2017/decorative" val="1"/>
+              </a:ext>
+            </a:extLst>
+          </p:cNvPr>
+          <p:cNvSpPr>
+            <a:spLocks noGrp="1" noRot="1" noChangeAspect="1" noMove="1" noResize="1" noEditPoints="1" noAdjustHandles="1" noChangeArrowheads="1" noChangeShapeType="1" noTextEdit="1"/>
+          </p:cNvSpPr>
+          <p:nvPr>
+            <p:extLst>
+              <p:ext uri="{386F3935-93C4-4BCD-93E2-E3B085C9AB24}">
+                <p16:designElem xmlns:p16="http://schemas.microsoft.com/office/powerpoint/2015/main" val="1"/>
+              </p:ext>
+            </p:extLst>
+          </p:nvPr>
+        </p:nvSpPr>
+        <p:spPr>
+          <a:xfrm>
+            <a:off x="0" y="-3324"/>
+            <a:ext cx="12192000" cy="6861324"/>
+          </a:xfrm>
+          <a:prstGeom prst="rect">
+            <a:avLst/>
+          </a:prstGeom>
+          <a:solidFill>
+            <a:srgbClr val="404040"/>
+          </a:solidFill>
+          <a:ln>
+            <a:noFill/>
+          </a:ln>
+        </p:spPr>
+        <p:style>
+          <a:lnRef idx="2">
+            <a:schemeClr val="accent1">
+              <a:shade val="50000"/>
+            </a:schemeClr>
+          </a:lnRef>
+          <a:fillRef idx="1">
+            <a:schemeClr val="accent1"/>
+          </a:fillRef>
+          <a:effectRef idx="0">
+            <a:schemeClr val="accent1"/>
+          </a:effectRef>
+          <a:fontRef idx="minor">
+            <a:schemeClr val="lt1"/>
+          </a:fontRef>
+        </p:style>
+        <p:txBody>
+          <a:bodyPr rtlCol="0" anchor="ctr"/>
+          <a:lstStyle/>
+          <a:p>
+            <a:pPr algn="ctr"/>
+            <a:endParaRPr lang="en-US"/>
+          </a:p>
+        </p:txBody>
+      </p:sp>
+      <p:sp>
+        <p:nvSpPr>
+          <p:cNvPr id="15" name="Freeform 13">
+            <a:extLst>
+              <a:ext uri="{FF2B5EF4-FFF2-40B4-BE49-F238E27FC236}">
+                <a16:creationId xmlns:a16="http://schemas.microsoft.com/office/drawing/2014/main" id="{987FDF89-C993-41F4-A1B8-DBAFF16008A9}"/>
+              </a:ext>
+              <a:ext uri="{C183D7F6-B498-43B3-948B-1728B52AA6E4}">
+                <adec:decorative xmlns:adec="http://schemas.microsoft.com/office/drawing/2017/decorative" val="1"/>
+              </a:ext>
+            </a:extLst>
+          </p:cNvPr>
+          <p:cNvSpPr>
+            <a:spLocks noGrp="1" noRot="1" noChangeAspect="1" noMove="1" noResize="1" noEditPoints="1" noAdjustHandles="1" noChangeArrowheads="1" noChangeShapeType="1" noTextEdit="1"/>
+          </p:cNvSpPr>
+          <p:nvPr>
+            <p:extLst>
+              <p:ext uri="{386F3935-93C4-4BCD-93E2-E3B085C9AB24}">
+                <p16:designElem xmlns:p16="http://schemas.microsoft.com/office/powerpoint/2015/main" val="1"/>
+              </p:ext>
+            </p:extLst>
+          </p:nvPr>
+        </p:nvSpPr>
+        <p:spPr>
+          <a:xfrm>
+            <a:off x="0" y="0"/>
+            <a:ext cx="11786754" cy="6858000"/>
+          </a:xfrm>
+          <a:custGeom>
+            <a:avLst/>
+            <a:gdLst>
+              <a:gd name="connsiteX0" fmla="*/ 0 w 11786754"/>
+              <a:gd name="connsiteY0" fmla="*/ 0 h 6858000"/>
+              <a:gd name="connsiteX1" fmla="*/ 8610600 w 11786754"/>
+              <a:gd name="connsiteY1" fmla="*/ 0 h 6858000"/>
+              <a:gd name="connsiteX2" fmla="*/ 11786754 w 11786754"/>
+              <a:gd name="connsiteY2" fmla="*/ 6858000 h 6858000"/>
+              <a:gd name="connsiteX3" fmla="*/ 0 w 11786754"/>
+              <a:gd name="connsiteY3" fmla="*/ 6858000 h 6858000"/>
+            </a:gdLst>
+            <a:ahLst/>
+            <a:cxnLst>
+              <a:cxn ang="0">
+                <a:pos x="connsiteX0" y="connsiteY0"/>
+              </a:cxn>
+              <a:cxn ang="0">
+                <a:pos x="connsiteX1" y="connsiteY1"/>
+              </a:cxn>
+              <a:cxn ang="0">
+                <a:pos x="connsiteX2" y="connsiteY2"/>
+              </a:cxn>
+              <a:cxn ang="0">
+                <a:pos x="connsiteX3" y="connsiteY3"/>
+              </a:cxn>
+            </a:cxnLst>
+            <a:rect l="l" t="t" r="r" b="b"/>
+            <a:pathLst>
+              <a:path w="11786754" h="6858000">
+                <a:moveTo>
+                  <a:pt x="0" y="0"/>
+                </a:moveTo>
+                <a:lnTo>
+                  <a:pt x="8610600" y="0"/>
+                </a:lnTo>
+                <a:lnTo>
+                  <a:pt x="11786754" y="6858000"/>
+                </a:lnTo>
+                <a:lnTo>
+                  <a:pt x="0" y="6858000"/>
+                </a:lnTo>
+                <a:close/>
+              </a:path>
+            </a:pathLst>
+          </a:custGeom>
+          <a:solidFill>
+            <a:srgbClr val="000000">
+              <a:alpha val="29804"/>
+            </a:srgbClr>
+          </a:solidFill>
+          <a:ln>
+            <a:noFill/>
+          </a:ln>
+        </p:spPr>
+        <p:style>
+          <a:lnRef idx="2">
+            <a:schemeClr val="accent1">
+              <a:shade val="50000"/>
+            </a:schemeClr>
+          </a:lnRef>
+          <a:fillRef idx="1">
+            <a:schemeClr val="accent1"/>
+          </a:fillRef>
+          <a:effectRef idx="0">
+            <a:schemeClr val="accent1"/>
+          </a:effectRef>
+          <a:fontRef idx="minor">
+            <a:schemeClr val="lt1"/>
+          </a:fontRef>
+        </p:style>
+        <p:txBody>
+          <a:bodyPr rtlCol="0" anchor="ctr"/>
+          <a:lstStyle/>
+          <a:p>
+            <a:pPr algn="ctr"/>
+            <a:endParaRPr lang="en-US"/>
+          </a:p>
+        </p:txBody>
+      </p:sp>
+      <p:sp>
+        <p:nvSpPr>
+          <p:cNvPr id="16" name="Freeform 11">
+            <a:extLst>
+              <a:ext uri="{FF2B5EF4-FFF2-40B4-BE49-F238E27FC236}">
+                <a16:creationId xmlns:a16="http://schemas.microsoft.com/office/drawing/2014/main" id="{64E585EA-75FD-4025-8270-F66A58A15CDA}"/>
+              </a:ext>
+              <a:ext uri="{C183D7F6-B498-43B3-948B-1728B52AA6E4}">
+                <adec:decorative xmlns:adec="http://schemas.microsoft.com/office/drawing/2017/decorative" val="1"/>
+              </a:ext>
+            </a:extLst>
+          </p:cNvPr>
+          <p:cNvSpPr>
+            <a:spLocks noGrp="1" noRot="1" noChangeAspect="1" noMove="1" noResize="1" noEditPoints="1" noAdjustHandles="1" noChangeArrowheads="1" noChangeShapeType="1" noTextEdit="1"/>
+          </p:cNvSpPr>
+          <p:nvPr>
+            <p:extLst>
+              <p:ext uri="{386F3935-93C4-4BCD-93E2-E3B085C9AB24}">
+                <p16:designElem xmlns:p16="http://schemas.microsoft.com/office/powerpoint/2015/main" val="1"/>
+              </p:ext>
+            </p:extLst>
+          </p:nvPr>
+        </p:nvSpPr>
+        <p:spPr>
+          <a:xfrm>
+            <a:off x="0" y="0"/>
+            <a:ext cx="3581400" cy="6858000"/>
+          </a:xfrm>
+          <a:custGeom>
+            <a:avLst/>
+            <a:gdLst>
+              <a:gd name="connsiteX0" fmla="*/ 0 w 3581400"/>
+              <a:gd name="connsiteY0" fmla="*/ 0 h 6858000"/>
+              <a:gd name="connsiteX1" fmla="*/ 405246 w 3581400"/>
+              <a:gd name="connsiteY1" fmla="*/ 0 h 6858000"/>
+              <a:gd name="connsiteX2" fmla="*/ 3581400 w 3581400"/>
+              <a:gd name="connsiteY2" fmla="*/ 6858000 h 6858000"/>
+              <a:gd name="connsiteX3" fmla="*/ 0 w 3581400"/>
+              <a:gd name="connsiteY3" fmla="*/ 6858000 h 6858000"/>
+            </a:gdLst>
+            <a:ahLst/>
+            <a:cxnLst>
+              <a:cxn ang="0">
+                <a:pos x="connsiteX0" y="connsiteY0"/>
+              </a:cxn>
+              <a:cxn ang="0">
+                <a:pos x="connsiteX1" y="connsiteY1"/>
+              </a:cxn>
+              <a:cxn ang="0">
+                <a:pos x="connsiteX2" y="connsiteY2"/>
+              </a:cxn>
+              <a:cxn ang="0">
+                <a:pos x="connsiteX3" y="connsiteY3"/>
+              </a:cxn>
+            </a:cxnLst>
+            <a:rect l="l" t="t" r="r" b="b"/>
+            <a:pathLst>
+              <a:path w="3581400" h="6858000">
+                <a:moveTo>
+                  <a:pt x="0" y="0"/>
+                </a:moveTo>
+                <a:lnTo>
+                  <a:pt x="405246" y="0"/>
+                </a:lnTo>
+                <a:lnTo>
+                  <a:pt x="3581400" y="6858000"/>
+                </a:lnTo>
+                <a:lnTo>
+                  <a:pt x="0" y="6858000"/>
+                </a:lnTo>
+                <a:close/>
+              </a:path>
+            </a:pathLst>
+          </a:custGeom>
+          <a:solidFill>
+            <a:srgbClr val="000000">
+              <a:alpha val="29804"/>
+            </a:srgbClr>
+          </a:solidFill>
+          <a:ln>
+            <a:noFill/>
+          </a:ln>
+        </p:spPr>
+        <p:style>
+          <a:lnRef idx="2">
+            <a:schemeClr val="accent1">
+              <a:shade val="50000"/>
+            </a:schemeClr>
+          </a:lnRef>
+          <a:fillRef idx="1">
+            <a:schemeClr val="accent1"/>
+          </a:fillRef>
+          <a:effectRef idx="0">
+            <a:schemeClr val="accent1"/>
+          </a:effectRef>
+          <a:fontRef idx="minor">
+            <a:schemeClr val="lt1"/>
+          </a:fontRef>
+        </p:style>
+        <p:txBody>
+          <a:bodyPr wrap="square" rtlCol="0" anchor="ctr">
+            <a:noAutofit/>
+          </a:bodyPr>
+          <a:lstStyle/>
+          <a:p>
+            <a:pPr algn="ctr"/>
+            <a:endParaRPr lang="en-US"/>
+          </a:p>
+        </p:txBody>
+      </p:sp>
+      <p:sp>
+        <p:nvSpPr>
+          <p:cNvPr id="2" name="Title 1">
+            <a:extLst>
+              <a:ext uri="{FF2B5EF4-FFF2-40B4-BE49-F238E27FC236}">
+                <a16:creationId xmlns:a16="http://schemas.microsoft.com/office/drawing/2014/main" id="{CE660CB5-F295-8346-9CC7-56C1F7F2060C}"/>
+              </a:ext>
+            </a:extLst>
+          </p:cNvPr>
+          <p:cNvSpPr>
+            <a:spLocks noGrp="1"/>
+          </p:cNvSpPr>
+          <p:nvPr>
+            <p:ph type="title"/>
+          </p:nvPr>
+        </p:nvSpPr>
+        <p:spPr>
+          <a:xfrm>
+            <a:off x="833002" y="190030"/>
+            <a:ext cx="10520702" cy="1325563"/>
+          </a:xfrm>
+        </p:spPr>
+        <p:txBody>
+          <a:bodyPr>
+            <a:normAutofit/>
+          </a:bodyPr>
+          <a:lstStyle/>
+          <a:p>
+            <a:r>
+              <a:rPr lang="en-IL" dirty="0">
+                <a:solidFill>
+                  <a:srgbClr val="FFFFFF"/>
+                </a:solidFill>
+              </a:rPr>
+              <a:t>EDA – Strain Rating</a:t>
+            </a:r>
+          </a:p>
+        </p:txBody>
+      </p:sp>
+      <p:pic>
+        <p:nvPicPr>
+          <p:cNvPr id="28" name="Picture 27" descr="Chart&#10;&#10;Description automatically generated">
+            <a:extLst>
+              <a:ext uri="{FF2B5EF4-FFF2-40B4-BE49-F238E27FC236}">
+                <a16:creationId xmlns:a16="http://schemas.microsoft.com/office/drawing/2014/main" id="{6378D805-2F84-0F4B-9D20-FA9119D7E738}"/>
+              </a:ext>
+            </a:extLst>
+          </p:cNvPr>
+          <p:cNvPicPr>
+            <a:picLocks noChangeAspect="1"/>
+          </p:cNvPicPr>
+          <p:nvPr/>
+        </p:nvPicPr>
+        <p:blipFill>
+          <a:blip r:embed="rId2"/>
+          <a:stretch>
+            <a:fillRect/>
+          </a:stretch>
+        </p:blipFill>
+        <p:spPr>
+          <a:xfrm>
+            <a:off x="6262312" y="3774051"/>
+            <a:ext cx="4340878" cy="2893919"/>
+          </a:xfrm>
+          <a:prstGeom prst="rect">
+            <a:avLst/>
+          </a:prstGeom>
+        </p:spPr>
+      </p:pic>
+      <p:pic>
+        <p:nvPicPr>
+          <p:cNvPr id="7" name="Picture 6" descr="Chart&#10;&#10;Description automatically generated">
+            <a:extLst>
+              <a:ext uri="{FF2B5EF4-FFF2-40B4-BE49-F238E27FC236}">
+                <a16:creationId xmlns:a16="http://schemas.microsoft.com/office/drawing/2014/main" id="{1E3279ED-889E-2F44-BEA8-DA514C2DD320}"/>
+              </a:ext>
+            </a:extLst>
+          </p:cNvPr>
+          <p:cNvPicPr>
+            <a:picLocks noChangeAspect="1"/>
+          </p:cNvPicPr>
+          <p:nvPr/>
+        </p:nvPicPr>
+        <p:blipFill>
+          <a:blip r:embed="rId3"/>
+          <a:stretch>
+            <a:fillRect/>
+          </a:stretch>
+        </p:blipFill>
+        <p:spPr>
+          <a:xfrm>
+            <a:off x="1103592" y="3749148"/>
+            <a:ext cx="4378233" cy="2918822"/>
+          </a:xfrm>
+          <a:prstGeom prst="rect">
+            <a:avLst/>
+          </a:prstGeom>
+        </p:spPr>
+      </p:pic>
+      <p:sp>
+        <p:nvSpPr>
+          <p:cNvPr id="17" name="TextBox 16">
+            <a:extLst>
+              <a:ext uri="{FF2B5EF4-FFF2-40B4-BE49-F238E27FC236}">
+                <a16:creationId xmlns:a16="http://schemas.microsoft.com/office/drawing/2014/main" id="{F53B61FD-9E80-AB45-90A1-11825F898E05}"/>
+              </a:ext>
+            </a:extLst>
+          </p:cNvPr>
+          <p:cNvSpPr txBox="1"/>
+          <p:nvPr/>
+        </p:nvSpPr>
+        <p:spPr>
+          <a:xfrm>
+            <a:off x="860440" y="1328380"/>
+            <a:ext cx="2432269" cy="477054"/>
+          </a:xfrm>
+          <a:prstGeom prst="rect">
+            <a:avLst/>
+          </a:prstGeom>
+          <a:noFill/>
+        </p:spPr>
+        <p:txBody>
+          <a:bodyPr wrap="none" rtlCol="0">
+            <a:spAutoFit/>
+          </a:bodyPr>
+          <a:lstStyle/>
+          <a:p>
+            <a:r>
+              <a:rPr lang="en-IL" sz="2500" u="sng" dirty="0"/>
+              <a:t>Top Rated Strains</a:t>
+            </a:r>
+          </a:p>
+        </p:txBody>
+      </p:sp>
+      <p:sp>
+        <p:nvSpPr>
+          <p:cNvPr id="18" name="TextBox 17">
+            <a:extLst>
+              <a:ext uri="{FF2B5EF4-FFF2-40B4-BE49-F238E27FC236}">
+                <a16:creationId xmlns:a16="http://schemas.microsoft.com/office/drawing/2014/main" id="{D4EEBBFF-6A0D-DD4A-A189-B26D1451CC02}"/>
+              </a:ext>
+            </a:extLst>
+          </p:cNvPr>
+          <p:cNvSpPr txBox="1"/>
+          <p:nvPr/>
+        </p:nvSpPr>
+        <p:spPr>
+          <a:xfrm>
+            <a:off x="860440" y="1805434"/>
+            <a:ext cx="5790752" cy="369332"/>
+          </a:xfrm>
+          <a:prstGeom prst="rect">
+            <a:avLst/>
+          </a:prstGeom>
+          <a:noFill/>
+        </p:spPr>
+        <p:txBody>
+          <a:bodyPr wrap="none" rtlCol="0">
+            <a:spAutoFit/>
+          </a:bodyPr>
+          <a:lstStyle/>
+          <a:p>
+            <a:r>
+              <a:rPr lang="en-IL" dirty="0"/>
+              <a:t>The calculation is (Rating * Rating Users) / Max Rating Users</a:t>
+            </a:r>
+          </a:p>
+        </p:txBody>
+      </p:sp>
+      <p:sp>
+        <p:nvSpPr>
+          <p:cNvPr id="19" name="TextBox 18">
+            <a:extLst>
+              <a:ext uri="{FF2B5EF4-FFF2-40B4-BE49-F238E27FC236}">
+                <a16:creationId xmlns:a16="http://schemas.microsoft.com/office/drawing/2014/main" id="{F830FEE2-5355-1847-9F58-38DD55AC1CC4}"/>
+              </a:ext>
+            </a:extLst>
+          </p:cNvPr>
+          <p:cNvSpPr txBox="1"/>
+          <p:nvPr/>
+        </p:nvSpPr>
+        <p:spPr>
+          <a:xfrm>
+            <a:off x="860440" y="2287427"/>
+            <a:ext cx="2296141" cy="477054"/>
+          </a:xfrm>
+          <a:prstGeom prst="rect">
+            <a:avLst/>
+          </a:prstGeom>
+          <a:noFill/>
+        </p:spPr>
+        <p:txBody>
+          <a:bodyPr wrap="none" rtlCol="0">
+            <a:spAutoFit/>
+          </a:bodyPr>
+          <a:lstStyle/>
+          <a:p>
+            <a:r>
+              <a:rPr lang="en-IL" sz="2500" u="sng" dirty="0"/>
+              <a:t>Rating by THC %</a:t>
+            </a:r>
+          </a:p>
+        </p:txBody>
+      </p:sp>
+      <p:sp>
+        <p:nvSpPr>
+          <p:cNvPr id="20" name="TextBox 19">
+            <a:extLst>
+              <a:ext uri="{FF2B5EF4-FFF2-40B4-BE49-F238E27FC236}">
+                <a16:creationId xmlns:a16="http://schemas.microsoft.com/office/drawing/2014/main" id="{509C1D13-3CDB-1043-AC0E-25A32C580976}"/>
+              </a:ext>
+            </a:extLst>
+          </p:cNvPr>
+          <p:cNvSpPr txBox="1"/>
+          <p:nvPr/>
+        </p:nvSpPr>
+        <p:spPr>
+          <a:xfrm>
+            <a:off x="860440" y="2764481"/>
+            <a:ext cx="5158720" cy="923330"/>
+          </a:xfrm>
+          <a:prstGeom prst="rect">
+            <a:avLst/>
+          </a:prstGeom>
+          <a:noFill/>
+        </p:spPr>
+        <p:txBody>
+          <a:bodyPr wrap="none" rtlCol="0">
+            <a:spAutoFit/>
+          </a:bodyPr>
+          <a:lstStyle/>
+          <a:p>
+            <a:r>
+              <a:rPr lang="en-IL" dirty="0"/>
+              <a:t>Strains with under 15% THC usually have high rating. </a:t>
+            </a:r>
+          </a:p>
+          <a:p>
+            <a:r>
+              <a:rPr lang="en-IL" dirty="0"/>
+              <a:t>At around 15% we can see lower rating.</a:t>
+            </a:r>
+          </a:p>
+          <a:p>
+            <a:r>
+              <a:rPr lang="en-IL" dirty="0"/>
+              <a:t>Over 15% the amount of low ratings is decreasing.</a:t>
+            </a:r>
+          </a:p>
+        </p:txBody>
+      </p:sp>
+    </p:spTree>
+    <p:extLst>
+      <p:ext uri="{BB962C8B-B14F-4D97-AF65-F5344CB8AC3E}">
+        <p14:creationId xmlns:p14="http://schemas.microsoft.com/office/powerpoint/2010/main" val="490792630"/>
+      </p:ext>
+    </p:extLst>
+  </p:cSld>
+  <p:clrMapOvr>
+    <a:overrideClrMapping bg1="dk1" tx1="lt1" bg2="dk2" tx2="lt2" accent1="accent1" accent2="accent2" accent3="accent3" accent4="accent4" accent5="accent5" accent6="accent6" hlink="hlink" folHlink="folHlink"/>
+  </p:clrMapOvr>
+</p:sld>
+</file>
+
+<file path=ppt/slides/slide13.xml><?xml version="1.0" encoding="utf-8"?>
+<p:sld xmlns:a="http://schemas.openxmlformats.org/drawingml/2006/main" xmlns:r="http://schemas.openxmlformats.org/officeDocument/2006/relationships" xmlns:p="http://schemas.openxmlformats.org/presentationml/2006/main">
+  <p:cSld>
+    <p:bg>
+      <p:bgPr>
+        <a:solidFill>
+          <a:srgbClr val="404040"/>
+        </a:solidFill>
+        <a:effectLst/>
+      </p:bgPr>
+    </p:bg>
+    <p:spTree>
+      <p:nvGrpSpPr>
+        <p:cNvPr id="1" name=""/>
+        <p:cNvGrpSpPr/>
+        <p:nvPr/>
+      </p:nvGrpSpPr>
+      <p:grpSpPr>
+        <a:xfrm>
+          <a:off x="0" y="0"/>
+          <a:ext cx="0" cy="0"/>
+          <a:chOff x="0" y="0"/>
+          <a:chExt cx="0" cy="0"/>
+        </a:xfrm>
+      </p:grpSpPr>
+      <p:sp>
+        <p:nvSpPr>
+          <p:cNvPr id="14" name="Rectangle 7">
+            <a:extLst>
+              <a:ext uri="{FF2B5EF4-FFF2-40B4-BE49-F238E27FC236}">
+                <a16:creationId xmlns:a16="http://schemas.microsoft.com/office/drawing/2014/main" id="{EA67B5B4-3A24-436E-B663-1B2EBFF8A0CD}"/>
+              </a:ext>
+              <a:ext uri="{C183D7F6-B498-43B3-948B-1728B52AA6E4}">
+                <adec:decorative xmlns:adec="http://schemas.microsoft.com/office/drawing/2017/decorative" val="1"/>
+              </a:ext>
+            </a:extLst>
+          </p:cNvPr>
+          <p:cNvSpPr>
+            <a:spLocks noGrp="1" noRot="1" noChangeAspect="1" noMove="1" noResize="1" noEditPoints="1" noAdjustHandles="1" noChangeArrowheads="1" noChangeShapeType="1" noTextEdit="1"/>
+          </p:cNvSpPr>
+          <p:nvPr>
+            <p:extLst>
+              <p:ext uri="{386F3935-93C4-4BCD-93E2-E3B085C9AB24}">
+                <p16:designElem xmlns:p16="http://schemas.microsoft.com/office/powerpoint/2015/main" val="1"/>
+              </p:ext>
+            </p:extLst>
+          </p:nvPr>
+        </p:nvSpPr>
+        <p:spPr>
+          <a:xfrm>
+            <a:off x="0" y="-3324"/>
+            <a:ext cx="12192000" cy="6861324"/>
+          </a:xfrm>
+          <a:prstGeom prst="rect">
+            <a:avLst/>
+          </a:prstGeom>
+          <a:solidFill>
+            <a:srgbClr val="404040"/>
+          </a:solidFill>
+          <a:ln>
+            <a:noFill/>
+          </a:ln>
+        </p:spPr>
+        <p:style>
+          <a:lnRef idx="2">
+            <a:schemeClr val="accent1">
+              <a:shade val="50000"/>
+            </a:schemeClr>
+          </a:lnRef>
+          <a:fillRef idx="1">
+            <a:schemeClr val="accent1"/>
+          </a:fillRef>
+          <a:effectRef idx="0">
+            <a:schemeClr val="accent1"/>
+          </a:effectRef>
+          <a:fontRef idx="minor">
+            <a:schemeClr val="lt1"/>
+          </a:fontRef>
+        </p:style>
+        <p:txBody>
+          <a:bodyPr rtlCol="0" anchor="ctr"/>
+          <a:lstStyle/>
+          <a:p>
+            <a:pPr algn="ctr"/>
+            <a:endParaRPr lang="en-US"/>
+          </a:p>
+        </p:txBody>
+      </p:sp>
+      <p:sp>
+        <p:nvSpPr>
+          <p:cNvPr id="15" name="Freeform 13">
+            <a:extLst>
+              <a:ext uri="{FF2B5EF4-FFF2-40B4-BE49-F238E27FC236}">
+                <a16:creationId xmlns:a16="http://schemas.microsoft.com/office/drawing/2014/main" id="{987FDF89-C993-41F4-A1B8-DBAFF16008A9}"/>
+              </a:ext>
+              <a:ext uri="{C183D7F6-B498-43B3-948B-1728B52AA6E4}">
+                <adec:decorative xmlns:adec="http://schemas.microsoft.com/office/drawing/2017/decorative" val="1"/>
+              </a:ext>
+            </a:extLst>
+          </p:cNvPr>
+          <p:cNvSpPr>
+            <a:spLocks noGrp="1" noRot="1" noChangeAspect="1" noMove="1" noResize="1" noEditPoints="1" noAdjustHandles="1" noChangeArrowheads="1" noChangeShapeType="1" noTextEdit="1"/>
+          </p:cNvSpPr>
+          <p:nvPr>
+            <p:extLst>
+              <p:ext uri="{386F3935-93C4-4BCD-93E2-E3B085C9AB24}">
+                <p16:designElem xmlns:p16="http://schemas.microsoft.com/office/powerpoint/2015/main" val="1"/>
+              </p:ext>
+            </p:extLst>
+          </p:nvPr>
+        </p:nvSpPr>
+        <p:spPr>
+          <a:xfrm>
+            <a:off x="0" y="0"/>
+            <a:ext cx="11786754" cy="6858000"/>
+          </a:xfrm>
+          <a:custGeom>
+            <a:avLst/>
+            <a:gdLst>
+              <a:gd name="connsiteX0" fmla="*/ 0 w 11786754"/>
+              <a:gd name="connsiteY0" fmla="*/ 0 h 6858000"/>
+              <a:gd name="connsiteX1" fmla="*/ 8610600 w 11786754"/>
+              <a:gd name="connsiteY1" fmla="*/ 0 h 6858000"/>
+              <a:gd name="connsiteX2" fmla="*/ 11786754 w 11786754"/>
+              <a:gd name="connsiteY2" fmla="*/ 6858000 h 6858000"/>
+              <a:gd name="connsiteX3" fmla="*/ 0 w 11786754"/>
+              <a:gd name="connsiteY3" fmla="*/ 6858000 h 6858000"/>
+            </a:gdLst>
+            <a:ahLst/>
+            <a:cxnLst>
+              <a:cxn ang="0">
+                <a:pos x="connsiteX0" y="connsiteY0"/>
+              </a:cxn>
+              <a:cxn ang="0">
+                <a:pos x="connsiteX1" y="connsiteY1"/>
+              </a:cxn>
+              <a:cxn ang="0">
+                <a:pos x="connsiteX2" y="connsiteY2"/>
+              </a:cxn>
+              <a:cxn ang="0">
+                <a:pos x="connsiteX3" y="connsiteY3"/>
+              </a:cxn>
+            </a:cxnLst>
+            <a:rect l="l" t="t" r="r" b="b"/>
+            <a:pathLst>
+              <a:path w="11786754" h="6858000">
+                <a:moveTo>
+                  <a:pt x="0" y="0"/>
+                </a:moveTo>
+                <a:lnTo>
+                  <a:pt x="8610600" y="0"/>
+                </a:lnTo>
+                <a:lnTo>
+                  <a:pt x="11786754" y="6858000"/>
+                </a:lnTo>
+                <a:lnTo>
+                  <a:pt x="0" y="6858000"/>
+                </a:lnTo>
+                <a:close/>
+              </a:path>
+            </a:pathLst>
+          </a:custGeom>
+          <a:solidFill>
+            <a:srgbClr val="000000">
+              <a:alpha val="29804"/>
+            </a:srgbClr>
+          </a:solidFill>
+          <a:ln>
+            <a:noFill/>
+          </a:ln>
+        </p:spPr>
+        <p:style>
+          <a:lnRef idx="2">
+            <a:schemeClr val="accent1">
+              <a:shade val="50000"/>
+            </a:schemeClr>
+          </a:lnRef>
+          <a:fillRef idx="1">
+            <a:schemeClr val="accent1"/>
+          </a:fillRef>
+          <a:effectRef idx="0">
+            <a:schemeClr val="accent1"/>
+          </a:effectRef>
+          <a:fontRef idx="minor">
+            <a:schemeClr val="lt1"/>
+          </a:fontRef>
+        </p:style>
+        <p:txBody>
+          <a:bodyPr rtlCol="0" anchor="ctr"/>
+          <a:lstStyle/>
+          <a:p>
+            <a:pPr algn="ctr"/>
+            <a:endParaRPr lang="en-US"/>
+          </a:p>
+        </p:txBody>
+      </p:sp>
+      <p:sp>
+        <p:nvSpPr>
+          <p:cNvPr id="16" name="Freeform 11">
+            <a:extLst>
+              <a:ext uri="{FF2B5EF4-FFF2-40B4-BE49-F238E27FC236}">
+                <a16:creationId xmlns:a16="http://schemas.microsoft.com/office/drawing/2014/main" id="{64E585EA-75FD-4025-8270-F66A58A15CDA}"/>
+              </a:ext>
+              <a:ext uri="{C183D7F6-B498-43B3-948B-1728B52AA6E4}">
+                <adec:decorative xmlns:adec="http://schemas.microsoft.com/office/drawing/2017/decorative" val="1"/>
+              </a:ext>
+            </a:extLst>
+          </p:cNvPr>
+          <p:cNvSpPr>
+            <a:spLocks noGrp="1" noRot="1" noChangeAspect="1" noMove="1" noResize="1" noEditPoints="1" noAdjustHandles="1" noChangeArrowheads="1" noChangeShapeType="1" noTextEdit="1"/>
+          </p:cNvSpPr>
+          <p:nvPr>
+            <p:extLst>
+              <p:ext uri="{386F3935-93C4-4BCD-93E2-E3B085C9AB24}">
+                <p16:designElem xmlns:p16="http://schemas.microsoft.com/office/powerpoint/2015/main" val="1"/>
+              </p:ext>
+            </p:extLst>
+          </p:nvPr>
+        </p:nvSpPr>
+        <p:spPr>
+          <a:xfrm>
+            <a:off x="0" y="0"/>
+            <a:ext cx="3581400" cy="6858000"/>
+          </a:xfrm>
+          <a:custGeom>
+            <a:avLst/>
+            <a:gdLst>
+              <a:gd name="connsiteX0" fmla="*/ 0 w 3581400"/>
+              <a:gd name="connsiteY0" fmla="*/ 0 h 6858000"/>
+              <a:gd name="connsiteX1" fmla="*/ 405246 w 3581400"/>
+              <a:gd name="connsiteY1" fmla="*/ 0 h 6858000"/>
+              <a:gd name="connsiteX2" fmla="*/ 3581400 w 3581400"/>
+              <a:gd name="connsiteY2" fmla="*/ 6858000 h 6858000"/>
+              <a:gd name="connsiteX3" fmla="*/ 0 w 3581400"/>
+              <a:gd name="connsiteY3" fmla="*/ 6858000 h 6858000"/>
+            </a:gdLst>
+            <a:ahLst/>
+            <a:cxnLst>
+              <a:cxn ang="0">
+                <a:pos x="connsiteX0" y="connsiteY0"/>
+              </a:cxn>
+              <a:cxn ang="0">
+                <a:pos x="connsiteX1" y="connsiteY1"/>
+              </a:cxn>
+              <a:cxn ang="0">
+                <a:pos x="connsiteX2" y="connsiteY2"/>
+              </a:cxn>
+              <a:cxn ang="0">
+                <a:pos x="connsiteX3" y="connsiteY3"/>
+              </a:cxn>
+            </a:cxnLst>
+            <a:rect l="l" t="t" r="r" b="b"/>
+            <a:pathLst>
+              <a:path w="3581400" h="6858000">
+                <a:moveTo>
+                  <a:pt x="0" y="0"/>
+                </a:moveTo>
+                <a:lnTo>
+                  <a:pt x="405246" y="0"/>
+                </a:lnTo>
+                <a:lnTo>
+                  <a:pt x="3581400" y="6858000"/>
+                </a:lnTo>
+                <a:lnTo>
+                  <a:pt x="0" y="6858000"/>
+                </a:lnTo>
+                <a:close/>
+              </a:path>
+            </a:pathLst>
+          </a:custGeom>
+          <a:solidFill>
+            <a:srgbClr val="000000">
+              <a:alpha val="29804"/>
+            </a:srgbClr>
+          </a:solidFill>
+          <a:ln>
+            <a:noFill/>
+          </a:ln>
+        </p:spPr>
+        <p:style>
+          <a:lnRef idx="2">
+            <a:schemeClr val="accent1">
+              <a:shade val="50000"/>
+            </a:schemeClr>
+          </a:lnRef>
+          <a:fillRef idx="1">
+            <a:schemeClr val="accent1"/>
+          </a:fillRef>
+          <a:effectRef idx="0">
+            <a:schemeClr val="accent1"/>
+          </a:effectRef>
+          <a:fontRef idx="minor">
+            <a:schemeClr val="lt1"/>
+          </a:fontRef>
+        </p:style>
+        <p:txBody>
+          <a:bodyPr wrap="square" rtlCol="0" anchor="ctr">
+            <a:noAutofit/>
+          </a:bodyPr>
+          <a:lstStyle/>
+          <a:p>
+            <a:pPr algn="ctr"/>
+            <a:endParaRPr lang="en-US"/>
+          </a:p>
+        </p:txBody>
+      </p:sp>
+      <p:sp>
+        <p:nvSpPr>
+          <p:cNvPr id="2" name="Title 1">
+            <a:extLst>
+              <a:ext uri="{FF2B5EF4-FFF2-40B4-BE49-F238E27FC236}">
+                <a16:creationId xmlns:a16="http://schemas.microsoft.com/office/drawing/2014/main" id="{CE660CB5-F295-8346-9CC7-56C1F7F2060C}"/>
+              </a:ext>
+            </a:extLst>
+          </p:cNvPr>
+          <p:cNvSpPr>
+            <a:spLocks noGrp="1"/>
+          </p:cNvSpPr>
+          <p:nvPr>
+            <p:ph type="title"/>
+          </p:nvPr>
+        </p:nvSpPr>
+        <p:spPr>
+          <a:xfrm>
+            <a:off x="833002" y="190030"/>
+            <a:ext cx="10520702" cy="1325563"/>
+          </a:xfrm>
+        </p:spPr>
+        <p:txBody>
+          <a:bodyPr>
+            <a:normAutofit/>
+          </a:bodyPr>
+          <a:lstStyle/>
+          <a:p>
+            <a:r>
+              <a:rPr lang="en-IL" dirty="0">
+                <a:solidFill>
+                  <a:srgbClr val="FFFFFF"/>
+                </a:solidFill>
+              </a:rPr>
+              <a:t>Machine Learning</a:t>
+            </a:r>
+          </a:p>
+        </p:txBody>
+      </p:sp>
+      <p:sp>
+        <p:nvSpPr>
+          <p:cNvPr id="3" name="Content Placeholder 2">
+            <a:extLst>
+              <a:ext uri="{FF2B5EF4-FFF2-40B4-BE49-F238E27FC236}">
+                <a16:creationId xmlns:a16="http://schemas.microsoft.com/office/drawing/2014/main" id="{BA080928-EC02-ED41-A9A8-B9C716E1803F}"/>
+              </a:ext>
+            </a:extLst>
+          </p:cNvPr>
+          <p:cNvSpPr>
+            <a:spLocks noGrp="1"/>
+          </p:cNvSpPr>
+          <p:nvPr>
+            <p:ph idx="1"/>
+          </p:nvPr>
+        </p:nvSpPr>
+        <p:spPr>
+          <a:xfrm>
+            <a:off x="838201" y="1406523"/>
+            <a:ext cx="10515598" cy="4154361"/>
+          </a:xfrm>
+        </p:spPr>
+        <p:txBody>
+          <a:bodyPr>
+            <a:normAutofit/>
+          </a:bodyPr>
+          <a:lstStyle/>
+          <a:p>
+            <a:pPr marL="0" indent="0">
+              <a:buNone/>
+            </a:pPr>
+            <a:r>
+              <a:rPr lang="en-IL" sz="2500" u="sng" dirty="0">
+                <a:solidFill>
+                  <a:srgbClr val="FFFFFF"/>
+                </a:solidFill>
+              </a:rPr>
+              <a:t>The Goal</a:t>
+            </a:r>
+          </a:p>
+          <a:p>
+            <a:pPr marL="0" indent="0">
+              <a:buNone/>
+            </a:pPr>
+            <a:r>
+              <a:rPr lang="en-IL" sz="1800" dirty="0">
+                <a:solidFill>
+                  <a:srgbClr val="FFFFFF"/>
+                </a:solidFill>
+              </a:rPr>
+              <a:t>Create a model that can predict whether a strain is “Hybrid”, “Sativa” or “Indica”.</a:t>
+            </a:r>
+          </a:p>
+          <a:p>
+            <a:pPr marL="0" indent="0">
+              <a:buNone/>
+            </a:pPr>
+            <a:endParaRPr lang="en-IL" sz="1800" dirty="0">
+              <a:solidFill>
+                <a:srgbClr val="FFFFFF"/>
+              </a:solidFill>
+            </a:endParaRPr>
+          </a:p>
+          <a:p>
+            <a:pPr marL="0" indent="0">
+              <a:buNone/>
+            </a:pPr>
+            <a:r>
+              <a:rPr lang="en-IL" sz="1800" u="sng" dirty="0">
+                <a:solidFill>
+                  <a:srgbClr val="FFFFFF"/>
+                </a:solidFill>
+              </a:rPr>
+              <a:t>The Method</a:t>
+            </a:r>
+          </a:p>
+          <a:p>
+            <a:pPr marL="0" indent="0">
+              <a:buNone/>
+            </a:pPr>
+            <a:r>
+              <a:rPr lang="en-IL" sz="1800" dirty="0">
+                <a:solidFill>
+                  <a:srgbClr val="FFFFFF"/>
+                </a:solidFill>
+              </a:rPr>
+              <a:t>We used ‘sklearn’ library and Logistic Regression method to train and predict the strain type.</a:t>
+            </a:r>
+          </a:p>
+          <a:p>
+            <a:pPr marL="0" indent="0">
+              <a:buNone/>
+            </a:pPr>
+            <a:r>
+              <a:rPr lang="en-IL" sz="1800" dirty="0">
+                <a:solidFill>
+                  <a:srgbClr val="FFFFFF"/>
+                </a:solidFill>
+              </a:rPr>
+              <a:t>The reason we chose Logistic Regression is that our type of predicition is a </a:t>
+            </a:r>
+            <a:r>
+              <a:rPr lang="en-US" sz="1800" dirty="0">
+                <a:solidFill>
+                  <a:srgbClr val="FFFFFF"/>
+                </a:solidFill>
+              </a:rPr>
+              <a:t>classification problem.</a:t>
+            </a:r>
+            <a:endParaRPr lang="en-IL" sz="1800" dirty="0">
+              <a:solidFill>
+                <a:srgbClr val="FFFFFF"/>
+              </a:solidFill>
+            </a:endParaRPr>
+          </a:p>
+          <a:p>
+            <a:pPr marL="0" indent="0">
+              <a:buNone/>
+            </a:pPr>
+            <a:endParaRPr lang="en-IL" sz="1800" dirty="0">
+              <a:solidFill>
+                <a:srgbClr val="FFFFFF"/>
+              </a:solidFill>
+            </a:endParaRPr>
+          </a:p>
+        </p:txBody>
+      </p:sp>
+      <p:sp>
+        <p:nvSpPr>
+          <p:cNvPr id="4" name="Rounded Rectangle 3">
+            <a:extLst>
+              <a:ext uri="{FF2B5EF4-FFF2-40B4-BE49-F238E27FC236}">
+                <a16:creationId xmlns:a16="http://schemas.microsoft.com/office/drawing/2014/main" id="{2E0B6723-2158-5E44-813B-BA76DB25D7E2}"/>
+              </a:ext>
+            </a:extLst>
+          </p:cNvPr>
+          <p:cNvSpPr/>
+          <p:nvPr/>
+        </p:nvSpPr>
+        <p:spPr>
+          <a:xfrm>
+            <a:off x="4618827" y="4567132"/>
+            <a:ext cx="1834816" cy="1642310"/>
+          </a:xfrm>
+          <a:prstGeom prst="roundRect">
+            <a:avLst/>
+          </a:prstGeom>
+          <a:solidFill>
+            <a:srgbClr val="00D938"/>
+          </a:solidFill>
+        </p:spPr>
+        <p:style>
+          <a:lnRef idx="2">
+            <a:schemeClr val="accent1">
+              <a:shade val="50000"/>
+            </a:schemeClr>
+          </a:lnRef>
+          <a:fillRef idx="1">
+            <a:schemeClr val="accent1"/>
+          </a:fillRef>
+          <a:effectRef idx="0">
+            <a:schemeClr val="accent1"/>
+          </a:effectRef>
+          <a:fontRef idx="minor">
+            <a:schemeClr val="lt1"/>
+          </a:fontRef>
+        </p:style>
+        <p:txBody>
+          <a:bodyPr rtlCol="0" anchor="ctr"/>
+          <a:lstStyle/>
+          <a:p>
+            <a:pPr algn="ctr"/>
+            <a:r>
+              <a:rPr lang="en-IL" dirty="0"/>
+              <a:t>Logistic Regression</a:t>
+            </a:r>
+          </a:p>
+        </p:txBody>
+      </p:sp>
+      <p:sp>
+        <p:nvSpPr>
+          <p:cNvPr id="5" name="Right Arrow 4">
+            <a:extLst>
+              <a:ext uri="{FF2B5EF4-FFF2-40B4-BE49-F238E27FC236}">
+                <a16:creationId xmlns:a16="http://schemas.microsoft.com/office/drawing/2014/main" id="{A181332A-450F-1542-9875-C28E7569D14D}"/>
+              </a:ext>
+            </a:extLst>
+          </p:cNvPr>
+          <p:cNvSpPr/>
+          <p:nvPr/>
+        </p:nvSpPr>
+        <p:spPr>
+          <a:xfrm>
+            <a:off x="3022211" y="4765932"/>
+            <a:ext cx="1530456" cy="242225"/>
+          </a:xfrm>
+          <a:prstGeom prst="rightArrow">
+            <a:avLst/>
+          </a:prstGeom>
+          <a:solidFill>
+            <a:schemeClr val="tx1">
+              <a:lumMod val="50000"/>
+            </a:schemeClr>
+          </a:solidFill>
+        </p:spPr>
+        <p:style>
+          <a:lnRef idx="2">
+            <a:schemeClr val="accent1">
+              <a:shade val="50000"/>
+            </a:schemeClr>
+          </a:lnRef>
+          <a:fillRef idx="1">
+            <a:schemeClr val="accent1"/>
+          </a:fillRef>
+          <a:effectRef idx="0">
+            <a:schemeClr val="accent1"/>
+          </a:effectRef>
+          <a:fontRef idx="minor">
+            <a:schemeClr val="lt1"/>
+          </a:fontRef>
+        </p:style>
+        <p:txBody>
+          <a:bodyPr rtlCol="0" anchor="ctr"/>
+          <a:lstStyle/>
+          <a:p>
+            <a:pPr algn="ctr"/>
+            <a:r>
+              <a:rPr lang="en-IL" sz="1000" dirty="0"/>
+              <a:t>Feelings</a:t>
+            </a:r>
+          </a:p>
+        </p:txBody>
+      </p:sp>
+      <p:sp>
+        <p:nvSpPr>
+          <p:cNvPr id="10" name="Right Arrow 9">
+            <a:extLst>
+              <a:ext uri="{FF2B5EF4-FFF2-40B4-BE49-F238E27FC236}">
+                <a16:creationId xmlns:a16="http://schemas.microsoft.com/office/drawing/2014/main" id="{511C89C4-CD92-5F4B-90AB-86079802D699}"/>
+              </a:ext>
+            </a:extLst>
+          </p:cNvPr>
+          <p:cNvSpPr/>
+          <p:nvPr/>
+        </p:nvSpPr>
+        <p:spPr>
+          <a:xfrm>
+            <a:off x="3022211" y="5755042"/>
+            <a:ext cx="1530456" cy="242225"/>
+          </a:xfrm>
+          <a:prstGeom prst="rightArrow">
+            <a:avLst/>
+          </a:prstGeom>
+          <a:solidFill>
+            <a:schemeClr val="tx1">
+              <a:lumMod val="50000"/>
+            </a:schemeClr>
+          </a:solidFill>
+        </p:spPr>
+        <p:style>
+          <a:lnRef idx="2">
+            <a:schemeClr val="accent1">
+              <a:shade val="50000"/>
+            </a:schemeClr>
+          </a:lnRef>
+          <a:fillRef idx="1">
+            <a:schemeClr val="accent1"/>
+          </a:fillRef>
+          <a:effectRef idx="0">
+            <a:schemeClr val="accent1"/>
+          </a:effectRef>
+          <a:fontRef idx="minor">
+            <a:schemeClr val="lt1"/>
+          </a:fontRef>
+        </p:style>
+        <p:txBody>
+          <a:bodyPr rtlCol="0" anchor="ctr"/>
+          <a:lstStyle/>
+          <a:p>
+            <a:pPr algn="ctr"/>
+            <a:r>
+              <a:rPr lang="en-IL" sz="1000" dirty="0"/>
+              <a:t>Flavors</a:t>
+            </a:r>
+          </a:p>
+        </p:txBody>
+      </p:sp>
+      <p:sp>
+        <p:nvSpPr>
+          <p:cNvPr id="11" name="Right Arrow 10">
+            <a:extLst>
+              <a:ext uri="{FF2B5EF4-FFF2-40B4-BE49-F238E27FC236}">
+                <a16:creationId xmlns:a16="http://schemas.microsoft.com/office/drawing/2014/main" id="{51BD266D-FC42-2D4E-AFF9-61FDF41879D3}"/>
+              </a:ext>
+            </a:extLst>
+          </p:cNvPr>
+          <p:cNvSpPr/>
+          <p:nvPr/>
+        </p:nvSpPr>
+        <p:spPr>
+          <a:xfrm>
+            <a:off x="3022211" y="5414489"/>
+            <a:ext cx="1530456" cy="242225"/>
+          </a:xfrm>
+          <a:prstGeom prst="rightArrow">
+            <a:avLst/>
+          </a:prstGeom>
+          <a:solidFill>
+            <a:schemeClr val="tx1">
+              <a:lumMod val="50000"/>
+            </a:schemeClr>
+          </a:solidFill>
+        </p:spPr>
+        <p:style>
+          <a:lnRef idx="2">
+            <a:schemeClr val="accent1">
+              <a:shade val="50000"/>
+            </a:schemeClr>
+          </a:lnRef>
+          <a:fillRef idx="1">
+            <a:schemeClr val="accent1"/>
+          </a:fillRef>
+          <a:effectRef idx="0">
+            <a:schemeClr val="accent1"/>
+          </a:effectRef>
+          <a:fontRef idx="minor">
+            <a:schemeClr val="lt1"/>
+          </a:fontRef>
+        </p:style>
+        <p:txBody>
+          <a:bodyPr rtlCol="0" anchor="ctr"/>
+          <a:lstStyle/>
+          <a:p>
+            <a:pPr algn="ctr"/>
+            <a:r>
+              <a:rPr lang="en-IL" sz="1000" dirty="0"/>
+              <a:t>THC %</a:t>
+            </a:r>
+          </a:p>
+        </p:txBody>
+      </p:sp>
+      <p:sp>
+        <p:nvSpPr>
+          <p:cNvPr id="12" name="Right Arrow 11">
+            <a:extLst>
+              <a:ext uri="{FF2B5EF4-FFF2-40B4-BE49-F238E27FC236}">
+                <a16:creationId xmlns:a16="http://schemas.microsoft.com/office/drawing/2014/main" id="{02173687-FB0B-5640-AC14-5F44C3F173AE}"/>
+              </a:ext>
+            </a:extLst>
+          </p:cNvPr>
+          <p:cNvSpPr/>
+          <p:nvPr/>
+        </p:nvSpPr>
+        <p:spPr>
+          <a:xfrm>
+            <a:off x="3029481" y="5092106"/>
+            <a:ext cx="1530456" cy="242225"/>
+          </a:xfrm>
+          <a:prstGeom prst="rightArrow">
+            <a:avLst/>
+          </a:prstGeom>
+          <a:solidFill>
+            <a:schemeClr val="tx1">
+              <a:lumMod val="50000"/>
+            </a:schemeClr>
+          </a:solidFill>
+        </p:spPr>
+        <p:style>
+          <a:lnRef idx="2">
+            <a:schemeClr val="accent1">
+              <a:shade val="50000"/>
+            </a:schemeClr>
+          </a:lnRef>
+          <a:fillRef idx="1">
+            <a:schemeClr val="accent1"/>
+          </a:fillRef>
+          <a:effectRef idx="0">
+            <a:schemeClr val="accent1"/>
+          </a:effectRef>
+          <a:fontRef idx="minor">
+            <a:schemeClr val="lt1"/>
+          </a:fontRef>
+        </p:style>
+        <p:txBody>
+          <a:bodyPr rtlCol="0" anchor="ctr"/>
+          <a:lstStyle/>
+          <a:p>
+            <a:pPr algn="ctr"/>
+            <a:r>
+              <a:rPr lang="en-IL" sz="1000" dirty="0"/>
+              <a:t>Terpenes</a:t>
+            </a:r>
+          </a:p>
+        </p:txBody>
+      </p:sp>
+      <p:pic>
+        <p:nvPicPr>
+          <p:cNvPr id="13" name="Picture 12" descr="Map&#10;&#10;Description automatically generated with low confidence">
+            <a:extLst>
+              <a:ext uri="{FF2B5EF4-FFF2-40B4-BE49-F238E27FC236}">
+                <a16:creationId xmlns:a16="http://schemas.microsoft.com/office/drawing/2014/main" id="{C06520F3-2086-1942-803E-D2422FC8A686}"/>
+              </a:ext>
+            </a:extLst>
+          </p:cNvPr>
+          <p:cNvPicPr>
+            <a:picLocks noChangeAspect="1"/>
+          </p:cNvPicPr>
+          <p:nvPr/>
+        </p:nvPicPr>
+        <p:blipFill rotWithShape="1">
+          <a:blip r:embed="rId2"/>
+          <a:srcRect l="20853" t="9187" r="21410" b="32619"/>
+          <a:stretch/>
+        </p:blipFill>
+        <p:spPr>
+          <a:xfrm>
+            <a:off x="8220939" y="4719077"/>
+            <a:ext cx="1379901" cy="1390824"/>
+          </a:xfrm>
+          <a:prstGeom prst="rect">
+            <a:avLst/>
+          </a:prstGeom>
+        </p:spPr>
+      </p:pic>
+      <p:sp>
+        <p:nvSpPr>
+          <p:cNvPr id="18" name="Right Arrow 17">
+            <a:extLst>
+              <a:ext uri="{FF2B5EF4-FFF2-40B4-BE49-F238E27FC236}">
+                <a16:creationId xmlns:a16="http://schemas.microsoft.com/office/drawing/2014/main" id="{69FA3600-00E5-AA4D-ABFF-12742C362001}"/>
+              </a:ext>
+            </a:extLst>
+          </p:cNvPr>
+          <p:cNvSpPr/>
+          <p:nvPr/>
+        </p:nvSpPr>
+        <p:spPr>
+          <a:xfrm>
+            <a:off x="6592143" y="5267174"/>
+            <a:ext cx="1530456" cy="242225"/>
+          </a:xfrm>
+          <a:prstGeom prst="rightArrow">
+            <a:avLst/>
+          </a:prstGeom>
+          <a:solidFill>
+            <a:schemeClr val="tx1">
+              <a:lumMod val="50000"/>
+            </a:schemeClr>
+          </a:solidFill>
+        </p:spPr>
+        <p:style>
+          <a:lnRef idx="2">
+            <a:schemeClr val="accent1">
+              <a:shade val="50000"/>
+            </a:schemeClr>
+          </a:lnRef>
+          <a:fillRef idx="1">
+            <a:schemeClr val="accent1"/>
+          </a:fillRef>
+          <a:effectRef idx="0">
+            <a:schemeClr val="accent1"/>
+          </a:effectRef>
+          <a:fontRef idx="minor">
+            <a:schemeClr val="lt1"/>
+          </a:fontRef>
+        </p:style>
+        <p:txBody>
+          <a:bodyPr rtlCol="0" anchor="ctr"/>
+          <a:lstStyle/>
+          <a:p>
+            <a:pPr algn="ctr"/>
+            <a:r>
+              <a:rPr lang="en-IL" sz="1000" dirty="0"/>
+              <a:t>Indica / Sativa / Hybrid</a:t>
+            </a:r>
+          </a:p>
+        </p:txBody>
+      </p:sp>
+    </p:spTree>
+    <p:extLst>
+      <p:ext uri="{BB962C8B-B14F-4D97-AF65-F5344CB8AC3E}">
+        <p14:creationId xmlns:p14="http://schemas.microsoft.com/office/powerpoint/2010/main" val="4220962184"/>
+      </p:ext>
+    </p:extLst>
+  </p:cSld>
+  <p:clrMapOvr>
+    <a:overrideClrMapping bg1="dk1" tx1="lt1" bg2="dk2" tx2="lt2" accent1="accent1" accent2="accent2" accent3="accent3" accent4="accent4" accent5="accent5" accent6="accent6" hlink="hlink" folHlink="folHlink"/>
+  </p:clrMapOvr>
+</p:sld>
+</file>
+
+<file path=ppt/slides/slide14.xml><?xml version="1.0" encoding="utf-8"?>
+<p:sld xmlns:a="http://schemas.openxmlformats.org/drawingml/2006/main" xmlns:r="http://schemas.openxmlformats.org/officeDocument/2006/relationships" xmlns:p="http://schemas.openxmlformats.org/presentationml/2006/main">
+  <p:cSld>
+    <p:bg>
+      <p:bgPr>
+        <a:solidFill>
+          <a:srgbClr val="404040"/>
+        </a:solidFill>
+        <a:effectLst/>
+      </p:bgPr>
+    </p:bg>
+    <p:spTree>
+      <p:nvGrpSpPr>
+        <p:cNvPr id="1" name=""/>
+        <p:cNvGrpSpPr/>
+        <p:nvPr/>
+      </p:nvGrpSpPr>
+      <p:grpSpPr>
+        <a:xfrm>
+          <a:off x="0" y="0"/>
+          <a:ext cx="0" cy="0"/>
+          <a:chOff x="0" y="0"/>
+          <a:chExt cx="0" cy="0"/>
+        </a:xfrm>
+      </p:grpSpPr>
+      <p:sp>
+        <p:nvSpPr>
+          <p:cNvPr id="14" name="Rectangle 7">
+            <a:extLst>
+              <a:ext uri="{FF2B5EF4-FFF2-40B4-BE49-F238E27FC236}">
+                <a16:creationId xmlns:a16="http://schemas.microsoft.com/office/drawing/2014/main" id="{EA67B5B4-3A24-436E-B663-1B2EBFF8A0CD}"/>
+              </a:ext>
+              <a:ext uri="{C183D7F6-B498-43B3-948B-1728B52AA6E4}">
+                <adec:decorative xmlns:adec="http://schemas.microsoft.com/office/drawing/2017/decorative" val="1"/>
+              </a:ext>
+            </a:extLst>
+          </p:cNvPr>
+          <p:cNvSpPr>
+            <a:spLocks noGrp="1" noRot="1" noChangeAspect="1" noMove="1" noResize="1" noEditPoints="1" noAdjustHandles="1" noChangeArrowheads="1" noChangeShapeType="1" noTextEdit="1"/>
+          </p:cNvSpPr>
+          <p:nvPr>
+            <p:extLst>
+              <p:ext uri="{386F3935-93C4-4BCD-93E2-E3B085C9AB24}">
+                <p16:designElem xmlns:p16="http://schemas.microsoft.com/office/powerpoint/2015/main" val="1"/>
+              </p:ext>
+            </p:extLst>
+          </p:nvPr>
+        </p:nvSpPr>
+        <p:spPr>
+          <a:xfrm>
+            <a:off x="0" y="-3324"/>
+            <a:ext cx="12192000" cy="6861324"/>
+          </a:xfrm>
+          <a:prstGeom prst="rect">
+            <a:avLst/>
+          </a:prstGeom>
+          <a:solidFill>
+            <a:srgbClr val="404040"/>
+          </a:solidFill>
+          <a:ln>
+            <a:noFill/>
+          </a:ln>
+        </p:spPr>
+        <p:style>
+          <a:lnRef idx="2">
+            <a:schemeClr val="accent1">
+              <a:shade val="50000"/>
+            </a:schemeClr>
+          </a:lnRef>
+          <a:fillRef idx="1">
+            <a:schemeClr val="accent1"/>
+          </a:fillRef>
+          <a:effectRef idx="0">
+            <a:schemeClr val="accent1"/>
+          </a:effectRef>
+          <a:fontRef idx="minor">
+            <a:schemeClr val="lt1"/>
+          </a:fontRef>
+        </p:style>
+        <p:txBody>
+          <a:bodyPr rtlCol="0" anchor="ctr"/>
+          <a:lstStyle/>
+          <a:p>
+            <a:pPr algn="ctr"/>
+            <a:endParaRPr lang="en-US"/>
+          </a:p>
+        </p:txBody>
+      </p:sp>
+      <p:sp>
+        <p:nvSpPr>
+          <p:cNvPr id="15" name="Freeform 13">
+            <a:extLst>
+              <a:ext uri="{FF2B5EF4-FFF2-40B4-BE49-F238E27FC236}">
+                <a16:creationId xmlns:a16="http://schemas.microsoft.com/office/drawing/2014/main" id="{987FDF89-C993-41F4-A1B8-DBAFF16008A9}"/>
+              </a:ext>
+              <a:ext uri="{C183D7F6-B498-43B3-948B-1728B52AA6E4}">
+                <adec:decorative xmlns:adec="http://schemas.microsoft.com/office/drawing/2017/decorative" val="1"/>
+              </a:ext>
+            </a:extLst>
+          </p:cNvPr>
+          <p:cNvSpPr>
+            <a:spLocks noGrp="1" noRot="1" noChangeAspect="1" noMove="1" noResize="1" noEditPoints="1" noAdjustHandles="1" noChangeArrowheads="1" noChangeShapeType="1" noTextEdit="1"/>
+          </p:cNvSpPr>
+          <p:nvPr>
+            <p:extLst>
+              <p:ext uri="{386F3935-93C4-4BCD-93E2-E3B085C9AB24}">
+                <p16:designElem xmlns:p16="http://schemas.microsoft.com/office/powerpoint/2015/main" val="1"/>
+              </p:ext>
+            </p:extLst>
+          </p:nvPr>
+        </p:nvSpPr>
+        <p:spPr>
+          <a:xfrm>
+            <a:off x="0" y="0"/>
+            <a:ext cx="11786754" cy="6858000"/>
+          </a:xfrm>
+          <a:custGeom>
+            <a:avLst/>
+            <a:gdLst>
+              <a:gd name="connsiteX0" fmla="*/ 0 w 11786754"/>
+              <a:gd name="connsiteY0" fmla="*/ 0 h 6858000"/>
+              <a:gd name="connsiteX1" fmla="*/ 8610600 w 11786754"/>
+              <a:gd name="connsiteY1" fmla="*/ 0 h 6858000"/>
+              <a:gd name="connsiteX2" fmla="*/ 11786754 w 11786754"/>
+              <a:gd name="connsiteY2" fmla="*/ 6858000 h 6858000"/>
+              <a:gd name="connsiteX3" fmla="*/ 0 w 11786754"/>
+              <a:gd name="connsiteY3" fmla="*/ 6858000 h 6858000"/>
+            </a:gdLst>
+            <a:ahLst/>
+            <a:cxnLst>
+              <a:cxn ang="0">
+                <a:pos x="connsiteX0" y="connsiteY0"/>
+              </a:cxn>
+              <a:cxn ang="0">
+                <a:pos x="connsiteX1" y="connsiteY1"/>
+              </a:cxn>
+              <a:cxn ang="0">
+                <a:pos x="connsiteX2" y="connsiteY2"/>
+              </a:cxn>
+              <a:cxn ang="0">
+                <a:pos x="connsiteX3" y="connsiteY3"/>
+              </a:cxn>
+            </a:cxnLst>
+            <a:rect l="l" t="t" r="r" b="b"/>
+            <a:pathLst>
+              <a:path w="11786754" h="6858000">
+                <a:moveTo>
+                  <a:pt x="0" y="0"/>
+                </a:moveTo>
+                <a:lnTo>
+                  <a:pt x="8610600" y="0"/>
+                </a:lnTo>
+                <a:lnTo>
+                  <a:pt x="11786754" y="6858000"/>
+                </a:lnTo>
+                <a:lnTo>
+                  <a:pt x="0" y="6858000"/>
+                </a:lnTo>
+                <a:close/>
+              </a:path>
+            </a:pathLst>
+          </a:custGeom>
+          <a:solidFill>
+            <a:srgbClr val="000000">
+              <a:alpha val="29804"/>
+            </a:srgbClr>
+          </a:solidFill>
+          <a:ln>
+            <a:noFill/>
+          </a:ln>
+        </p:spPr>
+        <p:style>
+          <a:lnRef idx="2">
+            <a:schemeClr val="accent1">
+              <a:shade val="50000"/>
+            </a:schemeClr>
+          </a:lnRef>
+          <a:fillRef idx="1">
+            <a:schemeClr val="accent1"/>
+          </a:fillRef>
+          <a:effectRef idx="0">
+            <a:schemeClr val="accent1"/>
+          </a:effectRef>
+          <a:fontRef idx="minor">
+            <a:schemeClr val="lt1"/>
+          </a:fontRef>
+        </p:style>
+        <p:txBody>
+          <a:bodyPr rtlCol="0" anchor="ctr"/>
+          <a:lstStyle/>
+          <a:p>
+            <a:pPr algn="ctr"/>
+            <a:endParaRPr lang="en-US"/>
+          </a:p>
+        </p:txBody>
+      </p:sp>
+      <p:sp>
+        <p:nvSpPr>
+          <p:cNvPr id="16" name="Freeform 11">
+            <a:extLst>
+              <a:ext uri="{FF2B5EF4-FFF2-40B4-BE49-F238E27FC236}">
+                <a16:creationId xmlns:a16="http://schemas.microsoft.com/office/drawing/2014/main" id="{64E585EA-75FD-4025-8270-F66A58A15CDA}"/>
+              </a:ext>
+              <a:ext uri="{C183D7F6-B498-43B3-948B-1728B52AA6E4}">
+                <adec:decorative xmlns:adec="http://schemas.microsoft.com/office/drawing/2017/decorative" val="1"/>
+              </a:ext>
+            </a:extLst>
+          </p:cNvPr>
+          <p:cNvSpPr>
+            <a:spLocks noGrp="1" noRot="1" noChangeAspect="1" noMove="1" noResize="1" noEditPoints="1" noAdjustHandles="1" noChangeArrowheads="1" noChangeShapeType="1" noTextEdit="1"/>
+          </p:cNvSpPr>
+          <p:nvPr>
+            <p:extLst>
+              <p:ext uri="{386F3935-93C4-4BCD-93E2-E3B085C9AB24}">
+                <p16:designElem xmlns:p16="http://schemas.microsoft.com/office/powerpoint/2015/main" val="1"/>
+              </p:ext>
+            </p:extLst>
+          </p:nvPr>
+        </p:nvSpPr>
+        <p:spPr>
+          <a:xfrm>
+            <a:off x="0" y="0"/>
+            <a:ext cx="3581400" cy="6858000"/>
+          </a:xfrm>
+          <a:custGeom>
+            <a:avLst/>
+            <a:gdLst>
+              <a:gd name="connsiteX0" fmla="*/ 0 w 3581400"/>
+              <a:gd name="connsiteY0" fmla="*/ 0 h 6858000"/>
+              <a:gd name="connsiteX1" fmla="*/ 405246 w 3581400"/>
+              <a:gd name="connsiteY1" fmla="*/ 0 h 6858000"/>
+              <a:gd name="connsiteX2" fmla="*/ 3581400 w 3581400"/>
+              <a:gd name="connsiteY2" fmla="*/ 6858000 h 6858000"/>
+              <a:gd name="connsiteX3" fmla="*/ 0 w 3581400"/>
+              <a:gd name="connsiteY3" fmla="*/ 6858000 h 6858000"/>
+            </a:gdLst>
+            <a:ahLst/>
+            <a:cxnLst>
+              <a:cxn ang="0">
+                <a:pos x="connsiteX0" y="connsiteY0"/>
+              </a:cxn>
+              <a:cxn ang="0">
+                <a:pos x="connsiteX1" y="connsiteY1"/>
+              </a:cxn>
+              <a:cxn ang="0">
+                <a:pos x="connsiteX2" y="connsiteY2"/>
+              </a:cxn>
+              <a:cxn ang="0">
+                <a:pos x="connsiteX3" y="connsiteY3"/>
+              </a:cxn>
+            </a:cxnLst>
+            <a:rect l="l" t="t" r="r" b="b"/>
+            <a:pathLst>
+              <a:path w="3581400" h="6858000">
+                <a:moveTo>
+                  <a:pt x="0" y="0"/>
+                </a:moveTo>
+                <a:lnTo>
+                  <a:pt x="405246" y="0"/>
+                </a:lnTo>
+                <a:lnTo>
+                  <a:pt x="3581400" y="6858000"/>
+                </a:lnTo>
+                <a:lnTo>
+                  <a:pt x="0" y="6858000"/>
+                </a:lnTo>
+                <a:close/>
+              </a:path>
+            </a:pathLst>
+          </a:custGeom>
+          <a:solidFill>
+            <a:srgbClr val="000000">
+              <a:alpha val="29804"/>
+            </a:srgbClr>
+          </a:solidFill>
+          <a:ln>
+            <a:noFill/>
+          </a:ln>
+        </p:spPr>
+        <p:style>
+          <a:lnRef idx="2">
+            <a:schemeClr val="accent1">
+              <a:shade val="50000"/>
+            </a:schemeClr>
+          </a:lnRef>
+          <a:fillRef idx="1">
+            <a:schemeClr val="accent1"/>
+          </a:fillRef>
+          <a:effectRef idx="0">
+            <a:schemeClr val="accent1"/>
+          </a:effectRef>
+          <a:fontRef idx="minor">
+            <a:schemeClr val="lt1"/>
+          </a:fontRef>
+        </p:style>
+        <p:txBody>
+          <a:bodyPr wrap="square" rtlCol="0" anchor="ctr">
+            <a:noAutofit/>
+          </a:bodyPr>
+          <a:lstStyle/>
+          <a:p>
+            <a:pPr algn="ctr"/>
+            <a:endParaRPr lang="en-US"/>
+          </a:p>
+        </p:txBody>
+      </p:sp>
+      <p:sp>
+        <p:nvSpPr>
+          <p:cNvPr id="2" name="Title 1">
+            <a:extLst>
+              <a:ext uri="{FF2B5EF4-FFF2-40B4-BE49-F238E27FC236}">
+                <a16:creationId xmlns:a16="http://schemas.microsoft.com/office/drawing/2014/main" id="{CE660CB5-F295-8346-9CC7-56C1F7F2060C}"/>
+              </a:ext>
+            </a:extLst>
+          </p:cNvPr>
+          <p:cNvSpPr>
+            <a:spLocks noGrp="1"/>
+          </p:cNvSpPr>
+          <p:nvPr>
+            <p:ph type="title"/>
+          </p:nvPr>
+        </p:nvSpPr>
+        <p:spPr>
+          <a:xfrm>
+            <a:off x="833002" y="190030"/>
+            <a:ext cx="10520702" cy="1325563"/>
+          </a:xfrm>
+        </p:spPr>
+        <p:txBody>
+          <a:bodyPr>
+            <a:normAutofit/>
+          </a:bodyPr>
+          <a:lstStyle/>
+          <a:p>
+            <a:r>
+              <a:rPr lang="en-IL" dirty="0">
+                <a:solidFill>
+                  <a:srgbClr val="FFFFFF"/>
+                </a:solidFill>
+              </a:rPr>
+              <a:t>Machine Learning</a:t>
+            </a:r>
+          </a:p>
+        </p:txBody>
+      </p:sp>
+      <p:sp>
+        <p:nvSpPr>
+          <p:cNvPr id="3" name="Content Placeholder 2">
+            <a:extLst>
+              <a:ext uri="{FF2B5EF4-FFF2-40B4-BE49-F238E27FC236}">
+                <a16:creationId xmlns:a16="http://schemas.microsoft.com/office/drawing/2014/main" id="{BA080928-EC02-ED41-A9A8-B9C716E1803F}"/>
+              </a:ext>
+            </a:extLst>
+          </p:cNvPr>
+          <p:cNvSpPr>
+            <a:spLocks noGrp="1"/>
+          </p:cNvSpPr>
+          <p:nvPr>
+            <p:ph idx="1"/>
+          </p:nvPr>
+        </p:nvSpPr>
+        <p:spPr>
+          <a:xfrm>
+            <a:off x="838201" y="1406524"/>
+            <a:ext cx="10562616" cy="2374294"/>
+          </a:xfrm>
+        </p:spPr>
+        <p:txBody>
+          <a:bodyPr>
+            <a:normAutofit/>
+          </a:bodyPr>
+          <a:lstStyle/>
+          <a:p>
+            <a:pPr marL="0" indent="0">
+              <a:buNone/>
+            </a:pPr>
+            <a:r>
+              <a:rPr lang="en-IL" sz="2500" u="sng" dirty="0">
+                <a:solidFill>
+                  <a:srgbClr val="FFFFFF"/>
+                </a:solidFill>
+              </a:rPr>
+              <a:t>Results</a:t>
+            </a:r>
+            <a:endParaRPr lang="en-IL" sz="1800" dirty="0">
+              <a:solidFill>
+                <a:srgbClr val="FFFFFF"/>
+              </a:solidFill>
+            </a:endParaRPr>
+          </a:p>
+          <a:p>
+            <a:pPr marL="0" indent="0">
+              <a:buNone/>
+            </a:pPr>
+            <a:r>
+              <a:rPr lang="en-IL" sz="1800" dirty="0">
+                <a:solidFill>
+                  <a:srgbClr val="FFFFFF"/>
+                </a:solidFill>
+              </a:rPr>
+              <a:t>We </a:t>
+            </a:r>
+            <a:r>
+              <a:rPr lang="en-US" sz="1800" dirty="0">
+                <a:solidFill>
+                  <a:srgbClr val="FFFFFF"/>
+                </a:solidFill>
+              </a:rPr>
+              <a:t>tried different approaches to get the most accurate result.</a:t>
+            </a:r>
+          </a:p>
+          <a:p>
+            <a:pPr marL="0" indent="0">
+              <a:buNone/>
+            </a:pPr>
+            <a:r>
+              <a:rPr lang="en-US" sz="1800" dirty="0">
+                <a:solidFill>
+                  <a:srgbClr val="FFFFFF"/>
+                </a:solidFill>
+              </a:rPr>
+              <a:t>Between ”No scaling”, ”Standard Scaling” and “</a:t>
+            </a:r>
+            <a:r>
+              <a:rPr lang="en-US" sz="1800" dirty="0" err="1">
+                <a:solidFill>
+                  <a:srgbClr val="FFFFFF"/>
+                </a:solidFill>
+              </a:rPr>
+              <a:t>MinMax</a:t>
+            </a:r>
+            <a:r>
+              <a:rPr lang="en-US" sz="1800" dirty="0">
+                <a:solidFill>
+                  <a:srgbClr val="FFFFFF"/>
+                </a:solidFill>
+              </a:rPr>
+              <a:t> Scaling” we found the difference in accuracy is minor.</a:t>
+            </a:r>
+          </a:p>
+          <a:p>
+            <a:pPr marL="0" indent="0">
+              <a:buNone/>
+            </a:pPr>
+            <a:r>
+              <a:rPr lang="en-US" sz="1800" dirty="0">
+                <a:solidFill>
+                  <a:srgbClr val="FFFFFF"/>
+                </a:solidFill>
+              </a:rPr>
+              <a:t>The results show around 64% successful predictions.</a:t>
+            </a:r>
+            <a:r>
+              <a:rPr lang="en-IL" sz="1800" dirty="0">
+                <a:solidFill>
+                  <a:srgbClr val="FFFFFF"/>
+                </a:solidFill>
+              </a:rPr>
+              <a:t> </a:t>
+            </a:r>
+          </a:p>
+          <a:p>
+            <a:pPr marL="0" indent="0">
+              <a:buNone/>
+            </a:pPr>
+            <a:endParaRPr lang="en-IL" sz="1800" dirty="0">
+              <a:solidFill>
+                <a:srgbClr val="FFFFFF"/>
+              </a:solidFill>
+            </a:endParaRPr>
+          </a:p>
+        </p:txBody>
+      </p:sp>
+      <p:pic>
+        <p:nvPicPr>
+          <p:cNvPr id="6" name="Picture 5">
+            <a:extLst>
+              <a:ext uri="{FF2B5EF4-FFF2-40B4-BE49-F238E27FC236}">
+                <a16:creationId xmlns:a16="http://schemas.microsoft.com/office/drawing/2014/main" id="{1BD11779-22ED-424B-9860-AED3869EC7BE}"/>
+              </a:ext>
+            </a:extLst>
+          </p:cNvPr>
+          <p:cNvPicPr>
+            <a:picLocks noChangeAspect="1"/>
+          </p:cNvPicPr>
+          <p:nvPr/>
+        </p:nvPicPr>
+        <p:blipFill>
+          <a:blip r:embed="rId2"/>
+          <a:stretch>
+            <a:fillRect/>
+          </a:stretch>
+        </p:blipFill>
+        <p:spPr>
+          <a:xfrm>
+            <a:off x="916126" y="3024186"/>
+            <a:ext cx="5716486" cy="806304"/>
+          </a:xfrm>
+          <a:prstGeom prst="rect">
+            <a:avLst/>
+          </a:prstGeom>
+        </p:spPr>
+      </p:pic>
+      <p:sp>
+        <p:nvSpPr>
+          <p:cNvPr id="17" name="Content Placeholder 2">
+            <a:extLst>
+              <a:ext uri="{FF2B5EF4-FFF2-40B4-BE49-F238E27FC236}">
+                <a16:creationId xmlns:a16="http://schemas.microsoft.com/office/drawing/2014/main" id="{7AA04E61-B5D0-944F-B91A-9493831A4697}"/>
+              </a:ext>
+            </a:extLst>
+          </p:cNvPr>
+          <p:cNvSpPr txBox="1">
+            <a:spLocks/>
+          </p:cNvSpPr>
+          <p:nvPr/>
+        </p:nvSpPr>
+        <p:spPr>
+          <a:xfrm>
+            <a:off x="833002" y="4132262"/>
+            <a:ext cx="10562616" cy="2374294"/>
+          </a:xfrm>
+          <a:prstGeom prst="rect">
+            <a:avLst/>
+          </a:prstGeom>
+        </p:spPr>
+        <p:txBody>
+          <a:bodyPr vert="horz" lIns="91440" tIns="45720" rIns="91440" bIns="45720" rtlCol="0">
+            <a:normAutofit/>
+          </a:bodyPr>
+          <a:lstStyle>
+            <a:lvl1pPr marL="228600" indent="-228600" algn="l" defTabSz="914400" rtl="0" eaLnBrk="1" latinLnBrk="0" hangingPunct="1">
+              <a:lnSpc>
+                <a:spcPct val="90000"/>
+              </a:lnSpc>
+              <a:spcBef>
+                <a:spcPts val="1000"/>
+              </a:spcBef>
+              <a:buFont typeface="Arial" panose="020B0604020202020204" pitchFamily="34" charset="0"/>
+              <a:buChar char="•"/>
+              <a:defRPr sz="2800" kern="1200">
+                <a:solidFill>
+                  <a:schemeClr val="tx1"/>
+                </a:solidFill>
+                <a:latin typeface="+mn-lt"/>
+                <a:ea typeface="+mn-ea"/>
+                <a:cs typeface="+mn-cs"/>
+              </a:defRPr>
+            </a:lvl1pPr>
+            <a:lvl2pPr marL="685800" indent="-228600" algn="l" defTabSz="914400" rtl="0" eaLnBrk="1" latinLnBrk="0" hangingPunct="1">
+              <a:lnSpc>
+                <a:spcPct val="90000"/>
+              </a:lnSpc>
+              <a:spcBef>
+                <a:spcPts val="500"/>
+              </a:spcBef>
+              <a:buFont typeface="Arial" panose="020B0604020202020204" pitchFamily="34" charset="0"/>
+              <a:buChar char="•"/>
+              <a:defRPr sz="2400" kern="1200">
+                <a:solidFill>
+                  <a:schemeClr val="tx1"/>
+                </a:solidFill>
+                <a:latin typeface="+mn-lt"/>
+                <a:ea typeface="+mn-ea"/>
+                <a:cs typeface="+mn-cs"/>
+              </a:defRPr>
+            </a:lvl2pPr>
+            <a:lvl3pPr marL="1143000" indent="-228600" algn="l" defTabSz="914400" rtl="0" eaLnBrk="1" latinLnBrk="0" hangingPunct="1">
+              <a:lnSpc>
+                <a:spcPct val="90000"/>
+              </a:lnSpc>
+              <a:spcBef>
+                <a:spcPts val="500"/>
+              </a:spcBef>
+              <a:buFont typeface="Arial" panose="020B0604020202020204" pitchFamily="34" charset="0"/>
+              <a:buChar char="•"/>
+              <a:defRPr sz="2000" kern="1200">
+                <a:solidFill>
+                  <a:schemeClr val="tx1"/>
+                </a:solidFill>
+                <a:latin typeface="+mn-lt"/>
+                <a:ea typeface="+mn-ea"/>
+                <a:cs typeface="+mn-cs"/>
+              </a:defRPr>
+            </a:lvl3pPr>
+            <a:lvl4pPr marL="1600200" indent="-228600" algn="l" defTabSz="914400" rtl="0" eaLnBrk="1" latinLnBrk="0" hangingPunct="1">
+              <a:lnSpc>
+                <a:spcPct val="90000"/>
+              </a:lnSpc>
+              <a:spcBef>
+                <a:spcPts val="500"/>
+              </a:spcBef>
+              <a:buFont typeface="Arial" panose="020B0604020202020204" pitchFamily="34" charset="0"/>
+              <a:buChar char="•"/>
+              <a:defRPr sz="1800" kern="1200">
+                <a:solidFill>
+                  <a:schemeClr val="tx1"/>
+                </a:solidFill>
+                <a:latin typeface="+mn-lt"/>
+                <a:ea typeface="+mn-ea"/>
+                <a:cs typeface="+mn-cs"/>
+              </a:defRPr>
+            </a:lvl4pPr>
+            <a:lvl5pPr marL="2057400" indent="-228600" algn="l" defTabSz="914400" rtl="0" eaLnBrk="1" latinLnBrk="0" hangingPunct="1">
+              <a:lnSpc>
+                <a:spcPct val="90000"/>
+              </a:lnSpc>
+              <a:spcBef>
+                <a:spcPts val="500"/>
+              </a:spcBef>
+              <a:buFont typeface="Arial" panose="020B0604020202020204" pitchFamily="34" charset="0"/>
+              <a:buChar char="•"/>
+              <a:defRPr sz="1800" kern="1200">
+                <a:solidFill>
+                  <a:schemeClr val="tx1"/>
+                </a:solidFill>
+                <a:latin typeface="+mn-lt"/>
+                <a:ea typeface="+mn-ea"/>
+                <a:cs typeface="+mn-cs"/>
+              </a:defRPr>
+            </a:lvl5pPr>
+            <a:lvl6pPr marL="2514600" indent="-228600" algn="l" defTabSz="914400" rtl="0" eaLnBrk="1" latinLnBrk="0" hangingPunct="1">
+              <a:lnSpc>
+                <a:spcPct val="90000"/>
+              </a:lnSpc>
+              <a:spcBef>
+                <a:spcPts val="500"/>
+              </a:spcBef>
+              <a:buFont typeface="Arial" panose="020B0604020202020204" pitchFamily="34" charset="0"/>
+              <a:buChar char="•"/>
+              <a:defRPr sz="1800" kern="1200">
+                <a:solidFill>
+                  <a:schemeClr val="tx1"/>
+                </a:solidFill>
+                <a:latin typeface="+mn-lt"/>
+                <a:ea typeface="+mn-ea"/>
+                <a:cs typeface="+mn-cs"/>
+              </a:defRPr>
+            </a:lvl6pPr>
+            <a:lvl7pPr marL="2971800" indent="-228600" algn="l" defTabSz="914400" rtl="0" eaLnBrk="1" latinLnBrk="0" hangingPunct="1">
+              <a:lnSpc>
+                <a:spcPct val="90000"/>
+              </a:lnSpc>
+              <a:spcBef>
+                <a:spcPts val="500"/>
+              </a:spcBef>
+              <a:buFont typeface="Arial" panose="020B0604020202020204" pitchFamily="34" charset="0"/>
+              <a:buChar char="•"/>
+              <a:defRPr sz="1800" kern="1200">
+                <a:solidFill>
+                  <a:schemeClr val="tx1"/>
+                </a:solidFill>
+                <a:latin typeface="+mn-lt"/>
+                <a:ea typeface="+mn-ea"/>
+                <a:cs typeface="+mn-cs"/>
+              </a:defRPr>
+            </a:lvl7pPr>
+            <a:lvl8pPr marL="3429000" indent="-228600" algn="l" defTabSz="914400" rtl="0" eaLnBrk="1" latinLnBrk="0" hangingPunct="1">
+              <a:lnSpc>
+                <a:spcPct val="90000"/>
+              </a:lnSpc>
+              <a:spcBef>
+                <a:spcPts val="500"/>
+              </a:spcBef>
+              <a:buFont typeface="Arial" panose="020B0604020202020204" pitchFamily="34" charset="0"/>
+              <a:buChar char="•"/>
+              <a:defRPr sz="1800" kern="1200">
+                <a:solidFill>
+                  <a:schemeClr val="tx1"/>
+                </a:solidFill>
+                <a:latin typeface="+mn-lt"/>
+                <a:ea typeface="+mn-ea"/>
+                <a:cs typeface="+mn-cs"/>
+              </a:defRPr>
+            </a:lvl8pPr>
+            <a:lvl9pPr marL="3886200" indent="-228600" algn="l" defTabSz="914400" rtl="0" eaLnBrk="1" latinLnBrk="0" hangingPunct="1">
+              <a:lnSpc>
+                <a:spcPct val="90000"/>
+              </a:lnSpc>
+              <a:spcBef>
+                <a:spcPts val="500"/>
+              </a:spcBef>
+              <a:buFont typeface="Arial" panose="020B0604020202020204" pitchFamily="34" charset="0"/>
+              <a:buChar char="•"/>
+              <a:defRPr sz="1800" kern="1200">
+                <a:solidFill>
+                  <a:schemeClr val="tx1"/>
+                </a:solidFill>
+                <a:latin typeface="+mn-lt"/>
+                <a:ea typeface="+mn-ea"/>
+                <a:cs typeface="+mn-cs"/>
+              </a:defRPr>
+            </a:lvl9pPr>
+          </a:lstStyle>
+          <a:p>
+            <a:pPr marL="0" indent="0">
+              <a:buFont typeface="Arial" panose="020B0604020202020204" pitchFamily="34" charset="0"/>
+              <a:buNone/>
+            </a:pPr>
+            <a:r>
+              <a:rPr lang="en-IL" sz="2500" u="sng" dirty="0">
+                <a:solidFill>
+                  <a:srgbClr val="FFFFFF"/>
+                </a:solidFill>
+              </a:rPr>
+              <a:t>Playing around with the data</a:t>
+            </a:r>
+            <a:endParaRPr lang="en-IL" sz="1800" dirty="0">
+              <a:solidFill>
+                <a:srgbClr val="FFFFFF"/>
+              </a:solidFill>
+            </a:endParaRPr>
+          </a:p>
+          <a:p>
+            <a:pPr marL="0" indent="0">
+              <a:buFont typeface="Arial" panose="020B0604020202020204" pitchFamily="34" charset="0"/>
+              <a:buNone/>
+            </a:pPr>
+            <a:r>
+              <a:rPr lang="en-US" sz="1800" dirty="0">
+                <a:solidFill>
+                  <a:srgbClr val="FFFFFF"/>
+                </a:solidFill>
+              </a:rPr>
+              <a:t>As about 55% of the strains in our data are “Hybrid” strains, we tried to remove all those strains and train our model to differentiate only between “Indica” and “Sativa”.</a:t>
+            </a:r>
+          </a:p>
+          <a:p>
+            <a:pPr marL="0" indent="0">
+              <a:buNone/>
+            </a:pPr>
+            <a:r>
+              <a:rPr lang="en-US" sz="1800" dirty="0">
+                <a:solidFill>
+                  <a:srgbClr val="FFFFFF"/>
+                </a:solidFill>
+              </a:rPr>
+              <a:t>The results show around 84% successful predictions.</a:t>
+            </a:r>
+            <a:r>
+              <a:rPr lang="en-IL" sz="1800" dirty="0">
+                <a:solidFill>
+                  <a:srgbClr val="FFFFFF"/>
+                </a:solidFill>
+              </a:rPr>
+              <a:t> </a:t>
+            </a:r>
+          </a:p>
+          <a:p>
+            <a:pPr marL="0" indent="0">
+              <a:buFont typeface="Arial" panose="020B0604020202020204" pitchFamily="34" charset="0"/>
+              <a:buNone/>
+            </a:pPr>
+            <a:endParaRPr lang="en-IL" sz="1800" dirty="0">
+              <a:solidFill>
+                <a:srgbClr val="FFFFFF"/>
+              </a:solidFill>
+            </a:endParaRPr>
+          </a:p>
+        </p:txBody>
+      </p:sp>
+      <p:pic>
+        <p:nvPicPr>
+          <p:cNvPr id="7" name="Picture 6">
+            <a:extLst>
+              <a:ext uri="{FF2B5EF4-FFF2-40B4-BE49-F238E27FC236}">
+                <a16:creationId xmlns:a16="http://schemas.microsoft.com/office/drawing/2014/main" id="{C498B964-726C-DC46-8BEE-ABA19DC3426F}"/>
+              </a:ext>
+            </a:extLst>
+          </p:cNvPr>
+          <p:cNvPicPr>
+            <a:picLocks noChangeAspect="1"/>
+          </p:cNvPicPr>
+          <p:nvPr/>
+        </p:nvPicPr>
+        <p:blipFill>
+          <a:blip r:embed="rId3"/>
+          <a:stretch>
+            <a:fillRect/>
+          </a:stretch>
+        </p:blipFill>
+        <p:spPr>
+          <a:xfrm>
+            <a:off x="916126" y="5712500"/>
+            <a:ext cx="6480069" cy="734659"/>
+          </a:xfrm>
+          <a:prstGeom prst="rect">
+            <a:avLst/>
+          </a:prstGeom>
+        </p:spPr>
+      </p:pic>
+    </p:spTree>
+    <p:extLst>
+      <p:ext uri="{BB962C8B-B14F-4D97-AF65-F5344CB8AC3E}">
+        <p14:creationId xmlns:p14="http://schemas.microsoft.com/office/powerpoint/2010/main" val="1763798678"/>
+      </p:ext>
+    </p:extLst>
+  </p:cSld>
+  <p:clrMapOvr>
+    <a:overrideClrMapping bg1="dk1" tx1="lt1" bg2="dk2" tx2="lt2" accent1="accent1" accent2="accent2" accent3="accent3" accent4="accent4" accent5="accent5" accent6="accent6" hlink="hlink" folHlink="folHlink"/>
+  </p:clrMapOvr>
+</p:sld>
+</file>
+
+<file path=ppt/slides/slide15.xml><?xml version="1.0" encoding="utf-8"?>
+<p:sld xmlns:a="http://schemas.openxmlformats.org/drawingml/2006/main" xmlns:r="http://schemas.openxmlformats.org/officeDocument/2006/relationships" xmlns:p="http://schemas.openxmlformats.org/presentationml/2006/main">
+  <p:cSld>
+    <p:bg>
+      <p:bgPr>
+        <a:solidFill>
+          <a:srgbClr val="404040"/>
+        </a:solidFill>
+        <a:effectLst/>
+      </p:bgPr>
+    </p:bg>
+    <p:spTree>
+      <p:nvGrpSpPr>
+        <p:cNvPr id="1" name=""/>
+        <p:cNvGrpSpPr/>
+        <p:nvPr/>
+      </p:nvGrpSpPr>
+      <p:grpSpPr>
+        <a:xfrm>
+          <a:off x="0" y="0"/>
+          <a:ext cx="0" cy="0"/>
+          <a:chOff x="0" y="0"/>
+          <a:chExt cx="0" cy="0"/>
+        </a:xfrm>
+      </p:grpSpPr>
+      <p:sp>
+        <p:nvSpPr>
+          <p:cNvPr id="14" name="Rectangle 7">
+            <a:extLst>
+              <a:ext uri="{FF2B5EF4-FFF2-40B4-BE49-F238E27FC236}">
+                <a16:creationId xmlns:a16="http://schemas.microsoft.com/office/drawing/2014/main" id="{EA67B5B4-3A24-436E-B663-1B2EBFF8A0CD}"/>
+              </a:ext>
+              <a:ext uri="{C183D7F6-B498-43B3-948B-1728B52AA6E4}">
+                <adec:decorative xmlns:adec="http://schemas.microsoft.com/office/drawing/2017/decorative" val="1"/>
+              </a:ext>
+            </a:extLst>
+          </p:cNvPr>
+          <p:cNvSpPr>
+            <a:spLocks noGrp="1" noRot="1" noChangeAspect="1" noMove="1" noResize="1" noEditPoints="1" noAdjustHandles="1" noChangeArrowheads="1" noChangeShapeType="1" noTextEdit="1"/>
+          </p:cNvSpPr>
+          <p:nvPr>
+            <p:extLst>
+              <p:ext uri="{386F3935-93C4-4BCD-93E2-E3B085C9AB24}">
+                <p16:designElem xmlns:p16="http://schemas.microsoft.com/office/powerpoint/2015/main" val="1"/>
+              </p:ext>
+            </p:extLst>
+          </p:nvPr>
+        </p:nvSpPr>
+        <p:spPr>
+          <a:xfrm>
+            <a:off x="0" y="-3324"/>
+            <a:ext cx="12192000" cy="6861324"/>
+          </a:xfrm>
+          <a:prstGeom prst="rect">
+            <a:avLst/>
+          </a:prstGeom>
+          <a:solidFill>
+            <a:srgbClr val="404040"/>
+          </a:solidFill>
+          <a:ln>
+            <a:noFill/>
+          </a:ln>
+        </p:spPr>
+        <p:style>
+          <a:lnRef idx="2">
+            <a:schemeClr val="accent1">
+              <a:shade val="50000"/>
+            </a:schemeClr>
+          </a:lnRef>
+          <a:fillRef idx="1">
+            <a:schemeClr val="accent1"/>
+          </a:fillRef>
+          <a:effectRef idx="0">
+            <a:schemeClr val="accent1"/>
+          </a:effectRef>
+          <a:fontRef idx="minor">
+            <a:schemeClr val="lt1"/>
+          </a:fontRef>
+        </p:style>
+        <p:txBody>
+          <a:bodyPr rtlCol="0" anchor="ctr"/>
+          <a:lstStyle/>
+          <a:p>
+            <a:pPr algn="ctr"/>
+            <a:endParaRPr lang="en-US"/>
+          </a:p>
+        </p:txBody>
+      </p:sp>
+      <p:sp>
+        <p:nvSpPr>
+          <p:cNvPr id="15" name="Freeform 13">
+            <a:extLst>
+              <a:ext uri="{FF2B5EF4-FFF2-40B4-BE49-F238E27FC236}">
+                <a16:creationId xmlns:a16="http://schemas.microsoft.com/office/drawing/2014/main" id="{987FDF89-C993-41F4-A1B8-DBAFF16008A9}"/>
+              </a:ext>
+              <a:ext uri="{C183D7F6-B498-43B3-948B-1728B52AA6E4}">
+                <adec:decorative xmlns:adec="http://schemas.microsoft.com/office/drawing/2017/decorative" val="1"/>
+              </a:ext>
+            </a:extLst>
+          </p:cNvPr>
+          <p:cNvSpPr>
+            <a:spLocks noGrp="1" noRot="1" noChangeAspect="1" noMove="1" noResize="1" noEditPoints="1" noAdjustHandles="1" noChangeArrowheads="1" noChangeShapeType="1" noTextEdit="1"/>
+          </p:cNvSpPr>
+          <p:nvPr>
+            <p:extLst>
+              <p:ext uri="{386F3935-93C4-4BCD-93E2-E3B085C9AB24}">
+                <p16:designElem xmlns:p16="http://schemas.microsoft.com/office/powerpoint/2015/main" val="1"/>
+              </p:ext>
+            </p:extLst>
+          </p:nvPr>
+        </p:nvSpPr>
+        <p:spPr>
+          <a:xfrm>
+            <a:off x="0" y="0"/>
+            <a:ext cx="11786754" cy="6858000"/>
+          </a:xfrm>
+          <a:custGeom>
+            <a:avLst/>
+            <a:gdLst>
+              <a:gd name="connsiteX0" fmla="*/ 0 w 11786754"/>
+              <a:gd name="connsiteY0" fmla="*/ 0 h 6858000"/>
+              <a:gd name="connsiteX1" fmla="*/ 8610600 w 11786754"/>
+              <a:gd name="connsiteY1" fmla="*/ 0 h 6858000"/>
+              <a:gd name="connsiteX2" fmla="*/ 11786754 w 11786754"/>
+              <a:gd name="connsiteY2" fmla="*/ 6858000 h 6858000"/>
+              <a:gd name="connsiteX3" fmla="*/ 0 w 11786754"/>
+              <a:gd name="connsiteY3" fmla="*/ 6858000 h 6858000"/>
+            </a:gdLst>
+            <a:ahLst/>
+            <a:cxnLst>
+              <a:cxn ang="0">
+                <a:pos x="connsiteX0" y="connsiteY0"/>
+              </a:cxn>
+              <a:cxn ang="0">
+                <a:pos x="connsiteX1" y="connsiteY1"/>
+              </a:cxn>
+              <a:cxn ang="0">
+                <a:pos x="connsiteX2" y="connsiteY2"/>
+              </a:cxn>
+              <a:cxn ang="0">
+                <a:pos x="connsiteX3" y="connsiteY3"/>
+              </a:cxn>
+            </a:cxnLst>
+            <a:rect l="l" t="t" r="r" b="b"/>
+            <a:pathLst>
+              <a:path w="11786754" h="6858000">
+                <a:moveTo>
+                  <a:pt x="0" y="0"/>
+                </a:moveTo>
+                <a:lnTo>
+                  <a:pt x="8610600" y="0"/>
+                </a:lnTo>
+                <a:lnTo>
+                  <a:pt x="11786754" y="6858000"/>
+                </a:lnTo>
+                <a:lnTo>
+                  <a:pt x="0" y="6858000"/>
+                </a:lnTo>
+                <a:close/>
+              </a:path>
+            </a:pathLst>
+          </a:custGeom>
+          <a:solidFill>
+            <a:srgbClr val="000000">
+              <a:alpha val="29804"/>
+            </a:srgbClr>
+          </a:solidFill>
+          <a:ln>
+            <a:noFill/>
+          </a:ln>
+        </p:spPr>
+        <p:style>
+          <a:lnRef idx="2">
+            <a:schemeClr val="accent1">
+              <a:shade val="50000"/>
+            </a:schemeClr>
+          </a:lnRef>
+          <a:fillRef idx="1">
+            <a:schemeClr val="accent1"/>
+          </a:fillRef>
+          <a:effectRef idx="0">
+            <a:schemeClr val="accent1"/>
+          </a:effectRef>
+          <a:fontRef idx="minor">
+            <a:schemeClr val="lt1"/>
+          </a:fontRef>
+        </p:style>
+        <p:txBody>
+          <a:bodyPr rtlCol="0" anchor="ctr"/>
+          <a:lstStyle/>
+          <a:p>
+            <a:pPr algn="ctr"/>
+            <a:endParaRPr lang="en-US"/>
+          </a:p>
+        </p:txBody>
+      </p:sp>
+      <p:sp>
+        <p:nvSpPr>
+          <p:cNvPr id="16" name="Freeform 11">
+            <a:extLst>
+              <a:ext uri="{FF2B5EF4-FFF2-40B4-BE49-F238E27FC236}">
+                <a16:creationId xmlns:a16="http://schemas.microsoft.com/office/drawing/2014/main" id="{64E585EA-75FD-4025-8270-F66A58A15CDA}"/>
+              </a:ext>
+              <a:ext uri="{C183D7F6-B498-43B3-948B-1728B52AA6E4}">
+                <adec:decorative xmlns:adec="http://schemas.microsoft.com/office/drawing/2017/decorative" val="1"/>
+              </a:ext>
+            </a:extLst>
+          </p:cNvPr>
+          <p:cNvSpPr>
+            <a:spLocks noGrp="1" noRot="1" noChangeAspect="1" noMove="1" noResize="1" noEditPoints="1" noAdjustHandles="1" noChangeArrowheads="1" noChangeShapeType="1" noTextEdit="1"/>
+          </p:cNvSpPr>
+          <p:nvPr>
+            <p:extLst>
+              <p:ext uri="{386F3935-93C4-4BCD-93E2-E3B085C9AB24}">
+                <p16:designElem xmlns:p16="http://schemas.microsoft.com/office/powerpoint/2015/main" val="1"/>
+              </p:ext>
+            </p:extLst>
+          </p:nvPr>
+        </p:nvSpPr>
+        <p:spPr>
+          <a:xfrm>
+            <a:off x="0" y="0"/>
+            <a:ext cx="3581400" cy="6858000"/>
+          </a:xfrm>
+          <a:custGeom>
+            <a:avLst/>
+            <a:gdLst>
+              <a:gd name="connsiteX0" fmla="*/ 0 w 3581400"/>
+              <a:gd name="connsiteY0" fmla="*/ 0 h 6858000"/>
+              <a:gd name="connsiteX1" fmla="*/ 405246 w 3581400"/>
+              <a:gd name="connsiteY1" fmla="*/ 0 h 6858000"/>
+              <a:gd name="connsiteX2" fmla="*/ 3581400 w 3581400"/>
+              <a:gd name="connsiteY2" fmla="*/ 6858000 h 6858000"/>
+              <a:gd name="connsiteX3" fmla="*/ 0 w 3581400"/>
+              <a:gd name="connsiteY3" fmla="*/ 6858000 h 6858000"/>
+            </a:gdLst>
+            <a:ahLst/>
+            <a:cxnLst>
+              <a:cxn ang="0">
+                <a:pos x="connsiteX0" y="connsiteY0"/>
+              </a:cxn>
+              <a:cxn ang="0">
+                <a:pos x="connsiteX1" y="connsiteY1"/>
+              </a:cxn>
+              <a:cxn ang="0">
+                <a:pos x="connsiteX2" y="connsiteY2"/>
+              </a:cxn>
+              <a:cxn ang="0">
+                <a:pos x="connsiteX3" y="connsiteY3"/>
+              </a:cxn>
+            </a:cxnLst>
+            <a:rect l="l" t="t" r="r" b="b"/>
+            <a:pathLst>
+              <a:path w="3581400" h="6858000">
+                <a:moveTo>
+                  <a:pt x="0" y="0"/>
+                </a:moveTo>
+                <a:lnTo>
+                  <a:pt x="405246" y="0"/>
+                </a:lnTo>
+                <a:lnTo>
+                  <a:pt x="3581400" y="6858000"/>
+                </a:lnTo>
+                <a:lnTo>
+                  <a:pt x="0" y="6858000"/>
+                </a:lnTo>
+                <a:close/>
+              </a:path>
+            </a:pathLst>
+          </a:custGeom>
+          <a:solidFill>
+            <a:srgbClr val="000000">
+              <a:alpha val="29804"/>
+            </a:srgbClr>
+          </a:solidFill>
+          <a:ln>
+            <a:noFill/>
+          </a:ln>
+        </p:spPr>
+        <p:style>
+          <a:lnRef idx="2">
+            <a:schemeClr val="accent1">
+              <a:shade val="50000"/>
+            </a:schemeClr>
+          </a:lnRef>
+          <a:fillRef idx="1">
+            <a:schemeClr val="accent1"/>
+          </a:fillRef>
+          <a:effectRef idx="0">
+            <a:schemeClr val="accent1"/>
+          </a:effectRef>
+          <a:fontRef idx="minor">
+            <a:schemeClr val="lt1"/>
+          </a:fontRef>
+        </p:style>
+        <p:txBody>
+          <a:bodyPr wrap="square" rtlCol="0" anchor="ctr">
+            <a:noAutofit/>
+          </a:bodyPr>
+          <a:lstStyle/>
+          <a:p>
+            <a:pPr algn="ctr"/>
+            <a:endParaRPr lang="en-US"/>
+          </a:p>
+        </p:txBody>
+      </p:sp>
+      <p:sp>
+        <p:nvSpPr>
+          <p:cNvPr id="2" name="Title 1">
+            <a:extLst>
+              <a:ext uri="{FF2B5EF4-FFF2-40B4-BE49-F238E27FC236}">
+                <a16:creationId xmlns:a16="http://schemas.microsoft.com/office/drawing/2014/main" id="{CE660CB5-F295-8346-9CC7-56C1F7F2060C}"/>
+              </a:ext>
+            </a:extLst>
+          </p:cNvPr>
+          <p:cNvSpPr>
+            <a:spLocks noGrp="1"/>
+          </p:cNvSpPr>
+          <p:nvPr>
+            <p:ph type="title"/>
+          </p:nvPr>
+        </p:nvSpPr>
+        <p:spPr>
+          <a:xfrm>
+            <a:off x="833002" y="190030"/>
+            <a:ext cx="10520702" cy="1325563"/>
+          </a:xfrm>
+        </p:spPr>
+        <p:txBody>
+          <a:bodyPr>
+            <a:normAutofit/>
+          </a:bodyPr>
+          <a:lstStyle/>
+          <a:p>
+            <a:r>
+              <a:rPr lang="en-IL" dirty="0">
+                <a:solidFill>
+                  <a:srgbClr val="FFFFFF"/>
+                </a:solidFill>
+              </a:rPr>
+              <a:t>Conclusions</a:t>
+            </a:r>
+          </a:p>
+        </p:txBody>
+      </p:sp>
+      <p:sp>
+        <p:nvSpPr>
+          <p:cNvPr id="3" name="Content Placeholder 2">
+            <a:extLst>
+              <a:ext uri="{FF2B5EF4-FFF2-40B4-BE49-F238E27FC236}">
+                <a16:creationId xmlns:a16="http://schemas.microsoft.com/office/drawing/2014/main" id="{BA080928-EC02-ED41-A9A8-B9C716E1803F}"/>
+              </a:ext>
+            </a:extLst>
+          </p:cNvPr>
+          <p:cNvSpPr>
+            <a:spLocks noGrp="1"/>
+          </p:cNvSpPr>
+          <p:nvPr>
+            <p:ph idx="1"/>
+          </p:nvPr>
+        </p:nvSpPr>
+        <p:spPr>
+          <a:xfrm>
+            <a:off x="838201" y="1406524"/>
+            <a:ext cx="10562616" cy="5451476"/>
+          </a:xfrm>
+        </p:spPr>
+        <p:txBody>
+          <a:bodyPr>
+            <a:normAutofit/>
+          </a:bodyPr>
+          <a:lstStyle/>
+          <a:p>
+            <a:pPr marL="0" indent="0">
+              <a:buNone/>
+            </a:pPr>
+            <a:r>
+              <a:rPr lang="en-US" sz="1800" dirty="0">
+                <a:solidFill>
+                  <a:srgbClr val="FFFFFF"/>
+                </a:solidFill>
+              </a:rPr>
+              <a:t>Nowadays, most the cannabis strains are classified as “Hybrid” as there are almost no pure “Sativa” and “Indica” strains.</a:t>
+            </a:r>
+          </a:p>
+          <a:p>
+            <a:pPr marL="0" indent="0">
+              <a:buNone/>
+            </a:pPr>
+            <a:r>
+              <a:rPr lang="en-US" sz="1800" dirty="0">
+                <a:solidFill>
+                  <a:srgbClr val="FFFFFF"/>
+                </a:solidFill>
+              </a:rPr>
+              <a:t>A new strain is a “child” of one or two parent strains, therefore it takes qualities and properties from both parents.</a:t>
+            </a:r>
+          </a:p>
+          <a:p>
+            <a:pPr marL="0" indent="0">
+              <a:buNone/>
+            </a:pPr>
+            <a:endParaRPr lang="en-US" sz="1800" dirty="0">
+              <a:solidFill>
+                <a:srgbClr val="FFFFFF"/>
+              </a:solidFill>
+            </a:endParaRPr>
+          </a:p>
+          <a:p>
+            <a:pPr marL="0" indent="0">
+              <a:buNone/>
+            </a:pPr>
+            <a:r>
+              <a:rPr lang="en-US" sz="1800" dirty="0">
+                <a:solidFill>
+                  <a:srgbClr val="FFFFFF"/>
+                </a:solidFill>
+              </a:rPr>
+              <a:t>That supports our prediction success, which shows it is hard to determine whether a strain is Hybrid, Sativa or Indica, since the Hybrid strains might have properties of both Sativa and Indica strains.</a:t>
+            </a:r>
+          </a:p>
+          <a:p>
+            <a:pPr marL="0" indent="0">
+              <a:buNone/>
+            </a:pPr>
+            <a:r>
+              <a:rPr lang="en-IL" sz="1800" dirty="0">
+                <a:solidFill>
+                  <a:srgbClr val="FFFFFF"/>
+                </a:solidFill>
+              </a:rPr>
+              <a:t>When we ran our model on a dataset that does not contain Hybrid strains, the success rate was much higher, which also supports the claim that Hybrid strains </a:t>
+            </a:r>
+            <a:r>
+              <a:rPr lang="en-US" sz="1800" dirty="0">
+                <a:solidFill>
+                  <a:srgbClr val="FFFFFF"/>
+                </a:solidFill>
+              </a:rPr>
+              <a:t>might have properties of both Sativa and Indica strains.</a:t>
+            </a:r>
+          </a:p>
+          <a:p>
+            <a:pPr marL="0" indent="0">
+              <a:buNone/>
+            </a:pPr>
+            <a:endParaRPr lang="en-IL" sz="1800" dirty="0">
+              <a:solidFill>
+                <a:srgbClr val="FFFFFF"/>
+              </a:solidFill>
+            </a:endParaRPr>
+          </a:p>
+        </p:txBody>
+      </p:sp>
+    </p:spTree>
+    <p:extLst>
+      <p:ext uri="{BB962C8B-B14F-4D97-AF65-F5344CB8AC3E}">
+        <p14:creationId xmlns:p14="http://schemas.microsoft.com/office/powerpoint/2010/main" val="3011800431"/>
+      </p:ext>
+    </p:extLst>
+  </p:cSld>
+  <p:clrMapOvr>
+    <a:overrideClrMapping bg1="dk1" tx1="lt1" bg2="dk2" tx2="lt2" accent1="accent1" accent2="accent2" accent3="accent3" accent4="accent4" accent5="accent5" accent6="accent6" hlink="hlink" folHlink="folHlink"/>
+  </p:clrMapOvr>
+</p:sld>
+</file>
+
+<file path=ppt/slides/slide2.xml><?xml version="1.0" encoding="utf-8"?>
+<p:sld xmlns:a="http://schemas.openxmlformats.org/drawingml/2006/main" xmlns:r="http://schemas.openxmlformats.org/officeDocument/2006/relationships" xmlns:p="http://schemas.openxmlformats.org/presentationml/2006/main">
+  <p:cSld>
+    <p:bg>
+      <p:bgPr>
+        <a:solidFill>
+          <a:srgbClr val="404040"/>
+        </a:solidFill>
+        <a:effectLst/>
+      </p:bgPr>
+    </p:bg>
+    <p:spTree>
+      <p:nvGrpSpPr>
+        <p:cNvPr id="1" name=""/>
+        <p:cNvGrpSpPr/>
+        <p:nvPr/>
+      </p:nvGrpSpPr>
+      <p:grpSpPr>
+        <a:xfrm>
+          <a:off x="0" y="0"/>
+          <a:ext cx="0" cy="0"/>
+          <a:chOff x="0" y="0"/>
+          <a:chExt cx="0" cy="0"/>
+        </a:xfrm>
+      </p:grpSpPr>
+      <p:sp>
+        <p:nvSpPr>
+          <p:cNvPr id="14" name="Rectangle 7">
+            <a:extLst>
+              <a:ext uri="{FF2B5EF4-FFF2-40B4-BE49-F238E27FC236}">
+                <a16:creationId xmlns:a16="http://schemas.microsoft.com/office/drawing/2014/main" id="{EA67B5B4-3A24-436E-B663-1B2EBFF8A0CD}"/>
+              </a:ext>
+              <a:ext uri="{C183D7F6-B498-43B3-948B-1728B52AA6E4}">
+                <adec:decorative xmlns:adec="http://schemas.microsoft.com/office/drawing/2017/decorative" val="1"/>
+              </a:ext>
+            </a:extLst>
+          </p:cNvPr>
+          <p:cNvSpPr>
+            <a:spLocks noGrp="1" noRot="1" noChangeAspect="1" noMove="1" noResize="1" noEditPoints="1" noAdjustHandles="1" noChangeArrowheads="1" noChangeShapeType="1" noTextEdit="1"/>
+          </p:cNvSpPr>
+          <p:nvPr>
+            <p:extLst>
+              <p:ext uri="{386F3935-93C4-4BCD-93E2-E3B085C9AB24}">
+                <p16:designElem xmlns:p16="http://schemas.microsoft.com/office/powerpoint/2015/main" val="1"/>
+              </p:ext>
+            </p:extLst>
+          </p:nvPr>
+        </p:nvSpPr>
+        <p:spPr>
+          <a:xfrm>
+            <a:off x="0" y="-3324"/>
+            <a:ext cx="12192000" cy="6861324"/>
+          </a:xfrm>
+          <a:prstGeom prst="rect">
+            <a:avLst/>
+          </a:prstGeom>
+          <a:solidFill>
+            <a:srgbClr val="404040"/>
+          </a:solidFill>
+          <a:ln>
+            <a:noFill/>
+          </a:ln>
+        </p:spPr>
+        <p:style>
+          <a:lnRef idx="2">
+            <a:schemeClr val="accent1">
+              <a:shade val="50000"/>
+            </a:schemeClr>
+          </a:lnRef>
+          <a:fillRef idx="1">
+            <a:schemeClr val="accent1"/>
+          </a:fillRef>
+          <a:effectRef idx="0">
+            <a:schemeClr val="accent1"/>
+          </a:effectRef>
+          <a:fontRef idx="minor">
+            <a:schemeClr val="lt1"/>
+          </a:fontRef>
+        </p:style>
+        <p:txBody>
+          <a:bodyPr rtlCol="0" anchor="ctr"/>
+          <a:lstStyle/>
+          <a:p>
+            <a:pPr algn="ctr"/>
+            <a:endParaRPr lang="en-US"/>
+          </a:p>
+        </p:txBody>
+      </p:sp>
+      <p:sp>
+        <p:nvSpPr>
+          <p:cNvPr id="15" name="Freeform 13">
+            <a:extLst>
+              <a:ext uri="{FF2B5EF4-FFF2-40B4-BE49-F238E27FC236}">
+                <a16:creationId xmlns:a16="http://schemas.microsoft.com/office/drawing/2014/main" id="{987FDF89-C993-41F4-A1B8-DBAFF16008A9}"/>
+              </a:ext>
+              <a:ext uri="{C183D7F6-B498-43B3-948B-1728B52AA6E4}">
+                <adec:decorative xmlns:adec="http://schemas.microsoft.com/office/drawing/2017/decorative" val="1"/>
+              </a:ext>
+            </a:extLst>
+          </p:cNvPr>
+          <p:cNvSpPr>
+            <a:spLocks noGrp="1" noRot="1" noChangeAspect="1" noMove="1" noResize="1" noEditPoints="1" noAdjustHandles="1" noChangeArrowheads="1" noChangeShapeType="1" noTextEdit="1"/>
+          </p:cNvSpPr>
+          <p:nvPr>
+            <p:extLst>
+              <p:ext uri="{386F3935-93C4-4BCD-93E2-E3B085C9AB24}">
+                <p16:designElem xmlns:p16="http://schemas.microsoft.com/office/powerpoint/2015/main" val="1"/>
+              </p:ext>
+            </p:extLst>
+          </p:nvPr>
+        </p:nvSpPr>
+        <p:spPr>
+          <a:xfrm>
+            <a:off x="0" y="0"/>
+            <a:ext cx="11786754" cy="6858000"/>
+          </a:xfrm>
+          <a:custGeom>
+            <a:avLst/>
+            <a:gdLst>
+              <a:gd name="connsiteX0" fmla="*/ 0 w 11786754"/>
+              <a:gd name="connsiteY0" fmla="*/ 0 h 6858000"/>
+              <a:gd name="connsiteX1" fmla="*/ 8610600 w 11786754"/>
+              <a:gd name="connsiteY1" fmla="*/ 0 h 6858000"/>
+              <a:gd name="connsiteX2" fmla="*/ 11786754 w 11786754"/>
+              <a:gd name="connsiteY2" fmla="*/ 6858000 h 6858000"/>
+              <a:gd name="connsiteX3" fmla="*/ 0 w 11786754"/>
+              <a:gd name="connsiteY3" fmla="*/ 6858000 h 6858000"/>
+            </a:gdLst>
+            <a:ahLst/>
+            <a:cxnLst>
+              <a:cxn ang="0">
+                <a:pos x="connsiteX0" y="connsiteY0"/>
+              </a:cxn>
+              <a:cxn ang="0">
+                <a:pos x="connsiteX1" y="connsiteY1"/>
+              </a:cxn>
+              <a:cxn ang="0">
+                <a:pos x="connsiteX2" y="connsiteY2"/>
+              </a:cxn>
+              <a:cxn ang="0">
+                <a:pos x="connsiteX3" y="connsiteY3"/>
+              </a:cxn>
+            </a:cxnLst>
+            <a:rect l="l" t="t" r="r" b="b"/>
+            <a:pathLst>
+              <a:path w="11786754" h="6858000">
+                <a:moveTo>
+                  <a:pt x="0" y="0"/>
+                </a:moveTo>
+                <a:lnTo>
+                  <a:pt x="8610600" y="0"/>
+                </a:lnTo>
+                <a:lnTo>
+                  <a:pt x="11786754" y="6858000"/>
+                </a:lnTo>
+                <a:lnTo>
+                  <a:pt x="0" y="6858000"/>
+                </a:lnTo>
+                <a:close/>
+              </a:path>
+            </a:pathLst>
+          </a:custGeom>
+          <a:solidFill>
+            <a:srgbClr val="000000">
+              <a:alpha val="29804"/>
+            </a:srgbClr>
+          </a:solidFill>
+          <a:ln>
+            <a:noFill/>
+          </a:ln>
+        </p:spPr>
+        <p:style>
+          <a:lnRef idx="2">
+            <a:schemeClr val="accent1">
+              <a:shade val="50000"/>
+            </a:schemeClr>
+          </a:lnRef>
+          <a:fillRef idx="1">
+            <a:schemeClr val="accent1"/>
+          </a:fillRef>
+          <a:effectRef idx="0">
+            <a:schemeClr val="accent1"/>
+          </a:effectRef>
+          <a:fontRef idx="minor">
+            <a:schemeClr val="lt1"/>
+          </a:fontRef>
+        </p:style>
+        <p:txBody>
+          <a:bodyPr rtlCol="0" anchor="ctr"/>
+          <a:lstStyle/>
+          <a:p>
+            <a:pPr algn="ctr"/>
+            <a:endParaRPr lang="en-US"/>
+          </a:p>
+        </p:txBody>
+      </p:sp>
+      <p:sp>
+        <p:nvSpPr>
+          <p:cNvPr id="16" name="Freeform 11">
+            <a:extLst>
+              <a:ext uri="{FF2B5EF4-FFF2-40B4-BE49-F238E27FC236}">
+                <a16:creationId xmlns:a16="http://schemas.microsoft.com/office/drawing/2014/main" id="{64E585EA-75FD-4025-8270-F66A58A15CDA}"/>
+              </a:ext>
+              <a:ext uri="{C183D7F6-B498-43B3-948B-1728B52AA6E4}">
+                <adec:decorative xmlns:adec="http://schemas.microsoft.com/office/drawing/2017/decorative" val="1"/>
+              </a:ext>
+            </a:extLst>
+          </p:cNvPr>
+          <p:cNvSpPr>
+            <a:spLocks noGrp="1" noRot="1" noChangeAspect="1" noMove="1" noResize="1" noEditPoints="1" noAdjustHandles="1" noChangeArrowheads="1" noChangeShapeType="1" noTextEdit="1"/>
+          </p:cNvSpPr>
+          <p:nvPr>
+            <p:extLst>
+              <p:ext uri="{386F3935-93C4-4BCD-93E2-E3B085C9AB24}">
+                <p16:designElem xmlns:p16="http://schemas.microsoft.com/office/powerpoint/2015/main" val="1"/>
+              </p:ext>
+            </p:extLst>
+          </p:nvPr>
+        </p:nvSpPr>
+        <p:spPr>
+          <a:xfrm>
+            <a:off x="0" y="0"/>
+            <a:ext cx="3581400" cy="6858000"/>
+          </a:xfrm>
+          <a:custGeom>
+            <a:avLst/>
+            <a:gdLst>
+              <a:gd name="connsiteX0" fmla="*/ 0 w 3581400"/>
+              <a:gd name="connsiteY0" fmla="*/ 0 h 6858000"/>
+              <a:gd name="connsiteX1" fmla="*/ 405246 w 3581400"/>
+              <a:gd name="connsiteY1" fmla="*/ 0 h 6858000"/>
+              <a:gd name="connsiteX2" fmla="*/ 3581400 w 3581400"/>
+              <a:gd name="connsiteY2" fmla="*/ 6858000 h 6858000"/>
+              <a:gd name="connsiteX3" fmla="*/ 0 w 3581400"/>
+              <a:gd name="connsiteY3" fmla="*/ 6858000 h 6858000"/>
+            </a:gdLst>
+            <a:ahLst/>
+            <a:cxnLst>
+              <a:cxn ang="0">
+                <a:pos x="connsiteX0" y="connsiteY0"/>
+              </a:cxn>
+              <a:cxn ang="0">
+                <a:pos x="connsiteX1" y="connsiteY1"/>
+              </a:cxn>
+              <a:cxn ang="0">
+                <a:pos x="connsiteX2" y="connsiteY2"/>
+              </a:cxn>
+              <a:cxn ang="0">
+                <a:pos x="connsiteX3" y="connsiteY3"/>
+              </a:cxn>
+            </a:cxnLst>
+            <a:rect l="l" t="t" r="r" b="b"/>
+            <a:pathLst>
+              <a:path w="3581400" h="6858000">
+                <a:moveTo>
+                  <a:pt x="0" y="0"/>
+                </a:moveTo>
+                <a:lnTo>
+                  <a:pt x="405246" y="0"/>
+                </a:lnTo>
+                <a:lnTo>
+                  <a:pt x="3581400" y="6858000"/>
+                </a:lnTo>
+                <a:lnTo>
+                  <a:pt x="0" y="6858000"/>
+                </a:lnTo>
+                <a:close/>
+              </a:path>
+            </a:pathLst>
+          </a:custGeom>
+          <a:solidFill>
+            <a:srgbClr val="000000">
+              <a:alpha val="29804"/>
+            </a:srgbClr>
+          </a:solidFill>
+          <a:ln>
+            <a:noFill/>
+          </a:ln>
+        </p:spPr>
+        <p:style>
+          <a:lnRef idx="2">
+            <a:schemeClr val="accent1">
+              <a:shade val="50000"/>
+            </a:schemeClr>
+          </a:lnRef>
+          <a:fillRef idx="1">
+            <a:schemeClr val="accent1"/>
+          </a:fillRef>
+          <a:effectRef idx="0">
+            <a:schemeClr val="accent1"/>
+          </a:effectRef>
+          <a:fontRef idx="minor">
+            <a:schemeClr val="lt1"/>
+          </a:fontRef>
+        </p:style>
+        <p:txBody>
+          <a:bodyPr wrap="square" rtlCol="0" anchor="ctr">
+            <a:noAutofit/>
+          </a:bodyPr>
+          <a:lstStyle/>
+          <a:p>
+            <a:pPr algn="ctr"/>
+            <a:endParaRPr lang="en-US"/>
+          </a:p>
+        </p:txBody>
+      </p:sp>
+      <p:sp>
+        <p:nvSpPr>
+          <p:cNvPr id="2" name="Title 1">
+            <a:extLst>
+              <a:ext uri="{FF2B5EF4-FFF2-40B4-BE49-F238E27FC236}">
+                <a16:creationId xmlns:a16="http://schemas.microsoft.com/office/drawing/2014/main" id="{CE660CB5-F295-8346-9CC7-56C1F7F2060C}"/>
+              </a:ext>
+            </a:extLst>
+          </p:cNvPr>
+          <p:cNvSpPr>
+            <a:spLocks noGrp="1"/>
+          </p:cNvSpPr>
+          <p:nvPr>
+            <p:ph type="title"/>
+          </p:nvPr>
+        </p:nvSpPr>
+        <p:spPr>
+          <a:xfrm>
+            <a:off x="833002" y="241910"/>
+            <a:ext cx="10520702" cy="1325563"/>
+          </a:xfrm>
+        </p:spPr>
+        <p:txBody>
+          <a:bodyPr>
+            <a:normAutofit/>
+          </a:bodyPr>
+          <a:lstStyle/>
+          <a:p>
+            <a:r>
+              <a:rPr lang="en-IL" dirty="0">
+                <a:solidFill>
+                  <a:srgbClr val="FFFFFF"/>
+                </a:solidFill>
+              </a:rPr>
+              <a:t>The Research</a:t>
+            </a:r>
+          </a:p>
+        </p:txBody>
+      </p:sp>
+      <p:sp>
+        <p:nvSpPr>
+          <p:cNvPr id="3" name="Content Placeholder 2">
+            <a:extLst>
+              <a:ext uri="{FF2B5EF4-FFF2-40B4-BE49-F238E27FC236}">
+                <a16:creationId xmlns:a16="http://schemas.microsoft.com/office/drawing/2014/main" id="{BA080928-EC02-ED41-A9A8-B9C716E1803F}"/>
+              </a:ext>
+            </a:extLst>
+          </p:cNvPr>
+          <p:cNvSpPr>
+            <a:spLocks noGrp="1"/>
+          </p:cNvSpPr>
+          <p:nvPr>
+            <p:ph idx="1"/>
+          </p:nvPr>
+        </p:nvSpPr>
+        <p:spPr>
+          <a:xfrm>
+            <a:off x="838201" y="1458403"/>
+            <a:ext cx="10515598" cy="4154361"/>
+          </a:xfrm>
+        </p:spPr>
+        <p:txBody>
+          <a:bodyPr>
+            <a:normAutofit/>
+          </a:bodyPr>
+          <a:lstStyle/>
+          <a:p>
+            <a:pPr marL="0" indent="0">
+              <a:buNone/>
+            </a:pPr>
+            <a:r>
+              <a:rPr lang="en-IL" sz="2500" u="sng" dirty="0">
+                <a:solidFill>
+                  <a:srgbClr val="FFFFFF"/>
+                </a:solidFill>
+              </a:rPr>
+              <a:t>Background</a:t>
+            </a:r>
+          </a:p>
+          <a:p>
+            <a:pPr marL="0" indent="0">
+              <a:buNone/>
+            </a:pPr>
+            <a:r>
+              <a:rPr lang="en-IL" sz="1800" dirty="0">
+                <a:solidFill>
+                  <a:srgbClr val="FFFFFF"/>
+                </a:solidFill>
+              </a:rPr>
+              <a:t>Most of the cannabis strains that exist today are genetical </a:t>
+            </a:r>
+            <a:r>
+              <a:rPr lang="en-US" sz="1800" dirty="0">
+                <a:solidFill>
+                  <a:srgbClr val="FFFFFF"/>
+                </a:solidFill>
+              </a:rPr>
+              <a:t>descendants of 2 main strain types – Sativa &amp; Indica.</a:t>
+            </a:r>
+          </a:p>
+          <a:p>
+            <a:pPr marL="0" indent="0">
+              <a:buNone/>
+            </a:pPr>
+            <a:r>
+              <a:rPr lang="en-US" sz="1800" dirty="0">
+                <a:solidFill>
+                  <a:srgbClr val="FFFFFF"/>
+                </a:solidFill>
+              </a:rPr>
+              <a:t>As the popularity of cannabis increased in the last years thanks to countries legalizing the plant, the number of available strains increased accordingly.</a:t>
+            </a:r>
+          </a:p>
+          <a:p>
+            <a:pPr marL="0" indent="0">
+              <a:buNone/>
+            </a:pPr>
+            <a:r>
+              <a:rPr lang="en-US" sz="1800" dirty="0">
+                <a:solidFill>
+                  <a:srgbClr val="FFFFFF"/>
+                </a:solidFill>
+              </a:rPr>
+              <a:t>New strains are created by hybridization of 2 existing strains.</a:t>
+            </a:r>
+          </a:p>
+          <a:p>
+            <a:pPr marL="0" indent="0">
+              <a:buNone/>
+            </a:pPr>
+            <a:r>
+              <a:rPr lang="en-US" sz="1800" dirty="0">
+                <a:solidFill>
+                  <a:srgbClr val="FFFFFF"/>
+                </a:solidFill>
+              </a:rPr>
+              <a:t>Today, the 3 main types are: Sativa, Indica and Hybrid.</a:t>
+            </a:r>
+          </a:p>
+          <a:p>
+            <a:pPr marL="0" indent="0">
+              <a:buNone/>
+            </a:pPr>
+            <a:endParaRPr lang="en-US" sz="1800" dirty="0">
+              <a:solidFill>
+                <a:srgbClr val="FFFFFF"/>
+              </a:solidFill>
+            </a:endParaRPr>
+          </a:p>
+          <a:p>
+            <a:pPr marL="0" indent="0">
+              <a:buNone/>
+            </a:pPr>
+            <a:r>
+              <a:rPr lang="en-US" sz="2500" u="sng" dirty="0">
+                <a:solidFill>
+                  <a:srgbClr val="FFFFFF"/>
+                </a:solidFill>
+              </a:rPr>
+              <a:t>Our Goal</a:t>
+            </a:r>
+          </a:p>
+          <a:p>
+            <a:pPr marL="0" indent="0">
+              <a:buNone/>
+            </a:pPr>
+            <a:r>
+              <a:rPr lang="en-IL" sz="1800" dirty="0">
+                <a:solidFill>
+                  <a:srgbClr val="FFFFFF"/>
+                </a:solidFill>
+              </a:rPr>
+              <a:t>Create a Machine Learning model that can predict a strain’s type, based on a set of different features.</a:t>
+            </a:r>
+          </a:p>
+        </p:txBody>
+      </p:sp>
+      <p:pic>
+        <p:nvPicPr>
+          <p:cNvPr id="1030" name="Picture 6">
+            <a:extLst>
+              <a:ext uri="{FF2B5EF4-FFF2-40B4-BE49-F238E27FC236}">
+                <a16:creationId xmlns:a16="http://schemas.microsoft.com/office/drawing/2014/main" id="{21C0F2AE-0D44-D74C-A42E-5664EA157D3A}"/>
+              </a:ext>
+            </a:extLst>
+          </p:cNvPr>
+          <p:cNvPicPr>
+            <a:picLocks noChangeAspect="1" noChangeArrowheads="1"/>
+          </p:cNvPicPr>
+          <p:nvPr/>
+        </p:nvPicPr>
+        <p:blipFill>
+          <a:blip r:embed="rId2">
+            <a:extLst>
+              <a:ext uri="{28A0092B-C50C-407E-A947-70E740481C1C}">
+                <a14:useLocalDpi xmlns:a14="http://schemas.microsoft.com/office/drawing/2010/main" val="0"/>
+              </a:ext>
+            </a:extLst>
+          </a:blip>
+          <a:srcRect/>
+          <a:stretch>
+            <a:fillRect/>
+          </a:stretch>
+        </p:blipFill>
+        <p:spPr bwMode="auto">
+          <a:xfrm>
+            <a:off x="10229850" y="4033736"/>
+            <a:ext cx="2117544" cy="2824264"/>
+          </a:xfrm>
+          <a:prstGeom prst="rect">
+            <a:avLst/>
+          </a:prstGeom>
+          <a:noFill/>
+          <a:extLst>
+            <a:ext uri="{909E8E84-426E-40DD-AFC4-6F175D3DCCD1}">
+              <a14:hiddenFill xmlns:a14="http://schemas.microsoft.com/office/drawing/2010/main">
+                <a:solidFill>
+                  <a:srgbClr val="FFFFFF"/>
+                </a:solidFill>
+              </a14:hiddenFill>
+            </a:ext>
+          </a:extLst>
+        </p:spPr>
+      </p:pic>
+    </p:spTree>
+    <p:extLst>
+      <p:ext uri="{BB962C8B-B14F-4D97-AF65-F5344CB8AC3E}">
+        <p14:creationId xmlns:p14="http://schemas.microsoft.com/office/powerpoint/2010/main" val="2520336780"/>
+      </p:ext>
+    </p:extLst>
+  </p:cSld>
+  <p:clrMapOvr>
+    <a:overrideClrMapping bg1="dk1" tx1="lt1" bg2="dk2" tx2="lt2" accent1="accent1" accent2="accent2" accent3="accent3" accent4="accent4" accent5="accent5" accent6="accent6" hlink="hlink" folHlink="folHlink"/>
+  </p:clrMapOvr>
+</p:sld>
+</file>
+
+<file path=ppt/slides/slide3.xml><?xml version="1.0" encoding="utf-8"?>
+<p:sld xmlns:a="http://schemas.openxmlformats.org/drawingml/2006/main" xmlns:r="http://schemas.openxmlformats.org/officeDocument/2006/relationships" xmlns:p="http://schemas.openxmlformats.org/presentationml/2006/main">
+  <p:cSld>
+    <p:bg>
+      <p:bgPr>
+        <a:solidFill>
+          <a:srgbClr val="404040"/>
+        </a:solidFill>
+        <a:effectLst/>
+      </p:bgPr>
+    </p:bg>
+    <p:spTree>
+      <p:nvGrpSpPr>
+        <p:cNvPr id="1" name=""/>
+        <p:cNvGrpSpPr/>
+        <p:nvPr/>
+      </p:nvGrpSpPr>
+      <p:grpSpPr>
+        <a:xfrm>
+          <a:off x="0" y="0"/>
+          <a:ext cx="0" cy="0"/>
+          <a:chOff x="0" y="0"/>
+          <a:chExt cx="0" cy="0"/>
+        </a:xfrm>
+      </p:grpSpPr>
+      <p:sp>
+        <p:nvSpPr>
+          <p:cNvPr id="14" name="Rectangle 7">
+            <a:extLst>
+              <a:ext uri="{FF2B5EF4-FFF2-40B4-BE49-F238E27FC236}">
+                <a16:creationId xmlns:a16="http://schemas.microsoft.com/office/drawing/2014/main" id="{EA67B5B4-3A24-436E-B663-1B2EBFF8A0CD}"/>
+              </a:ext>
+              <a:ext uri="{C183D7F6-B498-43B3-948B-1728B52AA6E4}">
+                <adec:decorative xmlns:adec="http://schemas.microsoft.com/office/drawing/2017/decorative" val="1"/>
+              </a:ext>
+            </a:extLst>
+          </p:cNvPr>
+          <p:cNvSpPr>
+            <a:spLocks noGrp="1" noRot="1" noChangeAspect="1" noMove="1" noResize="1" noEditPoints="1" noAdjustHandles="1" noChangeArrowheads="1" noChangeShapeType="1" noTextEdit="1"/>
+          </p:cNvSpPr>
+          <p:nvPr>
+            <p:extLst>
+              <p:ext uri="{386F3935-93C4-4BCD-93E2-E3B085C9AB24}">
+                <p16:designElem xmlns:p16="http://schemas.microsoft.com/office/powerpoint/2015/main" val="1"/>
+              </p:ext>
+            </p:extLst>
+          </p:nvPr>
+        </p:nvSpPr>
+        <p:spPr>
+          <a:xfrm>
+            <a:off x="0" y="-3324"/>
+            <a:ext cx="12192000" cy="6861324"/>
+          </a:xfrm>
+          <a:prstGeom prst="rect">
+            <a:avLst/>
+          </a:prstGeom>
+          <a:solidFill>
+            <a:srgbClr val="404040"/>
+          </a:solidFill>
+          <a:ln>
+            <a:noFill/>
+          </a:ln>
+        </p:spPr>
+        <p:style>
+          <a:lnRef idx="2">
+            <a:schemeClr val="accent1">
+              <a:shade val="50000"/>
+            </a:schemeClr>
+          </a:lnRef>
+          <a:fillRef idx="1">
+            <a:schemeClr val="accent1"/>
+          </a:fillRef>
+          <a:effectRef idx="0">
+            <a:schemeClr val="accent1"/>
+          </a:effectRef>
+          <a:fontRef idx="minor">
+            <a:schemeClr val="lt1"/>
+          </a:fontRef>
+        </p:style>
+        <p:txBody>
+          <a:bodyPr rtlCol="0" anchor="ctr"/>
+          <a:lstStyle/>
+          <a:p>
+            <a:pPr algn="ctr"/>
+            <a:endParaRPr lang="en-US"/>
+          </a:p>
+        </p:txBody>
+      </p:sp>
+      <p:sp>
+        <p:nvSpPr>
+          <p:cNvPr id="15" name="Freeform 13">
+            <a:extLst>
+              <a:ext uri="{FF2B5EF4-FFF2-40B4-BE49-F238E27FC236}">
+                <a16:creationId xmlns:a16="http://schemas.microsoft.com/office/drawing/2014/main" id="{987FDF89-C993-41F4-A1B8-DBAFF16008A9}"/>
+              </a:ext>
+              <a:ext uri="{C183D7F6-B498-43B3-948B-1728B52AA6E4}">
+                <adec:decorative xmlns:adec="http://schemas.microsoft.com/office/drawing/2017/decorative" val="1"/>
+              </a:ext>
+            </a:extLst>
+          </p:cNvPr>
+          <p:cNvSpPr>
+            <a:spLocks noGrp="1" noRot="1" noChangeAspect="1" noMove="1" noResize="1" noEditPoints="1" noAdjustHandles="1" noChangeArrowheads="1" noChangeShapeType="1" noTextEdit="1"/>
+          </p:cNvSpPr>
+          <p:nvPr>
+            <p:extLst>
+              <p:ext uri="{386F3935-93C4-4BCD-93E2-E3B085C9AB24}">
+                <p16:designElem xmlns:p16="http://schemas.microsoft.com/office/powerpoint/2015/main" val="1"/>
+              </p:ext>
+            </p:extLst>
+          </p:nvPr>
+        </p:nvSpPr>
+        <p:spPr>
+          <a:xfrm>
+            <a:off x="0" y="0"/>
+            <a:ext cx="11786754" cy="6858000"/>
+          </a:xfrm>
+          <a:custGeom>
+            <a:avLst/>
+            <a:gdLst>
+              <a:gd name="connsiteX0" fmla="*/ 0 w 11786754"/>
+              <a:gd name="connsiteY0" fmla="*/ 0 h 6858000"/>
+              <a:gd name="connsiteX1" fmla="*/ 8610600 w 11786754"/>
+              <a:gd name="connsiteY1" fmla="*/ 0 h 6858000"/>
+              <a:gd name="connsiteX2" fmla="*/ 11786754 w 11786754"/>
+              <a:gd name="connsiteY2" fmla="*/ 6858000 h 6858000"/>
+              <a:gd name="connsiteX3" fmla="*/ 0 w 11786754"/>
+              <a:gd name="connsiteY3" fmla="*/ 6858000 h 6858000"/>
+            </a:gdLst>
+            <a:ahLst/>
+            <a:cxnLst>
+              <a:cxn ang="0">
+                <a:pos x="connsiteX0" y="connsiteY0"/>
+              </a:cxn>
+              <a:cxn ang="0">
+                <a:pos x="connsiteX1" y="connsiteY1"/>
+              </a:cxn>
+              <a:cxn ang="0">
+                <a:pos x="connsiteX2" y="connsiteY2"/>
+              </a:cxn>
+              <a:cxn ang="0">
+                <a:pos x="connsiteX3" y="connsiteY3"/>
+              </a:cxn>
+            </a:cxnLst>
+            <a:rect l="l" t="t" r="r" b="b"/>
+            <a:pathLst>
+              <a:path w="11786754" h="6858000">
+                <a:moveTo>
+                  <a:pt x="0" y="0"/>
+                </a:moveTo>
+                <a:lnTo>
+                  <a:pt x="8610600" y="0"/>
+                </a:lnTo>
+                <a:lnTo>
+                  <a:pt x="11786754" y="6858000"/>
+                </a:lnTo>
+                <a:lnTo>
+                  <a:pt x="0" y="6858000"/>
+                </a:lnTo>
+                <a:close/>
+              </a:path>
+            </a:pathLst>
+          </a:custGeom>
+          <a:solidFill>
+            <a:srgbClr val="000000">
+              <a:alpha val="29804"/>
+            </a:srgbClr>
+          </a:solidFill>
+          <a:ln>
+            <a:noFill/>
+          </a:ln>
+        </p:spPr>
+        <p:style>
+          <a:lnRef idx="2">
+            <a:schemeClr val="accent1">
+              <a:shade val="50000"/>
+            </a:schemeClr>
+          </a:lnRef>
+          <a:fillRef idx="1">
+            <a:schemeClr val="accent1"/>
+          </a:fillRef>
+          <a:effectRef idx="0">
+            <a:schemeClr val="accent1"/>
+          </a:effectRef>
+          <a:fontRef idx="minor">
+            <a:schemeClr val="lt1"/>
+          </a:fontRef>
+        </p:style>
+        <p:txBody>
+          <a:bodyPr rtlCol="0" anchor="ctr"/>
+          <a:lstStyle/>
+          <a:p>
+            <a:pPr algn="ctr"/>
+            <a:endParaRPr lang="en-US"/>
+          </a:p>
+        </p:txBody>
+      </p:sp>
+      <p:sp>
+        <p:nvSpPr>
+          <p:cNvPr id="16" name="Freeform 11">
+            <a:extLst>
+              <a:ext uri="{FF2B5EF4-FFF2-40B4-BE49-F238E27FC236}">
+                <a16:creationId xmlns:a16="http://schemas.microsoft.com/office/drawing/2014/main" id="{64E585EA-75FD-4025-8270-F66A58A15CDA}"/>
+              </a:ext>
+              <a:ext uri="{C183D7F6-B498-43B3-948B-1728B52AA6E4}">
+                <adec:decorative xmlns:adec="http://schemas.microsoft.com/office/drawing/2017/decorative" val="1"/>
+              </a:ext>
+            </a:extLst>
+          </p:cNvPr>
+          <p:cNvSpPr>
+            <a:spLocks noGrp="1" noRot="1" noChangeAspect="1" noMove="1" noResize="1" noEditPoints="1" noAdjustHandles="1" noChangeArrowheads="1" noChangeShapeType="1" noTextEdit="1"/>
+          </p:cNvSpPr>
+          <p:nvPr>
+            <p:extLst>
+              <p:ext uri="{386F3935-93C4-4BCD-93E2-E3B085C9AB24}">
+                <p16:designElem xmlns:p16="http://schemas.microsoft.com/office/powerpoint/2015/main" val="1"/>
+              </p:ext>
+            </p:extLst>
+          </p:nvPr>
+        </p:nvSpPr>
+        <p:spPr>
+          <a:xfrm>
+            <a:off x="0" y="0"/>
+            <a:ext cx="3581400" cy="6858000"/>
+          </a:xfrm>
+          <a:custGeom>
+            <a:avLst/>
+            <a:gdLst>
+              <a:gd name="connsiteX0" fmla="*/ 0 w 3581400"/>
+              <a:gd name="connsiteY0" fmla="*/ 0 h 6858000"/>
+              <a:gd name="connsiteX1" fmla="*/ 405246 w 3581400"/>
+              <a:gd name="connsiteY1" fmla="*/ 0 h 6858000"/>
+              <a:gd name="connsiteX2" fmla="*/ 3581400 w 3581400"/>
+              <a:gd name="connsiteY2" fmla="*/ 6858000 h 6858000"/>
+              <a:gd name="connsiteX3" fmla="*/ 0 w 3581400"/>
+              <a:gd name="connsiteY3" fmla="*/ 6858000 h 6858000"/>
+            </a:gdLst>
+            <a:ahLst/>
+            <a:cxnLst>
+              <a:cxn ang="0">
+                <a:pos x="connsiteX0" y="connsiteY0"/>
+              </a:cxn>
+              <a:cxn ang="0">
+                <a:pos x="connsiteX1" y="connsiteY1"/>
+              </a:cxn>
+              <a:cxn ang="0">
+                <a:pos x="connsiteX2" y="connsiteY2"/>
+              </a:cxn>
+              <a:cxn ang="0">
+                <a:pos x="connsiteX3" y="connsiteY3"/>
+              </a:cxn>
+            </a:cxnLst>
+            <a:rect l="l" t="t" r="r" b="b"/>
+            <a:pathLst>
+              <a:path w="3581400" h="6858000">
+                <a:moveTo>
+                  <a:pt x="0" y="0"/>
+                </a:moveTo>
+                <a:lnTo>
+                  <a:pt x="405246" y="0"/>
+                </a:lnTo>
+                <a:lnTo>
+                  <a:pt x="3581400" y="6858000"/>
+                </a:lnTo>
+                <a:lnTo>
+                  <a:pt x="0" y="6858000"/>
+                </a:lnTo>
+                <a:close/>
+              </a:path>
+            </a:pathLst>
+          </a:custGeom>
+          <a:solidFill>
+            <a:srgbClr val="000000">
+              <a:alpha val="29804"/>
+            </a:srgbClr>
+          </a:solidFill>
+          <a:ln>
+            <a:noFill/>
+          </a:ln>
+        </p:spPr>
+        <p:style>
+          <a:lnRef idx="2">
+            <a:schemeClr val="accent1">
+              <a:shade val="50000"/>
+            </a:schemeClr>
+          </a:lnRef>
+          <a:fillRef idx="1">
+            <a:schemeClr val="accent1"/>
+          </a:fillRef>
+          <a:effectRef idx="0">
+            <a:schemeClr val="accent1"/>
+          </a:effectRef>
+          <a:fontRef idx="minor">
+            <a:schemeClr val="lt1"/>
+          </a:fontRef>
+        </p:style>
+        <p:txBody>
+          <a:bodyPr wrap="square" rtlCol="0" anchor="ctr">
+            <a:noAutofit/>
+          </a:bodyPr>
+          <a:lstStyle/>
+          <a:p>
+            <a:pPr algn="ctr"/>
+            <a:endParaRPr lang="en-US"/>
+          </a:p>
+        </p:txBody>
+      </p:sp>
+      <p:sp>
+        <p:nvSpPr>
+          <p:cNvPr id="2" name="Title 1">
+            <a:extLst>
+              <a:ext uri="{FF2B5EF4-FFF2-40B4-BE49-F238E27FC236}">
+                <a16:creationId xmlns:a16="http://schemas.microsoft.com/office/drawing/2014/main" id="{CE660CB5-F295-8346-9CC7-56C1F7F2060C}"/>
+              </a:ext>
+            </a:extLst>
+          </p:cNvPr>
+          <p:cNvSpPr>
+            <a:spLocks noGrp="1"/>
+          </p:cNvSpPr>
+          <p:nvPr>
+            <p:ph type="title"/>
+          </p:nvPr>
+        </p:nvSpPr>
+        <p:spPr>
+          <a:xfrm>
+            <a:off x="833002" y="215970"/>
             <a:ext cx="10520702" cy="1325563"/>
           </a:xfrm>
         </p:spPr>
@@ -7906,13 +11774,13 @@
           <p:nvPr>
             <p:extLst>
               <p:ext uri="{D42A27DB-BD31-4B8C-83A1-F6EECF244321}">
-                <p14:modId xmlns:p14="http://schemas.microsoft.com/office/powerpoint/2010/main" val="2310757700"/>
+                <p14:modId xmlns:p14="http://schemas.microsoft.com/office/powerpoint/2010/main" val="3511451246"/>
               </p:ext>
             </p:extLst>
           </p:nvPr>
         </p:nvGraphicFramePr>
         <p:xfrm>
-          <a:off x="971049" y="-535102"/>
+          <a:off x="971049" y="-820447"/>
           <a:ext cx="10585278" cy="5865860"/>
         </p:xfrm>
         <a:graphic>
@@ -7935,7 +11803,7 @@
         </p:nvSpPr>
         <p:spPr>
           <a:xfrm>
-            <a:off x="1296449" y="3232028"/>
+            <a:off x="1296449" y="2992083"/>
             <a:ext cx="1953734" cy="923330"/>
           </a:xfrm>
           <a:prstGeom prst="rect">
@@ -7970,7 +11838,7 @@
         </p:nvSpPr>
         <p:spPr>
           <a:xfrm>
-            <a:off x="3814220" y="3232028"/>
+            <a:off x="3814220" y="2992083"/>
             <a:ext cx="1953734" cy="923330"/>
           </a:xfrm>
           <a:prstGeom prst="rect">
@@ -8005,7 +11873,7 @@
         </p:nvSpPr>
         <p:spPr>
           <a:xfrm>
-            <a:off x="6326173" y="3232028"/>
+            <a:off x="6326173" y="2992083"/>
             <a:ext cx="1953734" cy="923330"/>
           </a:xfrm>
           <a:prstGeom prst="rect">
@@ -8040,7 +11908,7 @@
         </p:nvSpPr>
         <p:spPr>
           <a:xfrm>
-            <a:off x="8838126" y="3230433"/>
+            <a:off x="8838126" y="2990488"/>
             <a:ext cx="1953734" cy="923330"/>
           </a:xfrm>
           <a:prstGeom prst="rect">
@@ -8061,10 +11929,4382 @@
           </a:p>
         </p:txBody>
       </p:sp>
+      <p:pic>
+        <p:nvPicPr>
+          <p:cNvPr id="9" name="Graphic 8">
+            <a:extLst>
+              <a:ext uri="{FF2B5EF4-FFF2-40B4-BE49-F238E27FC236}">
+                <a16:creationId xmlns:a16="http://schemas.microsoft.com/office/drawing/2014/main" id="{638CE3BA-C547-2143-B05E-28C847CA9936}"/>
+              </a:ext>
+            </a:extLst>
+          </p:cNvPr>
+          <p:cNvPicPr>
+            <a:picLocks noChangeAspect="1"/>
+          </p:cNvPicPr>
+          <p:nvPr/>
+        </p:nvPicPr>
+        <p:blipFill>
+          <a:blip r:embed="rId7">
+            <a:extLst>
+              <a:ext uri="{96DAC541-7B7A-43D3-8B79-37D633B846F1}">
+                <asvg:svgBlip xmlns:asvg="http://schemas.microsoft.com/office/drawing/2016/SVG/main" r:embed="rId8"/>
+              </a:ext>
+            </a:extLst>
+          </a:blip>
+          <a:stretch>
+            <a:fillRect/>
+          </a:stretch>
+        </p:blipFill>
+        <p:spPr>
+          <a:xfrm>
+            <a:off x="0" y="4292399"/>
+            <a:ext cx="4585830" cy="2485224"/>
+          </a:xfrm>
+          <a:prstGeom prst="rect">
+            <a:avLst/>
+          </a:prstGeom>
+        </p:spPr>
+      </p:pic>
     </p:spTree>
     <p:extLst>
       <p:ext uri="{BB962C8B-B14F-4D97-AF65-F5344CB8AC3E}">
         <p14:creationId xmlns:p14="http://schemas.microsoft.com/office/powerpoint/2010/main" val="76145548"/>
+      </p:ext>
+    </p:extLst>
+  </p:cSld>
+  <p:clrMapOvr>
+    <a:overrideClrMapping bg1="dk1" tx1="lt1" bg2="dk2" tx2="lt2" accent1="accent1" accent2="accent2" accent3="accent3" accent4="accent4" accent5="accent5" accent6="accent6" hlink="hlink" folHlink="folHlink"/>
+  </p:clrMapOvr>
+</p:sld>
+</file>
+
+<file path=ppt/slides/slide4.xml><?xml version="1.0" encoding="utf-8"?>
+<p:sld xmlns:a="http://schemas.openxmlformats.org/drawingml/2006/main" xmlns:r="http://schemas.openxmlformats.org/officeDocument/2006/relationships" xmlns:p="http://schemas.openxmlformats.org/presentationml/2006/main">
+  <p:cSld>
+    <p:bg>
+      <p:bgPr>
+        <a:solidFill>
+          <a:srgbClr val="404040"/>
+        </a:solidFill>
+        <a:effectLst/>
+      </p:bgPr>
+    </p:bg>
+    <p:spTree>
+      <p:nvGrpSpPr>
+        <p:cNvPr id="1" name=""/>
+        <p:cNvGrpSpPr/>
+        <p:nvPr/>
+      </p:nvGrpSpPr>
+      <p:grpSpPr>
+        <a:xfrm>
+          <a:off x="0" y="0"/>
+          <a:ext cx="0" cy="0"/>
+          <a:chOff x="0" y="0"/>
+          <a:chExt cx="0" cy="0"/>
+        </a:xfrm>
+      </p:grpSpPr>
+      <p:sp>
+        <p:nvSpPr>
+          <p:cNvPr id="14" name="Rectangle 7">
+            <a:extLst>
+              <a:ext uri="{FF2B5EF4-FFF2-40B4-BE49-F238E27FC236}">
+                <a16:creationId xmlns:a16="http://schemas.microsoft.com/office/drawing/2014/main" id="{EA67B5B4-3A24-436E-B663-1B2EBFF8A0CD}"/>
+              </a:ext>
+              <a:ext uri="{C183D7F6-B498-43B3-948B-1728B52AA6E4}">
+                <adec:decorative xmlns:adec="http://schemas.microsoft.com/office/drawing/2017/decorative" val="1"/>
+              </a:ext>
+            </a:extLst>
+          </p:cNvPr>
+          <p:cNvSpPr>
+            <a:spLocks noGrp="1" noRot="1" noChangeAspect="1" noMove="1" noResize="1" noEditPoints="1" noAdjustHandles="1" noChangeArrowheads="1" noChangeShapeType="1" noTextEdit="1"/>
+          </p:cNvSpPr>
+          <p:nvPr>
+            <p:extLst>
+              <p:ext uri="{386F3935-93C4-4BCD-93E2-E3B085C9AB24}">
+                <p16:designElem xmlns:p16="http://schemas.microsoft.com/office/powerpoint/2015/main" val="1"/>
+              </p:ext>
+            </p:extLst>
+          </p:nvPr>
+        </p:nvSpPr>
+        <p:spPr>
+          <a:xfrm>
+            <a:off x="0" y="-3324"/>
+            <a:ext cx="12192000" cy="6861324"/>
+          </a:xfrm>
+          <a:prstGeom prst="rect">
+            <a:avLst/>
+          </a:prstGeom>
+          <a:solidFill>
+            <a:srgbClr val="404040"/>
+          </a:solidFill>
+          <a:ln>
+            <a:noFill/>
+          </a:ln>
+        </p:spPr>
+        <p:style>
+          <a:lnRef idx="2">
+            <a:schemeClr val="accent1">
+              <a:shade val="50000"/>
+            </a:schemeClr>
+          </a:lnRef>
+          <a:fillRef idx="1">
+            <a:schemeClr val="accent1"/>
+          </a:fillRef>
+          <a:effectRef idx="0">
+            <a:schemeClr val="accent1"/>
+          </a:effectRef>
+          <a:fontRef idx="minor">
+            <a:schemeClr val="lt1"/>
+          </a:fontRef>
+        </p:style>
+        <p:txBody>
+          <a:bodyPr rtlCol="0" anchor="ctr"/>
+          <a:lstStyle/>
+          <a:p>
+            <a:pPr algn="ctr"/>
+            <a:endParaRPr lang="en-US"/>
+          </a:p>
+        </p:txBody>
+      </p:sp>
+      <p:sp>
+        <p:nvSpPr>
+          <p:cNvPr id="15" name="Freeform 13">
+            <a:extLst>
+              <a:ext uri="{FF2B5EF4-FFF2-40B4-BE49-F238E27FC236}">
+                <a16:creationId xmlns:a16="http://schemas.microsoft.com/office/drawing/2014/main" id="{987FDF89-C993-41F4-A1B8-DBAFF16008A9}"/>
+              </a:ext>
+              <a:ext uri="{C183D7F6-B498-43B3-948B-1728B52AA6E4}">
+                <adec:decorative xmlns:adec="http://schemas.microsoft.com/office/drawing/2017/decorative" val="1"/>
+              </a:ext>
+            </a:extLst>
+          </p:cNvPr>
+          <p:cNvSpPr>
+            <a:spLocks noGrp="1" noRot="1" noChangeAspect="1" noMove="1" noResize="1" noEditPoints="1" noAdjustHandles="1" noChangeArrowheads="1" noChangeShapeType="1" noTextEdit="1"/>
+          </p:cNvSpPr>
+          <p:nvPr>
+            <p:extLst>
+              <p:ext uri="{386F3935-93C4-4BCD-93E2-E3B085C9AB24}">
+                <p16:designElem xmlns:p16="http://schemas.microsoft.com/office/powerpoint/2015/main" val="1"/>
+              </p:ext>
+            </p:extLst>
+          </p:nvPr>
+        </p:nvSpPr>
+        <p:spPr>
+          <a:xfrm>
+            <a:off x="0" y="0"/>
+            <a:ext cx="11786754" cy="6858000"/>
+          </a:xfrm>
+          <a:custGeom>
+            <a:avLst/>
+            <a:gdLst>
+              <a:gd name="connsiteX0" fmla="*/ 0 w 11786754"/>
+              <a:gd name="connsiteY0" fmla="*/ 0 h 6858000"/>
+              <a:gd name="connsiteX1" fmla="*/ 8610600 w 11786754"/>
+              <a:gd name="connsiteY1" fmla="*/ 0 h 6858000"/>
+              <a:gd name="connsiteX2" fmla="*/ 11786754 w 11786754"/>
+              <a:gd name="connsiteY2" fmla="*/ 6858000 h 6858000"/>
+              <a:gd name="connsiteX3" fmla="*/ 0 w 11786754"/>
+              <a:gd name="connsiteY3" fmla="*/ 6858000 h 6858000"/>
+            </a:gdLst>
+            <a:ahLst/>
+            <a:cxnLst>
+              <a:cxn ang="0">
+                <a:pos x="connsiteX0" y="connsiteY0"/>
+              </a:cxn>
+              <a:cxn ang="0">
+                <a:pos x="connsiteX1" y="connsiteY1"/>
+              </a:cxn>
+              <a:cxn ang="0">
+                <a:pos x="connsiteX2" y="connsiteY2"/>
+              </a:cxn>
+              <a:cxn ang="0">
+                <a:pos x="connsiteX3" y="connsiteY3"/>
+              </a:cxn>
+            </a:cxnLst>
+            <a:rect l="l" t="t" r="r" b="b"/>
+            <a:pathLst>
+              <a:path w="11786754" h="6858000">
+                <a:moveTo>
+                  <a:pt x="0" y="0"/>
+                </a:moveTo>
+                <a:lnTo>
+                  <a:pt x="8610600" y="0"/>
+                </a:lnTo>
+                <a:lnTo>
+                  <a:pt x="11786754" y="6858000"/>
+                </a:lnTo>
+                <a:lnTo>
+                  <a:pt x="0" y="6858000"/>
+                </a:lnTo>
+                <a:close/>
+              </a:path>
+            </a:pathLst>
+          </a:custGeom>
+          <a:solidFill>
+            <a:srgbClr val="000000">
+              <a:alpha val="29804"/>
+            </a:srgbClr>
+          </a:solidFill>
+          <a:ln>
+            <a:noFill/>
+          </a:ln>
+        </p:spPr>
+        <p:style>
+          <a:lnRef idx="2">
+            <a:schemeClr val="accent1">
+              <a:shade val="50000"/>
+            </a:schemeClr>
+          </a:lnRef>
+          <a:fillRef idx="1">
+            <a:schemeClr val="accent1"/>
+          </a:fillRef>
+          <a:effectRef idx="0">
+            <a:schemeClr val="accent1"/>
+          </a:effectRef>
+          <a:fontRef idx="minor">
+            <a:schemeClr val="lt1"/>
+          </a:fontRef>
+        </p:style>
+        <p:txBody>
+          <a:bodyPr rtlCol="0" anchor="ctr"/>
+          <a:lstStyle/>
+          <a:p>
+            <a:pPr algn="ctr"/>
+            <a:endParaRPr lang="en-US"/>
+          </a:p>
+        </p:txBody>
+      </p:sp>
+      <p:sp>
+        <p:nvSpPr>
+          <p:cNvPr id="16" name="Freeform 11">
+            <a:extLst>
+              <a:ext uri="{FF2B5EF4-FFF2-40B4-BE49-F238E27FC236}">
+                <a16:creationId xmlns:a16="http://schemas.microsoft.com/office/drawing/2014/main" id="{64E585EA-75FD-4025-8270-F66A58A15CDA}"/>
+              </a:ext>
+              <a:ext uri="{C183D7F6-B498-43B3-948B-1728B52AA6E4}">
+                <adec:decorative xmlns:adec="http://schemas.microsoft.com/office/drawing/2017/decorative" val="1"/>
+              </a:ext>
+            </a:extLst>
+          </p:cNvPr>
+          <p:cNvSpPr>
+            <a:spLocks noGrp="1" noRot="1" noChangeAspect="1" noMove="1" noResize="1" noEditPoints="1" noAdjustHandles="1" noChangeArrowheads="1" noChangeShapeType="1" noTextEdit="1"/>
+          </p:cNvSpPr>
+          <p:nvPr>
+            <p:extLst>
+              <p:ext uri="{386F3935-93C4-4BCD-93E2-E3B085C9AB24}">
+                <p16:designElem xmlns:p16="http://schemas.microsoft.com/office/powerpoint/2015/main" val="1"/>
+              </p:ext>
+            </p:extLst>
+          </p:nvPr>
+        </p:nvSpPr>
+        <p:spPr>
+          <a:xfrm>
+            <a:off x="0" y="0"/>
+            <a:ext cx="3581400" cy="6858000"/>
+          </a:xfrm>
+          <a:custGeom>
+            <a:avLst/>
+            <a:gdLst>
+              <a:gd name="connsiteX0" fmla="*/ 0 w 3581400"/>
+              <a:gd name="connsiteY0" fmla="*/ 0 h 6858000"/>
+              <a:gd name="connsiteX1" fmla="*/ 405246 w 3581400"/>
+              <a:gd name="connsiteY1" fmla="*/ 0 h 6858000"/>
+              <a:gd name="connsiteX2" fmla="*/ 3581400 w 3581400"/>
+              <a:gd name="connsiteY2" fmla="*/ 6858000 h 6858000"/>
+              <a:gd name="connsiteX3" fmla="*/ 0 w 3581400"/>
+              <a:gd name="connsiteY3" fmla="*/ 6858000 h 6858000"/>
+            </a:gdLst>
+            <a:ahLst/>
+            <a:cxnLst>
+              <a:cxn ang="0">
+                <a:pos x="connsiteX0" y="connsiteY0"/>
+              </a:cxn>
+              <a:cxn ang="0">
+                <a:pos x="connsiteX1" y="connsiteY1"/>
+              </a:cxn>
+              <a:cxn ang="0">
+                <a:pos x="connsiteX2" y="connsiteY2"/>
+              </a:cxn>
+              <a:cxn ang="0">
+                <a:pos x="connsiteX3" y="connsiteY3"/>
+              </a:cxn>
+            </a:cxnLst>
+            <a:rect l="l" t="t" r="r" b="b"/>
+            <a:pathLst>
+              <a:path w="3581400" h="6858000">
+                <a:moveTo>
+                  <a:pt x="0" y="0"/>
+                </a:moveTo>
+                <a:lnTo>
+                  <a:pt x="405246" y="0"/>
+                </a:lnTo>
+                <a:lnTo>
+                  <a:pt x="3581400" y="6858000"/>
+                </a:lnTo>
+                <a:lnTo>
+                  <a:pt x="0" y="6858000"/>
+                </a:lnTo>
+                <a:close/>
+              </a:path>
+            </a:pathLst>
+          </a:custGeom>
+          <a:solidFill>
+            <a:srgbClr val="000000">
+              <a:alpha val="29804"/>
+            </a:srgbClr>
+          </a:solidFill>
+          <a:ln>
+            <a:noFill/>
+          </a:ln>
+        </p:spPr>
+        <p:style>
+          <a:lnRef idx="2">
+            <a:schemeClr val="accent1">
+              <a:shade val="50000"/>
+            </a:schemeClr>
+          </a:lnRef>
+          <a:fillRef idx="1">
+            <a:schemeClr val="accent1"/>
+          </a:fillRef>
+          <a:effectRef idx="0">
+            <a:schemeClr val="accent1"/>
+          </a:effectRef>
+          <a:fontRef idx="minor">
+            <a:schemeClr val="lt1"/>
+          </a:fontRef>
+        </p:style>
+        <p:txBody>
+          <a:bodyPr wrap="square" rtlCol="0" anchor="ctr">
+            <a:noAutofit/>
+          </a:bodyPr>
+          <a:lstStyle/>
+          <a:p>
+            <a:pPr algn="ctr"/>
+            <a:endParaRPr lang="en-US"/>
+          </a:p>
+        </p:txBody>
+      </p:sp>
+      <p:sp>
+        <p:nvSpPr>
+          <p:cNvPr id="2" name="Title 1">
+            <a:extLst>
+              <a:ext uri="{FF2B5EF4-FFF2-40B4-BE49-F238E27FC236}">
+                <a16:creationId xmlns:a16="http://schemas.microsoft.com/office/drawing/2014/main" id="{CE660CB5-F295-8346-9CC7-56C1F7F2060C}"/>
+              </a:ext>
+            </a:extLst>
+          </p:cNvPr>
+          <p:cNvSpPr>
+            <a:spLocks noGrp="1"/>
+          </p:cNvSpPr>
+          <p:nvPr>
+            <p:ph type="title"/>
+          </p:nvPr>
+        </p:nvSpPr>
+        <p:spPr>
+          <a:xfrm>
+            <a:off x="833002" y="190030"/>
+            <a:ext cx="10520702" cy="1325563"/>
+          </a:xfrm>
+        </p:spPr>
+        <p:txBody>
+          <a:bodyPr>
+            <a:normAutofit/>
+          </a:bodyPr>
+          <a:lstStyle/>
+          <a:p>
+            <a:r>
+              <a:rPr lang="en-IL" dirty="0">
+                <a:solidFill>
+                  <a:srgbClr val="FFFFFF"/>
+                </a:solidFill>
+              </a:rPr>
+              <a:t>Data Acquisition</a:t>
+            </a:r>
+          </a:p>
+        </p:txBody>
+      </p:sp>
+      <p:sp>
+        <p:nvSpPr>
+          <p:cNvPr id="3" name="Content Placeholder 2">
+            <a:extLst>
+              <a:ext uri="{FF2B5EF4-FFF2-40B4-BE49-F238E27FC236}">
+                <a16:creationId xmlns:a16="http://schemas.microsoft.com/office/drawing/2014/main" id="{BA080928-EC02-ED41-A9A8-B9C716E1803F}"/>
+              </a:ext>
+            </a:extLst>
+          </p:cNvPr>
+          <p:cNvSpPr>
+            <a:spLocks noGrp="1"/>
+          </p:cNvSpPr>
+          <p:nvPr>
+            <p:ph idx="1"/>
+          </p:nvPr>
+        </p:nvSpPr>
+        <p:spPr>
+          <a:xfrm>
+            <a:off x="838201" y="1419493"/>
+            <a:ext cx="10515598" cy="4154361"/>
+          </a:xfrm>
+        </p:spPr>
+        <p:txBody>
+          <a:bodyPr>
+            <a:normAutofit/>
+          </a:bodyPr>
+          <a:lstStyle/>
+          <a:p>
+            <a:pPr marL="0" indent="0">
+              <a:buNone/>
+            </a:pPr>
+            <a:r>
+              <a:rPr lang="en-IL" sz="2500" u="sng" dirty="0">
+                <a:solidFill>
+                  <a:srgbClr val="FFFFFF"/>
+                </a:solidFill>
+              </a:rPr>
+              <a:t>Sources</a:t>
+            </a:r>
+          </a:p>
+          <a:p>
+            <a:r>
+              <a:rPr lang="en-IL" sz="2000" dirty="0">
+                <a:solidFill>
+                  <a:srgbClr val="FFFFFF"/>
+                </a:solidFill>
+                <a:hlinkClick r:id="rId2"/>
+              </a:rPr>
+              <a:t>Leafly</a:t>
+            </a:r>
+            <a:endParaRPr lang="en-IL" sz="2000" dirty="0">
+              <a:solidFill>
+                <a:srgbClr val="FFFFFF"/>
+              </a:solidFill>
+            </a:endParaRPr>
+          </a:p>
+          <a:p>
+            <a:r>
+              <a:rPr lang="en-IL" sz="2000" dirty="0">
+                <a:solidFill>
+                  <a:srgbClr val="FFFFFF"/>
+                </a:solidFill>
+                <a:hlinkClick r:id="rId3"/>
+              </a:rPr>
+              <a:t>Strain Of Weed</a:t>
+            </a:r>
+            <a:endParaRPr lang="en-IL" sz="2000" dirty="0">
+              <a:solidFill>
+                <a:srgbClr val="FFFFFF"/>
+              </a:solidFill>
+            </a:endParaRPr>
+          </a:p>
+        </p:txBody>
+      </p:sp>
+      <p:pic>
+        <p:nvPicPr>
+          <p:cNvPr id="4" name="Picture 3">
+            <a:extLst>
+              <a:ext uri="{FF2B5EF4-FFF2-40B4-BE49-F238E27FC236}">
+                <a16:creationId xmlns:a16="http://schemas.microsoft.com/office/drawing/2014/main" id="{BC761BD6-DFBC-6740-A89A-5C0D80EBF779}"/>
+              </a:ext>
+            </a:extLst>
+          </p:cNvPr>
+          <p:cNvPicPr>
+            <a:picLocks noChangeAspect="1"/>
+          </p:cNvPicPr>
+          <p:nvPr/>
+        </p:nvPicPr>
+        <p:blipFill>
+          <a:blip r:embed="rId4"/>
+          <a:stretch>
+            <a:fillRect/>
+          </a:stretch>
+        </p:blipFill>
+        <p:spPr>
+          <a:xfrm>
+            <a:off x="4792565" y="3061069"/>
+            <a:ext cx="2601575" cy="3358185"/>
+          </a:xfrm>
+          <a:prstGeom prst="rect">
+            <a:avLst/>
+          </a:prstGeom>
+        </p:spPr>
+      </p:pic>
+      <p:pic>
+        <p:nvPicPr>
+          <p:cNvPr id="5" name="Picture 4">
+            <a:extLst>
+              <a:ext uri="{FF2B5EF4-FFF2-40B4-BE49-F238E27FC236}">
+                <a16:creationId xmlns:a16="http://schemas.microsoft.com/office/drawing/2014/main" id="{B30A9603-CD70-ED47-8915-3FAA6810D667}"/>
+              </a:ext>
+            </a:extLst>
+          </p:cNvPr>
+          <p:cNvPicPr>
+            <a:picLocks noChangeAspect="1"/>
+          </p:cNvPicPr>
+          <p:nvPr/>
+        </p:nvPicPr>
+        <p:blipFill>
+          <a:blip r:embed="rId5"/>
+          <a:stretch>
+            <a:fillRect/>
+          </a:stretch>
+        </p:blipFill>
+        <p:spPr>
+          <a:xfrm>
+            <a:off x="945228" y="4021706"/>
+            <a:ext cx="3539784" cy="2389762"/>
+          </a:xfrm>
+          <a:prstGeom prst="rect">
+            <a:avLst/>
+          </a:prstGeom>
+        </p:spPr>
+      </p:pic>
+      <p:pic>
+        <p:nvPicPr>
+          <p:cNvPr id="6" name="Picture 5">
+            <a:extLst>
+              <a:ext uri="{FF2B5EF4-FFF2-40B4-BE49-F238E27FC236}">
+                <a16:creationId xmlns:a16="http://schemas.microsoft.com/office/drawing/2014/main" id="{CF1C6569-8279-D24E-9A7E-C98C51AE164A}"/>
+              </a:ext>
+            </a:extLst>
+          </p:cNvPr>
+          <p:cNvPicPr>
+            <a:picLocks noChangeAspect="1"/>
+          </p:cNvPicPr>
+          <p:nvPr/>
+        </p:nvPicPr>
+        <p:blipFill>
+          <a:blip r:embed="rId6"/>
+          <a:stretch>
+            <a:fillRect/>
+          </a:stretch>
+        </p:blipFill>
+        <p:spPr>
+          <a:xfrm>
+            <a:off x="7873814" y="3064783"/>
+            <a:ext cx="3806165" cy="3323617"/>
+          </a:xfrm>
+          <a:prstGeom prst="rect">
+            <a:avLst/>
+          </a:prstGeom>
+        </p:spPr>
+      </p:pic>
+      <p:sp>
+        <p:nvSpPr>
+          <p:cNvPr id="7" name="TextBox 6">
+            <a:extLst>
+              <a:ext uri="{FF2B5EF4-FFF2-40B4-BE49-F238E27FC236}">
+                <a16:creationId xmlns:a16="http://schemas.microsoft.com/office/drawing/2014/main" id="{8F5D62CF-5908-E647-88DD-81CE7614111E}"/>
+              </a:ext>
+            </a:extLst>
+          </p:cNvPr>
+          <p:cNvSpPr txBox="1"/>
+          <p:nvPr/>
+        </p:nvSpPr>
+        <p:spPr>
+          <a:xfrm>
+            <a:off x="8253181" y="2753292"/>
+            <a:ext cx="3154005" cy="307777"/>
+          </a:xfrm>
+          <a:prstGeom prst="rect">
+            <a:avLst/>
+          </a:prstGeom>
+          <a:noFill/>
+        </p:spPr>
+        <p:txBody>
+          <a:bodyPr wrap="none" rtlCol="0">
+            <a:spAutoFit/>
+          </a:bodyPr>
+          <a:lstStyle/>
+          <a:p>
+            <a:pPr marL="0" algn="l" defTabSz="914400" rtl="0" eaLnBrk="1" latinLnBrk="0" hangingPunct="1"/>
+            <a:r>
+              <a:rPr lang="en-US" sz="1400" dirty="0"/>
+              <a:t>From “Strain of weed” we got the flavors</a:t>
+            </a:r>
+            <a:endParaRPr lang="en-IL" sz="1400" dirty="0"/>
+          </a:p>
+        </p:txBody>
+      </p:sp>
+      <p:sp>
+        <p:nvSpPr>
+          <p:cNvPr id="12" name="TextBox 11">
+            <a:extLst>
+              <a:ext uri="{FF2B5EF4-FFF2-40B4-BE49-F238E27FC236}">
+                <a16:creationId xmlns:a16="http://schemas.microsoft.com/office/drawing/2014/main" id="{2C3C7E6D-6C66-194A-AED0-8D704A7CCA74}"/>
+              </a:ext>
+            </a:extLst>
+          </p:cNvPr>
+          <p:cNvSpPr txBox="1"/>
+          <p:nvPr/>
+        </p:nvSpPr>
+        <p:spPr>
+          <a:xfrm>
+            <a:off x="833002" y="3208991"/>
+            <a:ext cx="3772443" cy="738664"/>
+          </a:xfrm>
+          <a:prstGeom prst="rect">
+            <a:avLst/>
+          </a:prstGeom>
+          <a:noFill/>
+        </p:spPr>
+        <p:txBody>
+          <a:bodyPr wrap="none" rtlCol="0">
+            <a:spAutoFit/>
+          </a:bodyPr>
+          <a:lstStyle/>
+          <a:p>
+            <a:pPr marL="0" algn="l" defTabSz="914400" rtl="0" eaLnBrk="1" latinLnBrk="0" hangingPunct="1"/>
+            <a:r>
+              <a:rPr lang="en-US" sz="1400" dirty="0"/>
+              <a:t>From “</a:t>
+            </a:r>
+            <a:r>
+              <a:rPr lang="en-US" sz="1400" dirty="0" err="1"/>
+              <a:t>Leafly</a:t>
+            </a:r>
+            <a:r>
+              <a:rPr lang="en-US" sz="1400" dirty="0"/>
+              <a:t>” we got data such as</a:t>
+            </a:r>
+          </a:p>
+          <a:p>
+            <a:pPr marL="0" algn="l" defTabSz="914400" rtl="0" eaLnBrk="1" latinLnBrk="0" hangingPunct="1"/>
+            <a:r>
+              <a:rPr lang="en-US" sz="1400" dirty="0"/>
+              <a:t>feelings, medical conditions which the </a:t>
+            </a:r>
+          </a:p>
+          <a:p>
+            <a:pPr marL="0" algn="l" defTabSz="914400" rtl="0" eaLnBrk="1" latinLnBrk="0" hangingPunct="1"/>
+            <a:r>
+              <a:rPr lang="en-US" sz="1400" dirty="0"/>
+              <a:t>strain helps with, THC %, top terpene and more…</a:t>
+            </a:r>
+            <a:endParaRPr lang="en-IL" sz="1400" dirty="0"/>
+          </a:p>
+        </p:txBody>
+      </p:sp>
+    </p:spTree>
+    <p:extLst>
+      <p:ext uri="{BB962C8B-B14F-4D97-AF65-F5344CB8AC3E}">
+        <p14:creationId xmlns:p14="http://schemas.microsoft.com/office/powerpoint/2010/main" val="1737110705"/>
+      </p:ext>
+    </p:extLst>
+  </p:cSld>
+  <p:clrMapOvr>
+    <a:overrideClrMapping bg1="dk1" tx1="lt1" bg2="dk2" tx2="lt2" accent1="accent1" accent2="accent2" accent3="accent3" accent4="accent4" accent5="accent5" accent6="accent6" hlink="hlink" folHlink="folHlink"/>
+  </p:clrMapOvr>
+</p:sld>
+</file>
+
+<file path=ppt/slides/slide5.xml><?xml version="1.0" encoding="utf-8"?>
+<p:sld xmlns:a="http://schemas.openxmlformats.org/drawingml/2006/main" xmlns:r="http://schemas.openxmlformats.org/officeDocument/2006/relationships" xmlns:p="http://schemas.openxmlformats.org/presentationml/2006/main">
+  <p:cSld>
+    <p:bg>
+      <p:bgPr>
+        <a:solidFill>
+          <a:srgbClr val="404040"/>
+        </a:solidFill>
+        <a:effectLst/>
+      </p:bgPr>
+    </p:bg>
+    <p:spTree>
+      <p:nvGrpSpPr>
+        <p:cNvPr id="1" name=""/>
+        <p:cNvGrpSpPr/>
+        <p:nvPr/>
+      </p:nvGrpSpPr>
+      <p:grpSpPr>
+        <a:xfrm>
+          <a:off x="0" y="0"/>
+          <a:ext cx="0" cy="0"/>
+          <a:chOff x="0" y="0"/>
+          <a:chExt cx="0" cy="0"/>
+        </a:xfrm>
+      </p:grpSpPr>
+      <p:sp>
+        <p:nvSpPr>
+          <p:cNvPr id="14" name="Rectangle 7">
+            <a:extLst>
+              <a:ext uri="{FF2B5EF4-FFF2-40B4-BE49-F238E27FC236}">
+                <a16:creationId xmlns:a16="http://schemas.microsoft.com/office/drawing/2014/main" id="{EA67B5B4-3A24-436E-B663-1B2EBFF8A0CD}"/>
+              </a:ext>
+              <a:ext uri="{C183D7F6-B498-43B3-948B-1728B52AA6E4}">
+                <adec:decorative xmlns:adec="http://schemas.microsoft.com/office/drawing/2017/decorative" val="1"/>
+              </a:ext>
+            </a:extLst>
+          </p:cNvPr>
+          <p:cNvSpPr>
+            <a:spLocks noGrp="1" noRot="1" noChangeAspect="1" noMove="1" noResize="1" noEditPoints="1" noAdjustHandles="1" noChangeArrowheads="1" noChangeShapeType="1" noTextEdit="1"/>
+          </p:cNvSpPr>
+          <p:nvPr>
+            <p:extLst>
+              <p:ext uri="{386F3935-93C4-4BCD-93E2-E3B085C9AB24}">
+                <p16:designElem xmlns:p16="http://schemas.microsoft.com/office/powerpoint/2015/main" val="1"/>
+              </p:ext>
+            </p:extLst>
+          </p:nvPr>
+        </p:nvSpPr>
+        <p:spPr>
+          <a:xfrm>
+            <a:off x="0" y="-3324"/>
+            <a:ext cx="12192000" cy="6861324"/>
+          </a:xfrm>
+          <a:prstGeom prst="rect">
+            <a:avLst/>
+          </a:prstGeom>
+          <a:solidFill>
+            <a:srgbClr val="404040"/>
+          </a:solidFill>
+          <a:ln>
+            <a:noFill/>
+          </a:ln>
+        </p:spPr>
+        <p:style>
+          <a:lnRef idx="2">
+            <a:schemeClr val="accent1">
+              <a:shade val="50000"/>
+            </a:schemeClr>
+          </a:lnRef>
+          <a:fillRef idx="1">
+            <a:schemeClr val="accent1"/>
+          </a:fillRef>
+          <a:effectRef idx="0">
+            <a:schemeClr val="accent1"/>
+          </a:effectRef>
+          <a:fontRef idx="minor">
+            <a:schemeClr val="lt1"/>
+          </a:fontRef>
+        </p:style>
+        <p:txBody>
+          <a:bodyPr rtlCol="0" anchor="ctr"/>
+          <a:lstStyle/>
+          <a:p>
+            <a:pPr algn="ctr"/>
+            <a:endParaRPr lang="en-US"/>
+          </a:p>
+        </p:txBody>
+      </p:sp>
+      <p:sp>
+        <p:nvSpPr>
+          <p:cNvPr id="15" name="Freeform 13">
+            <a:extLst>
+              <a:ext uri="{FF2B5EF4-FFF2-40B4-BE49-F238E27FC236}">
+                <a16:creationId xmlns:a16="http://schemas.microsoft.com/office/drawing/2014/main" id="{987FDF89-C993-41F4-A1B8-DBAFF16008A9}"/>
+              </a:ext>
+              <a:ext uri="{C183D7F6-B498-43B3-948B-1728B52AA6E4}">
+                <adec:decorative xmlns:adec="http://schemas.microsoft.com/office/drawing/2017/decorative" val="1"/>
+              </a:ext>
+            </a:extLst>
+          </p:cNvPr>
+          <p:cNvSpPr>
+            <a:spLocks noGrp="1" noRot="1" noChangeAspect="1" noMove="1" noResize="1" noEditPoints="1" noAdjustHandles="1" noChangeArrowheads="1" noChangeShapeType="1" noTextEdit="1"/>
+          </p:cNvSpPr>
+          <p:nvPr>
+            <p:extLst>
+              <p:ext uri="{386F3935-93C4-4BCD-93E2-E3B085C9AB24}">
+                <p16:designElem xmlns:p16="http://schemas.microsoft.com/office/powerpoint/2015/main" val="1"/>
+              </p:ext>
+            </p:extLst>
+          </p:nvPr>
+        </p:nvSpPr>
+        <p:spPr>
+          <a:xfrm>
+            <a:off x="0" y="0"/>
+            <a:ext cx="11786754" cy="6858000"/>
+          </a:xfrm>
+          <a:custGeom>
+            <a:avLst/>
+            <a:gdLst>
+              <a:gd name="connsiteX0" fmla="*/ 0 w 11786754"/>
+              <a:gd name="connsiteY0" fmla="*/ 0 h 6858000"/>
+              <a:gd name="connsiteX1" fmla="*/ 8610600 w 11786754"/>
+              <a:gd name="connsiteY1" fmla="*/ 0 h 6858000"/>
+              <a:gd name="connsiteX2" fmla="*/ 11786754 w 11786754"/>
+              <a:gd name="connsiteY2" fmla="*/ 6858000 h 6858000"/>
+              <a:gd name="connsiteX3" fmla="*/ 0 w 11786754"/>
+              <a:gd name="connsiteY3" fmla="*/ 6858000 h 6858000"/>
+            </a:gdLst>
+            <a:ahLst/>
+            <a:cxnLst>
+              <a:cxn ang="0">
+                <a:pos x="connsiteX0" y="connsiteY0"/>
+              </a:cxn>
+              <a:cxn ang="0">
+                <a:pos x="connsiteX1" y="connsiteY1"/>
+              </a:cxn>
+              <a:cxn ang="0">
+                <a:pos x="connsiteX2" y="connsiteY2"/>
+              </a:cxn>
+              <a:cxn ang="0">
+                <a:pos x="connsiteX3" y="connsiteY3"/>
+              </a:cxn>
+            </a:cxnLst>
+            <a:rect l="l" t="t" r="r" b="b"/>
+            <a:pathLst>
+              <a:path w="11786754" h="6858000">
+                <a:moveTo>
+                  <a:pt x="0" y="0"/>
+                </a:moveTo>
+                <a:lnTo>
+                  <a:pt x="8610600" y="0"/>
+                </a:lnTo>
+                <a:lnTo>
+                  <a:pt x="11786754" y="6858000"/>
+                </a:lnTo>
+                <a:lnTo>
+                  <a:pt x="0" y="6858000"/>
+                </a:lnTo>
+                <a:close/>
+              </a:path>
+            </a:pathLst>
+          </a:custGeom>
+          <a:solidFill>
+            <a:srgbClr val="000000">
+              <a:alpha val="29804"/>
+            </a:srgbClr>
+          </a:solidFill>
+          <a:ln>
+            <a:noFill/>
+          </a:ln>
+        </p:spPr>
+        <p:style>
+          <a:lnRef idx="2">
+            <a:schemeClr val="accent1">
+              <a:shade val="50000"/>
+            </a:schemeClr>
+          </a:lnRef>
+          <a:fillRef idx="1">
+            <a:schemeClr val="accent1"/>
+          </a:fillRef>
+          <a:effectRef idx="0">
+            <a:schemeClr val="accent1"/>
+          </a:effectRef>
+          <a:fontRef idx="minor">
+            <a:schemeClr val="lt1"/>
+          </a:fontRef>
+        </p:style>
+        <p:txBody>
+          <a:bodyPr rtlCol="0" anchor="ctr"/>
+          <a:lstStyle/>
+          <a:p>
+            <a:pPr algn="ctr"/>
+            <a:endParaRPr lang="en-US"/>
+          </a:p>
+        </p:txBody>
+      </p:sp>
+      <p:sp>
+        <p:nvSpPr>
+          <p:cNvPr id="16" name="Freeform 11">
+            <a:extLst>
+              <a:ext uri="{FF2B5EF4-FFF2-40B4-BE49-F238E27FC236}">
+                <a16:creationId xmlns:a16="http://schemas.microsoft.com/office/drawing/2014/main" id="{64E585EA-75FD-4025-8270-F66A58A15CDA}"/>
+              </a:ext>
+              <a:ext uri="{C183D7F6-B498-43B3-948B-1728B52AA6E4}">
+                <adec:decorative xmlns:adec="http://schemas.microsoft.com/office/drawing/2017/decorative" val="1"/>
+              </a:ext>
+            </a:extLst>
+          </p:cNvPr>
+          <p:cNvSpPr>
+            <a:spLocks noGrp="1" noRot="1" noChangeAspect="1" noMove="1" noResize="1" noEditPoints="1" noAdjustHandles="1" noChangeArrowheads="1" noChangeShapeType="1" noTextEdit="1"/>
+          </p:cNvSpPr>
+          <p:nvPr>
+            <p:extLst>
+              <p:ext uri="{386F3935-93C4-4BCD-93E2-E3B085C9AB24}">
+                <p16:designElem xmlns:p16="http://schemas.microsoft.com/office/powerpoint/2015/main" val="1"/>
+              </p:ext>
+            </p:extLst>
+          </p:nvPr>
+        </p:nvSpPr>
+        <p:spPr>
+          <a:xfrm>
+            <a:off x="0" y="0"/>
+            <a:ext cx="3581400" cy="6858000"/>
+          </a:xfrm>
+          <a:custGeom>
+            <a:avLst/>
+            <a:gdLst>
+              <a:gd name="connsiteX0" fmla="*/ 0 w 3581400"/>
+              <a:gd name="connsiteY0" fmla="*/ 0 h 6858000"/>
+              <a:gd name="connsiteX1" fmla="*/ 405246 w 3581400"/>
+              <a:gd name="connsiteY1" fmla="*/ 0 h 6858000"/>
+              <a:gd name="connsiteX2" fmla="*/ 3581400 w 3581400"/>
+              <a:gd name="connsiteY2" fmla="*/ 6858000 h 6858000"/>
+              <a:gd name="connsiteX3" fmla="*/ 0 w 3581400"/>
+              <a:gd name="connsiteY3" fmla="*/ 6858000 h 6858000"/>
+            </a:gdLst>
+            <a:ahLst/>
+            <a:cxnLst>
+              <a:cxn ang="0">
+                <a:pos x="connsiteX0" y="connsiteY0"/>
+              </a:cxn>
+              <a:cxn ang="0">
+                <a:pos x="connsiteX1" y="connsiteY1"/>
+              </a:cxn>
+              <a:cxn ang="0">
+                <a:pos x="connsiteX2" y="connsiteY2"/>
+              </a:cxn>
+              <a:cxn ang="0">
+                <a:pos x="connsiteX3" y="connsiteY3"/>
+              </a:cxn>
+            </a:cxnLst>
+            <a:rect l="l" t="t" r="r" b="b"/>
+            <a:pathLst>
+              <a:path w="3581400" h="6858000">
+                <a:moveTo>
+                  <a:pt x="0" y="0"/>
+                </a:moveTo>
+                <a:lnTo>
+                  <a:pt x="405246" y="0"/>
+                </a:lnTo>
+                <a:lnTo>
+                  <a:pt x="3581400" y="6858000"/>
+                </a:lnTo>
+                <a:lnTo>
+                  <a:pt x="0" y="6858000"/>
+                </a:lnTo>
+                <a:close/>
+              </a:path>
+            </a:pathLst>
+          </a:custGeom>
+          <a:solidFill>
+            <a:srgbClr val="000000">
+              <a:alpha val="29804"/>
+            </a:srgbClr>
+          </a:solidFill>
+          <a:ln>
+            <a:noFill/>
+          </a:ln>
+        </p:spPr>
+        <p:style>
+          <a:lnRef idx="2">
+            <a:schemeClr val="accent1">
+              <a:shade val="50000"/>
+            </a:schemeClr>
+          </a:lnRef>
+          <a:fillRef idx="1">
+            <a:schemeClr val="accent1"/>
+          </a:fillRef>
+          <a:effectRef idx="0">
+            <a:schemeClr val="accent1"/>
+          </a:effectRef>
+          <a:fontRef idx="minor">
+            <a:schemeClr val="lt1"/>
+          </a:fontRef>
+        </p:style>
+        <p:txBody>
+          <a:bodyPr wrap="square" rtlCol="0" anchor="ctr">
+            <a:noAutofit/>
+          </a:bodyPr>
+          <a:lstStyle/>
+          <a:p>
+            <a:pPr algn="ctr"/>
+            <a:endParaRPr lang="en-US"/>
+          </a:p>
+        </p:txBody>
+      </p:sp>
+      <p:sp>
+        <p:nvSpPr>
+          <p:cNvPr id="2" name="Title 1">
+            <a:extLst>
+              <a:ext uri="{FF2B5EF4-FFF2-40B4-BE49-F238E27FC236}">
+                <a16:creationId xmlns:a16="http://schemas.microsoft.com/office/drawing/2014/main" id="{CE660CB5-F295-8346-9CC7-56C1F7F2060C}"/>
+              </a:ext>
+            </a:extLst>
+          </p:cNvPr>
+          <p:cNvSpPr>
+            <a:spLocks noGrp="1"/>
+          </p:cNvSpPr>
+          <p:nvPr>
+            <p:ph type="title"/>
+          </p:nvPr>
+        </p:nvSpPr>
+        <p:spPr>
+          <a:xfrm>
+            <a:off x="833002" y="190030"/>
+            <a:ext cx="10520702" cy="1325563"/>
+          </a:xfrm>
+        </p:spPr>
+        <p:txBody>
+          <a:bodyPr>
+            <a:normAutofit/>
+          </a:bodyPr>
+          <a:lstStyle/>
+          <a:p>
+            <a:r>
+              <a:rPr lang="en-IL" dirty="0">
+                <a:solidFill>
+                  <a:srgbClr val="FFFFFF"/>
+                </a:solidFill>
+              </a:rPr>
+              <a:t>Data Acquisition – Tools &amp; Methods</a:t>
+            </a:r>
+          </a:p>
+        </p:txBody>
+      </p:sp>
+      <p:sp>
+        <p:nvSpPr>
+          <p:cNvPr id="3" name="Content Placeholder 2">
+            <a:extLst>
+              <a:ext uri="{FF2B5EF4-FFF2-40B4-BE49-F238E27FC236}">
+                <a16:creationId xmlns:a16="http://schemas.microsoft.com/office/drawing/2014/main" id="{BA080928-EC02-ED41-A9A8-B9C716E1803F}"/>
+              </a:ext>
+            </a:extLst>
+          </p:cNvPr>
+          <p:cNvSpPr>
+            <a:spLocks noGrp="1"/>
+          </p:cNvSpPr>
+          <p:nvPr>
+            <p:ph idx="1"/>
+          </p:nvPr>
+        </p:nvSpPr>
+        <p:spPr>
+          <a:xfrm>
+            <a:off x="838201" y="1406523"/>
+            <a:ext cx="10515598" cy="4154361"/>
+          </a:xfrm>
+        </p:spPr>
+        <p:txBody>
+          <a:bodyPr>
+            <a:normAutofit/>
+          </a:bodyPr>
+          <a:lstStyle/>
+          <a:p>
+            <a:pPr marL="0" indent="0">
+              <a:buNone/>
+            </a:pPr>
+            <a:r>
+              <a:rPr lang="en-IL" sz="2500" u="sng" dirty="0">
+                <a:solidFill>
+                  <a:srgbClr val="FFFFFF"/>
+                </a:solidFill>
+              </a:rPr>
+              <a:t>Tools</a:t>
+            </a:r>
+          </a:p>
+          <a:p>
+            <a:r>
+              <a:rPr lang="en-IL" sz="1800" dirty="0">
+                <a:solidFill>
+                  <a:srgbClr val="FFFFFF"/>
+                </a:solidFill>
+              </a:rPr>
+              <a:t>BeautifulSoup - </a:t>
+            </a:r>
+            <a:r>
+              <a:rPr lang="en-US" sz="1800" dirty="0">
+                <a:solidFill>
+                  <a:srgbClr val="FFFFFF"/>
+                </a:solidFill>
+              </a:rPr>
+              <a:t>a library that makes it easy to scrape information from web pages</a:t>
+            </a:r>
+            <a:r>
+              <a:rPr lang="en-IL" sz="1800" dirty="0">
+                <a:solidFill>
+                  <a:srgbClr val="FFFFFF"/>
+                </a:solidFill>
+              </a:rPr>
+              <a:t> .</a:t>
+            </a:r>
+          </a:p>
+          <a:p>
+            <a:r>
+              <a:rPr lang="en-IL" sz="1800" dirty="0">
+                <a:solidFill>
+                  <a:srgbClr val="FFFFFF"/>
+                </a:solidFill>
+              </a:rPr>
+              <a:t>Selenium - </a:t>
+            </a:r>
+            <a:r>
+              <a:rPr lang="en-US" sz="1800" dirty="0">
+                <a:solidFill>
+                  <a:srgbClr val="FFFFFF"/>
+                </a:solidFill>
+              </a:rPr>
+              <a:t>Selenium is a WebDriver for Python, designed to mimic access to a website using an internet browser.</a:t>
+            </a:r>
+            <a:endParaRPr lang="en-IL" sz="1800" dirty="0">
+              <a:solidFill>
+                <a:srgbClr val="FFFFFF"/>
+              </a:solidFill>
+            </a:endParaRPr>
+          </a:p>
+          <a:p>
+            <a:r>
+              <a:rPr lang="en-IL" sz="1800" dirty="0">
+                <a:solidFill>
+                  <a:srgbClr val="FFFFFF"/>
+                </a:solidFill>
+              </a:rPr>
+              <a:t>ThreadPool -</a:t>
+            </a:r>
+            <a:r>
+              <a:rPr lang="en-US" sz="1800" dirty="0">
+                <a:solidFill>
+                  <a:srgbClr val="FFFFFF"/>
+                </a:solidFill>
+              </a:rPr>
+              <a:t> a software design pattern for achieving concurrency of execution of a task.</a:t>
+            </a:r>
+            <a:endParaRPr lang="en-IL" sz="1800" dirty="0">
+              <a:solidFill>
+                <a:srgbClr val="FFFFFF"/>
+              </a:solidFill>
+            </a:endParaRPr>
+          </a:p>
+        </p:txBody>
+      </p:sp>
+      <p:pic>
+        <p:nvPicPr>
+          <p:cNvPr id="9" name="Picture 8" descr="A picture containing graphical user interface&#10;&#10;Description automatically generated">
+            <a:extLst>
+              <a:ext uri="{FF2B5EF4-FFF2-40B4-BE49-F238E27FC236}">
+                <a16:creationId xmlns:a16="http://schemas.microsoft.com/office/drawing/2014/main" id="{FE1076A4-EF4D-2848-BE18-849065ED1394}"/>
+              </a:ext>
+            </a:extLst>
+          </p:cNvPr>
+          <p:cNvPicPr>
+            <a:picLocks noChangeAspect="1"/>
+          </p:cNvPicPr>
+          <p:nvPr/>
+        </p:nvPicPr>
+        <p:blipFill rotWithShape="1">
+          <a:blip r:embed="rId2"/>
+          <a:srcRect l="60181" t="30830" r="19553" b="30841"/>
+          <a:stretch/>
+        </p:blipFill>
+        <p:spPr>
+          <a:xfrm>
+            <a:off x="10167027" y="489262"/>
+            <a:ext cx="1748046" cy="1656284"/>
+          </a:xfrm>
+          <a:prstGeom prst="rect">
+            <a:avLst/>
+          </a:prstGeom>
+        </p:spPr>
+      </p:pic>
+      <p:pic>
+        <p:nvPicPr>
+          <p:cNvPr id="17" name="Picture 16" descr="A picture containing text, sign&#10;&#10;Description automatically generated">
+            <a:extLst>
+              <a:ext uri="{FF2B5EF4-FFF2-40B4-BE49-F238E27FC236}">
+                <a16:creationId xmlns:a16="http://schemas.microsoft.com/office/drawing/2014/main" id="{0E9EA28D-97C1-444F-A1AD-8C1A0C23FD68}"/>
+              </a:ext>
+            </a:extLst>
+          </p:cNvPr>
+          <p:cNvPicPr>
+            <a:picLocks noChangeAspect="1"/>
+          </p:cNvPicPr>
+          <p:nvPr/>
+        </p:nvPicPr>
+        <p:blipFill rotWithShape="1">
+          <a:blip r:embed="rId3"/>
+          <a:srcRect l="25376" t="4067" r="22255" b="7456"/>
+          <a:stretch/>
+        </p:blipFill>
+        <p:spPr>
+          <a:xfrm>
+            <a:off x="8922302" y="4171312"/>
+            <a:ext cx="1536970" cy="1500336"/>
+          </a:xfrm>
+          <a:prstGeom prst="rect">
+            <a:avLst/>
+          </a:prstGeom>
+        </p:spPr>
+      </p:pic>
+      <p:sp>
+        <p:nvSpPr>
+          <p:cNvPr id="20" name="Oval 19">
+            <a:extLst>
+              <a:ext uri="{FF2B5EF4-FFF2-40B4-BE49-F238E27FC236}">
+                <a16:creationId xmlns:a16="http://schemas.microsoft.com/office/drawing/2014/main" id="{43DEA48D-F75F-8640-87E9-C8061BB4A65A}"/>
+              </a:ext>
+            </a:extLst>
+          </p:cNvPr>
+          <p:cNvSpPr/>
+          <p:nvPr/>
+        </p:nvSpPr>
+        <p:spPr>
+          <a:xfrm>
+            <a:off x="1946837" y="4868578"/>
+            <a:ext cx="276579" cy="234036"/>
+          </a:xfrm>
+          <a:prstGeom prst="ellipse">
+            <a:avLst/>
+          </a:prstGeom>
+          <a:ln>
+            <a:solidFill>
+              <a:schemeClr val="bg1"/>
+            </a:solidFill>
+          </a:ln>
+        </p:spPr>
+        <p:style>
+          <a:lnRef idx="2">
+            <a:schemeClr val="accent1">
+              <a:shade val="50000"/>
+            </a:schemeClr>
+          </a:lnRef>
+          <a:fillRef idx="1">
+            <a:schemeClr val="accent1"/>
+          </a:fillRef>
+          <a:effectRef idx="0">
+            <a:schemeClr val="accent1"/>
+          </a:effectRef>
+          <a:fontRef idx="minor">
+            <a:schemeClr val="lt1"/>
+          </a:fontRef>
+        </p:style>
+        <p:txBody>
+          <a:bodyPr rtlCol="0" anchor="ctr"/>
+          <a:lstStyle/>
+          <a:p>
+            <a:pPr algn="ctr"/>
+            <a:endParaRPr lang="en-IL"/>
+          </a:p>
+        </p:txBody>
+      </p:sp>
+      <p:sp>
+        <p:nvSpPr>
+          <p:cNvPr id="21" name="Oval 20">
+            <a:extLst>
+              <a:ext uri="{FF2B5EF4-FFF2-40B4-BE49-F238E27FC236}">
+                <a16:creationId xmlns:a16="http://schemas.microsoft.com/office/drawing/2014/main" id="{21DF018F-1777-7C41-A592-57863B117AB6}"/>
+              </a:ext>
+            </a:extLst>
+          </p:cNvPr>
+          <p:cNvSpPr/>
+          <p:nvPr/>
+        </p:nvSpPr>
+        <p:spPr>
+          <a:xfrm>
+            <a:off x="2035379" y="4868578"/>
+            <a:ext cx="276579" cy="234036"/>
+          </a:xfrm>
+          <a:prstGeom prst="ellipse">
+            <a:avLst/>
+          </a:prstGeom>
+          <a:ln>
+            <a:solidFill>
+              <a:schemeClr val="bg1"/>
+            </a:solidFill>
+          </a:ln>
+        </p:spPr>
+        <p:style>
+          <a:lnRef idx="2">
+            <a:schemeClr val="accent1">
+              <a:shade val="50000"/>
+            </a:schemeClr>
+          </a:lnRef>
+          <a:fillRef idx="1">
+            <a:schemeClr val="accent1"/>
+          </a:fillRef>
+          <a:effectRef idx="0">
+            <a:schemeClr val="accent1"/>
+          </a:effectRef>
+          <a:fontRef idx="minor">
+            <a:schemeClr val="lt1"/>
+          </a:fontRef>
+        </p:style>
+        <p:txBody>
+          <a:bodyPr rtlCol="0" anchor="ctr"/>
+          <a:lstStyle/>
+          <a:p>
+            <a:pPr algn="ctr"/>
+            <a:endParaRPr lang="en-IL"/>
+          </a:p>
+        </p:txBody>
+      </p:sp>
+      <p:sp>
+        <p:nvSpPr>
+          <p:cNvPr id="22" name="Oval 21">
+            <a:extLst>
+              <a:ext uri="{FF2B5EF4-FFF2-40B4-BE49-F238E27FC236}">
+                <a16:creationId xmlns:a16="http://schemas.microsoft.com/office/drawing/2014/main" id="{18D7583B-F0EA-CA43-AE33-A98A0C514908}"/>
+              </a:ext>
+            </a:extLst>
+          </p:cNvPr>
+          <p:cNvSpPr/>
+          <p:nvPr/>
+        </p:nvSpPr>
+        <p:spPr>
+          <a:xfrm>
+            <a:off x="2129397" y="4868578"/>
+            <a:ext cx="276579" cy="234036"/>
+          </a:xfrm>
+          <a:prstGeom prst="ellipse">
+            <a:avLst/>
+          </a:prstGeom>
+          <a:ln>
+            <a:solidFill>
+              <a:schemeClr val="bg1"/>
+            </a:solidFill>
+          </a:ln>
+        </p:spPr>
+        <p:style>
+          <a:lnRef idx="2">
+            <a:schemeClr val="accent1">
+              <a:shade val="50000"/>
+            </a:schemeClr>
+          </a:lnRef>
+          <a:fillRef idx="1">
+            <a:schemeClr val="accent1"/>
+          </a:fillRef>
+          <a:effectRef idx="0">
+            <a:schemeClr val="accent1"/>
+          </a:effectRef>
+          <a:fontRef idx="minor">
+            <a:schemeClr val="lt1"/>
+          </a:fontRef>
+        </p:style>
+        <p:txBody>
+          <a:bodyPr rtlCol="0" anchor="ctr"/>
+          <a:lstStyle/>
+          <a:p>
+            <a:pPr algn="ctr"/>
+            <a:endParaRPr lang="en-IL"/>
+          </a:p>
+        </p:txBody>
+      </p:sp>
+      <p:sp>
+        <p:nvSpPr>
+          <p:cNvPr id="23" name="Oval 22">
+            <a:extLst>
+              <a:ext uri="{FF2B5EF4-FFF2-40B4-BE49-F238E27FC236}">
+                <a16:creationId xmlns:a16="http://schemas.microsoft.com/office/drawing/2014/main" id="{DA1248A0-A791-104B-A7E0-855DA989F9F1}"/>
+              </a:ext>
+            </a:extLst>
+          </p:cNvPr>
+          <p:cNvSpPr/>
+          <p:nvPr/>
+        </p:nvSpPr>
+        <p:spPr>
+          <a:xfrm>
+            <a:off x="2223416" y="4868578"/>
+            <a:ext cx="276579" cy="234036"/>
+          </a:xfrm>
+          <a:prstGeom prst="ellipse">
+            <a:avLst/>
+          </a:prstGeom>
+          <a:ln>
+            <a:solidFill>
+              <a:schemeClr val="bg1"/>
+            </a:solidFill>
+          </a:ln>
+        </p:spPr>
+        <p:style>
+          <a:lnRef idx="2">
+            <a:schemeClr val="accent1">
+              <a:shade val="50000"/>
+            </a:schemeClr>
+          </a:lnRef>
+          <a:fillRef idx="1">
+            <a:schemeClr val="accent1"/>
+          </a:fillRef>
+          <a:effectRef idx="0">
+            <a:schemeClr val="accent1"/>
+          </a:effectRef>
+          <a:fontRef idx="minor">
+            <a:schemeClr val="lt1"/>
+          </a:fontRef>
+        </p:style>
+        <p:txBody>
+          <a:bodyPr rtlCol="0" anchor="ctr"/>
+          <a:lstStyle/>
+          <a:p>
+            <a:pPr algn="ctr"/>
+            <a:endParaRPr lang="en-IL"/>
+          </a:p>
+        </p:txBody>
+      </p:sp>
+      <p:sp>
+        <p:nvSpPr>
+          <p:cNvPr id="24" name="Oval 23">
+            <a:extLst>
+              <a:ext uri="{FF2B5EF4-FFF2-40B4-BE49-F238E27FC236}">
+                <a16:creationId xmlns:a16="http://schemas.microsoft.com/office/drawing/2014/main" id="{E0B6FF74-C798-F640-8216-283A21A91A0E}"/>
+              </a:ext>
+            </a:extLst>
+          </p:cNvPr>
+          <p:cNvSpPr/>
+          <p:nvPr/>
+        </p:nvSpPr>
+        <p:spPr>
+          <a:xfrm>
+            <a:off x="2311958" y="4868578"/>
+            <a:ext cx="276579" cy="234036"/>
+          </a:xfrm>
+          <a:prstGeom prst="ellipse">
+            <a:avLst/>
+          </a:prstGeom>
+          <a:ln>
+            <a:solidFill>
+              <a:schemeClr val="bg1"/>
+            </a:solidFill>
+          </a:ln>
+        </p:spPr>
+        <p:style>
+          <a:lnRef idx="2">
+            <a:schemeClr val="accent1">
+              <a:shade val="50000"/>
+            </a:schemeClr>
+          </a:lnRef>
+          <a:fillRef idx="1">
+            <a:schemeClr val="accent1"/>
+          </a:fillRef>
+          <a:effectRef idx="0">
+            <a:schemeClr val="accent1"/>
+          </a:effectRef>
+          <a:fontRef idx="minor">
+            <a:schemeClr val="lt1"/>
+          </a:fontRef>
+        </p:style>
+        <p:txBody>
+          <a:bodyPr rtlCol="0" anchor="ctr"/>
+          <a:lstStyle/>
+          <a:p>
+            <a:pPr algn="ctr"/>
+            <a:endParaRPr lang="en-IL"/>
+          </a:p>
+        </p:txBody>
+      </p:sp>
+      <p:sp>
+        <p:nvSpPr>
+          <p:cNvPr id="25" name="Oval 24">
+            <a:extLst>
+              <a:ext uri="{FF2B5EF4-FFF2-40B4-BE49-F238E27FC236}">
+                <a16:creationId xmlns:a16="http://schemas.microsoft.com/office/drawing/2014/main" id="{38A1FD76-CACB-6F4B-B3BE-4BE82D71BABA}"/>
+              </a:ext>
+            </a:extLst>
+          </p:cNvPr>
+          <p:cNvSpPr/>
+          <p:nvPr/>
+        </p:nvSpPr>
+        <p:spPr>
+          <a:xfrm>
+            <a:off x="2405976" y="4868578"/>
+            <a:ext cx="276579" cy="234036"/>
+          </a:xfrm>
+          <a:prstGeom prst="ellipse">
+            <a:avLst/>
+          </a:prstGeom>
+          <a:ln>
+            <a:solidFill>
+              <a:schemeClr val="bg1"/>
+            </a:solidFill>
+          </a:ln>
+        </p:spPr>
+        <p:style>
+          <a:lnRef idx="2">
+            <a:schemeClr val="accent1">
+              <a:shade val="50000"/>
+            </a:schemeClr>
+          </a:lnRef>
+          <a:fillRef idx="1">
+            <a:schemeClr val="accent1"/>
+          </a:fillRef>
+          <a:effectRef idx="0">
+            <a:schemeClr val="accent1"/>
+          </a:effectRef>
+          <a:fontRef idx="minor">
+            <a:schemeClr val="lt1"/>
+          </a:fontRef>
+        </p:style>
+        <p:txBody>
+          <a:bodyPr rtlCol="0" anchor="ctr"/>
+          <a:lstStyle/>
+          <a:p>
+            <a:pPr algn="ctr"/>
+            <a:endParaRPr lang="en-IL"/>
+          </a:p>
+        </p:txBody>
+      </p:sp>
+      <p:sp>
+        <p:nvSpPr>
+          <p:cNvPr id="26" name="Oval 25">
+            <a:extLst>
+              <a:ext uri="{FF2B5EF4-FFF2-40B4-BE49-F238E27FC236}">
+                <a16:creationId xmlns:a16="http://schemas.microsoft.com/office/drawing/2014/main" id="{66C5D2FE-B1DC-6048-8BDE-52BC3B99C6A7}"/>
+              </a:ext>
+            </a:extLst>
+          </p:cNvPr>
+          <p:cNvSpPr/>
+          <p:nvPr/>
+        </p:nvSpPr>
+        <p:spPr>
+          <a:xfrm>
+            <a:off x="2499995" y="4868578"/>
+            <a:ext cx="276579" cy="234036"/>
+          </a:xfrm>
+          <a:prstGeom prst="ellipse">
+            <a:avLst/>
+          </a:prstGeom>
+          <a:ln>
+            <a:solidFill>
+              <a:schemeClr val="bg1"/>
+            </a:solidFill>
+          </a:ln>
+        </p:spPr>
+        <p:style>
+          <a:lnRef idx="2">
+            <a:schemeClr val="accent1">
+              <a:shade val="50000"/>
+            </a:schemeClr>
+          </a:lnRef>
+          <a:fillRef idx="1">
+            <a:schemeClr val="accent1"/>
+          </a:fillRef>
+          <a:effectRef idx="0">
+            <a:schemeClr val="accent1"/>
+          </a:effectRef>
+          <a:fontRef idx="minor">
+            <a:schemeClr val="lt1"/>
+          </a:fontRef>
+        </p:style>
+        <p:txBody>
+          <a:bodyPr rtlCol="0" anchor="ctr"/>
+          <a:lstStyle/>
+          <a:p>
+            <a:pPr algn="ctr"/>
+            <a:endParaRPr lang="en-IL"/>
+          </a:p>
+        </p:txBody>
+      </p:sp>
+      <p:sp>
+        <p:nvSpPr>
+          <p:cNvPr id="27" name="Oval 26">
+            <a:extLst>
+              <a:ext uri="{FF2B5EF4-FFF2-40B4-BE49-F238E27FC236}">
+                <a16:creationId xmlns:a16="http://schemas.microsoft.com/office/drawing/2014/main" id="{F88DB57F-D85B-0244-8F0B-F49D8459D36D}"/>
+              </a:ext>
+            </a:extLst>
+          </p:cNvPr>
+          <p:cNvSpPr/>
+          <p:nvPr/>
+        </p:nvSpPr>
+        <p:spPr>
+          <a:xfrm>
+            <a:off x="2588537" y="4868578"/>
+            <a:ext cx="276579" cy="234036"/>
+          </a:xfrm>
+          <a:prstGeom prst="ellipse">
+            <a:avLst/>
+          </a:prstGeom>
+          <a:ln>
+            <a:solidFill>
+              <a:schemeClr val="bg1"/>
+            </a:solidFill>
+          </a:ln>
+        </p:spPr>
+        <p:style>
+          <a:lnRef idx="2">
+            <a:schemeClr val="accent1">
+              <a:shade val="50000"/>
+            </a:schemeClr>
+          </a:lnRef>
+          <a:fillRef idx="1">
+            <a:schemeClr val="accent1"/>
+          </a:fillRef>
+          <a:effectRef idx="0">
+            <a:schemeClr val="accent1"/>
+          </a:effectRef>
+          <a:fontRef idx="minor">
+            <a:schemeClr val="lt1"/>
+          </a:fontRef>
+        </p:style>
+        <p:txBody>
+          <a:bodyPr rtlCol="0" anchor="ctr"/>
+          <a:lstStyle/>
+          <a:p>
+            <a:pPr algn="ctr"/>
+            <a:endParaRPr lang="en-IL"/>
+          </a:p>
+        </p:txBody>
+      </p:sp>
+      <p:sp>
+        <p:nvSpPr>
+          <p:cNvPr id="28" name="Oval 27">
+            <a:extLst>
+              <a:ext uri="{FF2B5EF4-FFF2-40B4-BE49-F238E27FC236}">
+                <a16:creationId xmlns:a16="http://schemas.microsoft.com/office/drawing/2014/main" id="{58561895-133A-9E41-AB2F-5863FBB8184C}"/>
+              </a:ext>
+            </a:extLst>
+          </p:cNvPr>
+          <p:cNvSpPr/>
+          <p:nvPr/>
+        </p:nvSpPr>
+        <p:spPr>
+          <a:xfrm>
+            <a:off x="2682555" y="4868578"/>
+            <a:ext cx="276579" cy="234036"/>
+          </a:xfrm>
+          <a:prstGeom prst="ellipse">
+            <a:avLst/>
+          </a:prstGeom>
+          <a:ln>
+            <a:solidFill>
+              <a:schemeClr val="bg1"/>
+            </a:solidFill>
+          </a:ln>
+        </p:spPr>
+        <p:style>
+          <a:lnRef idx="2">
+            <a:schemeClr val="accent1">
+              <a:shade val="50000"/>
+            </a:schemeClr>
+          </a:lnRef>
+          <a:fillRef idx="1">
+            <a:schemeClr val="accent1"/>
+          </a:fillRef>
+          <a:effectRef idx="0">
+            <a:schemeClr val="accent1"/>
+          </a:effectRef>
+          <a:fontRef idx="minor">
+            <a:schemeClr val="lt1"/>
+          </a:fontRef>
+        </p:style>
+        <p:txBody>
+          <a:bodyPr rtlCol="0" anchor="ctr"/>
+          <a:lstStyle/>
+          <a:p>
+            <a:pPr marL="0" algn="ctr" defTabSz="914400" rtl="1" eaLnBrk="1" latinLnBrk="0" hangingPunct="1"/>
+            <a:endParaRPr lang="en-IL"/>
+          </a:p>
+        </p:txBody>
+      </p:sp>
+      <p:cxnSp>
+        <p:nvCxnSpPr>
+          <p:cNvPr id="30" name="Straight Arrow Connector 29">
+            <a:extLst>
+              <a:ext uri="{FF2B5EF4-FFF2-40B4-BE49-F238E27FC236}">
+                <a16:creationId xmlns:a16="http://schemas.microsoft.com/office/drawing/2014/main" id="{0D479DD9-EB16-744C-A249-5A1D1BF1A932}"/>
+              </a:ext>
+            </a:extLst>
+          </p:cNvPr>
+          <p:cNvCxnSpPr/>
+          <p:nvPr/>
+        </p:nvCxnSpPr>
+        <p:spPr>
+          <a:xfrm>
+            <a:off x="3061798" y="4980675"/>
+            <a:ext cx="553158" cy="0"/>
+          </a:xfrm>
+          <a:prstGeom prst="straightConnector1">
+            <a:avLst/>
+          </a:prstGeom>
+          <a:ln>
+            <a:tailEnd type="triangle"/>
+          </a:ln>
+        </p:spPr>
+        <p:style>
+          <a:lnRef idx="1">
+            <a:schemeClr val="accent1"/>
+          </a:lnRef>
+          <a:fillRef idx="0">
+            <a:schemeClr val="accent1"/>
+          </a:fillRef>
+          <a:effectRef idx="0">
+            <a:schemeClr val="accent1"/>
+          </a:effectRef>
+          <a:fontRef idx="minor">
+            <a:schemeClr val="tx1"/>
+          </a:fontRef>
+        </p:style>
+      </p:cxnSp>
+      <p:sp>
+        <p:nvSpPr>
+          <p:cNvPr id="31" name="Rectangle 30">
+            <a:extLst>
+              <a:ext uri="{FF2B5EF4-FFF2-40B4-BE49-F238E27FC236}">
+                <a16:creationId xmlns:a16="http://schemas.microsoft.com/office/drawing/2014/main" id="{E9B950EA-D0D1-3B44-8416-C4D20AAAD3DB}"/>
+              </a:ext>
+            </a:extLst>
+          </p:cNvPr>
+          <p:cNvSpPr/>
+          <p:nvPr/>
+        </p:nvSpPr>
+        <p:spPr>
+          <a:xfrm>
+            <a:off x="3888051" y="3717183"/>
+            <a:ext cx="700091" cy="2447633"/>
+          </a:xfrm>
+          <a:prstGeom prst="rect">
+            <a:avLst/>
+          </a:prstGeom>
+        </p:spPr>
+        <p:style>
+          <a:lnRef idx="2">
+            <a:schemeClr val="accent1">
+              <a:shade val="50000"/>
+            </a:schemeClr>
+          </a:lnRef>
+          <a:fillRef idx="1">
+            <a:schemeClr val="accent1"/>
+          </a:fillRef>
+          <a:effectRef idx="0">
+            <a:schemeClr val="accent1"/>
+          </a:effectRef>
+          <a:fontRef idx="minor">
+            <a:schemeClr val="lt1"/>
+          </a:fontRef>
+        </p:style>
+        <p:txBody>
+          <a:bodyPr rtlCol="0" anchor="ctr"/>
+          <a:lstStyle/>
+          <a:p>
+            <a:pPr marL="0" algn="ctr" defTabSz="914400" rtl="0" eaLnBrk="1" latinLnBrk="0" hangingPunct="1"/>
+            <a:endParaRPr lang="en-IL"/>
+          </a:p>
+        </p:txBody>
+      </p:sp>
+      <p:sp>
+        <p:nvSpPr>
+          <p:cNvPr id="32" name="Rectangle 31">
+            <a:extLst>
+              <a:ext uri="{FF2B5EF4-FFF2-40B4-BE49-F238E27FC236}">
+                <a16:creationId xmlns:a16="http://schemas.microsoft.com/office/drawing/2014/main" id="{27C3E0FD-B137-624D-84C2-F02E281B8E67}"/>
+              </a:ext>
+            </a:extLst>
+          </p:cNvPr>
+          <p:cNvSpPr/>
+          <p:nvPr/>
+        </p:nvSpPr>
+        <p:spPr>
+          <a:xfrm>
+            <a:off x="4056590" y="3847309"/>
+            <a:ext cx="363011" cy="331684"/>
+          </a:xfrm>
+          <a:prstGeom prst="rect">
+            <a:avLst/>
+          </a:prstGeom>
+          <a:solidFill>
+            <a:schemeClr val="tx1"/>
+          </a:solidFill>
+        </p:spPr>
+        <p:style>
+          <a:lnRef idx="2">
+            <a:schemeClr val="accent1">
+              <a:shade val="50000"/>
+            </a:schemeClr>
+          </a:lnRef>
+          <a:fillRef idx="1">
+            <a:schemeClr val="accent1"/>
+          </a:fillRef>
+          <a:effectRef idx="0">
+            <a:schemeClr val="accent1"/>
+          </a:effectRef>
+          <a:fontRef idx="minor">
+            <a:schemeClr val="lt1"/>
+          </a:fontRef>
+        </p:style>
+        <p:txBody>
+          <a:bodyPr rtlCol="0" anchor="ctr"/>
+          <a:lstStyle/>
+          <a:p>
+            <a:pPr marL="0" algn="ctr" defTabSz="914400" rtl="0" eaLnBrk="1" latinLnBrk="0" hangingPunct="1"/>
+            <a:endParaRPr lang="en-IL"/>
+          </a:p>
+        </p:txBody>
+      </p:sp>
+      <p:sp>
+        <p:nvSpPr>
+          <p:cNvPr id="37" name="Oval 36">
+            <a:extLst>
+              <a:ext uri="{FF2B5EF4-FFF2-40B4-BE49-F238E27FC236}">
+                <a16:creationId xmlns:a16="http://schemas.microsoft.com/office/drawing/2014/main" id="{59822F12-89D2-4B4B-A8D6-0A634F6D6F28}"/>
+              </a:ext>
+            </a:extLst>
+          </p:cNvPr>
+          <p:cNvSpPr/>
+          <p:nvPr/>
+        </p:nvSpPr>
+        <p:spPr>
+          <a:xfrm>
+            <a:off x="4099802" y="3896131"/>
+            <a:ext cx="276579" cy="234036"/>
+          </a:xfrm>
+          <a:prstGeom prst="ellipse">
+            <a:avLst/>
+          </a:prstGeom>
+          <a:solidFill>
+            <a:srgbClr val="92D050"/>
+          </a:solidFill>
+          <a:ln>
+            <a:solidFill>
+              <a:schemeClr val="bg1"/>
+            </a:solidFill>
+          </a:ln>
+        </p:spPr>
+        <p:style>
+          <a:lnRef idx="2">
+            <a:schemeClr val="accent1">
+              <a:shade val="50000"/>
+            </a:schemeClr>
+          </a:lnRef>
+          <a:fillRef idx="1">
+            <a:schemeClr val="accent1"/>
+          </a:fillRef>
+          <a:effectRef idx="0">
+            <a:schemeClr val="accent1"/>
+          </a:effectRef>
+          <a:fontRef idx="minor">
+            <a:schemeClr val="lt1"/>
+          </a:fontRef>
+        </p:style>
+        <p:txBody>
+          <a:bodyPr rtlCol="0" anchor="ctr"/>
+          <a:lstStyle/>
+          <a:p>
+            <a:pPr marL="0" algn="ctr" defTabSz="914400" rtl="0" eaLnBrk="1" latinLnBrk="0" hangingPunct="1"/>
+            <a:endParaRPr lang="en-IL"/>
+          </a:p>
+        </p:txBody>
+      </p:sp>
+      <p:sp>
+        <p:nvSpPr>
+          <p:cNvPr id="44" name="Rectangle 43">
+            <a:extLst>
+              <a:ext uri="{FF2B5EF4-FFF2-40B4-BE49-F238E27FC236}">
+                <a16:creationId xmlns:a16="http://schemas.microsoft.com/office/drawing/2014/main" id="{C62F8FB5-BB6D-4746-8B7D-EF103EBC69DA}"/>
+              </a:ext>
+            </a:extLst>
+          </p:cNvPr>
+          <p:cNvSpPr/>
+          <p:nvPr/>
+        </p:nvSpPr>
+        <p:spPr>
+          <a:xfrm>
+            <a:off x="4056590" y="4309119"/>
+            <a:ext cx="363011" cy="331684"/>
+          </a:xfrm>
+          <a:prstGeom prst="rect">
+            <a:avLst/>
+          </a:prstGeom>
+          <a:solidFill>
+            <a:schemeClr val="tx1"/>
+          </a:solidFill>
+        </p:spPr>
+        <p:style>
+          <a:lnRef idx="2">
+            <a:schemeClr val="accent1">
+              <a:shade val="50000"/>
+            </a:schemeClr>
+          </a:lnRef>
+          <a:fillRef idx="1">
+            <a:schemeClr val="accent1"/>
+          </a:fillRef>
+          <a:effectRef idx="0">
+            <a:schemeClr val="accent1"/>
+          </a:effectRef>
+          <a:fontRef idx="minor">
+            <a:schemeClr val="lt1"/>
+          </a:fontRef>
+        </p:style>
+        <p:txBody>
+          <a:bodyPr rtlCol="0" anchor="ctr"/>
+          <a:lstStyle/>
+          <a:p>
+            <a:pPr marL="0" algn="ctr" defTabSz="914400" rtl="0" eaLnBrk="1" latinLnBrk="0" hangingPunct="1"/>
+            <a:endParaRPr lang="en-IL"/>
+          </a:p>
+        </p:txBody>
+      </p:sp>
+      <p:sp>
+        <p:nvSpPr>
+          <p:cNvPr id="45" name="Oval 44">
+            <a:extLst>
+              <a:ext uri="{FF2B5EF4-FFF2-40B4-BE49-F238E27FC236}">
+                <a16:creationId xmlns:a16="http://schemas.microsoft.com/office/drawing/2014/main" id="{C5E4BB7A-1A9E-6742-B41F-F8ABDC4DF3CA}"/>
+              </a:ext>
+            </a:extLst>
+          </p:cNvPr>
+          <p:cNvSpPr/>
+          <p:nvPr/>
+        </p:nvSpPr>
+        <p:spPr>
+          <a:xfrm>
+            <a:off x="4099802" y="4357941"/>
+            <a:ext cx="276579" cy="234036"/>
+          </a:xfrm>
+          <a:prstGeom prst="ellipse">
+            <a:avLst/>
+          </a:prstGeom>
+          <a:solidFill>
+            <a:srgbClr val="92D050"/>
+          </a:solidFill>
+          <a:ln>
+            <a:solidFill>
+              <a:schemeClr val="bg1"/>
+            </a:solidFill>
+          </a:ln>
+        </p:spPr>
+        <p:style>
+          <a:lnRef idx="2">
+            <a:schemeClr val="accent1">
+              <a:shade val="50000"/>
+            </a:schemeClr>
+          </a:lnRef>
+          <a:fillRef idx="1">
+            <a:schemeClr val="accent1"/>
+          </a:fillRef>
+          <a:effectRef idx="0">
+            <a:schemeClr val="accent1"/>
+          </a:effectRef>
+          <a:fontRef idx="minor">
+            <a:schemeClr val="lt1"/>
+          </a:fontRef>
+        </p:style>
+        <p:txBody>
+          <a:bodyPr rtlCol="0" anchor="ctr"/>
+          <a:lstStyle/>
+          <a:p>
+            <a:pPr marL="0" algn="ctr" defTabSz="914400" rtl="0" eaLnBrk="1" latinLnBrk="0" hangingPunct="1"/>
+            <a:endParaRPr lang="en-IL"/>
+          </a:p>
+        </p:txBody>
+      </p:sp>
+      <p:sp>
+        <p:nvSpPr>
+          <p:cNvPr id="47" name="Rectangle 46">
+            <a:extLst>
+              <a:ext uri="{FF2B5EF4-FFF2-40B4-BE49-F238E27FC236}">
+                <a16:creationId xmlns:a16="http://schemas.microsoft.com/office/drawing/2014/main" id="{C93384FF-5137-E249-9459-2AAD37964608}"/>
+              </a:ext>
+            </a:extLst>
+          </p:cNvPr>
+          <p:cNvSpPr/>
+          <p:nvPr/>
+        </p:nvSpPr>
+        <p:spPr>
+          <a:xfrm>
+            <a:off x="4056590" y="4770930"/>
+            <a:ext cx="363011" cy="331684"/>
+          </a:xfrm>
+          <a:prstGeom prst="rect">
+            <a:avLst/>
+          </a:prstGeom>
+          <a:solidFill>
+            <a:schemeClr val="tx1"/>
+          </a:solidFill>
+        </p:spPr>
+        <p:style>
+          <a:lnRef idx="2">
+            <a:schemeClr val="accent1">
+              <a:shade val="50000"/>
+            </a:schemeClr>
+          </a:lnRef>
+          <a:fillRef idx="1">
+            <a:schemeClr val="accent1"/>
+          </a:fillRef>
+          <a:effectRef idx="0">
+            <a:schemeClr val="accent1"/>
+          </a:effectRef>
+          <a:fontRef idx="minor">
+            <a:schemeClr val="lt1"/>
+          </a:fontRef>
+        </p:style>
+        <p:txBody>
+          <a:bodyPr rtlCol="0" anchor="ctr"/>
+          <a:lstStyle/>
+          <a:p>
+            <a:pPr marL="0" algn="ctr" defTabSz="914400" rtl="0" eaLnBrk="1" latinLnBrk="0" hangingPunct="1"/>
+            <a:endParaRPr lang="en-IL"/>
+          </a:p>
+        </p:txBody>
+      </p:sp>
+      <p:sp>
+        <p:nvSpPr>
+          <p:cNvPr id="48" name="Oval 47">
+            <a:extLst>
+              <a:ext uri="{FF2B5EF4-FFF2-40B4-BE49-F238E27FC236}">
+                <a16:creationId xmlns:a16="http://schemas.microsoft.com/office/drawing/2014/main" id="{29FC442B-1663-1946-9F03-6D8ACA71C75E}"/>
+              </a:ext>
+            </a:extLst>
+          </p:cNvPr>
+          <p:cNvSpPr/>
+          <p:nvPr/>
+        </p:nvSpPr>
+        <p:spPr>
+          <a:xfrm>
+            <a:off x="4099802" y="4819752"/>
+            <a:ext cx="276579" cy="234036"/>
+          </a:xfrm>
+          <a:prstGeom prst="ellipse">
+            <a:avLst/>
+          </a:prstGeom>
+          <a:solidFill>
+            <a:srgbClr val="92D050"/>
+          </a:solidFill>
+          <a:ln>
+            <a:solidFill>
+              <a:schemeClr val="bg1"/>
+            </a:solidFill>
+          </a:ln>
+        </p:spPr>
+        <p:style>
+          <a:lnRef idx="2">
+            <a:schemeClr val="accent1">
+              <a:shade val="50000"/>
+            </a:schemeClr>
+          </a:lnRef>
+          <a:fillRef idx="1">
+            <a:schemeClr val="accent1"/>
+          </a:fillRef>
+          <a:effectRef idx="0">
+            <a:schemeClr val="accent1"/>
+          </a:effectRef>
+          <a:fontRef idx="minor">
+            <a:schemeClr val="lt1"/>
+          </a:fontRef>
+        </p:style>
+        <p:txBody>
+          <a:bodyPr rtlCol="0" anchor="ctr"/>
+          <a:lstStyle/>
+          <a:p>
+            <a:pPr marL="0" algn="ctr" defTabSz="914400" rtl="0" eaLnBrk="1" latinLnBrk="0" hangingPunct="1"/>
+            <a:endParaRPr lang="en-IL"/>
+          </a:p>
+        </p:txBody>
+      </p:sp>
+      <p:sp>
+        <p:nvSpPr>
+          <p:cNvPr id="50" name="Rectangle 49">
+            <a:extLst>
+              <a:ext uri="{FF2B5EF4-FFF2-40B4-BE49-F238E27FC236}">
+                <a16:creationId xmlns:a16="http://schemas.microsoft.com/office/drawing/2014/main" id="{414AF1E1-4F1C-B044-AEA9-236ADF47889B}"/>
+              </a:ext>
+            </a:extLst>
+          </p:cNvPr>
+          <p:cNvSpPr/>
+          <p:nvPr/>
+        </p:nvSpPr>
+        <p:spPr>
+          <a:xfrm>
+            <a:off x="4056590" y="5232740"/>
+            <a:ext cx="363011" cy="331684"/>
+          </a:xfrm>
+          <a:prstGeom prst="rect">
+            <a:avLst/>
+          </a:prstGeom>
+          <a:solidFill>
+            <a:schemeClr val="tx1"/>
+          </a:solidFill>
+        </p:spPr>
+        <p:style>
+          <a:lnRef idx="2">
+            <a:schemeClr val="accent1">
+              <a:shade val="50000"/>
+            </a:schemeClr>
+          </a:lnRef>
+          <a:fillRef idx="1">
+            <a:schemeClr val="accent1"/>
+          </a:fillRef>
+          <a:effectRef idx="0">
+            <a:schemeClr val="accent1"/>
+          </a:effectRef>
+          <a:fontRef idx="minor">
+            <a:schemeClr val="lt1"/>
+          </a:fontRef>
+        </p:style>
+        <p:txBody>
+          <a:bodyPr rtlCol="0" anchor="ctr"/>
+          <a:lstStyle/>
+          <a:p>
+            <a:pPr marL="0" algn="ctr" defTabSz="914400" rtl="0" eaLnBrk="1" latinLnBrk="0" hangingPunct="1"/>
+            <a:endParaRPr lang="en-IL"/>
+          </a:p>
+        </p:txBody>
+      </p:sp>
+      <p:sp>
+        <p:nvSpPr>
+          <p:cNvPr id="51" name="Oval 50">
+            <a:extLst>
+              <a:ext uri="{FF2B5EF4-FFF2-40B4-BE49-F238E27FC236}">
+                <a16:creationId xmlns:a16="http://schemas.microsoft.com/office/drawing/2014/main" id="{A24C4579-E071-164A-A3A9-BC2583464ECD}"/>
+              </a:ext>
+            </a:extLst>
+          </p:cNvPr>
+          <p:cNvSpPr/>
+          <p:nvPr/>
+        </p:nvSpPr>
+        <p:spPr>
+          <a:xfrm>
+            <a:off x="4099802" y="5281562"/>
+            <a:ext cx="276579" cy="234036"/>
+          </a:xfrm>
+          <a:prstGeom prst="ellipse">
+            <a:avLst/>
+          </a:prstGeom>
+          <a:solidFill>
+            <a:srgbClr val="92D050"/>
+          </a:solidFill>
+          <a:ln>
+            <a:solidFill>
+              <a:schemeClr val="bg1"/>
+            </a:solidFill>
+          </a:ln>
+        </p:spPr>
+        <p:style>
+          <a:lnRef idx="2">
+            <a:schemeClr val="accent1">
+              <a:shade val="50000"/>
+            </a:schemeClr>
+          </a:lnRef>
+          <a:fillRef idx="1">
+            <a:schemeClr val="accent1"/>
+          </a:fillRef>
+          <a:effectRef idx="0">
+            <a:schemeClr val="accent1"/>
+          </a:effectRef>
+          <a:fontRef idx="minor">
+            <a:schemeClr val="lt1"/>
+          </a:fontRef>
+        </p:style>
+        <p:txBody>
+          <a:bodyPr rtlCol="0" anchor="ctr"/>
+          <a:lstStyle/>
+          <a:p>
+            <a:pPr marL="0" algn="ctr" defTabSz="914400" rtl="0" eaLnBrk="1" latinLnBrk="0" hangingPunct="1"/>
+            <a:endParaRPr lang="en-IL"/>
+          </a:p>
+        </p:txBody>
+      </p:sp>
+      <p:sp>
+        <p:nvSpPr>
+          <p:cNvPr id="53" name="Rectangle 52">
+            <a:extLst>
+              <a:ext uri="{FF2B5EF4-FFF2-40B4-BE49-F238E27FC236}">
+                <a16:creationId xmlns:a16="http://schemas.microsoft.com/office/drawing/2014/main" id="{CBD88EF3-4DDD-044F-8264-FE89B3C6787E}"/>
+              </a:ext>
+            </a:extLst>
+          </p:cNvPr>
+          <p:cNvSpPr/>
+          <p:nvPr/>
+        </p:nvSpPr>
+        <p:spPr>
+          <a:xfrm>
+            <a:off x="4056590" y="5694551"/>
+            <a:ext cx="363011" cy="331684"/>
+          </a:xfrm>
+          <a:prstGeom prst="rect">
+            <a:avLst/>
+          </a:prstGeom>
+          <a:solidFill>
+            <a:schemeClr val="tx1"/>
+          </a:solidFill>
+        </p:spPr>
+        <p:style>
+          <a:lnRef idx="2">
+            <a:schemeClr val="accent1">
+              <a:shade val="50000"/>
+            </a:schemeClr>
+          </a:lnRef>
+          <a:fillRef idx="1">
+            <a:schemeClr val="accent1"/>
+          </a:fillRef>
+          <a:effectRef idx="0">
+            <a:schemeClr val="accent1"/>
+          </a:effectRef>
+          <a:fontRef idx="minor">
+            <a:schemeClr val="lt1"/>
+          </a:fontRef>
+        </p:style>
+        <p:txBody>
+          <a:bodyPr rtlCol="0" anchor="ctr"/>
+          <a:lstStyle/>
+          <a:p>
+            <a:pPr marL="0" algn="ctr" defTabSz="914400" rtl="0" eaLnBrk="1" latinLnBrk="0" hangingPunct="1"/>
+            <a:endParaRPr lang="en-IL"/>
+          </a:p>
+        </p:txBody>
+      </p:sp>
+      <p:sp>
+        <p:nvSpPr>
+          <p:cNvPr id="54" name="Oval 53">
+            <a:extLst>
+              <a:ext uri="{FF2B5EF4-FFF2-40B4-BE49-F238E27FC236}">
+                <a16:creationId xmlns:a16="http://schemas.microsoft.com/office/drawing/2014/main" id="{B410E696-CEE8-384C-8470-5F858399C78D}"/>
+              </a:ext>
+            </a:extLst>
+          </p:cNvPr>
+          <p:cNvSpPr/>
+          <p:nvPr/>
+        </p:nvSpPr>
+        <p:spPr>
+          <a:xfrm>
+            <a:off x="4099802" y="5743373"/>
+            <a:ext cx="276579" cy="234036"/>
+          </a:xfrm>
+          <a:prstGeom prst="ellipse">
+            <a:avLst/>
+          </a:prstGeom>
+          <a:solidFill>
+            <a:srgbClr val="92D050"/>
+          </a:solidFill>
+          <a:ln>
+            <a:solidFill>
+              <a:schemeClr val="bg1"/>
+            </a:solidFill>
+          </a:ln>
+        </p:spPr>
+        <p:style>
+          <a:lnRef idx="2">
+            <a:schemeClr val="accent1">
+              <a:shade val="50000"/>
+            </a:schemeClr>
+          </a:lnRef>
+          <a:fillRef idx="1">
+            <a:schemeClr val="accent1"/>
+          </a:fillRef>
+          <a:effectRef idx="0">
+            <a:schemeClr val="accent1"/>
+          </a:effectRef>
+          <a:fontRef idx="minor">
+            <a:schemeClr val="lt1"/>
+          </a:fontRef>
+        </p:style>
+        <p:txBody>
+          <a:bodyPr rtlCol="0" anchor="ctr"/>
+          <a:lstStyle/>
+          <a:p>
+            <a:pPr marL="0" algn="ctr" defTabSz="914400" rtl="0" eaLnBrk="1" latinLnBrk="0" hangingPunct="1"/>
+            <a:endParaRPr lang="en-IL"/>
+          </a:p>
+        </p:txBody>
+      </p:sp>
+      <p:sp>
+        <p:nvSpPr>
+          <p:cNvPr id="55" name="TextBox 54">
+            <a:extLst>
+              <a:ext uri="{FF2B5EF4-FFF2-40B4-BE49-F238E27FC236}">
+                <a16:creationId xmlns:a16="http://schemas.microsoft.com/office/drawing/2014/main" id="{111DC2A1-A8C8-AE4B-8F11-69E488BEF827}"/>
+              </a:ext>
+            </a:extLst>
+          </p:cNvPr>
+          <p:cNvSpPr txBox="1"/>
+          <p:nvPr/>
+        </p:nvSpPr>
+        <p:spPr>
+          <a:xfrm>
+            <a:off x="3714069" y="3427338"/>
+            <a:ext cx="1411064" cy="409228"/>
+          </a:xfrm>
+          <a:prstGeom prst="rect">
+            <a:avLst/>
+          </a:prstGeom>
+          <a:noFill/>
+        </p:spPr>
+        <p:txBody>
+          <a:bodyPr wrap="none" rtlCol="0">
+            <a:spAutoFit/>
+          </a:bodyPr>
+          <a:lstStyle/>
+          <a:p>
+            <a:r>
+              <a:rPr lang="en-IL" sz="1400" dirty="0"/>
+              <a:t>Thread Pool</a:t>
+            </a:r>
+          </a:p>
+        </p:txBody>
+      </p:sp>
+      <p:sp>
+        <p:nvSpPr>
+          <p:cNvPr id="56" name="TextBox 55">
+            <a:extLst>
+              <a:ext uri="{FF2B5EF4-FFF2-40B4-BE49-F238E27FC236}">
+                <a16:creationId xmlns:a16="http://schemas.microsoft.com/office/drawing/2014/main" id="{ACF53122-2D87-6F44-A49F-6329F08CE5F8}"/>
+              </a:ext>
+            </a:extLst>
+          </p:cNvPr>
+          <p:cNvSpPr txBox="1"/>
+          <p:nvPr/>
+        </p:nvSpPr>
+        <p:spPr>
+          <a:xfrm>
+            <a:off x="1971800" y="4562359"/>
+            <a:ext cx="1368252" cy="409228"/>
+          </a:xfrm>
+          <a:prstGeom prst="rect">
+            <a:avLst/>
+          </a:prstGeom>
+          <a:noFill/>
+        </p:spPr>
+        <p:txBody>
+          <a:bodyPr wrap="none" rtlCol="0">
+            <a:spAutoFit/>
+          </a:bodyPr>
+          <a:lstStyle/>
+          <a:p>
+            <a:r>
+              <a:rPr lang="en-IL" sz="1400" dirty="0"/>
+              <a:t>Task Queue</a:t>
+            </a:r>
+          </a:p>
+        </p:txBody>
+      </p:sp>
+    </p:spTree>
+    <p:extLst>
+      <p:ext uri="{BB962C8B-B14F-4D97-AF65-F5344CB8AC3E}">
+        <p14:creationId xmlns:p14="http://schemas.microsoft.com/office/powerpoint/2010/main" val="823657802"/>
+      </p:ext>
+    </p:extLst>
+  </p:cSld>
+  <p:clrMapOvr>
+    <a:overrideClrMapping bg1="dk1" tx1="lt1" bg2="dk2" tx2="lt2" accent1="accent1" accent2="accent2" accent3="accent3" accent4="accent4" accent5="accent5" accent6="accent6" hlink="hlink" folHlink="folHlink"/>
+  </p:clrMapOvr>
+</p:sld>
+</file>
+
+<file path=ppt/slides/slide6.xml><?xml version="1.0" encoding="utf-8"?>
+<p:sld xmlns:a="http://schemas.openxmlformats.org/drawingml/2006/main" xmlns:r="http://schemas.openxmlformats.org/officeDocument/2006/relationships" xmlns:p="http://schemas.openxmlformats.org/presentationml/2006/main">
+  <p:cSld>
+    <p:bg>
+      <p:bgPr>
+        <a:solidFill>
+          <a:srgbClr val="404040"/>
+        </a:solidFill>
+        <a:effectLst/>
+      </p:bgPr>
+    </p:bg>
+    <p:spTree>
+      <p:nvGrpSpPr>
+        <p:cNvPr id="1" name=""/>
+        <p:cNvGrpSpPr/>
+        <p:nvPr/>
+      </p:nvGrpSpPr>
+      <p:grpSpPr>
+        <a:xfrm>
+          <a:off x="0" y="0"/>
+          <a:ext cx="0" cy="0"/>
+          <a:chOff x="0" y="0"/>
+          <a:chExt cx="0" cy="0"/>
+        </a:xfrm>
+      </p:grpSpPr>
+      <p:sp>
+        <p:nvSpPr>
+          <p:cNvPr id="14" name="Rectangle 7">
+            <a:extLst>
+              <a:ext uri="{FF2B5EF4-FFF2-40B4-BE49-F238E27FC236}">
+                <a16:creationId xmlns:a16="http://schemas.microsoft.com/office/drawing/2014/main" id="{EA67B5B4-3A24-436E-B663-1B2EBFF8A0CD}"/>
+              </a:ext>
+              <a:ext uri="{C183D7F6-B498-43B3-948B-1728B52AA6E4}">
+                <adec:decorative xmlns:adec="http://schemas.microsoft.com/office/drawing/2017/decorative" val="1"/>
+              </a:ext>
+            </a:extLst>
+          </p:cNvPr>
+          <p:cNvSpPr>
+            <a:spLocks noGrp="1" noRot="1" noChangeAspect="1" noMove="1" noResize="1" noEditPoints="1" noAdjustHandles="1" noChangeArrowheads="1" noChangeShapeType="1" noTextEdit="1"/>
+          </p:cNvSpPr>
+          <p:nvPr>
+            <p:extLst>
+              <p:ext uri="{386F3935-93C4-4BCD-93E2-E3B085C9AB24}">
+                <p16:designElem xmlns:p16="http://schemas.microsoft.com/office/powerpoint/2015/main" val="1"/>
+              </p:ext>
+            </p:extLst>
+          </p:nvPr>
+        </p:nvSpPr>
+        <p:spPr>
+          <a:xfrm>
+            <a:off x="0" y="-3324"/>
+            <a:ext cx="12192000" cy="6861324"/>
+          </a:xfrm>
+          <a:prstGeom prst="rect">
+            <a:avLst/>
+          </a:prstGeom>
+          <a:solidFill>
+            <a:srgbClr val="404040"/>
+          </a:solidFill>
+          <a:ln>
+            <a:noFill/>
+          </a:ln>
+        </p:spPr>
+        <p:style>
+          <a:lnRef idx="2">
+            <a:schemeClr val="accent1">
+              <a:shade val="50000"/>
+            </a:schemeClr>
+          </a:lnRef>
+          <a:fillRef idx="1">
+            <a:schemeClr val="accent1"/>
+          </a:fillRef>
+          <a:effectRef idx="0">
+            <a:schemeClr val="accent1"/>
+          </a:effectRef>
+          <a:fontRef idx="minor">
+            <a:schemeClr val="lt1"/>
+          </a:fontRef>
+        </p:style>
+        <p:txBody>
+          <a:bodyPr rtlCol="0" anchor="ctr"/>
+          <a:lstStyle/>
+          <a:p>
+            <a:pPr algn="ctr"/>
+            <a:endParaRPr lang="en-US"/>
+          </a:p>
+        </p:txBody>
+      </p:sp>
+      <p:sp>
+        <p:nvSpPr>
+          <p:cNvPr id="15" name="Freeform 13">
+            <a:extLst>
+              <a:ext uri="{FF2B5EF4-FFF2-40B4-BE49-F238E27FC236}">
+                <a16:creationId xmlns:a16="http://schemas.microsoft.com/office/drawing/2014/main" id="{987FDF89-C993-41F4-A1B8-DBAFF16008A9}"/>
+              </a:ext>
+              <a:ext uri="{C183D7F6-B498-43B3-948B-1728B52AA6E4}">
+                <adec:decorative xmlns:adec="http://schemas.microsoft.com/office/drawing/2017/decorative" val="1"/>
+              </a:ext>
+            </a:extLst>
+          </p:cNvPr>
+          <p:cNvSpPr>
+            <a:spLocks noGrp="1" noRot="1" noChangeAspect="1" noMove="1" noResize="1" noEditPoints="1" noAdjustHandles="1" noChangeArrowheads="1" noChangeShapeType="1" noTextEdit="1"/>
+          </p:cNvSpPr>
+          <p:nvPr>
+            <p:extLst>
+              <p:ext uri="{386F3935-93C4-4BCD-93E2-E3B085C9AB24}">
+                <p16:designElem xmlns:p16="http://schemas.microsoft.com/office/powerpoint/2015/main" val="1"/>
+              </p:ext>
+            </p:extLst>
+          </p:nvPr>
+        </p:nvSpPr>
+        <p:spPr>
+          <a:xfrm>
+            <a:off x="0" y="0"/>
+            <a:ext cx="11786754" cy="6858000"/>
+          </a:xfrm>
+          <a:custGeom>
+            <a:avLst/>
+            <a:gdLst>
+              <a:gd name="connsiteX0" fmla="*/ 0 w 11786754"/>
+              <a:gd name="connsiteY0" fmla="*/ 0 h 6858000"/>
+              <a:gd name="connsiteX1" fmla="*/ 8610600 w 11786754"/>
+              <a:gd name="connsiteY1" fmla="*/ 0 h 6858000"/>
+              <a:gd name="connsiteX2" fmla="*/ 11786754 w 11786754"/>
+              <a:gd name="connsiteY2" fmla="*/ 6858000 h 6858000"/>
+              <a:gd name="connsiteX3" fmla="*/ 0 w 11786754"/>
+              <a:gd name="connsiteY3" fmla="*/ 6858000 h 6858000"/>
+            </a:gdLst>
+            <a:ahLst/>
+            <a:cxnLst>
+              <a:cxn ang="0">
+                <a:pos x="connsiteX0" y="connsiteY0"/>
+              </a:cxn>
+              <a:cxn ang="0">
+                <a:pos x="connsiteX1" y="connsiteY1"/>
+              </a:cxn>
+              <a:cxn ang="0">
+                <a:pos x="connsiteX2" y="connsiteY2"/>
+              </a:cxn>
+              <a:cxn ang="0">
+                <a:pos x="connsiteX3" y="connsiteY3"/>
+              </a:cxn>
+            </a:cxnLst>
+            <a:rect l="l" t="t" r="r" b="b"/>
+            <a:pathLst>
+              <a:path w="11786754" h="6858000">
+                <a:moveTo>
+                  <a:pt x="0" y="0"/>
+                </a:moveTo>
+                <a:lnTo>
+                  <a:pt x="8610600" y="0"/>
+                </a:lnTo>
+                <a:lnTo>
+                  <a:pt x="11786754" y="6858000"/>
+                </a:lnTo>
+                <a:lnTo>
+                  <a:pt x="0" y="6858000"/>
+                </a:lnTo>
+                <a:close/>
+              </a:path>
+            </a:pathLst>
+          </a:custGeom>
+          <a:solidFill>
+            <a:srgbClr val="000000">
+              <a:alpha val="29804"/>
+            </a:srgbClr>
+          </a:solidFill>
+          <a:ln>
+            <a:noFill/>
+          </a:ln>
+        </p:spPr>
+        <p:style>
+          <a:lnRef idx="2">
+            <a:schemeClr val="accent1">
+              <a:shade val="50000"/>
+            </a:schemeClr>
+          </a:lnRef>
+          <a:fillRef idx="1">
+            <a:schemeClr val="accent1"/>
+          </a:fillRef>
+          <a:effectRef idx="0">
+            <a:schemeClr val="accent1"/>
+          </a:effectRef>
+          <a:fontRef idx="minor">
+            <a:schemeClr val="lt1"/>
+          </a:fontRef>
+        </p:style>
+        <p:txBody>
+          <a:bodyPr rtlCol="0" anchor="ctr"/>
+          <a:lstStyle/>
+          <a:p>
+            <a:pPr algn="ctr"/>
+            <a:endParaRPr lang="en-US"/>
+          </a:p>
+        </p:txBody>
+      </p:sp>
+      <p:sp>
+        <p:nvSpPr>
+          <p:cNvPr id="16" name="Freeform 11">
+            <a:extLst>
+              <a:ext uri="{FF2B5EF4-FFF2-40B4-BE49-F238E27FC236}">
+                <a16:creationId xmlns:a16="http://schemas.microsoft.com/office/drawing/2014/main" id="{64E585EA-75FD-4025-8270-F66A58A15CDA}"/>
+              </a:ext>
+              <a:ext uri="{C183D7F6-B498-43B3-948B-1728B52AA6E4}">
+                <adec:decorative xmlns:adec="http://schemas.microsoft.com/office/drawing/2017/decorative" val="1"/>
+              </a:ext>
+            </a:extLst>
+          </p:cNvPr>
+          <p:cNvSpPr>
+            <a:spLocks noGrp="1" noRot="1" noChangeAspect="1" noMove="1" noResize="1" noEditPoints="1" noAdjustHandles="1" noChangeArrowheads="1" noChangeShapeType="1" noTextEdit="1"/>
+          </p:cNvSpPr>
+          <p:nvPr>
+            <p:extLst>
+              <p:ext uri="{386F3935-93C4-4BCD-93E2-E3B085C9AB24}">
+                <p16:designElem xmlns:p16="http://schemas.microsoft.com/office/powerpoint/2015/main" val="1"/>
+              </p:ext>
+            </p:extLst>
+          </p:nvPr>
+        </p:nvSpPr>
+        <p:spPr>
+          <a:xfrm>
+            <a:off x="0" y="0"/>
+            <a:ext cx="3581400" cy="6858000"/>
+          </a:xfrm>
+          <a:custGeom>
+            <a:avLst/>
+            <a:gdLst>
+              <a:gd name="connsiteX0" fmla="*/ 0 w 3581400"/>
+              <a:gd name="connsiteY0" fmla="*/ 0 h 6858000"/>
+              <a:gd name="connsiteX1" fmla="*/ 405246 w 3581400"/>
+              <a:gd name="connsiteY1" fmla="*/ 0 h 6858000"/>
+              <a:gd name="connsiteX2" fmla="*/ 3581400 w 3581400"/>
+              <a:gd name="connsiteY2" fmla="*/ 6858000 h 6858000"/>
+              <a:gd name="connsiteX3" fmla="*/ 0 w 3581400"/>
+              <a:gd name="connsiteY3" fmla="*/ 6858000 h 6858000"/>
+            </a:gdLst>
+            <a:ahLst/>
+            <a:cxnLst>
+              <a:cxn ang="0">
+                <a:pos x="connsiteX0" y="connsiteY0"/>
+              </a:cxn>
+              <a:cxn ang="0">
+                <a:pos x="connsiteX1" y="connsiteY1"/>
+              </a:cxn>
+              <a:cxn ang="0">
+                <a:pos x="connsiteX2" y="connsiteY2"/>
+              </a:cxn>
+              <a:cxn ang="0">
+                <a:pos x="connsiteX3" y="connsiteY3"/>
+              </a:cxn>
+            </a:cxnLst>
+            <a:rect l="l" t="t" r="r" b="b"/>
+            <a:pathLst>
+              <a:path w="3581400" h="6858000">
+                <a:moveTo>
+                  <a:pt x="0" y="0"/>
+                </a:moveTo>
+                <a:lnTo>
+                  <a:pt x="405246" y="0"/>
+                </a:lnTo>
+                <a:lnTo>
+                  <a:pt x="3581400" y="6858000"/>
+                </a:lnTo>
+                <a:lnTo>
+                  <a:pt x="0" y="6858000"/>
+                </a:lnTo>
+                <a:close/>
+              </a:path>
+            </a:pathLst>
+          </a:custGeom>
+          <a:solidFill>
+            <a:srgbClr val="000000">
+              <a:alpha val="29804"/>
+            </a:srgbClr>
+          </a:solidFill>
+          <a:ln>
+            <a:noFill/>
+          </a:ln>
+        </p:spPr>
+        <p:style>
+          <a:lnRef idx="2">
+            <a:schemeClr val="accent1">
+              <a:shade val="50000"/>
+            </a:schemeClr>
+          </a:lnRef>
+          <a:fillRef idx="1">
+            <a:schemeClr val="accent1"/>
+          </a:fillRef>
+          <a:effectRef idx="0">
+            <a:schemeClr val="accent1"/>
+          </a:effectRef>
+          <a:fontRef idx="minor">
+            <a:schemeClr val="lt1"/>
+          </a:fontRef>
+        </p:style>
+        <p:txBody>
+          <a:bodyPr wrap="square" rtlCol="0" anchor="ctr">
+            <a:noAutofit/>
+          </a:bodyPr>
+          <a:lstStyle/>
+          <a:p>
+            <a:pPr algn="ctr"/>
+            <a:endParaRPr lang="en-US"/>
+          </a:p>
+        </p:txBody>
+      </p:sp>
+      <p:sp>
+        <p:nvSpPr>
+          <p:cNvPr id="2" name="Title 1">
+            <a:extLst>
+              <a:ext uri="{FF2B5EF4-FFF2-40B4-BE49-F238E27FC236}">
+                <a16:creationId xmlns:a16="http://schemas.microsoft.com/office/drawing/2014/main" id="{CE660CB5-F295-8346-9CC7-56C1F7F2060C}"/>
+              </a:ext>
+            </a:extLst>
+          </p:cNvPr>
+          <p:cNvSpPr>
+            <a:spLocks noGrp="1"/>
+          </p:cNvSpPr>
+          <p:nvPr>
+            <p:ph type="title"/>
+          </p:nvPr>
+        </p:nvSpPr>
+        <p:spPr>
+          <a:xfrm>
+            <a:off x="833002" y="190030"/>
+            <a:ext cx="10520702" cy="1325563"/>
+          </a:xfrm>
+        </p:spPr>
+        <p:txBody>
+          <a:bodyPr>
+            <a:normAutofit/>
+          </a:bodyPr>
+          <a:lstStyle/>
+          <a:p>
+            <a:r>
+              <a:rPr lang="en-IL" dirty="0">
+                <a:solidFill>
+                  <a:srgbClr val="FFFFFF"/>
+                </a:solidFill>
+              </a:rPr>
+              <a:t>Data Acquisition – Process</a:t>
+            </a:r>
+          </a:p>
+        </p:txBody>
+      </p:sp>
+      <p:sp>
+        <p:nvSpPr>
+          <p:cNvPr id="3" name="Content Placeholder 2">
+            <a:extLst>
+              <a:ext uri="{FF2B5EF4-FFF2-40B4-BE49-F238E27FC236}">
+                <a16:creationId xmlns:a16="http://schemas.microsoft.com/office/drawing/2014/main" id="{BA080928-EC02-ED41-A9A8-B9C716E1803F}"/>
+              </a:ext>
+            </a:extLst>
+          </p:cNvPr>
+          <p:cNvSpPr>
+            <a:spLocks noGrp="1"/>
+          </p:cNvSpPr>
+          <p:nvPr>
+            <p:ph idx="1"/>
+          </p:nvPr>
+        </p:nvSpPr>
+        <p:spPr>
+          <a:xfrm>
+            <a:off x="838201" y="1406523"/>
+            <a:ext cx="10515598" cy="4154361"/>
+          </a:xfrm>
+        </p:spPr>
+        <p:txBody>
+          <a:bodyPr>
+            <a:normAutofit/>
+          </a:bodyPr>
+          <a:lstStyle/>
+          <a:p>
+            <a:pPr marL="0" indent="0">
+              <a:buNone/>
+            </a:pPr>
+            <a:r>
+              <a:rPr lang="en-IL" sz="2500" u="sng" dirty="0">
+                <a:solidFill>
+                  <a:srgbClr val="FFFFFF"/>
+                </a:solidFill>
+              </a:rPr>
+              <a:t>Process</a:t>
+            </a:r>
+          </a:p>
+          <a:p>
+            <a:r>
+              <a:rPr lang="en-IL" sz="1800" dirty="0">
+                <a:solidFill>
+                  <a:srgbClr val="FFFFFF"/>
+                </a:solidFill>
+              </a:rPr>
+              <a:t>When we first tried to scrape data from “Leafly”, we found the site is loading dynamic content using JavaScript. In order to acquire the data, we used a package called “Selenium”.</a:t>
+            </a:r>
+          </a:p>
+          <a:p>
+            <a:r>
+              <a:rPr lang="en-IL" sz="1800" dirty="0">
+                <a:solidFill>
+                  <a:srgbClr val="FFFFFF"/>
+                </a:solidFill>
+              </a:rPr>
+              <a:t>The first crawl took ~5 hours, which caused us to want to reduce the time. To do that, we used a ThreadPool, which allows us to perform multiple I/O dependent processes concurrently. By doing so, we reduced the crawling time to ~30 minutes.</a:t>
+            </a:r>
+          </a:p>
+          <a:p>
+            <a:r>
+              <a:rPr lang="en-IL" sz="1800" dirty="0">
+                <a:solidFill>
+                  <a:srgbClr val="FFFFFF"/>
+                </a:solidFill>
+              </a:rPr>
+              <a:t>We found another website, “Strain of Weed”, which had a lot of data regarding flavors of strains. This data did not exist in “Leafly”, so we scraped that data and added it to our data.</a:t>
+            </a:r>
+          </a:p>
+        </p:txBody>
+      </p:sp>
+      <p:pic>
+        <p:nvPicPr>
+          <p:cNvPr id="5" name="Picture 4">
+            <a:extLst>
+              <a:ext uri="{FF2B5EF4-FFF2-40B4-BE49-F238E27FC236}">
+                <a16:creationId xmlns:a16="http://schemas.microsoft.com/office/drawing/2014/main" id="{6D984DFD-C6B8-5F4B-A0E2-9579B688989E}"/>
+              </a:ext>
+            </a:extLst>
+          </p:cNvPr>
+          <p:cNvPicPr>
+            <a:picLocks noChangeAspect="1"/>
+          </p:cNvPicPr>
+          <p:nvPr/>
+        </p:nvPicPr>
+        <p:blipFill>
+          <a:blip r:embed="rId2"/>
+          <a:stretch>
+            <a:fillRect/>
+          </a:stretch>
+        </p:blipFill>
+        <p:spPr>
+          <a:xfrm>
+            <a:off x="324255" y="4474404"/>
+            <a:ext cx="8610602" cy="2024749"/>
+          </a:xfrm>
+          <a:prstGeom prst="rect">
+            <a:avLst/>
+          </a:prstGeom>
+        </p:spPr>
+      </p:pic>
+      <p:pic>
+        <p:nvPicPr>
+          <p:cNvPr id="6" name="Picture 5">
+            <a:extLst>
+              <a:ext uri="{FF2B5EF4-FFF2-40B4-BE49-F238E27FC236}">
+                <a16:creationId xmlns:a16="http://schemas.microsoft.com/office/drawing/2014/main" id="{CEDEB6C8-9640-5145-9180-08E3EC4F7286}"/>
+              </a:ext>
+            </a:extLst>
+          </p:cNvPr>
+          <p:cNvPicPr>
+            <a:picLocks noChangeAspect="1"/>
+          </p:cNvPicPr>
+          <p:nvPr/>
+        </p:nvPicPr>
+        <p:blipFill>
+          <a:blip r:embed="rId3"/>
+          <a:stretch>
+            <a:fillRect/>
+          </a:stretch>
+        </p:blipFill>
+        <p:spPr>
+          <a:xfrm>
+            <a:off x="9396845" y="4105072"/>
+            <a:ext cx="2050318" cy="2562898"/>
+          </a:xfrm>
+          <a:prstGeom prst="rect">
+            <a:avLst/>
+          </a:prstGeom>
+        </p:spPr>
+      </p:pic>
+      <p:sp>
+        <p:nvSpPr>
+          <p:cNvPr id="7" name="TextBox 6">
+            <a:extLst>
+              <a:ext uri="{FF2B5EF4-FFF2-40B4-BE49-F238E27FC236}">
+                <a16:creationId xmlns:a16="http://schemas.microsoft.com/office/drawing/2014/main" id="{C042318A-97AD-9543-A695-B1DFFC10575D}"/>
+              </a:ext>
+            </a:extLst>
+          </p:cNvPr>
+          <p:cNvSpPr txBox="1"/>
+          <p:nvPr/>
+        </p:nvSpPr>
+        <p:spPr>
+          <a:xfrm>
+            <a:off x="3965400" y="4105072"/>
+            <a:ext cx="1328312" cy="369332"/>
+          </a:xfrm>
+          <a:prstGeom prst="rect">
+            <a:avLst/>
+          </a:prstGeom>
+          <a:noFill/>
+        </p:spPr>
+        <p:txBody>
+          <a:bodyPr wrap="none" rtlCol="0">
+            <a:spAutoFit/>
+          </a:bodyPr>
+          <a:lstStyle/>
+          <a:p>
+            <a:r>
+              <a:rPr lang="en-IL" i="1" dirty="0"/>
+              <a:t>leafly_df.csv</a:t>
+            </a:r>
+          </a:p>
+        </p:txBody>
+      </p:sp>
+      <p:sp>
+        <p:nvSpPr>
+          <p:cNvPr id="11" name="TextBox 10">
+            <a:extLst>
+              <a:ext uri="{FF2B5EF4-FFF2-40B4-BE49-F238E27FC236}">
+                <a16:creationId xmlns:a16="http://schemas.microsoft.com/office/drawing/2014/main" id="{F702DD99-A79D-BC42-AEA4-F5FB5C691C24}"/>
+              </a:ext>
+            </a:extLst>
+          </p:cNvPr>
+          <p:cNvSpPr txBox="1"/>
+          <p:nvPr/>
+        </p:nvSpPr>
+        <p:spPr>
+          <a:xfrm>
+            <a:off x="9390381" y="3735740"/>
+            <a:ext cx="2056782" cy="369332"/>
+          </a:xfrm>
+          <a:prstGeom prst="rect">
+            <a:avLst/>
+          </a:prstGeom>
+          <a:noFill/>
+        </p:spPr>
+        <p:txBody>
+          <a:bodyPr wrap="none" rtlCol="0">
+            <a:spAutoFit/>
+          </a:bodyPr>
+          <a:lstStyle/>
+          <a:p>
+            <a:r>
+              <a:rPr lang="en-IL" i="1" dirty="0"/>
+              <a:t>strainofweed_df.csv</a:t>
+            </a:r>
+          </a:p>
+        </p:txBody>
+      </p:sp>
+    </p:spTree>
+    <p:extLst>
+      <p:ext uri="{BB962C8B-B14F-4D97-AF65-F5344CB8AC3E}">
+        <p14:creationId xmlns:p14="http://schemas.microsoft.com/office/powerpoint/2010/main" val="1777719831"/>
+      </p:ext>
+    </p:extLst>
+  </p:cSld>
+  <p:clrMapOvr>
+    <a:overrideClrMapping bg1="dk1" tx1="lt1" bg2="dk2" tx2="lt2" accent1="accent1" accent2="accent2" accent3="accent3" accent4="accent4" accent5="accent5" accent6="accent6" hlink="hlink" folHlink="folHlink"/>
+  </p:clrMapOvr>
+</p:sld>
+</file>
+
+<file path=ppt/slides/slide7.xml><?xml version="1.0" encoding="utf-8"?>
+<p:sld xmlns:a="http://schemas.openxmlformats.org/drawingml/2006/main" xmlns:r="http://schemas.openxmlformats.org/officeDocument/2006/relationships" xmlns:p="http://schemas.openxmlformats.org/presentationml/2006/main">
+  <p:cSld>
+    <p:bg>
+      <p:bgPr>
+        <a:solidFill>
+          <a:srgbClr val="404040"/>
+        </a:solidFill>
+        <a:effectLst/>
+      </p:bgPr>
+    </p:bg>
+    <p:spTree>
+      <p:nvGrpSpPr>
+        <p:cNvPr id="1" name=""/>
+        <p:cNvGrpSpPr/>
+        <p:nvPr/>
+      </p:nvGrpSpPr>
+      <p:grpSpPr>
+        <a:xfrm>
+          <a:off x="0" y="0"/>
+          <a:ext cx="0" cy="0"/>
+          <a:chOff x="0" y="0"/>
+          <a:chExt cx="0" cy="0"/>
+        </a:xfrm>
+      </p:grpSpPr>
+      <p:sp>
+        <p:nvSpPr>
+          <p:cNvPr id="14" name="Rectangle 7">
+            <a:extLst>
+              <a:ext uri="{FF2B5EF4-FFF2-40B4-BE49-F238E27FC236}">
+                <a16:creationId xmlns:a16="http://schemas.microsoft.com/office/drawing/2014/main" id="{EA67B5B4-3A24-436E-B663-1B2EBFF8A0CD}"/>
+              </a:ext>
+              <a:ext uri="{C183D7F6-B498-43B3-948B-1728B52AA6E4}">
+                <adec:decorative xmlns:adec="http://schemas.microsoft.com/office/drawing/2017/decorative" val="1"/>
+              </a:ext>
+            </a:extLst>
+          </p:cNvPr>
+          <p:cNvSpPr>
+            <a:spLocks noGrp="1" noRot="1" noChangeAspect="1" noMove="1" noResize="1" noEditPoints="1" noAdjustHandles="1" noChangeArrowheads="1" noChangeShapeType="1" noTextEdit="1"/>
+          </p:cNvSpPr>
+          <p:nvPr>
+            <p:extLst>
+              <p:ext uri="{386F3935-93C4-4BCD-93E2-E3B085C9AB24}">
+                <p16:designElem xmlns:p16="http://schemas.microsoft.com/office/powerpoint/2015/main" val="1"/>
+              </p:ext>
+            </p:extLst>
+          </p:nvPr>
+        </p:nvSpPr>
+        <p:spPr>
+          <a:xfrm>
+            <a:off x="0" y="-3324"/>
+            <a:ext cx="12192000" cy="6861324"/>
+          </a:xfrm>
+          <a:prstGeom prst="rect">
+            <a:avLst/>
+          </a:prstGeom>
+          <a:solidFill>
+            <a:srgbClr val="404040"/>
+          </a:solidFill>
+          <a:ln>
+            <a:noFill/>
+          </a:ln>
+        </p:spPr>
+        <p:style>
+          <a:lnRef idx="2">
+            <a:schemeClr val="accent1">
+              <a:shade val="50000"/>
+            </a:schemeClr>
+          </a:lnRef>
+          <a:fillRef idx="1">
+            <a:schemeClr val="accent1"/>
+          </a:fillRef>
+          <a:effectRef idx="0">
+            <a:schemeClr val="accent1"/>
+          </a:effectRef>
+          <a:fontRef idx="minor">
+            <a:schemeClr val="lt1"/>
+          </a:fontRef>
+        </p:style>
+        <p:txBody>
+          <a:bodyPr rtlCol="0" anchor="ctr"/>
+          <a:lstStyle/>
+          <a:p>
+            <a:pPr algn="ctr"/>
+            <a:endParaRPr lang="en-US"/>
+          </a:p>
+        </p:txBody>
+      </p:sp>
+      <p:sp>
+        <p:nvSpPr>
+          <p:cNvPr id="15" name="Freeform 13">
+            <a:extLst>
+              <a:ext uri="{FF2B5EF4-FFF2-40B4-BE49-F238E27FC236}">
+                <a16:creationId xmlns:a16="http://schemas.microsoft.com/office/drawing/2014/main" id="{987FDF89-C993-41F4-A1B8-DBAFF16008A9}"/>
+              </a:ext>
+              <a:ext uri="{C183D7F6-B498-43B3-948B-1728B52AA6E4}">
+                <adec:decorative xmlns:adec="http://schemas.microsoft.com/office/drawing/2017/decorative" val="1"/>
+              </a:ext>
+            </a:extLst>
+          </p:cNvPr>
+          <p:cNvSpPr>
+            <a:spLocks noGrp="1" noRot="1" noChangeAspect="1" noMove="1" noResize="1" noEditPoints="1" noAdjustHandles="1" noChangeArrowheads="1" noChangeShapeType="1" noTextEdit="1"/>
+          </p:cNvSpPr>
+          <p:nvPr>
+            <p:extLst>
+              <p:ext uri="{386F3935-93C4-4BCD-93E2-E3B085C9AB24}">
+                <p16:designElem xmlns:p16="http://schemas.microsoft.com/office/powerpoint/2015/main" val="1"/>
+              </p:ext>
+            </p:extLst>
+          </p:nvPr>
+        </p:nvSpPr>
+        <p:spPr>
+          <a:xfrm>
+            <a:off x="0" y="0"/>
+            <a:ext cx="11786754" cy="6858000"/>
+          </a:xfrm>
+          <a:custGeom>
+            <a:avLst/>
+            <a:gdLst>
+              <a:gd name="connsiteX0" fmla="*/ 0 w 11786754"/>
+              <a:gd name="connsiteY0" fmla="*/ 0 h 6858000"/>
+              <a:gd name="connsiteX1" fmla="*/ 8610600 w 11786754"/>
+              <a:gd name="connsiteY1" fmla="*/ 0 h 6858000"/>
+              <a:gd name="connsiteX2" fmla="*/ 11786754 w 11786754"/>
+              <a:gd name="connsiteY2" fmla="*/ 6858000 h 6858000"/>
+              <a:gd name="connsiteX3" fmla="*/ 0 w 11786754"/>
+              <a:gd name="connsiteY3" fmla="*/ 6858000 h 6858000"/>
+            </a:gdLst>
+            <a:ahLst/>
+            <a:cxnLst>
+              <a:cxn ang="0">
+                <a:pos x="connsiteX0" y="connsiteY0"/>
+              </a:cxn>
+              <a:cxn ang="0">
+                <a:pos x="connsiteX1" y="connsiteY1"/>
+              </a:cxn>
+              <a:cxn ang="0">
+                <a:pos x="connsiteX2" y="connsiteY2"/>
+              </a:cxn>
+              <a:cxn ang="0">
+                <a:pos x="connsiteX3" y="connsiteY3"/>
+              </a:cxn>
+            </a:cxnLst>
+            <a:rect l="l" t="t" r="r" b="b"/>
+            <a:pathLst>
+              <a:path w="11786754" h="6858000">
+                <a:moveTo>
+                  <a:pt x="0" y="0"/>
+                </a:moveTo>
+                <a:lnTo>
+                  <a:pt x="8610600" y="0"/>
+                </a:lnTo>
+                <a:lnTo>
+                  <a:pt x="11786754" y="6858000"/>
+                </a:lnTo>
+                <a:lnTo>
+                  <a:pt x="0" y="6858000"/>
+                </a:lnTo>
+                <a:close/>
+              </a:path>
+            </a:pathLst>
+          </a:custGeom>
+          <a:solidFill>
+            <a:srgbClr val="000000">
+              <a:alpha val="29804"/>
+            </a:srgbClr>
+          </a:solidFill>
+          <a:ln>
+            <a:noFill/>
+          </a:ln>
+        </p:spPr>
+        <p:style>
+          <a:lnRef idx="2">
+            <a:schemeClr val="accent1">
+              <a:shade val="50000"/>
+            </a:schemeClr>
+          </a:lnRef>
+          <a:fillRef idx="1">
+            <a:schemeClr val="accent1"/>
+          </a:fillRef>
+          <a:effectRef idx="0">
+            <a:schemeClr val="accent1"/>
+          </a:effectRef>
+          <a:fontRef idx="minor">
+            <a:schemeClr val="lt1"/>
+          </a:fontRef>
+        </p:style>
+        <p:txBody>
+          <a:bodyPr rtlCol="0" anchor="ctr"/>
+          <a:lstStyle/>
+          <a:p>
+            <a:pPr algn="ctr"/>
+            <a:endParaRPr lang="en-US"/>
+          </a:p>
+        </p:txBody>
+      </p:sp>
+      <p:sp>
+        <p:nvSpPr>
+          <p:cNvPr id="16" name="Freeform 11">
+            <a:extLst>
+              <a:ext uri="{FF2B5EF4-FFF2-40B4-BE49-F238E27FC236}">
+                <a16:creationId xmlns:a16="http://schemas.microsoft.com/office/drawing/2014/main" id="{64E585EA-75FD-4025-8270-F66A58A15CDA}"/>
+              </a:ext>
+              <a:ext uri="{C183D7F6-B498-43B3-948B-1728B52AA6E4}">
+                <adec:decorative xmlns:adec="http://schemas.microsoft.com/office/drawing/2017/decorative" val="1"/>
+              </a:ext>
+            </a:extLst>
+          </p:cNvPr>
+          <p:cNvSpPr>
+            <a:spLocks noGrp="1" noRot="1" noChangeAspect="1" noMove="1" noResize="1" noEditPoints="1" noAdjustHandles="1" noChangeArrowheads="1" noChangeShapeType="1" noTextEdit="1"/>
+          </p:cNvSpPr>
+          <p:nvPr>
+            <p:extLst>
+              <p:ext uri="{386F3935-93C4-4BCD-93E2-E3B085C9AB24}">
+                <p16:designElem xmlns:p16="http://schemas.microsoft.com/office/powerpoint/2015/main" val="1"/>
+              </p:ext>
+            </p:extLst>
+          </p:nvPr>
+        </p:nvSpPr>
+        <p:spPr>
+          <a:xfrm>
+            <a:off x="0" y="0"/>
+            <a:ext cx="3581400" cy="6858000"/>
+          </a:xfrm>
+          <a:custGeom>
+            <a:avLst/>
+            <a:gdLst>
+              <a:gd name="connsiteX0" fmla="*/ 0 w 3581400"/>
+              <a:gd name="connsiteY0" fmla="*/ 0 h 6858000"/>
+              <a:gd name="connsiteX1" fmla="*/ 405246 w 3581400"/>
+              <a:gd name="connsiteY1" fmla="*/ 0 h 6858000"/>
+              <a:gd name="connsiteX2" fmla="*/ 3581400 w 3581400"/>
+              <a:gd name="connsiteY2" fmla="*/ 6858000 h 6858000"/>
+              <a:gd name="connsiteX3" fmla="*/ 0 w 3581400"/>
+              <a:gd name="connsiteY3" fmla="*/ 6858000 h 6858000"/>
+            </a:gdLst>
+            <a:ahLst/>
+            <a:cxnLst>
+              <a:cxn ang="0">
+                <a:pos x="connsiteX0" y="connsiteY0"/>
+              </a:cxn>
+              <a:cxn ang="0">
+                <a:pos x="connsiteX1" y="connsiteY1"/>
+              </a:cxn>
+              <a:cxn ang="0">
+                <a:pos x="connsiteX2" y="connsiteY2"/>
+              </a:cxn>
+              <a:cxn ang="0">
+                <a:pos x="connsiteX3" y="connsiteY3"/>
+              </a:cxn>
+            </a:cxnLst>
+            <a:rect l="l" t="t" r="r" b="b"/>
+            <a:pathLst>
+              <a:path w="3581400" h="6858000">
+                <a:moveTo>
+                  <a:pt x="0" y="0"/>
+                </a:moveTo>
+                <a:lnTo>
+                  <a:pt x="405246" y="0"/>
+                </a:lnTo>
+                <a:lnTo>
+                  <a:pt x="3581400" y="6858000"/>
+                </a:lnTo>
+                <a:lnTo>
+                  <a:pt x="0" y="6858000"/>
+                </a:lnTo>
+                <a:close/>
+              </a:path>
+            </a:pathLst>
+          </a:custGeom>
+          <a:solidFill>
+            <a:srgbClr val="000000">
+              <a:alpha val="29804"/>
+            </a:srgbClr>
+          </a:solidFill>
+          <a:ln>
+            <a:noFill/>
+          </a:ln>
+        </p:spPr>
+        <p:style>
+          <a:lnRef idx="2">
+            <a:schemeClr val="accent1">
+              <a:shade val="50000"/>
+            </a:schemeClr>
+          </a:lnRef>
+          <a:fillRef idx="1">
+            <a:schemeClr val="accent1"/>
+          </a:fillRef>
+          <a:effectRef idx="0">
+            <a:schemeClr val="accent1"/>
+          </a:effectRef>
+          <a:fontRef idx="minor">
+            <a:schemeClr val="lt1"/>
+          </a:fontRef>
+        </p:style>
+        <p:txBody>
+          <a:bodyPr wrap="square" rtlCol="0" anchor="ctr">
+            <a:noAutofit/>
+          </a:bodyPr>
+          <a:lstStyle/>
+          <a:p>
+            <a:pPr algn="ctr"/>
+            <a:endParaRPr lang="en-US"/>
+          </a:p>
+        </p:txBody>
+      </p:sp>
+      <p:sp>
+        <p:nvSpPr>
+          <p:cNvPr id="2" name="Title 1">
+            <a:extLst>
+              <a:ext uri="{FF2B5EF4-FFF2-40B4-BE49-F238E27FC236}">
+                <a16:creationId xmlns:a16="http://schemas.microsoft.com/office/drawing/2014/main" id="{CE660CB5-F295-8346-9CC7-56C1F7F2060C}"/>
+              </a:ext>
+            </a:extLst>
+          </p:cNvPr>
+          <p:cNvSpPr>
+            <a:spLocks noGrp="1"/>
+          </p:cNvSpPr>
+          <p:nvPr>
+            <p:ph type="title"/>
+          </p:nvPr>
+        </p:nvSpPr>
+        <p:spPr>
+          <a:xfrm>
+            <a:off x="833002" y="190030"/>
+            <a:ext cx="10520702" cy="1325563"/>
+          </a:xfrm>
+        </p:spPr>
+        <p:txBody>
+          <a:bodyPr>
+            <a:normAutofit/>
+          </a:bodyPr>
+          <a:lstStyle/>
+          <a:p>
+            <a:r>
+              <a:rPr lang="en-IL" dirty="0">
+                <a:solidFill>
+                  <a:srgbClr val="FFFFFF"/>
+                </a:solidFill>
+              </a:rPr>
+              <a:t>Data Scrubbing</a:t>
+            </a:r>
+          </a:p>
+        </p:txBody>
+      </p:sp>
+      <p:sp>
+        <p:nvSpPr>
+          <p:cNvPr id="3" name="Content Placeholder 2">
+            <a:extLst>
+              <a:ext uri="{FF2B5EF4-FFF2-40B4-BE49-F238E27FC236}">
+                <a16:creationId xmlns:a16="http://schemas.microsoft.com/office/drawing/2014/main" id="{BA080928-EC02-ED41-A9A8-B9C716E1803F}"/>
+              </a:ext>
+            </a:extLst>
+          </p:cNvPr>
+          <p:cNvSpPr>
+            <a:spLocks noGrp="1"/>
+          </p:cNvSpPr>
+          <p:nvPr>
+            <p:ph idx="1"/>
+          </p:nvPr>
+        </p:nvSpPr>
+        <p:spPr>
+          <a:xfrm>
+            <a:off x="838201" y="1406523"/>
+            <a:ext cx="10515598" cy="4154361"/>
+          </a:xfrm>
+        </p:spPr>
+        <p:txBody>
+          <a:bodyPr>
+            <a:normAutofit/>
+          </a:bodyPr>
+          <a:lstStyle/>
+          <a:p>
+            <a:r>
+              <a:rPr lang="en-IL" sz="1800" dirty="0">
+                <a:solidFill>
+                  <a:srgbClr val="FFFFFF"/>
+                </a:solidFill>
+              </a:rPr>
+              <a:t>Convert data from single to column to multiple columns</a:t>
+            </a:r>
+          </a:p>
+          <a:p>
+            <a:r>
+              <a:rPr lang="en-IL" sz="1800" dirty="0">
+                <a:solidFill>
+                  <a:srgbClr val="FFFFFF"/>
+                </a:solidFill>
+              </a:rPr>
+              <a:t>Merge both Dataframes based on strain name</a:t>
+            </a:r>
+          </a:p>
+          <a:p>
+            <a:r>
+              <a:rPr lang="en-IL" sz="1800" dirty="0">
+                <a:solidFill>
+                  <a:srgbClr val="FFFFFF"/>
+                </a:solidFill>
+              </a:rPr>
+              <a:t>Fill missing values</a:t>
+            </a:r>
+          </a:p>
+          <a:p>
+            <a:r>
+              <a:rPr lang="en-IL" sz="1800" dirty="0">
+                <a:solidFill>
+                  <a:srgbClr val="FFFFFF"/>
+                </a:solidFill>
+              </a:rPr>
+              <a:t>Removed missing values that can’t be filled</a:t>
+            </a:r>
+          </a:p>
+        </p:txBody>
+      </p:sp>
+      <p:pic>
+        <p:nvPicPr>
+          <p:cNvPr id="2050" name="Picture 2" descr="Scrubbing Sponge - QEP">
+            <a:extLst>
+              <a:ext uri="{FF2B5EF4-FFF2-40B4-BE49-F238E27FC236}">
+                <a16:creationId xmlns:a16="http://schemas.microsoft.com/office/drawing/2014/main" id="{50B4BFA8-5051-A84D-AB9A-AB2E20AAA904}"/>
+              </a:ext>
+            </a:extLst>
+          </p:cNvPr>
+          <p:cNvPicPr>
+            <a:picLocks noChangeAspect="1" noChangeArrowheads="1"/>
+          </p:cNvPicPr>
+          <p:nvPr/>
+        </p:nvPicPr>
+        <p:blipFill>
+          <a:blip r:embed="rId2">
+            <a:extLst>
+              <a:ext uri="{28A0092B-C50C-407E-A947-70E740481C1C}">
+                <a14:useLocalDpi xmlns:a14="http://schemas.microsoft.com/office/drawing/2010/main" val="0"/>
+              </a:ext>
+            </a:extLst>
+          </a:blip>
+          <a:srcRect/>
+          <a:stretch>
+            <a:fillRect/>
+          </a:stretch>
+        </p:blipFill>
+        <p:spPr bwMode="auto">
+          <a:xfrm>
+            <a:off x="6925960" y="1972924"/>
+            <a:ext cx="4427744" cy="4427744"/>
+          </a:xfrm>
+          <a:prstGeom prst="rect">
+            <a:avLst/>
+          </a:prstGeom>
+          <a:noFill/>
+          <a:extLst>
+            <a:ext uri="{909E8E84-426E-40DD-AFC4-6F175D3DCCD1}">
+              <a14:hiddenFill xmlns:a14="http://schemas.microsoft.com/office/drawing/2010/main">
+                <a:solidFill>
+                  <a:srgbClr val="FFFFFF"/>
+                </a:solidFill>
+              </a14:hiddenFill>
+            </a:ext>
+          </a:extLst>
+        </p:spPr>
+      </p:pic>
+    </p:spTree>
+    <p:extLst>
+      <p:ext uri="{BB962C8B-B14F-4D97-AF65-F5344CB8AC3E}">
+        <p14:creationId xmlns:p14="http://schemas.microsoft.com/office/powerpoint/2010/main" val="789927849"/>
+      </p:ext>
+    </p:extLst>
+  </p:cSld>
+  <p:clrMapOvr>
+    <a:overrideClrMapping bg1="dk1" tx1="lt1" bg2="dk2" tx2="lt2" accent1="accent1" accent2="accent2" accent3="accent3" accent4="accent4" accent5="accent5" accent6="accent6" hlink="hlink" folHlink="folHlink"/>
+  </p:clrMapOvr>
+</p:sld>
+</file>
+
+<file path=ppt/slides/slide8.xml><?xml version="1.0" encoding="utf-8"?>
+<p:sld xmlns:a="http://schemas.openxmlformats.org/drawingml/2006/main" xmlns:r="http://schemas.openxmlformats.org/officeDocument/2006/relationships" xmlns:p="http://schemas.openxmlformats.org/presentationml/2006/main">
+  <p:cSld>
+    <p:bg>
+      <p:bgPr>
+        <a:solidFill>
+          <a:srgbClr val="404040"/>
+        </a:solidFill>
+        <a:effectLst/>
+      </p:bgPr>
+    </p:bg>
+    <p:spTree>
+      <p:nvGrpSpPr>
+        <p:cNvPr id="1" name=""/>
+        <p:cNvGrpSpPr/>
+        <p:nvPr/>
+      </p:nvGrpSpPr>
+      <p:grpSpPr>
+        <a:xfrm>
+          <a:off x="0" y="0"/>
+          <a:ext cx="0" cy="0"/>
+          <a:chOff x="0" y="0"/>
+          <a:chExt cx="0" cy="0"/>
+        </a:xfrm>
+      </p:grpSpPr>
+      <p:sp>
+        <p:nvSpPr>
+          <p:cNvPr id="14" name="Rectangle 7">
+            <a:extLst>
+              <a:ext uri="{FF2B5EF4-FFF2-40B4-BE49-F238E27FC236}">
+                <a16:creationId xmlns:a16="http://schemas.microsoft.com/office/drawing/2014/main" id="{EA67B5B4-3A24-436E-B663-1B2EBFF8A0CD}"/>
+              </a:ext>
+              <a:ext uri="{C183D7F6-B498-43B3-948B-1728B52AA6E4}">
+                <adec:decorative xmlns:adec="http://schemas.microsoft.com/office/drawing/2017/decorative" val="1"/>
+              </a:ext>
+            </a:extLst>
+          </p:cNvPr>
+          <p:cNvSpPr>
+            <a:spLocks noGrp="1" noRot="1" noChangeAspect="1" noMove="1" noResize="1" noEditPoints="1" noAdjustHandles="1" noChangeArrowheads="1" noChangeShapeType="1" noTextEdit="1"/>
+          </p:cNvSpPr>
+          <p:nvPr>
+            <p:extLst>
+              <p:ext uri="{386F3935-93C4-4BCD-93E2-E3B085C9AB24}">
+                <p16:designElem xmlns:p16="http://schemas.microsoft.com/office/powerpoint/2015/main" val="1"/>
+              </p:ext>
+            </p:extLst>
+          </p:nvPr>
+        </p:nvSpPr>
+        <p:spPr>
+          <a:xfrm>
+            <a:off x="0" y="-3324"/>
+            <a:ext cx="12192000" cy="6861324"/>
+          </a:xfrm>
+          <a:prstGeom prst="rect">
+            <a:avLst/>
+          </a:prstGeom>
+          <a:solidFill>
+            <a:srgbClr val="404040"/>
+          </a:solidFill>
+          <a:ln>
+            <a:noFill/>
+          </a:ln>
+        </p:spPr>
+        <p:style>
+          <a:lnRef idx="2">
+            <a:schemeClr val="accent1">
+              <a:shade val="50000"/>
+            </a:schemeClr>
+          </a:lnRef>
+          <a:fillRef idx="1">
+            <a:schemeClr val="accent1"/>
+          </a:fillRef>
+          <a:effectRef idx="0">
+            <a:schemeClr val="accent1"/>
+          </a:effectRef>
+          <a:fontRef idx="minor">
+            <a:schemeClr val="lt1"/>
+          </a:fontRef>
+        </p:style>
+        <p:txBody>
+          <a:bodyPr rtlCol="0" anchor="ctr"/>
+          <a:lstStyle/>
+          <a:p>
+            <a:pPr algn="ctr"/>
+            <a:endParaRPr lang="en-US"/>
+          </a:p>
+        </p:txBody>
+      </p:sp>
+      <p:sp>
+        <p:nvSpPr>
+          <p:cNvPr id="15" name="Freeform 13">
+            <a:extLst>
+              <a:ext uri="{FF2B5EF4-FFF2-40B4-BE49-F238E27FC236}">
+                <a16:creationId xmlns:a16="http://schemas.microsoft.com/office/drawing/2014/main" id="{987FDF89-C993-41F4-A1B8-DBAFF16008A9}"/>
+              </a:ext>
+              <a:ext uri="{C183D7F6-B498-43B3-948B-1728B52AA6E4}">
+                <adec:decorative xmlns:adec="http://schemas.microsoft.com/office/drawing/2017/decorative" val="1"/>
+              </a:ext>
+            </a:extLst>
+          </p:cNvPr>
+          <p:cNvSpPr>
+            <a:spLocks noGrp="1" noRot="1" noChangeAspect="1" noMove="1" noResize="1" noEditPoints="1" noAdjustHandles="1" noChangeArrowheads="1" noChangeShapeType="1" noTextEdit="1"/>
+          </p:cNvSpPr>
+          <p:nvPr>
+            <p:extLst>
+              <p:ext uri="{386F3935-93C4-4BCD-93E2-E3B085C9AB24}">
+                <p16:designElem xmlns:p16="http://schemas.microsoft.com/office/powerpoint/2015/main" val="1"/>
+              </p:ext>
+            </p:extLst>
+          </p:nvPr>
+        </p:nvSpPr>
+        <p:spPr>
+          <a:xfrm>
+            <a:off x="0" y="0"/>
+            <a:ext cx="11786754" cy="6858000"/>
+          </a:xfrm>
+          <a:custGeom>
+            <a:avLst/>
+            <a:gdLst>
+              <a:gd name="connsiteX0" fmla="*/ 0 w 11786754"/>
+              <a:gd name="connsiteY0" fmla="*/ 0 h 6858000"/>
+              <a:gd name="connsiteX1" fmla="*/ 8610600 w 11786754"/>
+              <a:gd name="connsiteY1" fmla="*/ 0 h 6858000"/>
+              <a:gd name="connsiteX2" fmla="*/ 11786754 w 11786754"/>
+              <a:gd name="connsiteY2" fmla="*/ 6858000 h 6858000"/>
+              <a:gd name="connsiteX3" fmla="*/ 0 w 11786754"/>
+              <a:gd name="connsiteY3" fmla="*/ 6858000 h 6858000"/>
+            </a:gdLst>
+            <a:ahLst/>
+            <a:cxnLst>
+              <a:cxn ang="0">
+                <a:pos x="connsiteX0" y="connsiteY0"/>
+              </a:cxn>
+              <a:cxn ang="0">
+                <a:pos x="connsiteX1" y="connsiteY1"/>
+              </a:cxn>
+              <a:cxn ang="0">
+                <a:pos x="connsiteX2" y="connsiteY2"/>
+              </a:cxn>
+              <a:cxn ang="0">
+                <a:pos x="connsiteX3" y="connsiteY3"/>
+              </a:cxn>
+            </a:cxnLst>
+            <a:rect l="l" t="t" r="r" b="b"/>
+            <a:pathLst>
+              <a:path w="11786754" h="6858000">
+                <a:moveTo>
+                  <a:pt x="0" y="0"/>
+                </a:moveTo>
+                <a:lnTo>
+                  <a:pt x="8610600" y="0"/>
+                </a:lnTo>
+                <a:lnTo>
+                  <a:pt x="11786754" y="6858000"/>
+                </a:lnTo>
+                <a:lnTo>
+                  <a:pt x="0" y="6858000"/>
+                </a:lnTo>
+                <a:close/>
+              </a:path>
+            </a:pathLst>
+          </a:custGeom>
+          <a:solidFill>
+            <a:srgbClr val="000000">
+              <a:alpha val="29804"/>
+            </a:srgbClr>
+          </a:solidFill>
+          <a:ln>
+            <a:noFill/>
+          </a:ln>
+        </p:spPr>
+        <p:style>
+          <a:lnRef idx="2">
+            <a:schemeClr val="accent1">
+              <a:shade val="50000"/>
+            </a:schemeClr>
+          </a:lnRef>
+          <a:fillRef idx="1">
+            <a:schemeClr val="accent1"/>
+          </a:fillRef>
+          <a:effectRef idx="0">
+            <a:schemeClr val="accent1"/>
+          </a:effectRef>
+          <a:fontRef idx="minor">
+            <a:schemeClr val="lt1"/>
+          </a:fontRef>
+        </p:style>
+        <p:txBody>
+          <a:bodyPr rtlCol="0" anchor="ctr"/>
+          <a:lstStyle/>
+          <a:p>
+            <a:pPr algn="ctr"/>
+            <a:endParaRPr lang="en-US"/>
+          </a:p>
+        </p:txBody>
+      </p:sp>
+      <p:sp>
+        <p:nvSpPr>
+          <p:cNvPr id="16" name="Freeform 11">
+            <a:extLst>
+              <a:ext uri="{FF2B5EF4-FFF2-40B4-BE49-F238E27FC236}">
+                <a16:creationId xmlns:a16="http://schemas.microsoft.com/office/drawing/2014/main" id="{64E585EA-75FD-4025-8270-F66A58A15CDA}"/>
+              </a:ext>
+              <a:ext uri="{C183D7F6-B498-43B3-948B-1728B52AA6E4}">
+                <adec:decorative xmlns:adec="http://schemas.microsoft.com/office/drawing/2017/decorative" val="1"/>
+              </a:ext>
+            </a:extLst>
+          </p:cNvPr>
+          <p:cNvSpPr>
+            <a:spLocks noGrp="1" noRot="1" noChangeAspect="1" noMove="1" noResize="1" noEditPoints="1" noAdjustHandles="1" noChangeArrowheads="1" noChangeShapeType="1" noTextEdit="1"/>
+          </p:cNvSpPr>
+          <p:nvPr>
+            <p:extLst>
+              <p:ext uri="{386F3935-93C4-4BCD-93E2-E3B085C9AB24}">
+                <p16:designElem xmlns:p16="http://schemas.microsoft.com/office/powerpoint/2015/main" val="1"/>
+              </p:ext>
+            </p:extLst>
+          </p:nvPr>
+        </p:nvSpPr>
+        <p:spPr>
+          <a:xfrm>
+            <a:off x="0" y="0"/>
+            <a:ext cx="3581400" cy="6858000"/>
+          </a:xfrm>
+          <a:custGeom>
+            <a:avLst/>
+            <a:gdLst>
+              <a:gd name="connsiteX0" fmla="*/ 0 w 3581400"/>
+              <a:gd name="connsiteY0" fmla="*/ 0 h 6858000"/>
+              <a:gd name="connsiteX1" fmla="*/ 405246 w 3581400"/>
+              <a:gd name="connsiteY1" fmla="*/ 0 h 6858000"/>
+              <a:gd name="connsiteX2" fmla="*/ 3581400 w 3581400"/>
+              <a:gd name="connsiteY2" fmla="*/ 6858000 h 6858000"/>
+              <a:gd name="connsiteX3" fmla="*/ 0 w 3581400"/>
+              <a:gd name="connsiteY3" fmla="*/ 6858000 h 6858000"/>
+            </a:gdLst>
+            <a:ahLst/>
+            <a:cxnLst>
+              <a:cxn ang="0">
+                <a:pos x="connsiteX0" y="connsiteY0"/>
+              </a:cxn>
+              <a:cxn ang="0">
+                <a:pos x="connsiteX1" y="connsiteY1"/>
+              </a:cxn>
+              <a:cxn ang="0">
+                <a:pos x="connsiteX2" y="connsiteY2"/>
+              </a:cxn>
+              <a:cxn ang="0">
+                <a:pos x="connsiteX3" y="connsiteY3"/>
+              </a:cxn>
+            </a:cxnLst>
+            <a:rect l="l" t="t" r="r" b="b"/>
+            <a:pathLst>
+              <a:path w="3581400" h="6858000">
+                <a:moveTo>
+                  <a:pt x="0" y="0"/>
+                </a:moveTo>
+                <a:lnTo>
+                  <a:pt x="405246" y="0"/>
+                </a:lnTo>
+                <a:lnTo>
+                  <a:pt x="3581400" y="6858000"/>
+                </a:lnTo>
+                <a:lnTo>
+                  <a:pt x="0" y="6858000"/>
+                </a:lnTo>
+                <a:close/>
+              </a:path>
+            </a:pathLst>
+          </a:custGeom>
+          <a:solidFill>
+            <a:srgbClr val="000000">
+              <a:alpha val="29804"/>
+            </a:srgbClr>
+          </a:solidFill>
+          <a:ln>
+            <a:noFill/>
+          </a:ln>
+        </p:spPr>
+        <p:style>
+          <a:lnRef idx="2">
+            <a:schemeClr val="accent1">
+              <a:shade val="50000"/>
+            </a:schemeClr>
+          </a:lnRef>
+          <a:fillRef idx="1">
+            <a:schemeClr val="accent1"/>
+          </a:fillRef>
+          <a:effectRef idx="0">
+            <a:schemeClr val="accent1"/>
+          </a:effectRef>
+          <a:fontRef idx="minor">
+            <a:schemeClr val="lt1"/>
+          </a:fontRef>
+        </p:style>
+        <p:txBody>
+          <a:bodyPr wrap="square" rtlCol="0" anchor="ctr">
+            <a:noAutofit/>
+          </a:bodyPr>
+          <a:lstStyle/>
+          <a:p>
+            <a:pPr algn="ctr"/>
+            <a:endParaRPr lang="en-US"/>
+          </a:p>
+        </p:txBody>
+      </p:sp>
+      <p:sp>
+        <p:nvSpPr>
+          <p:cNvPr id="2" name="Title 1">
+            <a:extLst>
+              <a:ext uri="{FF2B5EF4-FFF2-40B4-BE49-F238E27FC236}">
+                <a16:creationId xmlns:a16="http://schemas.microsoft.com/office/drawing/2014/main" id="{CE660CB5-F295-8346-9CC7-56C1F7F2060C}"/>
+              </a:ext>
+            </a:extLst>
+          </p:cNvPr>
+          <p:cNvSpPr>
+            <a:spLocks noGrp="1"/>
+          </p:cNvSpPr>
+          <p:nvPr>
+            <p:ph type="title"/>
+          </p:nvPr>
+        </p:nvSpPr>
+        <p:spPr>
+          <a:xfrm>
+            <a:off x="833002" y="190030"/>
+            <a:ext cx="10520702" cy="1325563"/>
+          </a:xfrm>
+        </p:spPr>
+        <p:txBody>
+          <a:bodyPr>
+            <a:normAutofit/>
+          </a:bodyPr>
+          <a:lstStyle/>
+          <a:p>
+            <a:r>
+              <a:rPr lang="en-IL" dirty="0">
+                <a:solidFill>
+                  <a:srgbClr val="FFFFFF"/>
+                </a:solidFill>
+              </a:rPr>
+              <a:t>Data Scrubbing – Convert columns</a:t>
+            </a:r>
+          </a:p>
+        </p:txBody>
+      </p:sp>
+      <p:sp>
+        <p:nvSpPr>
+          <p:cNvPr id="3" name="Content Placeholder 2">
+            <a:extLst>
+              <a:ext uri="{FF2B5EF4-FFF2-40B4-BE49-F238E27FC236}">
+                <a16:creationId xmlns:a16="http://schemas.microsoft.com/office/drawing/2014/main" id="{BA080928-EC02-ED41-A9A8-B9C716E1803F}"/>
+              </a:ext>
+            </a:extLst>
+          </p:cNvPr>
+          <p:cNvSpPr>
+            <a:spLocks noGrp="1"/>
+          </p:cNvSpPr>
+          <p:nvPr>
+            <p:ph idx="1"/>
+          </p:nvPr>
+        </p:nvSpPr>
+        <p:spPr>
+          <a:xfrm>
+            <a:off x="838201" y="1406523"/>
+            <a:ext cx="10515598" cy="4154361"/>
+          </a:xfrm>
+        </p:spPr>
+        <p:txBody>
+          <a:bodyPr>
+            <a:normAutofit/>
+          </a:bodyPr>
+          <a:lstStyle/>
+          <a:p>
+            <a:pPr marL="0" indent="0">
+              <a:buNone/>
+            </a:pPr>
+            <a:r>
+              <a:rPr lang="en-IL" sz="2500" u="sng" dirty="0">
+                <a:solidFill>
+                  <a:srgbClr val="FFFFFF"/>
+                </a:solidFill>
+              </a:rPr>
+              <a:t>Why?</a:t>
+            </a:r>
+          </a:p>
+          <a:p>
+            <a:pPr marL="0" indent="0">
+              <a:buNone/>
+            </a:pPr>
+            <a:r>
+              <a:rPr lang="en-IL" sz="1800" dirty="0">
+                <a:solidFill>
+                  <a:srgbClr val="FFFFFF"/>
+                </a:solidFill>
+              </a:rPr>
+              <a:t>While scraping the data, we used a single column to represent different types of similar data. i.e we used the column “Feelings” to represent data about different positive and negative feelings, as well as medical condition the strain is helpful with.</a:t>
+            </a:r>
+          </a:p>
+          <a:p>
+            <a:pPr marL="0" indent="0">
+              <a:buNone/>
+            </a:pPr>
+            <a:r>
+              <a:rPr lang="en-IL" sz="1800" dirty="0">
+                <a:solidFill>
+                  <a:srgbClr val="FFFFFF"/>
+                </a:solidFill>
+              </a:rPr>
+              <a:t>After conversion there are multiple columns, each representing a type of feeling.</a:t>
+            </a:r>
+          </a:p>
+        </p:txBody>
+      </p:sp>
+      <p:pic>
+        <p:nvPicPr>
+          <p:cNvPr id="4" name="Picture 3">
+            <a:extLst>
+              <a:ext uri="{FF2B5EF4-FFF2-40B4-BE49-F238E27FC236}">
+                <a16:creationId xmlns:a16="http://schemas.microsoft.com/office/drawing/2014/main" id="{3B5406CA-8EEB-8A41-ADB4-DC73622BB73A}"/>
+              </a:ext>
+            </a:extLst>
+          </p:cNvPr>
+          <p:cNvPicPr>
+            <a:picLocks noChangeAspect="1"/>
+          </p:cNvPicPr>
+          <p:nvPr/>
+        </p:nvPicPr>
+        <p:blipFill>
+          <a:blip r:embed="rId2"/>
+          <a:stretch>
+            <a:fillRect/>
+          </a:stretch>
+        </p:blipFill>
+        <p:spPr>
+          <a:xfrm>
+            <a:off x="2730230" y="3182129"/>
+            <a:ext cx="7269805" cy="1528966"/>
+          </a:xfrm>
+          <a:prstGeom prst="rect">
+            <a:avLst/>
+          </a:prstGeom>
+        </p:spPr>
+      </p:pic>
+      <p:pic>
+        <p:nvPicPr>
+          <p:cNvPr id="5" name="Picture 4">
+            <a:extLst>
+              <a:ext uri="{FF2B5EF4-FFF2-40B4-BE49-F238E27FC236}">
+                <a16:creationId xmlns:a16="http://schemas.microsoft.com/office/drawing/2014/main" id="{F164B2E7-534F-1547-8D30-7CFECA62C118}"/>
+              </a:ext>
+            </a:extLst>
+          </p:cNvPr>
+          <p:cNvPicPr>
+            <a:picLocks noChangeAspect="1"/>
+          </p:cNvPicPr>
+          <p:nvPr/>
+        </p:nvPicPr>
+        <p:blipFill>
+          <a:blip r:embed="rId3"/>
+          <a:stretch>
+            <a:fillRect/>
+          </a:stretch>
+        </p:blipFill>
+        <p:spPr>
+          <a:xfrm>
+            <a:off x="1271081" y="5169003"/>
+            <a:ext cx="10188102" cy="1409261"/>
+          </a:xfrm>
+          <a:prstGeom prst="rect">
+            <a:avLst/>
+          </a:prstGeom>
+        </p:spPr>
+      </p:pic>
+      <p:sp>
+        <p:nvSpPr>
+          <p:cNvPr id="6" name="Down Arrow 5">
+            <a:extLst>
+              <a:ext uri="{FF2B5EF4-FFF2-40B4-BE49-F238E27FC236}">
+                <a16:creationId xmlns:a16="http://schemas.microsoft.com/office/drawing/2014/main" id="{D030C69E-5935-DC41-B2B1-5FBE29D0D522}"/>
+              </a:ext>
+            </a:extLst>
+          </p:cNvPr>
+          <p:cNvSpPr/>
+          <p:nvPr/>
+        </p:nvSpPr>
+        <p:spPr>
+          <a:xfrm>
+            <a:off x="6229242" y="4753435"/>
+            <a:ext cx="271779" cy="373228"/>
+          </a:xfrm>
+          <a:prstGeom prst="downArrow">
+            <a:avLst/>
+          </a:prstGeom>
+        </p:spPr>
+        <p:style>
+          <a:lnRef idx="2">
+            <a:schemeClr val="accent1">
+              <a:shade val="50000"/>
+            </a:schemeClr>
+          </a:lnRef>
+          <a:fillRef idx="1">
+            <a:schemeClr val="accent1"/>
+          </a:fillRef>
+          <a:effectRef idx="0">
+            <a:schemeClr val="accent1"/>
+          </a:effectRef>
+          <a:fontRef idx="minor">
+            <a:schemeClr val="lt1"/>
+          </a:fontRef>
+        </p:style>
+        <p:txBody>
+          <a:bodyPr rtlCol="0" anchor="ctr"/>
+          <a:lstStyle/>
+          <a:p>
+            <a:pPr algn="ctr"/>
+            <a:endParaRPr lang="en-IL"/>
+          </a:p>
+        </p:txBody>
+      </p:sp>
+    </p:spTree>
+    <p:extLst>
+      <p:ext uri="{BB962C8B-B14F-4D97-AF65-F5344CB8AC3E}">
+        <p14:creationId xmlns:p14="http://schemas.microsoft.com/office/powerpoint/2010/main" val="3061524234"/>
+      </p:ext>
+    </p:extLst>
+  </p:cSld>
+  <p:clrMapOvr>
+    <a:overrideClrMapping bg1="dk1" tx1="lt1" bg2="dk2" tx2="lt2" accent1="accent1" accent2="accent2" accent3="accent3" accent4="accent4" accent5="accent5" accent6="accent6" hlink="hlink" folHlink="folHlink"/>
+  </p:clrMapOvr>
+</p:sld>
+</file>
+
+<file path=ppt/slides/slide9.xml><?xml version="1.0" encoding="utf-8"?>
+<p:sld xmlns:a="http://schemas.openxmlformats.org/drawingml/2006/main" xmlns:r="http://schemas.openxmlformats.org/officeDocument/2006/relationships" xmlns:p="http://schemas.openxmlformats.org/presentationml/2006/main">
+  <p:cSld>
+    <p:bg>
+      <p:bgPr>
+        <a:solidFill>
+          <a:srgbClr val="404040"/>
+        </a:solidFill>
+        <a:effectLst/>
+      </p:bgPr>
+    </p:bg>
+    <p:spTree>
+      <p:nvGrpSpPr>
+        <p:cNvPr id="1" name=""/>
+        <p:cNvGrpSpPr/>
+        <p:nvPr/>
+      </p:nvGrpSpPr>
+      <p:grpSpPr>
+        <a:xfrm>
+          <a:off x="0" y="0"/>
+          <a:ext cx="0" cy="0"/>
+          <a:chOff x="0" y="0"/>
+          <a:chExt cx="0" cy="0"/>
+        </a:xfrm>
+      </p:grpSpPr>
+      <p:sp>
+        <p:nvSpPr>
+          <p:cNvPr id="14" name="Rectangle 7">
+            <a:extLst>
+              <a:ext uri="{FF2B5EF4-FFF2-40B4-BE49-F238E27FC236}">
+                <a16:creationId xmlns:a16="http://schemas.microsoft.com/office/drawing/2014/main" id="{EA67B5B4-3A24-436E-B663-1B2EBFF8A0CD}"/>
+              </a:ext>
+              <a:ext uri="{C183D7F6-B498-43B3-948B-1728B52AA6E4}">
+                <adec:decorative xmlns:adec="http://schemas.microsoft.com/office/drawing/2017/decorative" val="1"/>
+              </a:ext>
+            </a:extLst>
+          </p:cNvPr>
+          <p:cNvSpPr>
+            <a:spLocks noGrp="1" noRot="1" noChangeAspect="1" noMove="1" noResize="1" noEditPoints="1" noAdjustHandles="1" noChangeArrowheads="1" noChangeShapeType="1" noTextEdit="1"/>
+          </p:cNvSpPr>
+          <p:nvPr>
+            <p:extLst>
+              <p:ext uri="{386F3935-93C4-4BCD-93E2-E3B085C9AB24}">
+                <p16:designElem xmlns:p16="http://schemas.microsoft.com/office/powerpoint/2015/main" val="1"/>
+              </p:ext>
+            </p:extLst>
+          </p:nvPr>
+        </p:nvSpPr>
+        <p:spPr>
+          <a:xfrm>
+            <a:off x="0" y="-3324"/>
+            <a:ext cx="12192000" cy="6861324"/>
+          </a:xfrm>
+          <a:prstGeom prst="rect">
+            <a:avLst/>
+          </a:prstGeom>
+          <a:solidFill>
+            <a:srgbClr val="404040"/>
+          </a:solidFill>
+          <a:ln>
+            <a:noFill/>
+          </a:ln>
+        </p:spPr>
+        <p:style>
+          <a:lnRef idx="2">
+            <a:schemeClr val="accent1">
+              <a:shade val="50000"/>
+            </a:schemeClr>
+          </a:lnRef>
+          <a:fillRef idx="1">
+            <a:schemeClr val="accent1"/>
+          </a:fillRef>
+          <a:effectRef idx="0">
+            <a:schemeClr val="accent1"/>
+          </a:effectRef>
+          <a:fontRef idx="minor">
+            <a:schemeClr val="lt1"/>
+          </a:fontRef>
+        </p:style>
+        <p:txBody>
+          <a:bodyPr rtlCol="0" anchor="ctr"/>
+          <a:lstStyle/>
+          <a:p>
+            <a:pPr algn="ctr"/>
+            <a:endParaRPr lang="en-US"/>
+          </a:p>
+        </p:txBody>
+      </p:sp>
+      <p:sp>
+        <p:nvSpPr>
+          <p:cNvPr id="15" name="Freeform 13">
+            <a:extLst>
+              <a:ext uri="{FF2B5EF4-FFF2-40B4-BE49-F238E27FC236}">
+                <a16:creationId xmlns:a16="http://schemas.microsoft.com/office/drawing/2014/main" id="{987FDF89-C993-41F4-A1B8-DBAFF16008A9}"/>
+              </a:ext>
+              <a:ext uri="{C183D7F6-B498-43B3-948B-1728B52AA6E4}">
+                <adec:decorative xmlns:adec="http://schemas.microsoft.com/office/drawing/2017/decorative" val="1"/>
+              </a:ext>
+            </a:extLst>
+          </p:cNvPr>
+          <p:cNvSpPr>
+            <a:spLocks noGrp="1" noRot="1" noChangeAspect="1" noMove="1" noResize="1" noEditPoints="1" noAdjustHandles="1" noChangeArrowheads="1" noChangeShapeType="1" noTextEdit="1"/>
+          </p:cNvSpPr>
+          <p:nvPr>
+            <p:extLst>
+              <p:ext uri="{386F3935-93C4-4BCD-93E2-E3B085C9AB24}">
+                <p16:designElem xmlns:p16="http://schemas.microsoft.com/office/powerpoint/2015/main" val="1"/>
+              </p:ext>
+            </p:extLst>
+          </p:nvPr>
+        </p:nvSpPr>
+        <p:spPr>
+          <a:xfrm>
+            <a:off x="0" y="0"/>
+            <a:ext cx="11786754" cy="6858000"/>
+          </a:xfrm>
+          <a:custGeom>
+            <a:avLst/>
+            <a:gdLst>
+              <a:gd name="connsiteX0" fmla="*/ 0 w 11786754"/>
+              <a:gd name="connsiteY0" fmla="*/ 0 h 6858000"/>
+              <a:gd name="connsiteX1" fmla="*/ 8610600 w 11786754"/>
+              <a:gd name="connsiteY1" fmla="*/ 0 h 6858000"/>
+              <a:gd name="connsiteX2" fmla="*/ 11786754 w 11786754"/>
+              <a:gd name="connsiteY2" fmla="*/ 6858000 h 6858000"/>
+              <a:gd name="connsiteX3" fmla="*/ 0 w 11786754"/>
+              <a:gd name="connsiteY3" fmla="*/ 6858000 h 6858000"/>
+            </a:gdLst>
+            <a:ahLst/>
+            <a:cxnLst>
+              <a:cxn ang="0">
+                <a:pos x="connsiteX0" y="connsiteY0"/>
+              </a:cxn>
+              <a:cxn ang="0">
+                <a:pos x="connsiteX1" y="connsiteY1"/>
+              </a:cxn>
+              <a:cxn ang="0">
+                <a:pos x="connsiteX2" y="connsiteY2"/>
+              </a:cxn>
+              <a:cxn ang="0">
+                <a:pos x="connsiteX3" y="connsiteY3"/>
+              </a:cxn>
+            </a:cxnLst>
+            <a:rect l="l" t="t" r="r" b="b"/>
+            <a:pathLst>
+              <a:path w="11786754" h="6858000">
+                <a:moveTo>
+                  <a:pt x="0" y="0"/>
+                </a:moveTo>
+                <a:lnTo>
+                  <a:pt x="8610600" y="0"/>
+                </a:lnTo>
+                <a:lnTo>
+                  <a:pt x="11786754" y="6858000"/>
+                </a:lnTo>
+                <a:lnTo>
+                  <a:pt x="0" y="6858000"/>
+                </a:lnTo>
+                <a:close/>
+              </a:path>
+            </a:pathLst>
+          </a:custGeom>
+          <a:solidFill>
+            <a:srgbClr val="000000">
+              <a:alpha val="29804"/>
+            </a:srgbClr>
+          </a:solidFill>
+          <a:ln>
+            <a:noFill/>
+          </a:ln>
+        </p:spPr>
+        <p:style>
+          <a:lnRef idx="2">
+            <a:schemeClr val="accent1">
+              <a:shade val="50000"/>
+            </a:schemeClr>
+          </a:lnRef>
+          <a:fillRef idx="1">
+            <a:schemeClr val="accent1"/>
+          </a:fillRef>
+          <a:effectRef idx="0">
+            <a:schemeClr val="accent1"/>
+          </a:effectRef>
+          <a:fontRef idx="minor">
+            <a:schemeClr val="lt1"/>
+          </a:fontRef>
+        </p:style>
+        <p:txBody>
+          <a:bodyPr rtlCol="0" anchor="ctr"/>
+          <a:lstStyle/>
+          <a:p>
+            <a:pPr algn="ctr"/>
+            <a:endParaRPr lang="en-US"/>
+          </a:p>
+        </p:txBody>
+      </p:sp>
+      <p:sp>
+        <p:nvSpPr>
+          <p:cNvPr id="16" name="Freeform 11">
+            <a:extLst>
+              <a:ext uri="{FF2B5EF4-FFF2-40B4-BE49-F238E27FC236}">
+                <a16:creationId xmlns:a16="http://schemas.microsoft.com/office/drawing/2014/main" id="{64E585EA-75FD-4025-8270-F66A58A15CDA}"/>
+              </a:ext>
+              <a:ext uri="{C183D7F6-B498-43B3-948B-1728B52AA6E4}">
+                <adec:decorative xmlns:adec="http://schemas.microsoft.com/office/drawing/2017/decorative" val="1"/>
+              </a:ext>
+            </a:extLst>
+          </p:cNvPr>
+          <p:cNvSpPr>
+            <a:spLocks noGrp="1" noRot="1" noChangeAspect="1" noMove="1" noResize="1" noEditPoints="1" noAdjustHandles="1" noChangeArrowheads="1" noChangeShapeType="1" noTextEdit="1"/>
+          </p:cNvSpPr>
+          <p:nvPr>
+            <p:extLst>
+              <p:ext uri="{386F3935-93C4-4BCD-93E2-E3B085C9AB24}">
+                <p16:designElem xmlns:p16="http://schemas.microsoft.com/office/powerpoint/2015/main" val="1"/>
+              </p:ext>
+            </p:extLst>
+          </p:nvPr>
+        </p:nvSpPr>
+        <p:spPr>
+          <a:xfrm>
+            <a:off x="0" y="0"/>
+            <a:ext cx="3581400" cy="6858000"/>
+          </a:xfrm>
+          <a:custGeom>
+            <a:avLst/>
+            <a:gdLst>
+              <a:gd name="connsiteX0" fmla="*/ 0 w 3581400"/>
+              <a:gd name="connsiteY0" fmla="*/ 0 h 6858000"/>
+              <a:gd name="connsiteX1" fmla="*/ 405246 w 3581400"/>
+              <a:gd name="connsiteY1" fmla="*/ 0 h 6858000"/>
+              <a:gd name="connsiteX2" fmla="*/ 3581400 w 3581400"/>
+              <a:gd name="connsiteY2" fmla="*/ 6858000 h 6858000"/>
+              <a:gd name="connsiteX3" fmla="*/ 0 w 3581400"/>
+              <a:gd name="connsiteY3" fmla="*/ 6858000 h 6858000"/>
+            </a:gdLst>
+            <a:ahLst/>
+            <a:cxnLst>
+              <a:cxn ang="0">
+                <a:pos x="connsiteX0" y="connsiteY0"/>
+              </a:cxn>
+              <a:cxn ang="0">
+                <a:pos x="connsiteX1" y="connsiteY1"/>
+              </a:cxn>
+              <a:cxn ang="0">
+                <a:pos x="connsiteX2" y="connsiteY2"/>
+              </a:cxn>
+              <a:cxn ang="0">
+                <a:pos x="connsiteX3" y="connsiteY3"/>
+              </a:cxn>
+            </a:cxnLst>
+            <a:rect l="l" t="t" r="r" b="b"/>
+            <a:pathLst>
+              <a:path w="3581400" h="6858000">
+                <a:moveTo>
+                  <a:pt x="0" y="0"/>
+                </a:moveTo>
+                <a:lnTo>
+                  <a:pt x="405246" y="0"/>
+                </a:lnTo>
+                <a:lnTo>
+                  <a:pt x="3581400" y="6858000"/>
+                </a:lnTo>
+                <a:lnTo>
+                  <a:pt x="0" y="6858000"/>
+                </a:lnTo>
+                <a:close/>
+              </a:path>
+            </a:pathLst>
+          </a:custGeom>
+          <a:solidFill>
+            <a:srgbClr val="000000">
+              <a:alpha val="29804"/>
+            </a:srgbClr>
+          </a:solidFill>
+          <a:ln>
+            <a:noFill/>
+          </a:ln>
+        </p:spPr>
+        <p:style>
+          <a:lnRef idx="2">
+            <a:schemeClr val="accent1">
+              <a:shade val="50000"/>
+            </a:schemeClr>
+          </a:lnRef>
+          <a:fillRef idx="1">
+            <a:schemeClr val="accent1"/>
+          </a:fillRef>
+          <a:effectRef idx="0">
+            <a:schemeClr val="accent1"/>
+          </a:effectRef>
+          <a:fontRef idx="minor">
+            <a:schemeClr val="lt1"/>
+          </a:fontRef>
+        </p:style>
+        <p:txBody>
+          <a:bodyPr wrap="square" rtlCol="0" anchor="ctr">
+            <a:noAutofit/>
+          </a:bodyPr>
+          <a:lstStyle/>
+          <a:p>
+            <a:pPr algn="ctr"/>
+            <a:endParaRPr lang="en-US"/>
+          </a:p>
+        </p:txBody>
+      </p:sp>
+      <p:sp>
+        <p:nvSpPr>
+          <p:cNvPr id="2" name="Title 1">
+            <a:extLst>
+              <a:ext uri="{FF2B5EF4-FFF2-40B4-BE49-F238E27FC236}">
+                <a16:creationId xmlns:a16="http://schemas.microsoft.com/office/drawing/2014/main" id="{CE660CB5-F295-8346-9CC7-56C1F7F2060C}"/>
+              </a:ext>
+            </a:extLst>
+          </p:cNvPr>
+          <p:cNvSpPr>
+            <a:spLocks noGrp="1"/>
+          </p:cNvSpPr>
+          <p:nvPr>
+            <p:ph type="title"/>
+          </p:nvPr>
+        </p:nvSpPr>
+        <p:spPr>
+          <a:xfrm>
+            <a:off x="833002" y="190030"/>
+            <a:ext cx="10520702" cy="1325563"/>
+          </a:xfrm>
+        </p:spPr>
+        <p:txBody>
+          <a:bodyPr>
+            <a:normAutofit/>
+          </a:bodyPr>
+          <a:lstStyle/>
+          <a:p>
+            <a:r>
+              <a:rPr lang="en-IL" dirty="0">
+                <a:solidFill>
+                  <a:srgbClr val="FFFFFF"/>
+                </a:solidFill>
+              </a:rPr>
+              <a:t>Data Scrubbing – Merge Dataframes</a:t>
+            </a:r>
+          </a:p>
+        </p:txBody>
+      </p:sp>
+      <p:pic>
+        <p:nvPicPr>
+          <p:cNvPr id="7" name="Picture 6">
+            <a:extLst>
+              <a:ext uri="{FF2B5EF4-FFF2-40B4-BE49-F238E27FC236}">
+                <a16:creationId xmlns:a16="http://schemas.microsoft.com/office/drawing/2014/main" id="{C56AF16A-8F5C-344A-B8E1-0189EC9FCA10}"/>
+              </a:ext>
+            </a:extLst>
+          </p:cNvPr>
+          <p:cNvPicPr>
+            <a:picLocks noChangeAspect="1"/>
+          </p:cNvPicPr>
+          <p:nvPr/>
+        </p:nvPicPr>
+        <p:blipFill>
+          <a:blip r:embed="rId2"/>
+          <a:stretch>
+            <a:fillRect/>
+          </a:stretch>
+        </p:blipFill>
+        <p:spPr>
+          <a:xfrm>
+            <a:off x="502262" y="2075275"/>
+            <a:ext cx="6825909" cy="824711"/>
+          </a:xfrm>
+          <a:prstGeom prst="rect">
+            <a:avLst/>
+          </a:prstGeom>
+        </p:spPr>
+      </p:pic>
+      <p:pic>
+        <p:nvPicPr>
+          <p:cNvPr id="9" name="Picture 8">
+            <a:extLst>
+              <a:ext uri="{FF2B5EF4-FFF2-40B4-BE49-F238E27FC236}">
+                <a16:creationId xmlns:a16="http://schemas.microsoft.com/office/drawing/2014/main" id="{818E1F6E-549C-624D-8918-5F647EA2D7B5}"/>
+              </a:ext>
+            </a:extLst>
+          </p:cNvPr>
+          <p:cNvPicPr>
+            <a:picLocks noChangeAspect="1"/>
+          </p:cNvPicPr>
+          <p:nvPr/>
+        </p:nvPicPr>
+        <p:blipFill>
+          <a:blip r:embed="rId3"/>
+          <a:stretch>
+            <a:fillRect/>
+          </a:stretch>
+        </p:blipFill>
+        <p:spPr>
+          <a:xfrm>
+            <a:off x="405246" y="3886981"/>
+            <a:ext cx="10700426" cy="1287053"/>
+          </a:xfrm>
+          <a:prstGeom prst="rect">
+            <a:avLst/>
+          </a:prstGeom>
+        </p:spPr>
+      </p:pic>
+      <p:sp>
+        <p:nvSpPr>
+          <p:cNvPr id="10" name="TextBox 9">
+            <a:extLst>
+              <a:ext uri="{FF2B5EF4-FFF2-40B4-BE49-F238E27FC236}">
+                <a16:creationId xmlns:a16="http://schemas.microsoft.com/office/drawing/2014/main" id="{DC349D45-DF8F-4F41-9194-53F7F6BEEA56}"/>
+              </a:ext>
+            </a:extLst>
+          </p:cNvPr>
+          <p:cNvSpPr txBox="1"/>
+          <p:nvPr/>
+        </p:nvSpPr>
+        <p:spPr>
+          <a:xfrm>
+            <a:off x="502262" y="1735059"/>
+            <a:ext cx="2013565" cy="338554"/>
+          </a:xfrm>
+          <a:prstGeom prst="rect">
+            <a:avLst/>
+          </a:prstGeom>
+          <a:noFill/>
+        </p:spPr>
+        <p:txBody>
+          <a:bodyPr wrap="none" rtlCol="0">
+            <a:spAutoFit/>
+          </a:bodyPr>
+          <a:lstStyle/>
+          <a:p>
+            <a:r>
+              <a:rPr lang="en-IL" sz="1600" i="1" dirty="0"/>
+              <a:t>Merge by strain name</a:t>
+            </a:r>
+          </a:p>
+        </p:txBody>
+      </p:sp>
+      <p:sp>
+        <p:nvSpPr>
+          <p:cNvPr id="17" name="TextBox 16">
+            <a:extLst>
+              <a:ext uri="{FF2B5EF4-FFF2-40B4-BE49-F238E27FC236}">
+                <a16:creationId xmlns:a16="http://schemas.microsoft.com/office/drawing/2014/main" id="{A8E3BA9A-E74E-D042-A4A9-4A203766A2D2}"/>
+              </a:ext>
+            </a:extLst>
+          </p:cNvPr>
+          <p:cNvSpPr txBox="1"/>
+          <p:nvPr/>
+        </p:nvSpPr>
+        <p:spPr>
+          <a:xfrm>
+            <a:off x="405246" y="3546765"/>
+            <a:ext cx="2117696" cy="338554"/>
+          </a:xfrm>
+          <a:prstGeom prst="rect">
+            <a:avLst/>
+          </a:prstGeom>
+          <a:noFill/>
+        </p:spPr>
+        <p:txBody>
+          <a:bodyPr wrap="none" rtlCol="0">
+            <a:spAutoFit/>
+          </a:bodyPr>
+          <a:lstStyle/>
+          <a:p>
+            <a:r>
+              <a:rPr lang="en-US" sz="1600" i="1" dirty="0" err="1"/>
+              <a:t>Dataframe</a:t>
+            </a:r>
+            <a:r>
+              <a:rPr lang="en-US" sz="1600" i="1" dirty="0"/>
+              <a:t> after merge</a:t>
+            </a:r>
+            <a:endParaRPr lang="en-IL" sz="1600" i="1" dirty="0"/>
+          </a:p>
+        </p:txBody>
+      </p:sp>
+    </p:spTree>
+    <p:extLst>
+      <p:ext uri="{BB962C8B-B14F-4D97-AF65-F5344CB8AC3E}">
+        <p14:creationId xmlns:p14="http://schemas.microsoft.com/office/powerpoint/2010/main" val="2848198840"/>
       </p:ext>
     </p:extLst>
   </p:cSld>

--- a/Cannabis Analysis.pptx
+++ b/Cannabis Analysis.pptx
@@ -4,6 +4,9 @@
   <p:sldMasterIdLst>
     <p:sldMasterId id="2147483648" r:id="rId1"/>
   </p:sldMasterIdLst>
+  <p:notesMasterIdLst>
+    <p:notesMasterId r:id="rId18"/>
+  </p:notesMasterIdLst>
   <p:sldIdLst>
     <p:sldId id="257" r:id="rId2"/>
     <p:sldId id="258" r:id="rId3"/>
@@ -16,10 +19,11 @@
     <p:sldId id="265" r:id="rId10"/>
     <p:sldId id="266" r:id="rId11"/>
     <p:sldId id="267" r:id="rId12"/>
-    <p:sldId id="268" r:id="rId13"/>
-    <p:sldId id="269" r:id="rId14"/>
-    <p:sldId id="270" r:id="rId15"/>
-    <p:sldId id="271" r:id="rId16"/>
+    <p:sldId id="272" r:id="rId13"/>
+    <p:sldId id="268" r:id="rId14"/>
+    <p:sldId id="269" r:id="rId15"/>
+    <p:sldId id="270" r:id="rId16"/>
+    <p:sldId id="271" r:id="rId17"/>
   </p:sldIdLst>
   <p:sldSz cx="12192000" cy="6858000"/>
   <p:notesSz cx="6858000" cy="9144000"/>
@@ -2808,6 +2812,440 @@
 </dgm:styleDef>
 </file>
 
+<file path=ppt/notesMasters/notesMaster1.xml><?xml version="1.0" encoding="utf-8"?>
+<p:notesMaster xmlns:a="http://schemas.openxmlformats.org/drawingml/2006/main" xmlns:r="http://schemas.openxmlformats.org/officeDocument/2006/relationships" xmlns:p="http://schemas.openxmlformats.org/presentationml/2006/main">
+  <p:cSld>
+    <p:bg>
+      <p:bgRef idx="1001">
+        <a:schemeClr val="bg1"/>
+      </p:bgRef>
+    </p:bg>
+    <p:spTree>
+      <p:nvGrpSpPr>
+        <p:cNvPr id="1" name=""/>
+        <p:cNvGrpSpPr/>
+        <p:nvPr/>
+      </p:nvGrpSpPr>
+      <p:grpSpPr>
+        <a:xfrm>
+          <a:off x="0" y="0"/>
+          <a:ext cx="0" cy="0"/>
+          <a:chOff x="0" y="0"/>
+          <a:chExt cx="0" cy="0"/>
+        </a:xfrm>
+      </p:grpSpPr>
+      <p:sp>
+        <p:nvSpPr>
+          <p:cNvPr id="2" name="Header Placeholder 1"/>
+          <p:cNvSpPr>
+            <a:spLocks noGrp="1"/>
+          </p:cNvSpPr>
+          <p:nvPr>
+            <p:ph type="hdr" sz="quarter"/>
+          </p:nvPr>
+        </p:nvSpPr>
+        <p:spPr>
+          <a:xfrm>
+            <a:off x="0" y="0"/>
+            <a:ext cx="2971800" cy="458788"/>
+          </a:xfrm>
+          <a:prstGeom prst="rect">
+            <a:avLst/>
+          </a:prstGeom>
+        </p:spPr>
+        <p:txBody>
+          <a:bodyPr vert="horz" lIns="91440" tIns="45720" rIns="91440" bIns="45720" rtlCol="0"/>
+          <a:lstStyle>
+            <a:lvl1pPr algn="l">
+              <a:defRPr sz="1200"/>
+            </a:lvl1pPr>
+          </a:lstStyle>
+          <a:p>
+            <a:endParaRPr lang="en-IL"/>
+          </a:p>
+        </p:txBody>
+      </p:sp>
+      <p:sp>
+        <p:nvSpPr>
+          <p:cNvPr id="3" name="Date Placeholder 2"/>
+          <p:cNvSpPr>
+            <a:spLocks noGrp="1"/>
+          </p:cNvSpPr>
+          <p:nvPr>
+            <p:ph type="dt" idx="1"/>
+          </p:nvPr>
+        </p:nvSpPr>
+        <p:spPr>
+          <a:xfrm>
+            <a:off x="3884613" y="0"/>
+            <a:ext cx="2971800" cy="458788"/>
+          </a:xfrm>
+          <a:prstGeom prst="rect">
+            <a:avLst/>
+          </a:prstGeom>
+        </p:spPr>
+        <p:txBody>
+          <a:bodyPr vert="horz" lIns="91440" tIns="45720" rIns="91440" bIns="45720" rtlCol="0"/>
+          <a:lstStyle>
+            <a:lvl1pPr algn="r">
+              <a:defRPr sz="1200"/>
+            </a:lvl1pPr>
+          </a:lstStyle>
+          <a:p>
+            <a:fld id="{E3B6B7E0-806B-9945-BCC6-56DE783D1852}" type="datetimeFigureOut">
+              <a:rPr lang="en-IL" smtClean="0"/>
+              <a:t>25/06/2021</a:t>
+            </a:fld>
+            <a:endParaRPr lang="en-IL"/>
+          </a:p>
+        </p:txBody>
+      </p:sp>
+      <p:sp>
+        <p:nvSpPr>
+          <p:cNvPr id="4" name="Slide Image Placeholder 3"/>
+          <p:cNvSpPr>
+            <a:spLocks noGrp="1" noRot="1" noChangeAspect="1"/>
+          </p:cNvSpPr>
+          <p:nvPr>
+            <p:ph type="sldImg" idx="2"/>
+          </p:nvPr>
+        </p:nvSpPr>
+        <p:spPr>
+          <a:xfrm>
+            <a:off x="685800" y="1143000"/>
+            <a:ext cx="5486400" cy="3086100"/>
+          </a:xfrm>
+          <a:prstGeom prst="rect">
+            <a:avLst/>
+          </a:prstGeom>
+          <a:noFill/>
+          <a:ln w="12700">
+            <a:solidFill>
+              <a:prstClr val="black"/>
+            </a:solidFill>
+          </a:ln>
+        </p:spPr>
+        <p:txBody>
+          <a:bodyPr vert="horz" lIns="91440" tIns="45720" rIns="91440" bIns="45720" rtlCol="0" anchor="ctr"/>
+          <a:lstStyle/>
+          <a:p>
+            <a:endParaRPr lang="en-IL"/>
+          </a:p>
+        </p:txBody>
+      </p:sp>
+      <p:sp>
+        <p:nvSpPr>
+          <p:cNvPr id="5" name="Notes Placeholder 4"/>
+          <p:cNvSpPr>
+            <a:spLocks noGrp="1"/>
+          </p:cNvSpPr>
+          <p:nvPr>
+            <p:ph type="body" sz="quarter" idx="3"/>
+          </p:nvPr>
+        </p:nvSpPr>
+        <p:spPr>
+          <a:xfrm>
+            <a:off x="685800" y="4400550"/>
+            <a:ext cx="5486400" cy="3600450"/>
+          </a:xfrm>
+          <a:prstGeom prst="rect">
+            <a:avLst/>
+          </a:prstGeom>
+        </p:spPr>
+        <p:txBody>
+          <a:bodyPr vert="horz" lIns="91440" tIns="45720" rIns="91440" bIns="45720" rtlCol="0"/>
+          <a:lstStyle/>
+          <a:p>
+            <a:pPr lvl="0"/>
+            <a:r>
+              <a:rPr lang="en-US"/>
+              <a:t>Click to edit Master text styles</a:t>
+            </a:r>
+          </a:p>
+          <a:p>
+            <a:pPr lvl="1"/>
+            <a:r>
+              <a:rPr lang="en-US"/>
+              <a:t>Second level</a:t>
+            </a:r>
+          </a:p>
+          <a:p>
+            <a:pPr lvl="2"/>
+            <a:r>
+              <a:rPr lang="en-US"/>
+              <a:t>Third level</a:t>
+            </a:r>
+          </a:p>
+          <a:p>
+            <a:pPr lvl="3"/>
+            <a:r>
+              <a:rPr lang="en-US"/>
+              <a:t>Fourth level</a:t>
+            </a:r>
+          </a:p>
+          <a:p>
+            <a:pPr lvl="4"/>
+            <a:r>
+              <a:rPr lang="en-US"/>
+              <a:t>Fifth level</a:t>
+            </a:r>
+            <a:endParaRPr lang="en-IL"/>
+          </a:p>
+        </p:txBody>
+      </p:sp>
+      <p:sp>
+        <p:nvSpPr>
+          <p:cNvPr id="6" name="Footer Placeholder 5"/>
+          <p:cNvSpPr>
+            <a:spLocks noGrp="1"/>
+          </p:cNvSpPr>
+          <p:nvPr>
+            <p:ph type="ftr" sz="quarter" idx="4"/>
+          </p:nvPr>
+        </p:nvSpPr>
+        <p:spPr>
+          <a:xfrm>
+            <a:off x="0" y="8685213"/>
+            <a:ext cx="2971800" cy="458787"/>
+          </a:xfrm>
+          <a:prstGeom prst="rect">
+            <a:avLst/>
+          </a:prstGeom>
+        </p:spPr>
+        <p:txBody>
+          <a:bodyPr vert="horz" lIns="91440" tIns="45720" rIns="91440" bIns="45720" rtlCol="0" anchor="b"/>
+          <a:lstStyle>
+            <a:lvl1pPr algn="l">
+              <a:defRPr sz="1200"/>
+            </a:lvl1pPr>
+          </a:lstStyle>
+          <a:p>
+            <a:endParaRPr lang="en-IL"/>
+          </a:p>
+        </p:txBody>
+      </p:sp>
+      <p:sp>
+        <p:nvSpPr>
+          <p:cNvPr id="7" name="Slide Number Placeholder 6"/>
+          <p:cNvSpPr>
+            <a:spLocks noGrp="1"/>
+          </p:cNvSpPr>
+          <p:nvPr>
+            <p:ph type="sldNum" sz="quarter" idx="5"/>
+          </p:nvPr>
+        </p:nvSpPr>
+        <p:spPr>
+          <a:xfrm>
+            <a:off x="3884613" y="8685213"/>
+            <a:ext cx="2971800" cy="458787"/>
+          </a:xfrm>
+          <a:prstGeom prst="rect">
+            <a:avLst/>
+          </a:prstGeom>
+        </p:spPr>
+        <p:txBody>
+          <a:bodyPr vert="horz" lIns="91440" tIns="45720" rIns="91440" bIns="45720" rtlCol="0" anchor="b"/>
+          <a:lstStyle>
+            <a:lvl1pPr algn="r">
+              <a:defRPr sz="1200"/>
+            </a:lvl1pPr>
+          </a:lstStyle>
+          <a:p>
+            <a:fld id="{3073FD79-E0BE-5147-B1E9-3434CAC9370A}" type="slidenum">
+              <a:rPr lang="en-IL" smtClean="0"/>
+              <a:t>‹#›</a:t>
+            </a:fld>
+            <a:endParaRPr lang="en-IL"/>
+          </a:p>
+        </p:txBody>
+      </p:sp>
+    </p:spTree>
+    <p:extLst>
+      <p:ext uri="{BB962C8B-B14F-4D97-AF65-F5344CB8AC3E}">
+        <p14:creationId xmlns:p14="http://schemas.microsoft.com/office/powerpoint/2010/main" val="3154515571"/>
+      </p:ext>
+    </p:extLst>
+  </p:cSld>
+  <p:clrMap bg1="lt1" tx1="dk1" bg2="lt2" tx2="dk2" accent1="accent1" accent2="accent2" accent3="accent3" accent4="accent4" accent5="accent5" accent6="accent6" hlink="hlink" folHlink="folHlink"/>
+  <p:notesStyle>
+    <a:lvl1pPr marL="0" algn="l" defTabSz="914400" rtl="0" eaLnBrk="1" latinLnBrk="0" hangingPunct="1">
+      <a:defRPr sz="1200" kern="1200">
+        <a:solidFill>
+          <a:schemeClr val="tx1"/>
+        </a:solidFill>
+        <a:latin typeface="+mn-lt"/>
+        <a:ea typeface="+mn-ea"/>
+        <a:cs typeface="+mn-cs"/>
+      </a:defRPr>
+    </a:lvl1pPr>
+    <a:lvl2pPr marL="457200" algn="l" defTabSz="914400" rtl="0" eaLnBrk="1" latinLnBrk="0" hangingPunct="1">
+      <a:defRPr sz="1200" kern="1200">
+        <a:solidFill>
+          <a:schemeClr val="tx1"/>
+        </a:solidFill>
+        <a:latin typeface="+mn-lt"/>
+        <a:ea typeface="+mn-ea"/>
+        <a:cs typeface="+mn-cs"/>
+      </a:defRPr>
+    </a:lvl2pPr>
+    <a:lvl3pPr marL="914400" algn="l" defTabSz="914400" rtl="0" eaLnBrk="1" latinLnBrk="0" hangingPunct="1">
+      <a:defRPr sz="1200" kern="1200">
+        <a:solidFill>
+          <a:schemeClr val="tx1"/>
+        </a:solidFill>
+        <a:latin typeface="+mn-lt"/>
+        <a:ea typeface="+mn-ea"/>
+        <a:cs typeface="+mn-cs"/>
+      </a:defRPr>
+    </a:lvl3pPr>
+    <a:lvl4pPr marL="1371600" algn="l" defTabSz="914400" rtl="0" eaLnBrk="1" latinLnBrk="0" hangingPunct="1">
+      <a:defRPr sz="1200" kern="1200">
+        <a:solidFill>
+          <a:schemeClr val="tx1"/>
+        </a:solidFill>
+        <a:latin typeface="+mn-lt"/>
+        <a:ea typeface="+mn-ea"/>
+        <a:cs typeface="+mn-cs"/>
+      </a:defRPr>
+    </a:lvl4pPr>
+    <a:lvl5pPr marL="1828800" algn="l" defTabSz="914400" rtl="0" eaLnBrk="1" latinLnBrk="0" hangingPunct="1">
+      <a:defRPr sz="1200" kern="1200">
+        <a:solidFill>
+          <a:schemeClr val="tx1"/>
+        </a:solidFill>
+        <a:latin typeface="+mn-lt"/>
+        <a:ea typeface="+mn-ea"/>
+        <a:cs typeface="+mn-cs"/>
+      </a:defRPr>
+    </a:lvl5pPr>
+    <a:lvl6pPr marL="2286000" algn="l" defTabSz="914400" rtl="0" eaLnBrk="1" latinLnBrk="0" hangingPunct="1">
+      <a:defRPr sz="1200" kern="1200">
+        <a:solidFill>
+          <a:schemeClr val="tx1"/>
+        </a:solidFill>
+        <a:latin typeface="+mn-lt"/>
+        <a:ea typeface="+mn-ea"/>
+        <a:cs typeface="+mn-cs"/>
+      </a:defRPr>
+    </a:lvl6pPr>
+    <a:lvl7pPr marL="2743200" algn="l" defTabSz="914400" rtl="0" eaLnBrk="1" latinLnBrk="0" hangingPunct="1">
+      <a:defRPr sz="1200" kern="1200">
+        <a:solidFill>
+          <a:schemeClr val="tx1"/>
+        </a:solidFill>
+        <a:latin typeface="+mn-lt"/>
+        <a:ea typeface="+mn-ea"/>
+        <a:cs typeface="+mn-cs"/>
+      </a:defRPr>
+    </a:lvl7pPr>
+    <a:lvl8pPr marL="3200400" algn="l" defTabSz="914400" rtl="0" eaLnBrk="1" latinLnBrk="0" hangingPunct="1">
+      <a:defRPr sz="1200" kern="1200">
+        <a:solidFill>
+          <a:schemeClr val="tx1"/>
+        </a:solidFill>
+        <a:latin typeface="+mn-lt"/>
+        <a:ea typeface="+mn-ea"/>
+        <a:cs typeface="+mn-cs"/>
+      </a:defRPr>
+    </a:lvl8pPr>
+    <a:lvl9pPr marL="3657600" algn="l" defTabSz="914400" rtl="0" eaLnBrk="1" latinLnBrk="0" hangingPunct="1">
+      <a:defRPr sz="1200" kern="1200">
+        <a:solidFill>
+          <a:schemeClr val="tx1"/>
+        </a:solidFill>
+        <a:latin typeface="+mn-lt"/>
+        <a:ea typeface="+mn-ea"/>
+        <a:cs typeface="+mn-cs"/>
+      </a:defRPr>
+    </a:lvl9pPr>
+  </p:notesStyle>
+</p:notesMaster>
+</file>
+
+<file path=ppt/notesSlides/notesSlide1.xml><?xml version="1.0" encoding="utf-8"?>
+<p:notes xmlns:a="http://schemas.openxmlformats.org/drawingml/2006/main" xmlns:r="http://schemas.openxmlformats.org/officeDocument/2006/relationships" xmlns:p="http://schemas.openxmlformats.org/presentationml/2006/main">
+  <p:cSld>
+    <p:spTree>
+      <p:nvGrpSpPr>
+        <p:cNvPr id="1" name=""/>
+        <p:cNvGrpSpPr/>
+        <p:nvPr/>
+      </p:nvGrpSpPr>
+      <p:grpSpPr>
+        <a:xfrm>
+          <a:off x="0" y="0"/>
+          <a:ext cx="0" cy="0"/>
+          <a:chOff x="0" y="0"/>
+          <a:chExt cx="0" cy="0"/>
+        </a:xfrm>
+      </p:grpSpPr>
+      <p:sp>
+        <p:nvSpPr>
+          <p:cNvPr id="2" name="Slide Image Placeholder 1"/>
+          <p:cNvSpPr>
+            <a:spLocks noGrp="1" noRot="1" noChangeAspect="1"/>
+          </p:cNvSpPr>
+          <p:nvPr>
+            <p:ph type="sldImg"/>
+          </p:nvPr>
+        </p:nvSpPr>
+        <p:spPr/>
+      </p:sp>
+      <p:sp>
+        <p:nvSpPr>
+          <p:cNvPr id="3" name="Notes Placeholder 2"/>
+          <p:cNvSpPr>
+            <a:spLocks noGrp="1"/>
+          </p:cNvSpPr>
+          <p:nvPr>
+            <p:ph type="body" idx="1"/>
+          </p:nvPr>
+        </p:nvSpPr>
+        <p:spPr/>
+        <p:txBody>
+          <a:bodyPr/>
+          <a:lstStyle/>
+          <a:p>
+            <a:endParaRPr lang="en-IL" dirty="0"/>
+          </a:p>
+        </p:txBody>
+      </p:sp>
+      <p:sp>
+        <p:nvSpPr>
+          <p:cNvPr id="4" name="Slide Number Placeholder 3"/>
+          <p:cNvSpPr>
+            <a:spLocks noGrp="1"/>
+          </p:cNvSpPr>
+          <p:nvPr>
+            <p:ph type="sldNum" sz="quarter" idx="5"/>
+          </p:nvPr>
+        </p:nvSpPr>
+        <p:spPr/>
+        <p:txBody>
+          <a:bodyPr/>
+          <a:lstStyle/>
+          <a:p>
+            <a:fld id="{3073FD79-E0BE-5147-B1E9-3434CAC9370A}" type="slidenum">
+              <a:rPr lang="en-IL" smtClean="0"/>
+              <a:t>12</a:t>
+            </a:fld>
+            <a:endParaRPr lang="en-IL"/>
+          </a:p>
+        </p:txBody>
+      </p:sp>
+    </p:spTree>
+    <p:extLst>
+      <p:ext uri="{BB962C8B-B14F-4D97-AF65-F5344CB8AC3E}">
+        <p14:creationId xmlns:p14="http://schemas.microsoft.com/office/powerpoint/2010/main" val="1848609227"/>
+      </p:ext>
+    </p:extLst>
+  </p:cSld>
+  <p:clrMapOvr>
+    <a:masterClrMapping/>
+  </p:clrMapOvr>
+</p:notes>
+</file>
+
 <file path=ppt/slideLayouts/slideLayout1.xml><?xml version="1.0" encoding="utf-8"?>
 <p:sldLayout xmlns:a="http://schemas.openxmlformats.org/drawingml/2006/main" xmlns:r="http://schemas.openxmlformats.org/officeDocument/2006/relationships" xmlns:p="http://schemas.openxmlformats.org/presentationml/2006/main" type="title" preserve="1">
   <p:cSld name="Title Slide">
@@ -2957,7 +3395,7 @@
           <a:p>
             <a:fld id="{69F92D36-85D3-CE46-89D4-60137E68FEA3}" type="datetimeFigureOut">
               <a:rPr lang="en-IL" smtClean="0"/>
-              <a:t>18/06/2021</a:t>
+              <a:t>25/06/2021</a:t>
             </a:fld>
             <a:endParaRPr lang="en-IL"/>
           </a:p>
@@ -3157,7 +3595,7 @@
           <a:p>
             <a:fld id="{69F92D36-85D3-CE46-89D4-60137E68FEA3}" type="datetimeFigureOut">
               <a:rPr lang="en-IL" smtClean="0"/>
-              <a:t>18/06/2021</a:t>
+              <a:t>25/06/2021</a:t>
             </a:fld>
             <a:endParaRPr lang="en-IL"/>
           </a:p>
@@ -3367,7 +3805,7 @@
           <a:p>
             <a:fld id="{69F92D36-85D3-CE46-89D4-60137E68FEA3}" type="datetimeFigureOut">
               <a:rPr lang="en-IL" smtClean="0"/>
-              <a:t>18/06/2021</a:t>
+              <a:t>25/06/2021</a:t>
             </a:fld>
             <a:endParaRPr lang="en-IL"/>
           </a:p>
@@ -3567,7 +4005,7 @@
           <a:p>
             <a:fld id="{69F92D36-85D3-CE46-89D4-60137E68FEA3}" type="datetimeFigureOut">
               <a:rPr lang="en-IL" smtClean="0"/>
-              <a:t>18/06/2021</a:t>
+              <a:t>25/06/2021</a:t>
             </a:fld>
             <a:endParaRPr lang="en-IL"/>
           </a:p>
@@ -3843,7 +4281,7 @@
           <a:p>
             <a:fld id="{69F92D36-85D3-CE46-89D4-60137E68FEA3}" type="datetimeFigureOut">
               <a:rPr lang="en-IL" smtClean="0"/>
-              <a:t>18/06/2021</a:t>
+              <a:t>25/06/2021</a:t>
             </a:fld>
             <a:endParaRPr lang="en-IL"/>
           </a:p>
@@ -4111,7 +4549,7 @@
           <a:p>
             <a:fld id="{69F92D36-85D3-CE46-89D4-60137E68FEA3}" type="datetimeFigureOut">
               <a:rPr lang="en-IL" smtClean="0"/>
-              <a:t>18/06/2021</a:t>
+              <a:t>25/06/2021</a:t>
             </a:fld>
             <a:endParaRPr lang="en-IL"/>
           </a:p>
@@ -4526,7 +4964,7 @@
           <a:p>
             <a:fld id="{69F92D36-85D3-CE46-89D4-60137E68FEA3}" type="datetimeFigureOut">
               <a:rPr lang="en-IL" smtClean="0"/>
-              <a:t>18/06/2021</a:t>
+              <a:t>25/06/2021</a:t>
             </a:fld>
             <a:endParaRPr lang="en-IL"/>
           </a:p>
@@ -4668,7 +5106,7 @@
           <a:p>
             <a:fld id="{69F92D36-85D3-CE46-89D4-60137E68FEA3}" type="datetimeFigureOut">
               <a:rPr lang="en-IL" smtClean="0"/>
-              <a:t>18/06/2021</a:t>
+              <a:t>25/06/2021</a:t>
             </a:fld>
             <a:endParaRPr lang="en-IL"/>
           </a:p>
@@ -4781,7 +5219,7 @@
           <a:p>
             <a:fld id="{69F92D36-85D3-CE46-89D4-60137E68FEA3}" type="datetimeFigureOut">
               <a:rPr lang="en-IL" smtClean="0"/>
-              <a:t>18/06/2021</a:t>
+              <a:t>25/06/2021</a:t>
             </a:fld>
             <a:endParaRPr lang="en-IL"/>
           </a:p>
@@ -5094,7 +5532,7 @@
           <a:p>
             <a:fld id="{69F92D36-85D3-CE46-89D4-60137E68FEA3}" type="datetimeFigureOut">
               <a:rPr lang="en-IL" smtClean="0"/>
-              <a:t>18/06/2021</a:t>
+              <a:t>25/06/2021</a:t>
             </a:fld>
             <a:endParaRPr lang="en-IL"/>
           </a:p>
@@ -5383,7 +5821,7 @@
           <a:p>
             <a:fld id="{69F92D36-85D3-CE46-89D4-60137E68FEA3}" type="datetimeFigureOut">
               <a:rPr lang="en-IL" smtClean="0"/>
-              <a:t>18/06/2021</a:t>
+              <a:t>25/06/2021</a:t>
             </a:fld>
             <a:endParaRPr lang="en-IL"/>
           </a:p>
@@ -5626,7 +6064,7 @@
           <a:p>
             <a:fld id="{69F92D36-85D3-CE46-89D4-60137E68FEA3}" type="datetimeFigureOut">
               <a:rPr lang="en-IL" smtClean="0"/>
-              <a:t>18/06/2021</a:t>
+              <a:t>25/06/2021</a:t>
             </a:fld>
             <a:endParaRPr lang="en-IL"/>
           </a:p>
@@ -7905,20 +8343,90 @@
         </p:blipFill>
         <p:spPr>
           <a:xfrm>
-            <a:off x="6538878" y="1364591"/>
-            <a:ext cx="3644987" cy="2429991"/>
+            <a:off x="405246" y="2239313"/>
+            <a:ext cx="5618834" cy="3745889"/>
           </a:xfrm>
           <a:prstGeom prst="rect">
             <a:avLst/>
           </a:prstGeom>
         </p:spPr>
       </p:pic>
+      <p:sp>
+        <p:nvSpPr>
+          <p:cNvPr id="33" name="TextBox 32">
+            <a:extLst>
+              <a:ext uri="{FF2B5EF4-FFF2-40B4-BE49-F238E27FC236}">
+                <a16:creationId xmlns:a16="http://schemas.microsoft.com/office/drawing/2014/main" id="{8AB71FD3-815C-C64D-8B7A-C851875419F4}"/>
+              </a:ext>
+            </a:extLst>
+          </p:cNvPr>
+          <p:cNvSpPr txBox="1"/>
+          <p:nvPr/>
+        </p:nvSpPr>
+        <p:spPr>
+          <a:xfrm>
+            <a:off x="845511" y="1448558"/>
+            <a:ext cx="2553520" cy="477054"/>
+          </a:xfrm>
+          <a:prstGeom prst="rect">
+            <a:avLst/>
+          </a:prstGeom>
+          <a:noFill/>
+        </p:spPr>
+        <p:txBody>
+          <a:bodyPr wrap="none" rtlCol="0">
+            <a:spAutoFit/>
+          </a:bodyPr>
+          <a:lstStyle/>
+          <a:p>
+            <a:r>
+              <a:rPr lang="en-IL" sz="2500" u="sng" dirty="0"/>
+              <a:t>THC% Distribution</a:t>
+            </a:r>
+          </a:p>
+        </p:txBody>
+      </p:sp>
+      <p:sp>
+        <p:nvSpPr>
+          <p:cNvPr id="34" name="TextBox 33">
+            <a:extLst>
+              <a:ext uri="{FF2B5EF4-FFF2-40B4-BE49-F238E27FC236}">
+                <a16:creationId xmlns:a16="http://schemas.microsoft.com/office/drawing/2014/main" id="{0322D2C2-1AE1-AF49-9BFA-CEF8FE5DB71F}"/>
+              </a:ext>
+            </a:extLst>
+          </p:cNvPr>
+          <p:cNvSpPr txBox="1"/>
+          <p:nvPr/>
+        </p:nvSpPr>
+        <p:spPr>
+          <a:xfrm>
+            <a:off x="845511" y="1925612"/>
+            <a:ext cx="4090479" cy="369332"/>
+          </a:xfrm>
+          <a:prstGeom prst="rect">
+            <a:avLst/>
+          </a:prstGeom>
+          <a:noFill/>
+        </p:spPr>
+        <p:txBody>
+          <a:bodyPr wrap="none" rtlCol="0">
+            <a:spAutoFit/>
+          </a:bodyPr>
+          <a:lstStyle/>
+          <a:p>
+            <a:r>
+              <a:rPr lang="en-IL" dirty="0"/>
+              <a:t>Most of the strains contain 15 – 20 % THC</a:t>
+            </a:r>
+          </a:p>
+        </p:txBody>
+      </p:sp>
       <p:pic>
         <p:nvPicPr>
-          <p:cNvPr id="22" name="Picture 21" descr="Chart, pie chart&#10;&#10;Description automatically generated">
-            <a:extLst>
-              <a:ext uri="{FF2B5EF4-FFF2-40B4-BE49-F238E27FC236}">
-                <a16:creationId xmlns:a16="http://schemas.microsoft.com/office/drawing/2014/main" id="{0E9E4923-900F-2144-9F83-968E45F88724}"/>
+          <p:cNvPr id="4" name="Picture 3" descr="Chart, histogram&#10;&#10;Description automatically generated">
+            <a:extLst>
+              <a:ext uri="{FF2B5EF4-FFF2-40B4-BE49-F238E27FC236}">
+                <a16:creationId xmlns:a16="http://schemas.microsoft.com/office/drawing/2014/main" id="{5B3137B1-FF56-9342-A695-D29683AA64B5}"/>
               </a:ext>
             </a:extLst>
           </p:cNvPr>
@@ -7935,50 +8443,20 @@
         </p:blipFill>
         <p:spPr>
           <a:xfrm>
-            <a:off x="5374513" y="4046163"/>
-            <a:ext cx="3581399" cy="2387599"/>
+            <a:off x="6296892" y="2239312"/>
+            <a:ext cx="5618834" cy="3745889"/>
           </a:xfrm>
           <a:prstGeom prst="rect">
             <a:avLst/>
           </a:prstGeom>
         </p:spPr>
       </p:pic>
-      <p:pic>
-        <p:nvPicPr>
-          <p:cNvPr id="30" name="Picture 29" descr="Chart, pie chart&#10;&#10;Description automatically generated">
-            <a:extLst>
-              <a:ext uri="{FF2B5EF4-FFF2-40B4-BE49-F238E27FC236}">
-                <a16:creationId xmlns:a16="http://schemas.microsoft.com/office/drawing/2014/main" id="{3D5F2977-50DE-1B4C-85D6-505636617611}"/>
-              </a:ext>
-            </a:extLst>
-          </p:cNvPr>
-          <p:cNvPicPr>
-            <a:picLocks noChangeAspect="1"/>
-          </p:cNvPicPr>
-          <p:nvPr/>
-        </p:nvPicPr>
-        <p:blipFill>
-          <a:blip r:embed="rId4"/>
-          <a:stretch>
-            <a:fillRect/>
-          </a:stretch>
-        </p:blipFill>
-        <p:spPr>
-          <a:xfrm>
-            <a:off x="7915295" y="4046162"/>
-            <a:ext cx="3581399" cy="2387599"/>
-          </a:xfrm>
-          <a:prstGeom prst="rect">
-            <a:avLst/>
-          </a:prstGeom>
-        </p:spPr>
-      </p:pic>
-      <p:sp>
-        <p:nvSpPr>
-          <p:cNvPr id="33" name="TextBox 32">
-            <a:extLst>
-              <a:ext uri="{FF2B5EF4-FFF2-40B4-BE49-F238E27FC236}">
-                <a16:creationId xmlns:a16="http://schemas.microsoft.com/office/drawing/2014/main" id="{8AB71FD3-815C-C64D-8B7A-C851875419F4}"/>
+      <p:sp>
+        <p:nvSpPr>
+          <p:cNvPr id="17" name="TextBox 16">
+            <a:extLst>
+              <a:ext uri="{FF2B5EF4-FFF2-40B4-BE49-F238E27FC236}">
+                <a16:creationId xmlns:a16="http://schemas.microsoft.com/office/drawing/2014/main" id="{96A88EDD-1FA9-1740-800C-8F7CF21D38E5}"/>
               </a:ext>
             </a:extLst>
           </p:cNvPr>
@@ -7987,8 +8465,8 @@
         </p:nvSpPr>
         <p:spPr>
           <a:xfrm>
-            <a:off x="845511" y="1448558"/>
-            <a:ext cx="2553520" cy="477054"/>
+            <a:off x="6872376" y="1448558"/>
+            <a:ext cx="2569550" cy="477054"/>
           </a:xfrm>
           <a:prstGeom prst="rect">
             <a:avLst/>
@@ -8003,17 +8481,17 @@
           <a:p>
             <a:r>
               <a:rPr lang="en-IL" sz="2500" u="sng" dirty="0"/>
-              <a:t>THC% Distribution</a:t>
-            </a:r>
-          </a:p>
-        </p:txBody>
-      </p:sp>
-      <p:sp>
-        <p:nvSpPr>
-          <p:cNvPr id="34" name="TextBox 33">
-            <a:extLst>
-              <a:ext uri="{FF2B5EF4-FFF2-40B4-BE49-F238E27FC236}">
-                <a16:creationId xmlns:a16="http://schemas.microsoft.com/office/drawing/2014/main" id="{0322D2C2-1AE1-AF49-9BFA-CEF8FE5DB71F}"/>
+              <a:t>CBD% Distribution</a:t>
+            </a:r>
+          </a:p>
+        </p:txBody>
+      </p:sp>
+      <p:sp>
+        <p:nvSpPr>
+          <p:cNvPr id="18" name="TextBox 17">
+            <a:extLst>
+              <a:ext uri="{FF2B5EF4-FFF2-40B4-BE49-F238E27FC236}">
+                <a16:creationId xmlns:a16="http://schemas.microsoft.com/office/drawing/2014/main" id="{8ED0B28C-C6FC-664F-B774-3008D47D58BA}"/>
               </a:ext>
             </a:extLst>
           </p:cNvPr>
@@ -8022,8 +8500,8 @@
         </p:nvSpPr>
         <p:spPr>
           <a:xfrm>
-            <a:off x="845511" y="1925612"/>
-            <a:ext cx="4090479" cy="369332"/>
+            <a:off x="6872376" y="1925612"/>
+            <a:ext cx="5183022" cy="369332"/>
           </a:xfrm>
           <a:prstGeom prst="rect">
             <a:avLst/>
@@ -8038,147 +8516,7 @@
           <a:p>
             <a:r>
               <a:rPr lang="en-IL" dirty="0"/>
-              <a:t>Most of the strains contain 15 – 20 % THC</a:t>
-            </a:r>
-          </a:p>
-        </p:txBody>
-      </p:sp>
-      <p:sp>
-        <p:nvSpPr>
-          <p:cNvPr id="41" name="TextBox 40">
-            <a:extLst>
-              <a:ext uri="{FF2B5EF4-FFF2-40B4-BE49-F238E27FC236}">
-                <a16:creationId xmlns:a16="http://schemas.microsoft.com/office/drawing/2014/main" id="{D4E064E1-078D-A14B-B788-8BA616038666}"/>
-              </a:ext>
-            </a:extLst>
-          </p:cNvPr>
-          <p:cNvSpPr txBox="1"/>
-          <p:nvPr/>
-        </p:nvSpPr>
-        <p:spPr>
-          <a:xfrm>
-            <a:off x="858020" y="4046162"/>
-            <a:ext cx="1753685" cy="477054"/>
-          </a:xfrm>
-          <a:prstGeom prst="rect">
-            <a:avLst/>
-          </a:prstGeom>
-          <a:noFill/>
-        </p:spPr>
-        <p:txBody>
-          <a:bodyPr wrap="none" rtlCol="0">
-            <a:spAutoFit/>
-          </a:bodyPr>
-          <a:lstStyle/>
-          <a:p>
-            <a:r>
-              <a:rPr lang="en-IL" sz="2500" u="sng" dirty="0"/>
-              <a:t>Strain Types</a:t>
-            </a:r>
-          </a:p>
-        </p:txBody>
-      </p:sp>
-      <p:sp>
-        <p:nvSpPr>
-          <p:cNvPr id="42" name="TextBox 41">
-            <a:extLst>
-              <a:ext uri="{FF2B5EF4-FFF2-40B4-BE49-F238E27FC236}">
-                <a16:creationId xmlns:a16="http://schemas.microsoft.com/office/drawing/2014/main" id="{C080A2E2-BDCA-1146-AEB8-8C6E5BCEFC8A}"/>
-              </a:ext>
-            </a:extLst>
-          </p:cNvPr>
-          <p:cNvSpPr txBox="1"/>
-          <p:nvPr/>
-        </p:nvSpPr>
-        <p:spPr>
-          <a:xfrm>
-            <a:off x="858020" y="4523216"/>
-            <a:ext cx="4616328" cy="369332"/>
-          </a:xfrm>
-          <a:prstGeom prst="rect">
-            <a:avLst/>
-          </a:prstGeom>
-          <a:noFill/>
-        </p:spPr>
-        <p:txBody>
-          <a:bodyPr wrap="none" rtlCol="0">
-            <a:spAutoFit/>
-          </a:bodyPr>
-          <a:lstStyle/>
-          <a:p>
-            <a:r>
-              <a:rPr lang="en-IL" dirty="0"/>
-              <a:t>More than 50% of our data are “Hybrid” strains</a:t>
-            </a:r>
-          </a:p>
-        </p:txBody>
-      </p:sp>
-      <p:sp>
-        <p:nvSpPr>
-          <p:cNvPr id="43" name="TextBox 42">
-            <a:extLst>
-              <a:ext uri="{FF2B5EF4-FFF2-40B4-BE49-F238E27FC236}">
-                <a16:creationId xmlns:a16="http://schemas.microsoft.com/office/drawing/2014/main" id="{6CD3BDA3-CB29-1E45-B8B8-D807C1EB93A7}"/>
-              </a:ext>
-            </a:extLst>
-          </p:cNvPr>
-          <p:cNvSpPr txBox="1"/>
-          <p:nvPr/>
-        </p:nvSpPr>
-        <p:spPr>
-          <a:xfrm>
-            <a:off x="845511" y="5076604"/>
-            <a:ext cx="3371436" cy="477054"/>
-          </a:xfrm>
-          <a:prstGeom prst="rect">
-            <a:avLst/>
-          </a:prstGeom>
-          <a:noFill/>
-        </p:spPr>
-        <p:txBody>
-          <a:bodyPr wrap="none" rtlCol="0">
-            <a:spAutoFit/>
-          </a:bodyPr>
-          <a:lstStyle/>
-          <a:p>
-            <a:r>
-              <a:rPr lang="en-IL" sz="2500" u="sng" dirty="0"/>
-              <a:t>Most Common Terpenes</a:t>
-            </a:r>
-          </a:p>
-        </p:txBody>
-      </p:sp>
-      <p:sp>
-        <p:nvSpPr>
-          <p:cNvPr id="44" name="TextBox 43">
-            <a:extLst>
-              <a:ext uri="{FF2B5EF4-FFF2-40B4-BE49-F238E27FC236}">
-                <a16:creationId xmlns:a16="http://schemas.microsoft.com/office/drawing/2014/main" id="{3838845F-4A08-5148-9AC7-D2A8878DACEA}"/>
-              </a:ext>
-            </a:extLst>
-          </p:cNvPr>
-          <p:cNvSpPr txBox="1"/>
-          <p:nvPr/>
-        </p:nvSpPr>
-        <p:spPr>
-          <a:xfrm>
-            <a:off x="845511" y="5553658"/>
-            <a:ext cx="4616328" cy="369332"/>
-          </a:xfrm>
-          <a:prstGeom prst="rect">
-            <a:avLst/>
-          </a:prstGeom>
-          <a:noFill/>
-        </p:spPr>
-        <p:txBody>
-          <a:bodyPr wrap="none" rtlCol="0">
-            <a:spAutoFit/>
-          </a:bodyPr>
-          <a:lstStyle/>
-          <a:p>
-            <a:r>
-              <a:rPr lang="en-IL" dirty="0"/>
-              <a:t>More than 50% of our data are “Hybrid” strains</a:t>
+              <a:t>Unlike THC, most of the CBD % values are under 2.5%</a:t>
             </a:r>
           </a:p>
         </p:txBody>
@@ -8536,47 +8874,17 @@
                   <a:srgbClr val="FFFFFF"/>
                 </a:solidFill>
               </a:rPr>
-              <a:t>EDA – Strain Rating</a:t>
+              <a:t>EDA – Strain Data</a:t>
             </a:r>
           </a:p>
         </p:txBody>
       </p:sp>
       <p:pic>
         <p:nvPicPr>
-          <p:cNvPr id="28" name="Picture 27" descr="Chart&#10;&#10;Description automatically generated">
-            <a:extLst>
-              <a:ext uri="{FF2B5EF4-FFF2-40B4-BE49-F238E27FC236}">
-                <a16:creationId xmlns:a16="http://schemas.microsoft.com/office/drawing/2014/main" id="{6378D805-2F84-0F4B-9D20-FA9119D7E738}"/>
-              </a:ext>
-            </a:extLst>
-          </p:cNvPr>
-          <p:cNvPicPr>
-            <a:picLocks noChangeAspect="1"/>
-          </p:cNvPicPr>
-          <p:nvPr/>
-        </p:nvPicPr>
-        <p:blipFill>
-          <a:blip r:embed="rId2"/>
-          <a:stretch>
-            <a:fillRect/>
-          </a:stretch>
-        </p:blipFill>
-        <p:spPr>
-          <a:xfrm>
-            <a:off x="6262312" y="3774051"/>
-            <a:ext cx="4340878" cy="2893919"/>
-          </a:xfrm>
-          <a:prstGeom prst="rect">
-            <a:avLst/>
-          </a:prstGeom>
-        </p:spPr>
-      </p:pic>
-      <p:pic>
-        <p:nvPicPr>
-          <p:cNvPr id="7" name="Picture 6" descr="Chart&#10;&#10;Description automatically generated">
-            <a:extLst>
-              <a:ext uri="{FF2B5EF4-FFF2-40B4-BE49-F238E27FC236}">
-                <a16:creationId xmlns:a16="http://schemas.microsoft.com/office/drawing/2014/main" id="{1E3279ED-889E-2F44-BEA8-DA514C2DD320}"/>
+          <p:cNvPr id="22" name="Picture 21" descr="Chart, pie chart&#10;&#10;Description automatically generated">
+            <a:extLst>
+              <a:ext uri="{FF2B5EF4-FFF2-40B4-BE49-F238E27FC236}">
+                <a16:creationId xmlns:a16="http://schemas.microsoft.com/office/drawing/2014/main" id="{0E9E4923-900F-2144-9F83-968E45F88724}"/>
               </a:ext>
             </a:extLst>
           </p:cNvPr>
@@ -8593,20 +8901,50 @@
         </p:blipFill>
         <p:spPr>
           <a:xfrm>
-            <a:off x="1103592" y="3749148"/>
-            <a:ext cx="4378233" cy="2918822"/>
+            <a:off x="837561" y="1913682"/>
+            <a:ext cx="3581399" cy="2387599"/>
           </a:xfrm>
           <a:prstGeom prst="rect">
             <a:avLst/>
           </a:prstGeom>
         </p:spPr>
       </p:pic>
-      <p:sp>
-        <p:nvSpPr>
-          <p:cNvPr id="17" name="TextBox 16">
-            <a:extLst>
-              <a:ext uri="{FF2B5EF4-FFF2-40B4-BE49-F238E27FC236}">
-                <a16:creationId xmlns:a16="http://schemas.microsoft.com/office/drawing/2014/main" id="{F53B61FD-9E80-AB45-90A1-11825F898E05}"/>
+      <p:pic>
+        <p:nvPicPr>
+          <p:cNvPr id="30" name="Picture 29" descr="Chart, pie chart&#10;&#10;Description automatically generated">
+            <a:extLst>
+              <a:ext uri="{FF2B5EF4-FFF2-40B4-BE49-F238E27FC236}">
+                <a16:creationId xmlns:a16="http://schemas.microsoft.com/office/drawing/2014/main" id="{3D5F2977-50DE-1B4C-85D6-505636617611}"/>
+              </a:ext>
+            </a:extLst>
+          </p:cNvPr>
+          <p:cNvPicPr>
+            <a:picLocks noChangeAspect="1"/>
+          </p:cNvPicPr>
+          <p:nvPr/>
+        </p:nvPicPr>
+        <p:blipFill>
+          <a:blip r:embed="rId4"/>
+          <a:stretch>
+            <a:fillRect/>
+          </a:stretch>
+        </p:blipFill>
+        <p:spPr>
+          <a:xfrm>
+            <a:off x="5633010" y="1949467"/>
+            <a:ext cx="3581399" cy="2387599"/>
+          </a:xfrm>
+          <a:prstGeom prst="rect">
+            <a:avLst/>
+          </a:prstGeom>
+        </p:spPr>
+      </p:pic>
+      <p:sp>
+        <p:nvSpPr>
+          <p:cNvPr id="41" name="TextBox 40">
+            <a:extLst>
+              <a:ext uri="{FF2B5EF4-FFF2-40B4-BE49-F238E27FC236}">
+                <a16:creationId xmlns:a16="http://schemas.microsoft.com/office/drawing/2014/main" id="{D4E064E1-078D-A14B-B788-8BA616038666}"/>
               </a:ext>
             </a:extLst>
           </p:cNvPr>
@@ -8615,8 +8953,8 @@
         </p:nvSpPr>
         <p:spPr>
           <a:xfrm>
-            <a:off x="860440" y="1328380"/>
-            <a:ext cx="2432269" cy="477054"/>
+            <a:off x="870017" y="1192073"/>
+            <a:ext cx="1753685" cy="477054"/>
           </a:xfrm>
           <a:prstGeom prst="rect">
             <a:avLst/>
@@ -8631,17 +8969,17 @@
           <a:p>
             <a:r>
               <a:rPr lang="en-IL" sz="2500" u="sng" dirty="0"/>
-              <a:t>Top Rated Strains</a:t>
-            </a:r>
-          </a:p>
-        </p:txBody>
-      </p:sp>
-      <p:sp>
-        <p:nvSpPr>
-          <p:cNvPr id="18" name="TextBox 17">
-            <a:extLst>
-              <a:ext uri="{FF2B5EF4-FFF2-40B4-BE49-F238E27FC236}">
-                <a16:creationId xmlns:a16="http://schemas.microsoft.com/office/drawing/2014/main" id="{D4EEBBFF-6A0D-DD4A-A189-B26D1451CC02}"/>
+              <a:t>Strain Types</a:t>
+            </a:r>
+          </a:p>
+        </p:txBody>
+      </p:sp>
+      <p:sp>
+        <p:nvSpPr>
+          <p:cNvPr id="42" name="TextBox 41">
+            <a:extLst>
+              <a:ext uri="{FF2B5EF4-FFF2-40B4-BE49-F238E27FC236}">
+                <a16:creationId xmlns:a16="http://schemas.microsoft.com/office/drawing/2014/main" id="{C080A2E2-BDCA-1146-AEB8-8C6E5BCEFC8A}"/>
               </a:ext>
             </a:extLst>
           </p:cNvPr>
@@ -8650,8 +8988,8 @@
         </p:nvSpPr>
         <p:spPr>
           <a:xfrm>
-            <a:off x="860440" y="1805434"/>
-            <a:ext cx="5790752" cy="369332"/>
+            <a:off x="870017" y="1669127"/>
+            <a:ext cx="4616328" cy="369332"/>
           </a:xfrm>
           <a:prstGeom prst="rect">
             <a:avLst/>
@@ -8666,17 +9004,17 @@
           <a:p>
             <a:r>
               <a:rPr lang="en-IL" dirty="0"/>
-              <a:t>The calculation is (Rating * Rating Users) / Max Rating Users</a:t>
-            </a:r>
-          </a:p>
-        </p:txBody>
-      </p:sp>
-      <p:sp>
-        <p:nvSpPr>
-          <p:cNvPr id="19" name="TextBox 18">
-            <a:extLst>
-              <a:ext uri="{FF2B5EF4-FFF2-40B4-BE49-F238E27FC236}">
-                <a16:creationId xmlns:a16="http://schemas.microsoft.com/office/drawing/2014/main" id="{F830FEE2-5355-1847-9F58-38DD55AC1CC4}"/>
+              <a:t>More than 50% of our data are “Hybrid” strains</a:t>
+            </a:r>
+          </a:p>
+        </p:txBody>
+      </p:sp>
+      <p:sp>
+        <p:nvSpPr>
+          <p:cNvPr id="43" name="TextBox 42">
+            <a:extLst>
+              <a:ext uri="{FF2B5EF4-FFF2-40B4-BE49-F238E27FC236}">
+                <a16:creationId xmlns:a16="http://schemas.microsoft.com/office/drawing/2014/main" id="{6CD3BDA3-CB29-1E45-B8B8-D807C1EB93A7}"/>
               </a:ext>
             </a:extLst>
           </p:cNvPr>
@@ -8685,8 +9023,8 @@
         </p:nvSpPr>
         <p:spPr>
           <a:xfrm>
-            <a:off x="860440" y="2287427"/>
-            <a:ext cx="2296141" cy="477054"/>
+            <a:off x="5769037" y="1182237"/>
+            <a:ext cx="3371436" cy="477054"/>
           </a:xfrm>
           <a:prstGeom prst="rect">
             <a:avLst/>
@@ -8701,17 +9039,17 @@
           <a:p>
             <a:r>
               <a:rPr lang="en-IL" sz="2500" u="sng" dirty="0"/>
-              <a:t>Rating by THC %</a:t>
-            </a:r>
-          </a:p>
-        </p:txBody>
-      </p:sp>
-      <p:sp>
-        <p:nvSpPr>
-          <p:cNvPr id="20" name="TextBox 19">
-            <a:extLst>
-              <a:ext uri="{FF2B5EF4-FFF2-40B4-BE49-F238E27FC236}">
-                <a16:creationId xmlns:a16="http://schemas.microsoft.com/office/drawing/2014/main" id="{509C1D13-3CDB-1043-AC0E-25A32C580976}"/>
+              <a:t>Most Common Terpenes</a:t>
+            </a:r>
+          </a:p>
+        </p:txBody>
+      </p:sp>
+      <p:sp>
+        <p:nvSpPr>
+          <p:cNvPr id="44" name="TextBox 43">
+            <a:extLst>
+              <a:ext uri="{FF2B5EF4-FFF2-40B4-BE49-F238E27FC236}">
+                <a16:creationId xmlns:a16="http://schemas.microsoft.com/office/drawing/2014/main" id="{3838845F-4A08-5148-9AC7-D2A8878DACEA}"/>
               </a:ext>
             </a:extLst>
           </p:cNvPr>
@@ -8720,8 +9058,8 @@
         </p:nvSpPr>
         <p:spPr>
           <a:xfrm>
-            <a:off x="860440" y="2764481"/>
-            <a:ext cx="5158720" cy="923330"/>
+            <a:off x="5769037" y="1659291"/>
+            <a:ext cx="3814699" cy="369332"/>
           </a:xfrm>
           <a:prstGeom prst="rect">
             <a:avLst/>
@@ -8736,27 +9074,161 @@
           <a:p>
             <a:r>
               <a:rPr lang="en-IL" dirty="0"/>
-              <a:t>Strains with under 15% THC usually have high rating. </a:t>
-            </a:r>
-          </a:p>
+              <a:t>The most common terpene is Myrcene</a:t>
+            </a:r>
+          </a:p>
+        </p:txBody>
+      </p:sp>
+      <p:pic>
+        <p:nvPicPr>
+          <p:cNvPr id="21" name="Picture 20" descr="Chart, pie chart&#10;&#10;Description automatically generated">
+            <a:extLst>
+              <a:ext uri="{FF2B5EF4-FFF2-40B4-BE49-F238E27FC236}">
+                <a16:creationId xmlns:a16="http://schemas.microsoft.com/office/drawing/2014/main" id="{29376A88-E520-BA40-A9E1-7F8D46FBD150}"/>
+              </a:ext>
+            </a:extLst>
+          </p:cNvPr>
+          <p:cNvPicPr>
+            <a:picLocks noChangeAspect="1"/>
+          </p:cNvPicPr>
+          <p:nvPr/>
+        </p:nvPicPr>
+        <p:blipFill>
+          <a:blip r:embed="rId5"/>
+          <a:stretch>
+            <a:fillRect/>
+          </a:stretch>
+        </p:blipFill>
+        <p:spPr>
+          <a:xfrm>
+            <a:off x="5710489" y="4336860"/>
+            <a:ext cx="3488531" cy="2325687"/>
+          </a:xfrm>
+          <a:prstGeom prst="rect">
+            <a:avLst/>
+          </a:prstGeom>
+        </p:spPr>
+      </p:pic>
+      <p:sp>
+        <p:nvSpPr>
+          <p:cNvPr id="23" name="TextBox 22">
+            <a:extLst>
+              <a:ext uri="{FF2B5EF4-FFF2-40B4-BE49-F238E27FC236}">
+                <a16:creationId xmlns:a16="http://schemas.microsoft.com/office/drawing/2014/main" id="{04E45AB1-9C1F-9F47-9BD3-993C73185563}"/>
+              </a:ext>
+            </a:extLst>
+          </p:cNvPr>
+          <p:cNvSpPr txBox="1"/>
+          <p:nvPr/>
+        </p:nvSpPr>
+        <p:spPr>
+          <a:xfrm>
+            <a:off x="837560" y="4102139"/>
+            <a:ext cx="5508752" cy="477054"/>
+          </a:xfrm>
+          <a:prstGeom prst="rect">
+            <a:avLst/>
+          </a:prstGeom>
+          <a:noFill/>
+        </p:spPr>
+        <p:txBody>
+          <a:bodyPr wrap="none" rtlCol="0">
+            <a:spAutoFit/>
+          </a:bodyPr>
+          <a:lstStyle/>
+          <a:p>
+            <a:r>
+              <a:rPr lang="en-IL" sz="2500" u="sng" dirty="0"/>
+              <a:t>Top 3 Flavors / Feelings – Strain Type Dist</a:t>
+            </a:r>
+          </a:p>
+        </p:txBody>
+      </p:sp>
+      <p:sp>
+        <p:nvSpPr>
+          <p:cNvPr id="24" name="TextBox 23">
+            <a:extLst>
+              <a:ext uri="{FF2B5EF4-FFF2-40B4-BE49-F238E27FC236}">
+                <a16:creationId xmlns:a16="http://schemas.microsoft.com/office/drawing/2014/main" id="{0C43F06B-9D05-114A-BF4C-5F8EF5D66D14}"/>
+              </a:ext>
+            </a:extLst>
+          </p:cNvPr>
+          <p:cNvSpPr txBox="1"/>
+          <p:nvPr/>
+        </p:nvSpPr>
+        <p:spPr>
+          <a:xfrm>
+            <a:off x="833002" y="4503206"/>
+            <a:ext cx="5987473" cy="923330"/>
+          </a:xfrm>
+          <a:prstGeom prst="rect">
+            <a:avLst/>
+          </a:prstGeom>
+          <a:noFill/>
+        </p:spPr>
+        <p:txBody>
+          <a:bodyPr wrap="none" rtlCol="0">
+            <a:spAutoFit/>
+          </a:bodyPr>
+          <a:lstStyle/>
           <a:p>
             <a:r>
               <a:rPr lang="en-IL" dirty="0"/>
-              <a:t>At around 15% we can see lower rating.</a:t>
-            </a:r>
-          </a:p>
-          <a:p>
+              <a:t>The ratio between the types remains the same, which shows</a:t>
+            </a:r>
+          </a:p>
+          <a:p>
+            <a:r>
+              <a:rPr lang="en-US" dirty="0"/>
+              <a:t>T</a:t>
+            </a:r>
             <a:r>
               <a:rPr lang="en-IL" dirty="0"/>
-              <a:t>Over 15% the amount of low ratings is decreasing.</a:t>
-            </a:r>
-          </a:p>
-        </p:txBody>
-      </p:sp>
+              <a:t>hat all types share the same top flavors.</a:t>
+            </a:r>
+          </a:p>
+          <a:p>
+            <a:r>
+              <a:rPr lang="en-IL" dirty="0"/>
+              <a:t>The same happens for ”Top 3 Feelings”</a:t>
+            </a:r>
+          </a:p>
+        </p:txBody>
+      </p:sp>
+      <p:pic>
+        <p:nvPicPr>
+          <p:cNvPr id="10" name="Picture 9" descr="Chart, pie chart&#10;&#10;Description automatically generated">
+            <a:extLst>
+              <a:ext uri="{FF2B5EF4-FFF2-40B4-BE49-F238E27FC236}">
+                <a16:creationId xmlns:a16="http://schemas.microsoft.com/office/drawing/2014/main" id="{780E76E9-6AD3-BA47-A616-4F8CC81BD122}"/>
+              </a:ext>
+            </a:extLst>
+          </p:cNvPr>
+          <p:cNvPicPr>
+            <a:picLocks noChangeAspect="1"/>
+          </p:cNvPicPr>
+          <p:nvPr/>
+        </p:nvPicPr>
+        <p:blipFill>
+          <a:blip r:embed="rId6"/>
+          <a:stretch>
+            <a:fillRect/>
+          </a:stretch>
+        </p:blipFill>
+        <p:spPr>
+          <a:xfrm>
+            <a:off x="8149765" y="4306380"/>
+            <a:ext cx="3604815" cy="2403210"/>
+          </a:xfrm>
+          <a:prstGeom prst="rect">
+            <a:avLst/>
+          </a:prstGeom>
+        </p:spPr>
+      </p:pic>
     </p:spTree>
     <p:extLst>
       <p:ext uri="{BB962C8B-B14F-4D97-AF65-F5344CB8AC3E}">
-        <p14:creationId xmlns:p14="http://schemas.microsoft.com/office/powerpoint/2010/main" val="490792630"/>
+        <p14:creationId xmlns:p14="http://schemas.microsoft.com/office/powerpoint/2010/main" val="3763180488"/>
       </p:ext>
     </p:extLst>
   </p:cSld>
@@ -9106,161 +9578,410 @@
                   <a:srgbClr val="FFFFFF"/>
                 </a:solidFill>
               </a:rPr>
-              <a:t>Machine Learning</a:t>
-            </a:r>
-          </a:p>
-        </p:txBody>
-      </p:sp>
-      <p:sp>
-        <p:nvSpPr>
-          <p:cNvPr id="3" name="Content Placeholder 2">
-            <a:extLst>
-              <a:ext uri="{FF2B5EF4-FFF2-40B4-BE49-F238E27FC236}">
-                <a16:creationId xmlns:a16="http://schemas.microsoft.com/office/drawing/2014/main" id="{BA080928-EC02-ED41-A9A8-B9C716E1803F}"/>
+              <a:t>EDA – Strain Rating</a:t>
+            </a:r>
+          </a:p>
+        </p:txBody>
+      </p:sp>
+      <p:pic>
+        <p:nvPicPr>
+          <p:cNvPr id="28" name="Picture 27" descr="Chart&#10;&#10;Description automatically generated">
+            <a:extLst>
+              <a:ext uri="{FF2B5EF4-FFF2-40B4-BE49-F238E27FC236}">
+                <a16:creationId xmlns:a16="http://schemas.microsoft.com/office/drawing/2014/main" id="{6378D805-2F84-0F4B-9D20-FA9119D7E738}"/>
+              </a:ext>
+            </a:extLst>
+          </p:cNvPr>
+          <p:cNvPicPr>
+            <a:picLocks noChangeAspect="1"/>
+          </p:cNvPicPr>
+          <p:nvPr/>
+        </p:nvPicPr>
+        <p:blipFill>
+          <a:blip r:embed="rId2"/>
+          <a:stretch>
+            <a:fillRect/>
+          </a:stretch>
+        </p:blipFill>
+        <p:spPr>
+          <a:xfrm>
+            <a:off x="5797374" y="2018603"/>
+            <a:ext cx="3871981" cy="2581321"/>
+          </a:xfrm>
+          <a:prstGeom prst="rect">
+            <a:avLst/>
+          </a:prstGeom>
+        </p:spPr>
+      </p:pic>
+      <p:pic>
+        <p:nvPicPr>
+          <p:cNvPr id="7" name="Picture 6" descr="Chart&#10;&#10;Description automatically generated">
+            <a:extLst>
+              <a:ext uri="{FF2B5EF4-FFF2-40B4-BE49-F238E27FC236}">
+                <a16:creationId xmlns:a16="http://schemas.microsoft.com/office/drawing/2014/main" id="{1E3279ED-889E-2F44-BEA8-DA514C2DD320}"/>
+              </a:ext>
+            </a:extLst>
+          </p:cNvPr>
+          <p:cNvPicPr>
+            <a:picLocks noChangeAspect="1"/>
+          </p:cNvPicPr>
+          <p:nvPr/>
+        </p:nvPicPr>
+        <p:blipFill>
+          <a:blip r:embed="rId3"/>
+          <a:stretch>
+            <a:fillRect/>
+          </a:stretch>
+        </p:blipFill>
+        <p:spPr>
+          <a:xfrm>
+            <a:off x="399952" y="3204477"/>
+            <a:ext cx="4378233" cy="2918822"/>
+          </a:xfrm>
+          <a:prstGeom prst="rect">
+            <a:avLst/>
+          </a:prstGeom>
+        </p:spPr>
+      </p:pic>
+      <p:sp>
+        <p:nvSpPr>
+          <p:cNvPr id="17" name="TextBox 16">
+            <a:extLst>
+              <a:ext uri="{FF2B5EF4-FFF2-40B4-BE49-F238E27FC236}">
+                <a16:creationId xmlns:a16="http://schemas.microsoft.com/office/drawing/2014/main" id="{F53B61FD-9E80-AB45-90A1-11825F898E05}"/>
+              </a:ext>
+            </a:extLst>
+          </p:cNvPr>
+          <p:cNvSpPr txBox="1"/>
+          <p:nvPr/>
+        </p:nvSpPr>
+        <p:spPr>
+          <a:xfrm>
+            <a:off x="841385" y="1541549"/>
+            <a:ext cx="2432269" cy="477054"/>
+          </a:xfrm>
+          <a:prstGeom prst="rect">
+            <a:avLst/>
+          </a:prstGeom>
+          <a:noFill/>
+        </p:spPr>
+        <p:txBody>
+          <a:bodyPr wrap="none" rtlCol="0">
+            <a:spAutoFit/>
+          </a:bodyPr>
+          <a:lstStyle/>
+          <a:p>
+            <a:r>
+              <a:rPr lang="en-IL" sz="2500" u="sng" dirty="0"/>
+              <a:t>Top Rated Strains</a:t>
+            </a:r>
+          </a:p>
+        </p:txBody>
+      </p:sp>
+      <p:sp>
+        <p:nvSpPr>
+          <p:cNvPr id="18" name="TextBox 17">
+            <a:extLst>
+              <a:ext uri="{FF2B5EF4-FFF2-40B4-BE49-F238E27FC236}">
+                <a16:creationId xmlns:a16="http://schemas.microsoft.com/office/drawing/2014/main" id="{D4EEBBFF-6A0D-DD4A-A189-B26D1451CC02}"/>
+              </a:ext>
+            </a:extLst>
+          </p:cNvPr>
+          <p:cNvSpPr txBox="1"/>
+          <p:nvPr/>
+        </p:nvSpPr>
+        <p:spPr>
+          <a:xfrm>
+            <a:off x="841385" y="2018603"/>
+            <a:ext cx="4126066" cy="646331"/>
+          </a:xfrm>
+          <a:prstGeom prst="rect">
+            <a:avLst/>
+          </a:prstGeom>
+          <a:noFill/>
+        </p:spPr>
+        <p:txBody>
+          <a:bodyPr wrap="none" rtlCol="0">
+            <a:spAutoFit/>
+          </a:bodyPr>
+          <a:lstStyle/>
+          <a:p>
+            <a:r>
+              <a:rPr lang="en-IL" dirty="0"/>
+              <a:t>The calculation is:</a:t>
+            </a:r>
+          </a:p>
+          <a:p>
+            <a:r>
+              <a:rPr lang="en-IL" dirty="0"/>
+              <a:t>(Rating * Rating Users) / Max Rating Users</a:t>
+            </a:r>
+          </a:p>
+        </p:txBody>
+      </p:sp>
+      <p:sp>
+        <p:nvSpPr>
+          <p:cNvPr id="19" name="TextBox 18">
+            <a:extLst>
+              <a:ext uri="{FF2B5EF4-FFF2-40B4-BE49-F238E27FC236}">
+                <a16:creationId xmlns:a16="http://schemas.microsoft.com/office/drawing/2014/main" id="{F830FEE2-5355-1847-9F58-38DD55AC1CC4}"/>
+              </a:ext>
+            </a:extLst>
+          </p:cNvPr>
+          <p:cNvSpPr txBox="1"/>
+          <p:nvPr/>
+        </p:nvSpPr>
+        <p:spPr>
+          <a:xfrm>
+            <a:off x="6089190" y="523800"/>
+            <a:ext cx="2296141" cy="477054"/>
+          </a:xfrm>
+          <a:prstGeom prst="rect">
+            <a:avLst/>
+          </a:prstGeom>
+          <a:noFill/>
+        </p:spPr>
+        <p:txBody>
+          <a:bodyPr wrap="none" rtlCol="0">
+            <a:spAutoFit/>
+          </a:bodyPr>
+          <a:lstStyle/>
+          <a:p>
+            <a:r>
+              <a:rPr lang="en-IL" sz="2500" u="sng" dirty="0"/>
+              <a:t>Rating by THC %</a:t>
+            </a:r>
+          </a:p>
+        </p:txBody>
+      </p:sp>
+      <p:sp>
+        <p:nvSpPr>
+          <p:cNvPr id="20" name="TextBox 19">
+            <a:extLst>
+              <a:ext uri="{FF2B5EF4-FFF2-40B4-BE49-F238E27FC236}">
+                <a16:creationId xmlns:a16="http://schemas.microsoft.com/office/drawing/2014/main" id="{509C1D13-3CDB-1043-AC0E-25A32C580976}"/>
+              </a:ext>
+            </a:extLst>
+          </p:cNvPr>
+          <p:cNvSpPr txBox="1"/>
+          <p:nvPr/>
+        </p:nvSpPr>
+        <p:spPr>
+          <a:xfrm>
+            <a:off x="6089190" y="1000854"/>
+            <a:ext cx="5158720" cy="1200329"/>
+          </a:xfrm>
+          <a:prstGeom prst="rect">
+            <a:avLst/>
+          </a:prstGeom>
+          <a:noFill/>
+        </p:spPr>
+        <p:txBody>
+          <a:bodyPr wrap="none" rtlCol="0">
+            <a:spAutoFit/>
+          </a:bodyPr>
+          <a:lstStyle/>
+          <a:p>
+            <a:r>
+              <a:rPr lang="en-IL" dirty="0"/>
+              <a:t>Strains with under 15% THC usually have high rating. </a:t>
+            </a:r>
+          </a:p>
+          <a:p>
+            <a:r>
+              <a:rPr lang="en-IL" dirty="0"/>
+              <a:t>At around 15% we can see lower rating.</a:t>
+            </a:r>
+          </a:p>
+          <a:p>
+            <a:r>
+              <a:rPr lang="en-IL" dirty="0"/>
+              <a:t>Over 15% the amount of low ratings is decreasing.</a:t>
+            </a:r>
+          </a:p>
+          <a:p>
+            <a:r>
+              <a:rPr lang="en-IL" dirty="0"/>
+              <a:t>We can see some outliers, so they were cleaned.</a:t>
+            </a:r>
+          </a:p>
+        </p:txBody>
+      </p:sp>
+      <p:pic>
+        <p:nvPicPr>
+          <p:cNvPr id="4" name="Picture 3" descr="A screenshot of a computer&#10;&#10;Description automatically generated with medium confidence">
+            <a:extLst>
+              <a:ext uri="{FF2B5EF4-FFF2-40B4-BE49-F238E27FC236}">
+                <a16:creationId xmlns:a16="http://schemas.microsoft.com/office/drawing/2014/main" id="{C15DA457-DA22-1E4D-9BC1-794069E70DCF}"/>
+              </a:ext>
+            </a:extLst>
+          </p:cNvPr>
+          <p:cNvPicPr>
+            <a:picLocks noChangeAspect="1"/>
+          </p:cNvPicPr>
+          <p:nvPr/>
+        </p:nvPicPr>
+        <p:blipFill>
+          <a:blip r:embed="rId4"/>
+          <a:stretch>
+            <a:fillRect/>
+          </a:stretch>
+        </p:blipFill>
+        <p:spPr>
+          <a:xfrm>
+            <a:off x="8517966" y="4276679"/>
+            <a:ext cx="3871981" cy="2581321"/>
+          </a:xfrm>
+          <a:prstGeom prst="rect">
+            <a:avLst/>
+          </a:prstGeom>
+        </p:spPr>
+      </p:pic>
+      <p:sp>
+        <p:nvSpPr>
+          <p:cNvPr id="5" name="TextBox 4">
+            <a:extLst>
+              <a:ext uri="{FF2B5EF4-FFF2-40B4-BE49-F238E27FC236}">
+                <a16:creationId xmlns:a16="http://schemas.microsoft.com/office/drawing/2014/main" id="{5EF85276-B471-ED45-91A1-3AB0182501B4}"/>
+              </a:ext>
+            </a:extLst>
+          </p:cNvPr>
+          <p:cNvSpPr txBox="1"/>
+          <p:nvPr/>
+        </p:nvSpPr>
+        <p:spPr>
+          <a:xfrm>
+            <a:off x="8341977" y="3920269"/>
+            <a:ext cx="950901" cy="369332"/>
+          </a:xfrm>
+          <a:prstGeom prst="rect">
+            <a:avLst/>
+          </a:prstGeom>
+          <a:noFill/>
+        </p:spPr>
+        <p:txBody>
+          <a:bodyPr wrap="none" rtlCol="0">
+            <a:spAutoFit/>
+          </a:bodyPr>
+          <a:lstStyle/>
+          <a:p>
+            <a:r>
+              <a:rPr lang="en-IL" dirty="0"/>
+              <a:t>Pre-EDA</a:t>
+            </a:r>
+          </a:p>
+        </p:txBody>
+      </p:sp>
+      <p:sp>
+        <p:nvSpPr>
+          <p:cNvPr id="21" name="TextBox 20">
+            <a:extLst>
+              <a:ext uri="{FF2B5EF4-FFF2-40B4-BE49-F238E27FC236}">
+                <a16:creationId xmlns:a16="http://schemas.microsoft.com/office/drawing/2014/main" id="{80EE4609-524C-7B41-BEAF-3627BBFE2524}"/>
+              </a:ext>
+            </a:extLst>
+          </p:cNvPr>
+          <p:cNvSpPr txBox="1"/>
+          <p:nvPr/>
+        </p:nvSpPr>
+        <p:spPr>
+          <a:xfrm>
+            <a:off x="9057063" y="6123299"/>
+            <a:ext cx="1032590" cy="369332"/>
+          </a:xfrm>
+          <a:prstGeom prst="rect">
+            <a:avLst/>
+          </a:prstGeom>
+          <a:noFill/>
+        </p:spPr>
+        <p:txBody>
+          <a:bodyPr wrap="none" rtlCol="0">
+            <a:spAutoFit/>
+          </a:bodyPr>
+          <a:lstStyle/>
+          <a:p>
+            <a:r>
+              <a:rPr lang="en-IL" dirty="0"/>
+              <a:t>Post-EDA</a:t>
+            </a:r>
+          </a:p>
+        </p:txBody>
+      </p:sp>
+    </p:spTree>
+    <p:extLst>
+      <p:ext uri="{BB962C8B-B14F-4D97-AF65-F5344CB8AC3E}">
+        <p14:creationId xmlns:p14="http://schemas.microsoft.com/office/powerpoint/2010/main" val="490792630"/>
+      </p:ext>
+    </p:extLst>
+  </p:cSld>
+  <p:clrMapOvr>
+    <a:overrideClrMapping bg1="dk1" tx1="lt1" bg2="dk2" tx2="lt2" accent1="accent1" accent2="accent2" accent3="accent3" accent4="accent4" accent5="accent5" accent6="accent6" hlink="hlink" folHlink="folHlink"/>
+  </p:clrMapOvr>
+</p:sld>
+</file>
+
+<file path=ppt/slides/slide14.xml><?xml version="1.0" encoding="utf-8"?>
+<p:sld xmlns:a="http://schemas.openxmlformats.org/drawingml/2006/main" xmlns:r="http://schemas.openxmlformats.org/officeDocument/2006/relationships" xmlns:p="http://schemas.openxmlformats.org/presentationml/2006/main">
+  <p:cSld>
+    <p:bg>
+      <p:bgPr>
+        <a:solidFill>
+          <a:srgbClr val="404040"/>
+        </a:solidFill>
+        <a:effectLst/>
+      </p:bgPr>
+    </p:bg>
+    <p:spTree>
+      <p:nvGrpSpPr>
+        <p:cNvPr id="1" name=""/>
+        <p:cNvGrpSpPr/>
+        <p:nvPr/>
+      </p:nvGrpSpPr>
+      <p:grpSpPr>
+        <a:xfrm>
+          <a:off x="0" y="0"/>
+          <a:ext cx="0" cy="0"/>
+          <a:chOff x="0" y="0"/>
+          <a:chExt cx="0" cy="0"/>
+        </a:xfrm>
+      </p:grpSpPr>
+      <p:sp>
+        <p:nvSpPr>
+          <p:cNvPr id="14" name="Rectangle 7">
+            <a:extLst>
+              <a:ext uri="{FF2B5EF4-FFF2-40B4-BE49-F238E27FC236}">
+                <a16:creationId xmlns:a16="http://schemas.microsoft.com/office/drawing/2014/main" id="{EA67B5B4-3A24-436E-B663-1B2EBFF8A0CD}"/>
+              </a:ext>
+              <a:ext uri="{C183D7F6-B498-43B3-948B-1728B52AA6E4}">
+                <adec:decorative xmlns:adec="http://schemas.microsoft.com/office/drawing/2017/decorative" val="1"/>
               </a:ext>
             </a:extLst>
           </p:cNvPr>
           <p:cNvSpPr>
-            <a:spLocks noGrp="1"/>
+            <a:spLocks noGrp="1" noRot="1" noChangeAspect="1" noMove="1" noResize="1" noEditPoints="1" noAdjustHandles="1" noChangeArrowheads="1" noChangeShapeType="1" noTextEdit="1"/>
           </p:cNvSpPr>
           <p:nvPr>
-            <p:ph idx="1"/>
+            <p:extLst>
+              <p:ext uri="{386F3935-93C4-4BCD-93E2-E3B085C9AB24}">
+                <p16:designElem xmlns:p16="http://schemas.microsoft.com/office/powerpoint/2015/main" val="1"/>
+              </p:ext>
+            </p:extLst>
           </p:nvPr>
         </p:nvSpPr>
         <p:spPr>
           <a:xfrm>
-            <a:off x="838201" y="1406523"/>
-            <a:ext cx="10515598" cy="4154361"/>
-          </a:xfrm>
-        </p:spPr>
-        <p:txBody>
-          <a:bodyPr>
-            <a:normAutofit/>
-          </a:bodyPr>
-          <a:lstStyle/>
-          <a:p>
-            <a:pPr marL="0" indent="0">
-              <a:buNone/>
-            </a:pPr>
-            <a:r>
-              <a:rPr lang="en-IL" sz="2500" u="sng" dirty="0">
-                <a:solidFill>
-                  <a:srgbClr val="FFFFFF"/>
-                </a:solidFill>
-              </a:rPr>
-              <a:t>The Goal</a:t>
-            </a:r>
-          </a:p>
-          <a:p>
-            <a:pPr marL="0" indent="0">
-              <a:buNone/>
-            </a:pPr>
-            <a:r>
-              <a:rPr lang="en-IL" sz="1800" dirty="0">
-                <a:solidFill>
-                  <a:srgbClr val="FFFFFF"/>
-                </a:solidFill>
-              </a:rPr>
-              <a:t>Create a model that can predict whether a strain is “Hybrid”, “Sativa” or “Indica”.</a:t>
-            </a:r>
-          </a:p>
-          <a:p>
-            <a:pPr marL="0" indent="0">
-              <a:buNone/>
-            </a:pPr>
-            <a:endParaRPr lang="en-IL" sz="1800" dirty="0">
-              <a:solidFill>
-                <a:srgbClr val="FFFFFF"/>
-              </a:solidFill>
-            </a:endParaRPr>
-          </a:p>
-          <a:p>
-            <a:pPr marL="0" indent="0">
-              <a:buNone/>
-            </a:pPr>
-            <a:r>
-              <a:rPr lang="en-IL" sz="1800" u="sng" dirty="0">
-                <a:solidFill>
-                  <a:srgbClr val="FFFFFF"/>
-                </a:solidFill>
-              </a:rPr>
-              <a:t>The Method</a:t>
-            </a:r>
-          </a:p>
-          <a:p>
-            <a:pPr marL="0" indent="0">
-              <a:buNone/>
-            </a:pPr>
-            <a:r>
-              <a:rPr lang="en-IL" sz="1800" dirty="0">
-                <a:solidFill>
-                  <a:srgbClr val="FFFFFF"/>
-                </a:solidFill>
-              </a:rPr>
-              <a:t>We used ‘sklearn’ library and Logistic Regression method to train and predict the strain type.</a:t>
-            </a:r>
-          </a:p>
-          <a:p>
-            <a:pPr marL="0" indent="0">
-              <a:buNone/>
-            </a:pPr>
-            <a:r>
-              <a:rPr lang="en-IL" sz="1800" dirty="0">
-                <a:solidFill>
-                  <a:srgbClr val="FFFFFF"/>
-                </a:solidFill>
-              </a:rPr>
-              <a:t>The reason we chose Logistic Regression is that our type of predicition is a </a:t>
-            </a:r>
-            <a:r>
-              <a:rPr lang="en-US" sz="1800" dirty="0">
-                <a:solidFill>
-                  <a:srgbClr val="FFFFFF"/>
-                </a:solidFill>
-              </a:rPr>
-              <a:t>classification problem.</a:t>
-            </a:r>
-            <a:endParaRPr lang="en-IL" sz="1800" dirty="0">
-              <a:solidFill>
-                <a:srgbClr val="FFFFFF"/>
-              </a:solidFill>
-            </a:endParaRPr>
-          </a:p>
-          <a:p>
-            <a:pPr marL="0" indent="0">
-              <a:buNone/>
-            </a:pPr>
-            <a:endParaRPr lang="en-IL" sz="1800" dirty="0">
-              <a:solidFill>
-                <a:srgbClr val="FFFFFF"/>
-              </a:solidFill>
-            </a:endParaRPr>
-          </a:p>
-        </p:txBody>
-      </p:sp>
-      <p:sp>
-        <p:nvSpPr>
-          <p:cNvPr id="4" name="Rounded Rectangle 3">
-            <a:extLst>
-              <a:ext uri="{FF2B5EF4-FFF2-40B4-BE49-F238E27FC236}">
-                <a16:creationId xmlns:a16="http://schemas.microsoft.com/office/drawing/2014/main" id="{2E0B6723-2158-5E44-813B-BA76DB25D7E2}"/>
-              </a:ext>
-            </a:extLst>
-          </p:cNvPr>
-          <p:cNvSpPr/>
-          <p:nvPr/>
-        </p:nvSpPr>
-        <p:spPr>
-          <a:xfrm>
-            <a:off x="4618827" y="4567132"/>
-            <a:ext cx="1834816" cy="1642310"/>
-          </a:xfrm>
-          <a:prstGeom prst="roundRect">
+            <a:off x="0" y="-3324"/>
+            <a:ext cx="12192000" cy="6861324"/>
+          </a:xfrm>
+          <a:prstGeom prst="rect">
             <a:avLst/>
           </a:prstGeom>
           <a:solidFill>
-            <a:srgbClr val="00D938"/>
+            <a:srgbClr val="404040"/>
           </a:solidFill>
+          <a:ln>
+            <a:noFill/>
+          </a:ln>
         </p:spPr>
         <p:style>
           <a:lnRef idx="2">
@@ -9283,38 +10004,92 @@
           <a:lstStyle/>
           <a:p>
             <a:pPr algn="ctr"/>
-            <a:r>
-              <a:rPr lang="en-IL" dirty="0"/>
-              <a:t>Logistic Regression</a:t>
-            </a:r>
-          </a:p>
-        </p:txBody>
-      </p:sp>
-      <p:sp>
-        <p:nvSpPr>
-          <p:cNvPr id="5" name="Right Arrow 4">
-            <a:extLst>
-              <a:ext uri="{FF2B5EF4-FFF2-40B4-BE49-F238E27FC236}">
-                <a16:creationId xmlns:a16="http://schemas.microsoft.com/office/drawing/2014/main" id="{A181332A-450F-1542-9875-C28E7569D14D}"/>
-              </a:ext>
-            </a:extLst>
-          </p:cNvPr>
-          <p:cNvSpPr/>
-          <p:nvPr/>
-        </p:nvSpPr>
-        <p:spPr>
-          <a:xfrm>
-            <a:off x="3022211" y="4765932"/>
-            <a:ext cx="1530456" cy="242225"/>
-          </a:xfrm>
-          <a:prstGeom prst="rightArrow">
+            <a:endParaRPr lang="en-US"/>
+          </a:p>
+        </p:txBody>
+      </p:sp>
+      <p:sp>
+        <p:nvSpPr>
+          <p:cNvPr id="15" name="Freeform 13">
+            <a:extLst>
+              <a:ext uri="{FF2B5EF4-FFF2-40B4-BE49-F238E27FC236}">
+                <a16:creationId xmlns:a16="http://schemas.microsoft.com/office/drawing/2014/main" id="{987FDF89-C993-41F4-A1B8-DBAFF16008A9}"/>
+              </a:ext>
+              <a:ext uri="{C183D7F6-B498-43B3-948B-1728B52AA6E4}">
+                <adec:decorative xmlns:adec="http://schemas.microsoft.com/office/drawing/2017/decorative" val="1"/>
+              </a:ext>
+            </a:extLst>
+          </p:cNvPr>
+          <p:cNvSpPr>
+            <a:spLocks noGrp="1" noRot="1" noChangeAspect="1" noMove="1" noResize="1" noEditPoints="1" noAdjustHandles="1" noChangeArrowheads="1" noChangeShapeType="1" noTextEdit="1"/>
+          </p:cNvSpPr>
+          <p:nvPr>
+            <p:extLst>
+              <p:ext uri="{386F3935-93C4-4BCD-93E2-E3B085C9AB24}">
+                <p16:designElem xmlns:p16="http://schemas.microsoft.com/office/powerpoint/2015/main" val="1"/>
+              </p:ext>
+            </p:extLst>
+          </p:nvPr>
+        </p:nvSpPr>
+        <p:spPr>
+          <a:xfrm>
+            <a:off x="0" y="0"/>
+            <a:ext cx="11786754" cy="6858000"/>
+          </a:xfrm>
+          <a:custGeom>
             <a:avLst/>
-          </a:prstGeom>
+            <a:gdLst>
+              <a:gd name="connsiteX0" fmla="*/ 0 w 11786754"/>
+              <a:gd name="connsiteY0" fmla="*/ 0 h 6858000"/>
+              <a:gd name="connsiteX1" fmla="*/ 8610600 w 11786754"/>
+              <a:gd name="connsiteY1" fmla="*/ 0 h 6858000"/>
+              <a:gd name="connsiteX2" fmla="*/ 11786754 w 11786754"/>
+              <a:gd name="connsiteY2" fmla="*/ 6858000 h 6858000"/>
+              <a:gd name="connsiteX3" fmla="*/ 0 w 11786754"/>
+              <a:gd name="connsiteY3" fmla="*/ 6858000 h 6858000"/>
+            </a:gdLst>
+            <a:ahLst/>
+            <a:cxnLst>
+              <a:cxn ang="0">
+                <a:pos x="connsiteX0" y="connsiteY0"/>
+              </a:cxn>
+              <a:cxn ang="0">
+                <a:pos x="connsiteX1" y="connsiteY1"/>
+              </a:cxn>
+              <a:cxn ang="0">
+                <a:pos x="connsiteX2" y="connsiteY2"/>
+              </a:cxn>
+              <a:cxn ang="0">
+                <a:pos x="connsiteX3" y="connsiteY3"/>
+              </a:cxn>
+            </a:cxnLst>
+            <a:rect l="l" t="t" r="r" b="b"/>
+            <a:pathLst>
+              <a:path w="11786754" h="6858000">
+                <a:moveTo>
+                  <a:pt x="0" y="0"/>
+                </a:moveTo>
+                <a:lnTo>
+                  <a:pt x="8610600" y="0"/>
+                </a:lnTo>
+                <a:lnTo>
+                  <a:pt x="11786754" y="6858000"/>
+                </a:lnTo>
+                <a:lnTo>
+                  <a:pt x="0" y="6858000"/>
+                </a:lnTo>
+                <a:close/>
+              </a:path>
+            </a:pathLst>
+          </a:custGeom>
           <a:solidFill>
-            <a:schemeClr val="tx1">
-              <a:lumMod val="50000"/>
-            </a:schemeClr>
+            <a:srgbClr val="000000">
+              <a:alpha val="29804"/>
+            </a:srgbClr>
           </a:solidFill>
+          <a:ln>
+            <a:noFill/>
+          </a:ln>
         </p:spPr>
         <p:style>
           <a:lnRef idx="2">
@@ -9337,38 +10112,92 @@
           <a:lstStyle/>
           <a:p>
             <a:pPr algn="ctr"/>
-            <a:r>
-              <a:rPr lang="en-IL" sz="1000" dirty="0"/>
-              <a:t>Feelings</a:t>
-            </a:r>
-          </a:p>
-        </p:txBody>
-      </p:sp>
-      <p:sp>
-        <p:nvSpPr>
-          <p:cNvPr id="10" name="Right Arrow 9">
-            <a:extLst>
-              <a:ext uri="{FF2B5EF4-FFF2-40B4-BE49-F238E27FC236}">
-                <a16:creationId xmlns:a16="http://schemas.microsoft.com/office/drawing/2014/main" id="{511C89C4-CD92-5F4B-90AB-86079802D699}"/>
-              </a:ext>
-            </a:extLst>
-          </p:cNvPr>
-          <p:cNvSpPr/>
-          <p:nvPr/>
-        </p:nvSpPr>
-        <p:spPr>
-          <a:xfrm>
-            <a:off x="3022211" y="5755042"/>
-            <a:ext cx="1530456" cy="242225"/>
-          </a:xfrm>
-          <a:prstGeom prst="rightArrow">
+            <a:endParaRPr lang="en-US"/>
+          </a:p>
+        </p:txBody>
+      </p:sp>
+      <p:sp>
+        <p:nvSpPr>
+          <p:cNvPr id="16" name="Freeform 11">
+            <a:extLst>
+              <a:ext uri="{FF2B5EF4-FFF2-40B4-BE49-F238E27FC236}">
+                <a16:creationId xmlns:a16="http://schemas.microsoft.com/office/drawing/2014/main" id="{64E585EA-75FD-4025-8270-F66A58A15CDA}"/>
+              </a:ext>
+              <a:ext uri="{C183D7F6-B498-43B3-948B-1728B52AA6E4}">
+                <adec:decorative xmlns:adec="http://schemas.microsoft.com/office/drawing/2017/decorative" val="1"/>
+              </a:ext>
+            </a:extLst>
+          </p:cNvPr>
+          <p:cNvSpPr>
+            <a:spLocks noGrp="1" noRot="1" noChangeAspect="1" noMove="1" noResize="1" noEditPoints="1" noAdjustHandles="1" noChangeArrowheads="1" noChangeShapeType="1" noTextEdit="1"/>
+          </p:cNvSpPr>
+          <p:nvPr>
+            <p:extLst>
+              <p:ext uri="{386F3935-93C4-4BCD-93E2-E3B085C9AB24}">
+                <p16:designElem xmlns:p16="http://schemas.microsoft.com/office/powerpoint/2015/main" val="1"/>
+              </p:ext>
+            </p:extLst>
+          </p:nvPr>
+        </p:nvSpPr>
+        <p:spPr>
+          <a:xfrm>
+            <a:off x="0" y="0"/>
+            <a:ext cx="3581400" cy="6858000"/>
+          </a:xfrm>
+          <a:custGeom>
             <a:avLst/>
-          </a:prstGeom>
+            <a:gdLst>
+              <a:gd name="connsiteX0" fmla="*/ 0 w 3581400"/>
+              <a:gd name="connsiteY0" fmla="*/ 0 h 6858000"/>
+              <a:gd name="connsiteX1" fmla="*/ 405246 w 3581400"/>
+              <a:gd name="connsiteY1" fmla="*/ 0 h 6858000"/>
+              <a:gd name="connsiteX2" fmla="*/ 3581400 w 3581400"/>
+              <a:gd name="connsiteY2" fmla="*/ 6858000 h 6858000"/>
+              <a:gd name="connsiteX3" fmla="*/ 0 w 3581400"/>
+              <a:gd name="connsiteY3" fmla="*/ 6858000 h 6858000"/>
+            </a:gdLst>
+            <a:ahLst/>
+            <a:cxnLst>
+              <a:cxn ang="0">
+                <a:pos x="connsiteX0" y="connsiteY0"/>
+              </a:cxn>
+              <a:cxn ang="0">
+                <a:pos x="connsiteX1" y="connsiteY1"/>
+              </a:cxn>
+              <a:cxn ang="0">
+                <a:pos x="connsiteX2" y="connsiteY2"/>
+              </a:cxn>
+              <a:cxn ang="0">
+                <a:pos x="connsiteX3" y="connsiteY3"/>
+              </a:cxn>
+            </a:cxnLst>
+            <a:rect l="l" t="t" r="r" b="b"/>
+            <a:pathLst>
+              <a:path w="3581400" h="6858000">
+                <a:moveTo>
+                  <a:pt x="0" y="0"/>
+                </a:moveTo>
+                <a:lnTo>
+                  <a:pt x="405246" y="0"/>
+                </a:lnTo>
+                <a:lnTo>
+                  <a:pt x="3581400" y="6858000"/>
+                </a:lnTo>
+                <a:lnTo>
+                  <a:pt x="0" y="6858000"/>
+                </a:lnTo>
+                <a:close/>
+              </a:path>
+            </a:pathLst>
+          </a:custGeom>
           <a:solidFill>
-            <a:schemeClr val="tx1">
-              <a:lumMod val="50000"/>
-            </a:schemeClr>
+            <a:srgbClr val="000000">
+              <a:alpha val="29804"/>
+            </a:srgbClr>
           </a:solidFill>
+          <a:ln>
+            <a:noFill/>
+          </a:ln>
         </p:spPr>
         <p:style>
           <a:lnRef idx="2">
@@ -9387,23 +10216,188 @@
           </a:fontRef>
         </p:style>
         <p:txBody>
-          <a:bodyPr rtlCol="0" anchor="ctr"/>
+          <a:bodyPr wrap="square" rtlCol="0" anchor="ctr">
+            <a:noAutofit/>
+          </a:bodyPr>
           <a:lstStyle/>
           <a:p>
             <a:pPr algn="ctr"/>
-            <a:r>
-              <a:rPr lang="en-IL" sz="1000" dirty="0"/>
-              <a:t>Flavors</a:t>
-            </a:r>
-          </a:p>
-        </p:txBody>
-      </p:sp>
-      <p:sp>
-        <p:nvSpPr>
-          <p:cNvPr id="11" name="Right Arrow 10">
-            <a:extLst>
-              <a:ext uri="{FF2B5EF4-FFF2-40B4-BE49-F238E27FC236}">
-                <a16:creationId xmlns:a16="http://schemas.microsoft.com/office/drawing/2014/main" id="{51BD266D-FC42-2D4E-AFF9-61FDF41879D3}"/>
+            <a:endParaRPr lang="en-US"/>
+          </a:p>
+        </p:txBody>
+      </p:sp>
+      <p:sp>
+        <p:nvSpPr>
+          <p:cNvPr id="2" name="Title 1">
+            <a:extLst>
+              <a:ext uri="{FF2B5EF4-FFF2-40B4-BE49-F238E27FC236}">
+                <a16:creationId xmlns:a16="http://schemas.microsoft.com/office/drawing/2014/main" id="{CE660CB5-F295-8346-9CC7-56C1F7F2060C}"/>
+              </a:ext>
+            </a:extLst>
+          </p:cNvPr>
+          <p:cNvSpPr>
+            <a:spLocks noGrp="1"/>
+          </p:cNvSpPr>
+          <p:nvPr>
+            <p:ph type="title"/>
+          </p:nvPr>
+        </p:nvSpPr>
+        <p:spPr>
+          <a:xfrm>
+            <a:off x="833002" y="190030"/>
+            <a:ext cx="10520702" cy="1325563"/>
+          </a:xfrm>
+        </p:spPr>
+        <p:txBody>
+          <a:bodyPr>
+            <a:normAutofit/>
+          </a:bodyPr>
+          <a:lstStyle/>
+          <a:p>
+            <a:r>
+              <a:rPr lang="en-IL" dirty="0">
+                <a:solidFill>
+                  <a:srgbClr val="FFFFFF"/>
+                </a:solidFill>
+              </a:rPr>
+              <a:t>Machine Learning</a:t>
+            </a:r>
+          </a:p>
+        </p:txBody>
+      </p:sp>
+      <p:sp>
+        <p:nvSpPr>
+          <p:cNvPr id="3" name="Content Placeholder 2">
+            <a:extLst>
+              <a:ext uri="{FF2B5EF4-FFF2-40B4-BE49-F238E27FC236}">
+                <a16:creationId xmlns:a16="http://schemas.microsoft.com/office/drawing/2014/main" id="{BA080928-EC02-ED41-A9A8-B9C716E1803F}"/>
+              </a:ext>
+            </a:extLst>
+          </p:cNvPr>
+          <p:cNvSpPr>
+            <a:spLocks noGrp="1"/>
+          </p:cNvSpPr>
+          <p:nvPr>
+            <p:ph idx="1"/>
+          </p:nvPr>
+        </p:nvSpPr>
+        <p:spPr>
+          <a:xfrm>
+            <a:off x="838201" y="1406523"/>
+            <a:ext cx="10515598" cy="4154361"/>
+          </a:xfrm>
+        </p:spPr>
+        <p:txBody>
+          <a:bodyPr>
+            <a:normAutofit/>
+          </a:bodyPr>
+          <a:lstStyle/>
+          <a:p>
+            <a:pPr marL="0" indent="0">
+              <a:buNone/>
+            </a:pPr>
+            <a:r>
+              <a:rPr lang="en-IL" sz="2500" u="sng" dirty="0">
+                <a:solidFill>
+                  <a:srgbClr val="FFFFFF"/>
+                </a:solidFill>
+              </a:rPr>
+              <a:t>The Goal</a:t>
+            </a:r>
+          </a:p>
+          <a:p>
+            <a:pPr marL="0" indent="0">
+              <a:buNone/>
+            </a:pPr>
+            <a:r>
+              <a:rPr lang="en-IL" sz="1800" dirty="0">
+                <a:solidFill>
+                  <a:srgbClr val="FFFFFF"/>
+                </a:solidFill>
+              </a:rPr>
+              <a:t>Create a model that can predict whether a strain is “Hybrid”, “Sativa” or “Indica”.</a:t>
+            </a:r>
+          </a:p>
+          <a:p>
+            <a:pPr marL="0" indent="0">
+              <a:buNone/>
+            </a:pPr>
+            <a:endParaRPr lang="en-IL" sz="1800" dirty="0">
+              <a:solidFill>
+                <a:srgbClr val="FFFFFF"/>
+              </a:solidFill>
+            </a:endParaRPr>
+          </a:p>
+          <a:p>
+            <a:pPr marL="0" indent="0">
+              <a:buNone/>
+            </a:pPr>
+            <a:r>
+              <a:rPr lang="en-IL" sz="2500" u="sng" dirty="0">
+                <a:solidFill>
+                  <a:srgbClr val="FFFFFF"/>
+                </a:solidFill>
+              </a:rPr>
+              <a:t>The Method</a:t>
+            </a:r>
+          </a:p>
+          <a:p>
+            <a:pPr marL="0" indent="0">
+              <a:buNone/>
+            </a:pPr>
+            <a:r>
+              <a:rPr lang="en-IL" sz="1800" dirty="0">
+                <a:solidFill>
+                  <a:srgbClr val="FFFFFF"/>
+                </a:solidFill>
+              </a:rPr>
+              <a:t>We used ‘sklearn’ library and Logistic Regression method to train and predict the strain type.</a:t>
+            </a:r>
+          </a:p>
+          <a:p>
+            <a:pPr marL="0" indent="0">
+              <a:buNone/>
+            </a:pPr>
+            <a:r>
+              <a:rPr lang="en-IL" sz="1800" dirty="0">
+                <a:solidFill>
+                  <a:srgbClr val="FFFFFF"/>
+                </a:solidFill>
+              </a:rPr>
+              <a:t>The reason we chose Logistic Regression is that our type of predicition is a </a:t>
+            </a:r>
+            <a:r>
+              <a:rPr lang="en-US" sz="1800" dirty="0">
+                <a:solidFill>
+                  <a:srgbClr val="FFFFFF"/>
+                </a:solidFill>
+              </a:rPr>
+              <a:t>classification problem.</a:t>
+            </a:r>
+            <a:endParaRPr lang="en-IL" sz="1800" dirty="0">
+              <a:solidFill>
+                <a:srgbClr val="FFFFFF"/>
+              </a:solidFill>
+            </a:endParaRPr>
+          </a:p>
+          <a:p>
+            <a:pPr marL="0" indent="0">
+              <a:buNone/>
+            </a:pPr>
+            <a:endParaRPr lang="en-IL" sz="1800" dirty="0">
+              <a:solidFill>
+                <a:srgbClr val="FFFFFF"/>
+              </a:solidFill>
+            </a:endParaRPr>
+          </a:p>
+        </p:txBody>
+      </p:sp>
+      <p:sp>
+        <p:nvSpPr>
+          <p:cNvPr id="4" name="Rounded Rectangle 3">
+            <a:extLst>
+              <a:ext uri="{FF2B5EF4-FFF2-40B4-BE49-F238E27FC236}">
+                <a16:creationId xmlns:a16="http://schemas.microsoft.com/office/drawing/2014/main" id="{2E0B6723-2158-5E44-813B-BA76DB25D7E2}"/>
               </a:ext>
             </a:extLst>
           </p:cNvPr>
@@ -9412,16 +10406,14 @@
         </p:nvSpPr>
         <p:spPr>
           <a:xfrm>
-            <a:off x="3022211" y="5414489"/>
-            <a:ext cx="1530456" cy="242225"/>
-          </a:xfrm>
-          <a:prstGeom prst="rightArrow">
+            <a:off x="4618827" y="4567132"/>
+            <a:ext cx="1834816" cy="1642310"/>
+          </a:xfrm>
+          <a:prstGeom prst="roundRect">
             <a:avLst/>
           </a:prstGeom>
           <a:solidFill>
-            <a:schemeClr val="tx1">
-              <a:lumMod val="50000"/>
-            </a:schemeClr>
+            <a:srgbClr val="00D938"/>
           </a:solidFill>
         </p:spPr>
         <p:style>
@@ -9446,18 +10438,18 @@
           <a:p>
             <a:pPr algn="ctr"/>
             <a:r>
-              <a:rPr lang="en-IL" sz="1000" dirty="0"/>
-              <a:t>THC %</a:t>
-            </a:r>
-          </a:p>
-        </p:txBody>
-      </p:sp>
-      <p:sp>
-        <p:nvSpPr>
-          <p:cNvPr id="12" name="Right Arrow 11">
-            <a:extLst>
-              <a:ext uri="{FF2B5EF4-FFF2-40B4-BE49-F238E27FC236}">
-                <a16:creationId xmlns:a16="http://schemas.microsoft.com/office/drawing/2014/main" id="{02173687-FB0B-5640-AC14-5F44C3F173AE}"/>
+              <a:rPr lang="en-IL" dirty="0"/>
+              <a:t>Logistic Regression</a:t>
+            </a:r>
+          </a:p>
+        </p:txBody>
+      </p:sp>
+      <p:sp>
+        <p:nvSpPr>
+          <p:cNvPr id="5" name="Right Arrow 4">
+            <a:extLst>
+              <a:ext uri="{FF2B5EF4-FFF2-40B4-BE49-F238E27FC236}">
+                <a16:creationId xmlns:a16="http://schemas.microsoft.com/office/drawing/2014/main" id="{A181332A-450F-1542-9875-C28E7569D14D}"/>
               </a:ext>
             </a:extLst>
           </p:cNvPr>
@@ -9466,7 +10458,7 @@
         </p:nvSpPr>
         <p:spPr>
           <a:xfrm>
-            <a:off x="3029481" y="5092106"/>
+            <a:off x="3022211" y="4765932"/>
             <a:ext cx="1530456" cy="242225"/>
           </a:xfrm>
           <a:prstGeom prst="rightArrow">
@@ -9501,46 +10493,17 @@
             <a:pPr algn="ctr"/>
             <a:r>
               <a:rPr lang="en-IL" sz="1000" dirty="0"/>
-              <a:t>Terpenes</a:t>
-            </a:r>
-          </a:p>
-        </p:txBody>
-      </p:sp>
-      <p:pic>
-        <p:nvPicPr>
-          <p:cNvPr id="13" name="Picture 12" descr="Map&#10;&#10;Description automatically generated with low confidence">
-            <a:extLst>
-              <a:ext uri="{FF2B5EF4-FFF2-40B4-BE49-F238E27FC236}">
-                <a16:creationId xmlns:a16="http://schemas.microsoft.com/office/drawing/2014/main" id="{C06520F3-2086-1942-803E-D2422FC8A686}"/>
-              </a:ext>
-            </a:extLst>
-          </p:cNvPr>
-          <p:cNvPicPr>
-            <a:picLocks noChangeAspect="1"/>
-          </p:cNvPicPr>
-          <p:nvPr/>
-        </p:nvPicPr>
-        <p:blipFill rotWithShape="1">
-          <a:blip r:embed="rId2"/>
-          <a:srcRect l="20853" t="9187" r="21410" b="32619"/>
-          <a:stretch/>
-        </p:blipFill>
-        <p:spPr>
-          <a:xfrm>
-            <a:off x="8220939" y="4719077"/>
-            <a:ext cx="1379901" cy="1390824"/>
-          </a:xfrm>
-          <a:prstGeom prst="rect">
-            <a:avLst/>
-          </a:prstGeom>
-        </p:spPr>
-      </p:pic>
-      <p:sp>
-        <p:nvSpPr>
-          <p:cNvPr id="18" name="Right Arrow 17">
-            <a:extLst>
-              <a:ext uri="{FF2B5EF4-FFF2-40B4-BE49-F238E27FC236}">
-                <a16:creationId xmlns:a16="http://schemas.microsoft.com/office/drawing/2014/main" id="{69FA3600-00E5-AA4D-ABFF-12742C362001}"/>
+              <a:t>Feelings</a:t>
+            </a:r>
+          </a:p>
+        </p:txBody>
+      </p:sp>
+      <p:sp>
+        <p:nvSpPr>
+          <p:cNvPr id="10" name="Right Arrow 9">
+            <a:extLst>
+              <a:ext uri="{FF2B5EF4-FFF2-40B4-BE49-F238E27FC236}">
+                <a16:creationId xmlns:a16="http://schemas.microsoft.com/office/drawing/2014/main" id="{511C89C4-CD92-5F4B-90AB-86079802D699}"/>
               </a:ext>
             </a:extLst>
           </p:cNvPr>
@@ -9549,7 +10512,7 @@
         </p:nvSpPr>
         <p:spPr>
           <a:xfrm>
-            <a:off x="6592143" y="5267174"/>
+            <a:off x="3022211" y="5755042"/>
             <a:ext cx="1530456" cy="242225"/>
           </a:xfrm>
           <a:prstGeom prst="rightArrow">
@@ -9584,6 +10547,197 @@
             <a:pPr algn="ctr"/>
             <a:r>
               <a:rPr lang="en-IL" sz="1000" dirty="0"/>
+              <a:t>Flavors</a:t>
+            </a:r>
+          </a:p>
+        </p:txBody>
+      </p:sp>
+      <p:sp>
+        <p:nvSpPr>
+          <p:cNvPr id="11" name="Right Arrow 10">
+            <a:extLst>
+              <a:ext uri="{FF2B5EF4-FFF2-40B4-BE49-F238E27FC236}">
+                <a16:creationId xmlns:a16="http://schemas.microsoft.com/office/drawing/2014/main" id="{51BD266D-FC42-2D4E-AFF9-61FDF41879D3}"/>
+              </a:ext>
+            </a:extLst>
+          </p:cNvPr>
+          <p:cNvSpPr/>
+          <p:nvPr/>
+        </p:nvSpPr>
+        <p:spPr>
+          <a:xfrm>
+            <a:off x="3022211" y="5414489"/>
+            <a:ext cx="1530456" cy="242225"/>
+          </a:xfrm>
+          <a:prstGeom prst="rightArrow">
+            <a:avLst/>
+          </a:prstGeom>
+          <a:solidFill>
+            <a:schemeClr val="tx1">
+              <a:lumMod val="50000"/>
+            </a:schemeClr>
+          </a:solidFill>
+        </p:spPr>
+        <p:style>
+          <a:lnRef idx="2">
+            <a:schemeClr val="accent1">
+              <a:shade val="50000"/>
+            </a:schemeClr>
+          </a:lnRef>
+          <a:fillRef idx="1">
+            <a:schemeClr val="accent1"/>
+          </a:fillRef>
+          <a:effectRef idx="0">
+            <a:schemeClr val="accent1"/>
+          </a:effectRef>
+          <a:fontRef idx="minor">
+            <a:schemeClr val="lt1"/>
+          </a:fontRef>
+        </p:style>
+        <p:txBody>
+          <a:bodyPr rtlCol="0" anchor="ctr"/>
+          <a:lstStyle/>
+          <a:p>
+            <a:pPr algn="ctr"/>
+            <a:r>
+              <a:rPr lang="en-IL" sz="1000" dirty="0"/>
+              <a:t>THC %</a:t>
+            </a:r>
+          </a:p>
+        </p:txBody>
+      </p:sp>
+      <p:sp>
+        <p:nvSpPr>
+          <p:cNvPr id="12" name="Right Arrow 11">
+            <a:extLst>
+              <a:ext uri="{FF2B5EF4-FFF2-40B4-BE49-F238E27FC236}">
+                <a16:creationId xmlns:a16="http://schemas.microsoft.com/office/drawing/2014/main" id="{02173687-FB0B-5640-AC14-5F44C3F173AE}"/>
+              </a:ext>
+            </a:extLst>
+          </p:cNvPr>
+          <p:cNvSpPr/>
+          <p:nvPr/>
+        </p:nvSpPr>
+        <p:spPr>
+          <a:xfrm>
+            <a:off x="3029481" y="5092106"/>
+            <a:ext cx="1530456" cy="242225"/>
+          </a:xfrm>
+          <a:prstGeom prst="rightArrow">
+            <a:avLst/>
+          </a:prstGeom>
+          <a:solidFill>
+            <a:schemeClr val="tx1">
+              <a:lumMod val="50000"/>
+            </a:schemeClr>
+          </a:solidFill>
+        </p:spPr>
+        <p:style>
+          <a:lnRef idx="2">
+            <a:schemeClr val="accent1">
+              <a:shade val="50000"/>
+            </a:schemeClr>
+          </a:lnRef>
+          <a:fillRef idx="1">
+            <a:schemeClr val="accent1"/>
+          </a:fillRef>
+          <a:effectRef idx="0">
+            <a:schemeClr val="accent1"/>
+          </a:effectRef>
+          <a:fontRef idx="minor">
+            <a:schemeClr val="lt1"/>
+          </a:fontRef>
+        </p:style>
+        <p:txBody>
+          <a:bodyPr rtlCol="0" anchor="ctr"/>
+          <a:lstStyle/>
+          <a:p>
+            <a:pPr algn="ctr"/>
+            <a:r>
+              <a:rPr lang="en-IL" sz="1000" dirty="0"/>
+              <a:t>Terpenes</a:t>
+            </a:r>
+          </a:p>
+        </p:txBody>
+      </p:sp>
+      <p:pic>
+        <p:nvPicPr>
+          <p:cNvPr id="13" name="Picture 12" descr="Map&#10;&#10;Description automatically generated with low confidence">
+            <a:extLst>
+              <a:ext uri="{FF2B5EF4-FFF2-40B4-BE49-F238E27FC236}">
+                <a16:creationId xmlns:a16="http://schemas.microsoft.com/office/drawing/2014/main" id="{C06520F3-2086-1942-803E-D2422FC8A686}"/>
+              </a:ext>
+            </a:extLst>
+          </p:cNvPr>
+          <p:cNvPicPr>
+            <a:picLocks noChangeAspect="1"/>
+          </p:cNvPicPr>
+          <p:nvPr/>
+        </p:nvPicPr>
+        <p:blipFill rotWithShape="1">
+          <a:blip r:embed="rId2"/>
+          <a:srcRect l="20853" t="9187" r="21410" b="32619"/>
+          <a:stretch/>
+        </p:blipFill>
+        <p:spPr>
+          <a:xfrm>
+            <a:off x="8220939" y="4719077"/>
+            <a:ext cx="1379901" cy="1390824"/>
+          </a:xfrm>
+          <a:prstGeom prst="rect">
+            <a:avLst/>
+          </a:prstGeom>
+        </p:spPr>
+      </p:pic>
+      <p:sp>
+        <p:nvSpPr>
+          <p:cNvPr id="18" name="Right Arrow 17">
+            <a:extLst>
+              <a:ext uri="{FF2B5EF4-FFF2-40B4-BE49-F238E27FC236}">
+                <a16:creationId xmlns:a16="http://schemas.microsoft.com/office/drawing/2014/main" id="{69FA3600-00E5-AA4D-ABFF-12742C362001}"/>
+              </a:ext>
+            </a:extLst>
+          </p:cNvPr>
+          <p:cNvSpPr/>
+          <p:nvPr/>
+        </p:nvSpPr>
+        <p:spPr>
+          <a:xfrm>
+            <a:off x="6592143" y="5267174"/>
+            <a:ext cx="1530456" cy="242225"/>
+          </a:xfrm>
+          <a:prstGeom prst="rightArrow">
+            <a:avLst/>
+          </a:prstGeom>
+          <a:solidFill>
+            <a:schemeClr val="tx1">
+              <a:lumMod val="50000"/>
+            </a:schemeClr>
+          </a:solidFill>
+        </p:spPr>
+        <p:style>
+          <a:lnRef idx="2">
+            <a:schemeClr val="accent1">
+              <a:shade val="50000"/>
+            </a:schemeClr>
+          </a:lnRef>
+          <a:fillRef idx="1">
+            <a:schemeClr val="accent1"/>
+          </a:fillRef>
+          <a:effectRef idx="0">
+            <a:schemeClr val="accent1"/>
+          </a:effectRef>
+          <a:fontRef idx="minor">
+            <a:schemeClr val="lt1"/>
+          </a:fontRef>
+        </p:style>
+        <p:txBody>
+          <a:bodyPr rtlCol="0" anchor="ctr"/>
+          <a:lstStyle/>
+          <a:p>
+            <a:pPr algn="ctr"/>
+            <a:r>
+              <a:rPr lang="en-IL" sz="1000" dirty="0"/>
               <a:t>Indica / Sativa / Hybrid</a:t>
             </a:r>
           </a:p>
@@ -9602,7 +10756,7 @@
 </p:sld>
 </file>
 
-<file path=ppt/slides/slide14.xml><?xml version="1.0" encoding="utf-8"?>
+<file path=ppt/slides/slide15.xml><?xml version="1.0" encoding="utf-8"?>
 <p:sld xmlns:a="http://schemas.openxmlformats.org/drawingml/2006/main" xmlns:r="http://schemas.openxmlformats.org/officeDocument/2006/relationships" xmlns:p="http://schemas.openxmlformats.org/presentationml/2006/main">
   <p:cSld>
     <p:bg>
@@ -10406,7 +11560,7 @@
 </p:sld>
 </file>
 
-<file path=ppt/slides/slide15.xml><?xml version="1.0" encoding="utf-8"?>
+<file path=ppt/slides/slide16.xml><?xml version="1.0" encoding="utf-8"?>
 <p:sld xmlns:a="http://schemas.openxmlformats.org/drawingml/2006/main" xmlns:r="http://schemas.openxmlformats.org/officeDocument/2006/relationships" xmlns:p="http://schemas.openxmlformats.org/presentationml/2006/main">
   <p:cSld>
     <p:bg>
@@ -16607,4 +17761,299 @@
     </a:ext>
   </a:extLst>
 </a:theme>
+</file>
+
+<file path=ppt/theme/theme2.xml><?xml version="1.0" encoding="utf-8"?>
+<a:theme xmlns:a="http://schemas.openxmlformats.org/drawingml/2006/main" name="Office Theme">
+  <a:themeElements>
+    <a:clrScheme name="Office">
+      <a:dk1>
+        <a:sysClr val="windowText" lastClr="000000"/>
+      </a:dk1>
+      <a:lt1>
+        <a:sysClr val="window" lastClr="FFFFFF"/>
+      </a:lt1>
+      <a:dk2>
+        <a:srgbClr val="44546A"/>
+      </a:dk2>
+      <a:lt2>
+        <a:srgbClr val="E7E6E6"/>
+      </a:lt2>
+      <a:accent1>
+        <a:srgbClr val="4472C4"/>
+      </a:accent1>
+      <a:accent2>
+        <a:srgbClr val="ED7D31"/>
+      </a:accent2>
+      <a:accent3>
+        <a:srgbClr val="A5A5A5"/>
+      </a:accent3>
+      <a:accent4>
+        <a:srgbClr val="FFC000"/>
+      </a:accent4>
+      <a:accent5>
+        <a:srgbClr val="5B9BD5"/>
+      </a:accent5>
+      <a:accent6>
+        <a:srgbClr val="70AD47"/>
+      </a:accent6>
+      <a:hlink>
+        <a:srgbClr val="0563C1"/>
+      </a:hlink>
+      <a:folHlink>
+        <a:srgbClr val="954F72"/>
+      </a:folHlink>
+    </a:clrScheme>
+    <a:fontScheme name="Office">
+      <a:majorFont>
+        <a:latin typeface="Calibri Light" panose="020F0302020204030204"/>
+        <a:ea typeface=""/>
+        <a:cs typeface=""/>
+        <a:font script="Jpan" typeface="游ゴシック Light"/>
+        <a:font script="Hang" typeface="맑은 고딕"/>
+        <a:font script="Hans" typeface="等线 Light"/>
+        <a:font script="Hant" typeface="新細明體"/>
+        <a:font script="Arab" typeface="Times New Roman"/>
+        <a:font script="Hebr" typeface="Times New Roman"/>
+        <a:font script="Thai" typeface="Angsana New"/>
+        <a:font script="Ethi" typeface="Nyala"/>
+        <a:font script="Beng" typeface="Vrinda"/>
+        <a:font script="Gujr" typeface="Shruti"/>
+        <a:font script="Khmr" typeface="MoolBoran"/>
+        <a:font script="Knda" typeface="Tunga"/>
+        <a:font script="Guru" typeface="Raavi"/>
+        <a:font script="Cans" typeface="Euphemia"/>
+        <a:font script="Cher" typeface="Plantagenet Cherokee"/>
+        <a:font script="Yiii" typeface="Microsoft Yi Baiti"/>
+        <a:font script="Tibt" typeface="Microsoft Himalaya"/>
+        <a:font script="Thaa" typeface="MV Boli"/>
+        <a:font script="Deva" typeface="Mangal"/>
+        <a:font script="Telu" typeface="Gautami"/>
+        <a:font script="Taml" typeface="Latha"/>
+        <a:font script="Syrc" typeface="Estrangelo Edessa"/>
+        <a:font script="Orya" typeface="Kalinga"/>
+        <a:font script="Mlym" typeface="Kartika"/>
+        <a:font script="Laoo" typeface="DokChampa"/>
+        <a:font script="Sinh" typeface="Iskoola Pota"/>
+        <a:font script="Mong" typeface="Mongolian Baiti"/>
+        <a:font script="Viet" typeface="Times New Roman"/>
+        <a:font script="Uigh" typeface="Microsoft Uighur"/>
+        <a:font script="Geor" typeface="Sylfaen"/>
+        <a:font script="Armn" typeface="Arial"/>
+        <a:font script="Bugi" typeface="Leelawadee UI"/>
+        <a:font script="Bopo" typeface="Microsoft JhengHei"/>
+        <a:font script="Java" typeface="Javanese Text"/>
+        <a:font script="Lisu" typeface="Segoe UI"/>
+        <a:font script="Mymr" typeface="Myanmar Text"/>
+        <a:font script="Nkoo" typeface="Ebrima"/>
+        <a:font script="Olck" typeface="Nirmala UI"/>
+        <a:font script="Osma" typeface="Ebrima"/>
+        <a:font script="Phag" typeface="Phagspa"/>
+        <a:font script="Syrn" typeface="Estrangelo Edessa"/>
+        <a:font script="Syrj" typeface="Estrangelo Edessa"/>
+        <a:font script="Syre" typeface="Estrangelo Edessa"/>
+        <a:font script="Sora" typeface="Nirmala UI"/>
+        <a:font script="Tale" typeface="Microsoft Tai Le"/>
+        <a:font script="Talu" typeface="Microsoft New Tai Lue"/>
+        <a:font script="Tfng" typeface="Ebrima"/>
+      </a:majorFont>
+      <a:minorFont>
+        <a:latin typeface="Calibri" panose="020F0502020204030204"/>
+        <a:ea typeface=""/>
+        <a:cs typeface=""/>
+        <a:font script="Jpan" typeface="游ゴシック"/>
+        <a:font script="Hang" typeface="맑은 고딕"/>
+        <a:font script="Hans" typeface="等线"/>
+        <a:font script="Hant" typeface="新細明體"/>
+        <a:font script="Arab" typeface="Arial"/>
+        <a:font script="Hebr" typeface="Arial"/>
+        <a:font script="Thai" typeface="Cordia New"/>
+        <a:font script="Ethi" typeface="Nyala"/>
+        <a:font script="Beng" typeface="Vrinda"/>
+        <a:font script="Gujr" typeface="Shruti"/>
+        <a:font script="Khmr" typeface="DaunPenh"/>
+        <a:font script="Knda" typeface="Tunga"/>
+        <a:font script="Guru" typeface="Raavi"/>
+        <a:font script="Cans" typeface="Euphemia"/>
+        <a:font script="Cher" typeface="Plantagenet Cherokee"/>
+        <a:font script="Yiii" typeface="Microsoft Yi Baiti"/>
+        <a:font script="Tibt" typeface="Microsoft Himalaya"/>
+        <a:font script="Thaa" typeface="MV Boli"/>
+        <a:font script="Deva" typeface="Mangal"/>
+        <a:font script="Telu" typeface="Gautami"/>
+        <a:font script="Taml" typeface="Latha"/>
+        <a:font script="Syrc" typeface="Estrangelo Edessa"/>
+        <a:font script="Orya" typeface="Kalinga"/>
+        <a:font script="Mlym" typeface="Kartika"/>
+        <a:font script="Laoo" typeface="DokChampa"/>
+        <a:font script="Sinh" typeface="Iskoola Pota"/>
+        <a:font script="Mong" typeface="Mongolian Baiti"/>
+        <a:font script="Viet" typeface="Arial"/>
+        <a:font script="Uigh" typeface="Microsoft Uighur"/>
+        <a:font script="Geor" typeface="Sylfaen"/>
+        <a:font script="Armn" typeface="Arial"/>
+        <a:font script="Bugi" typeface="Leelawadee UI"/>
+        <a:font script="Bopo" typeface="Microsoft JhengHei"/>
+        <a:font script="Java" typeface="Javanese Text"/>
+        <a:font script="Lisu" typeface="Segoe UI"/>
+        <a:font script="Mymr" typeface="Myanmar Text"/>
+        <a:font script="Nkoo" typeface="Ebrima"/>
+        <a:font script="Olck" typeface="Nirmala UI"/>
+        <a:font script="Osma" typeface="Ebrima"/>
+        <a:font script="Phag" typeface="Phagspa"/>
+        <a:font script="Syrn" typeface="Estrangelo Edessa"/>
+        <a:font script="Syrj" typeface="Estrangelo Edessa"/>
+        <a:font script="Syre" typeface="Estrangelo Edessa"/>
+        <a:font script="Sora" typeface="Nirmala UI"/>
+        <a:font script="Tale" typeface="Microsoft Tai Le"/>
+        <a:font script="Talu" typeface="Microsoft New Tai Lue"/>
+        <a:font script="Tfng" typeface="Ebrima"/>
+      </a:minorFont>
+    </a:fontScheme>
+    <a:fmtScheme name="Office">
+      <a:fillStyleLst>
+        <a:solidFill>
+          <a:schemeClr val="phClr"/>
+        </a:solidFill>
+        <a:gradFill rotWithShape="1">
+          <a:gsLst>
+            <a:gs pos="0">
+              <a:schemeClr val="phClr">
+                <a:lumMod val="110000"/>
+                <a:satMod val="105000"/>
+                <a:tint val="67000"/>
+              </a:schemeClr>
+            </a:gs>
+            <a:gs pos="50000">
+              <a:schemeClr val="phClr">
+                <a:lumMod val="105000"/>
+                <a:satMod val="103000"/>
+                <a:tint val="73000"/>
+              </a:schemeClr>
+            </a:gs>
+            <a:gs pos="100000">
+              <a:schemeClr val="phClr">
+                <a:lumMod val="105000"/>
+                <a:satMod val="109000"/>
+                <a:tint val="81000"/>
+              </a:schemeClr>
+            </a:gs>
+          </a:gsLst>
+          <a:lin ang="5400000" scaled="0"/>
+        </a:gradFill>
+        <a:gradFill rotWithShape="1">
+          <a:gsLst>
+            <a:gs pos="0">
+              <a:schemeClr val="phClr">
+                <a:satMod val="103000"/>
+                <a:lumMod val="102000"/>
+                <a:tint val="94000"/>
+              </a:schemeClr>
+            </a:gs>
+            <a:gs pos="50000">
+              <a:schemeClr val="phClr">
+                <a:satMod val="110000"/>
+                <a:lumMod val="100000"/>
+                <a:shade val="100000"/>
+              </a:schemeClr>
+            </a:gs>
+            <a:gs pos="100000">
+              <a:schemeClr val="phClr">
+                <a:lumMod val="99000"/>
+                <a:satMod val="120000"/>
+                <a:shade val="78000"/>
+              </a:schemeClr>
+            </a:gs>
+          </a:gsLst>
+          <a:lin ang="5400000" scaled="0"/>
+        </a:gradFill>
+      </a:fillStyleLst>
+      <a:lnStyleLst>
+        <a:ln w="6350" cap="flat" cmpd="sng" algn="ctr">
+          <a:solidFill>
+            <a:schemeClr val="phClr"/>
+          </a:solidFill>
+          <a:prstDash val="solid"/>
+          <a:miter lim="800000"/>
+        </a:ln>
+        <a:ln w="12700" cap="flat" cmpd="sng" algn="ctr">
+          <a:solidFill>
+            <a:schemeClr val="phClr"/>
+          </a:solidFill>
+          <a:prstDash val="solid"/>
+          <a:miter lim="800000"/>
+        </a:ln>
+        <a:ln w="19050" cap="flat" cmpd="sng" algn="ctr">
+          <a:solidFill>
+            <a:schemeClr val="phClr"/>
+          </a:solidFill>
+          <a:prstDash val="solid"/>
+          <a:miter lim="800000"/>
+        </a:ln>
+      </a:lnStyleLst>
+      <a:effectStyleLst>
+        <a:effectStyle>
+          <a:effectLst/>
+        </a:effectStyle>
+        <a:effectStyle>
+          <a:effectLst/>
+        </a:effectStyle>
+        <a:effectStyle>
+          <a:effectLst>
+            <a:outerShdw blurRad="57150" dist="19050" dir="5400000" algn="ctr" rotWithShape="0">
+              <a:srgbClr val="000000">
+                <a:alpha val="63000"/>
+              </a:srgbClr>
+            </a:outerShdw>
+          </a:effectLst>
+        </a:effectStyle>
+      </a:effectStyleLst>
+      <a:bgFillStyleLst>
+        <a:solidFill>
+          <a:schemeClr val="phClr"/>
+        </a:solidFill>
+        <a:solidFill>
+          <a:schemeClr val="phClr">
+            <a:tint val="95000"/>
+            <a:satMod val="170000"/>
+          </a:schemeClr>
+        </a:solidFill>
+        <a:gradFill rotWithShape="1">
+          <a:gsLst>
+            <a:gs pos="0">
+              <a:schemeClr val="phClr">
+                <a:tint val="93000"/>
+                <a:satMod val="150000"/>
+                <a:shade val="98000"/>
+                <a:lumMod val="102000"/>
+              </a:schemeClr>
+            </a:gs>
+            <a:gs pos="50000">
+              <a:schemeClr val="phClr">
+                <a:tint val="98000"/>
+                <a:satMod val="130000"/>
+                <a:shade val="90000"/>
+                <a:lumMod val="103000"/>
+              </a:schemeClr>
+            </a:gs>
+            <a:gs pos="100000">
+              <a:schemeClr val="phClr">
+                <a:shade val="63000"/>
+                <a:satMod val="120000"/>
+              </a:schemeClr>
+            </a:gs>
+          </a:gsLst>
+          <a:lin ang="5400000" scaled="0"/>
+        </a:gradFill>
+      </a:bgFillStyleLst>
+    </a:fmtScheme>
+  </a:themeElements>
+  <a:objectDefaults/>
+  <a:extraClrSchemeLst/>
+  <a:extLst>
+    <a:ext uri="{05A4C25C-085E-4340-85A3-A5531E510DB2}">
+      <thm15:themeFamily xmlns:thm15="http://schemas.microsoft.com/office/thememl/2012/main" name="Office Theme" id="{62F939B6-93AF-4DB8-9C6B-D6C7DFDC589F}" vid="{4A3C46E8-61CC-4603-A589-7422A47A8E4A}"/>
+    </a:ext>
+  </a:extLst>
+</a:theme>
 </file>
--- a/Cannabis Analysis.pptx
+++ b/Cannabis Analysis.pptx
@@ -2894,7 +2894,7 @@
           <a:p>
             <a:fld id="{E3B6B7E0-806B-9945-BCC6-56DE783D1852}" type="datetimeFigureOut">
               <a:rPr lang="en-IL" smtClean="0"/>
-              <a:t>25/06/2021</a:t>
+              <a:t>28/06/2021</a:t>
             </a:fld>
             <a:endParaRPr lang="en-IL"/>
           </a:p>
@@ -3395,7 +3395,7 @@
           <a:p>
             <a:fld id="{69F92D36-85D3-CE46-89D4-60137E68FEA3}" type="datetimeFigureOut">
               <a:rPr lang="en-IL" smtClean="0"/>
-              <a:t>25/06/2021</a:t>
+              <a:t>28/06/2021</a:t>
             </a:fld>
             <a:endParaRPr lang="en-IL"/>
           </a:p>
@@ -3595,7 +3595,7 @@
           <a:p>
             <a:fld id="{69F92D36-85D3-CE46-89D4-60137E68FEA3}" type="datetimeFigureOut">
               <a:rPr lang="en-IL" smtClean="0"/>
-              <a:t>25/06/2021</a:t>
+              <a:t>28/06/2021</a:t>
             </a:fld>
             <a:endParaRPr lang="en-IL"/>
           </a:p>
@@ -3805,7 +3805,7 @@
           <a:p>
             <a:fld id="{69F92D36-85D3-CE46-89D4-60137E68FEA3}" type="datetimeFigureOut">
               <a:rPr lang="en-IL" smtClean="0"/>
-              <a:t>25/06/2021</a:t>
+              <a:t>28/06/2021</a:t>
             </a:fld>
             <a:endParaRPr lang="en-IL"/>
           </a:p>
@@ -4005,7 +4005,7 @@
           <a:p>
             <a:fld id="{69F92D36-85D3-CE46-89D4-60137E68FEA3}" type="datetimeFigureOut">
               <a:rPr lang="en-IL" smtClean="0"/>
-              <a:t>25/06/2021</a:t>
+              <a:t>28/06/2021</a:t>
             </a:fld>
             <a:endParaRPr lang="en-IL"/>
           </a:p>
@@ -4281,7 +4281,7 @@
           <a:p>
             <a:fld id="{69F92D36-85D3-CE46-89D4-60137E68FEA3}" type="datetimeFigureOut">
               <a:rPr lang="en-IL" smtClean="0"/>
-              <a:t>25/06/2021</a:t>
+              <a:t>28/06/2021</a:t>
             </a:fld>
             <a:endParaRPr lang="en-IL"/>
           </a:p>
@@ -4549,7 +4549,7 @@
           <a:p>
             <a:fld id="{69F92D36-85D3-CE46-89D4-60137E68FEA3}" type="datetimeFigureOut">
               <a:rPr lang="en-IL" smtClean="0"/>
-              <a:t>25/06/2021</a:t>
+              <a:t>28/06/2021</a:t>
             </a:fld>
             <a:endParaRPr lang="en-IL"/>
           </a:p>
@@ -4964,7 +4964,7 @@
           <a:p>
             <a:fld id="{69F92D36-85D3-CE46-89D4-60137E68FEA3}" type="datetimeFigureOut">
               <a:rPr lang="en-IL" smtClean="0"/>
-              <a:t>25/06/2021</a:t>
+              <a:t>28/06/2021</a:t>
             </a:fld>
             <a:endParaRPr lang="en-IL"/>
           </a:p>
@@ -5106,7 +5106,7 @@
           <a:p>
             <a:fld id="{69F92D36-85D3-CE46-89D4-60137E68FEA3}" type="datetimeFigureOut">
               <a:rPr lang="en-IL" smtClean="0"/>
-              <a:t>25/06/2021</a:t>
+              <a:t>28/06/2021</a:t>
             </a:fld>
             <a:endParaRPr lang="en-IL"/>
           </a:p>
@@ -5219,7 +5219,7 @@
           <a:p>
             <a:fld id="{69F92D36-85D3-CE46-89D4-60137E68FEA3}" type="datetimeFigureOut">
               <a:rPr lang="en-IL" smtClean="0"/>
-              <a:t>25/06/2021</a:t>
+              <a:t>28/06/2021</a:t>
             </a:fld>
             <a:endParaRPr lang="en-IL"/>
           </a:p>
@@ -5532,7 +5532,7 @@
           <a:p>
             <a:fld id="{69F92D36-85D3-CE46-89D4-60137E68FEA3}" type="datetimeFigureOut">
               <a:rPr lang="en-IL" smtClean="0"/>
-              <a:t>25/06/2021</a:t>
+              <a:t>28/06/2021</a:t>
             </a:fld>
             <a:endParaRPr lang="en-IL"/>
           </a:p>
@@ -5821,7 +5821,7 @@
           <a:p>
             <a:fld id="{69F92D36-85D3-CE46-89D4-60137E68FEA3}" type="datetimeFigureOut">
               <a:rPr lang="en-IL" smtClean="0"/>
-              <a:t>25/06/2021</a:t>
+              <a:t>28/06/2021</a:t>
             </a:fld>
             <a:endParaRPr lang="en-IL"/>
           </a:p>
@@ -6064,7 +6064,7 @@
           <a:p>
             <a:fld id="{69F92D36-85D3-CE46-89D4-60137E68FEA3}" type="datetimeFigureOut">
               <a:rPr lang="en-IL" smtClean="0"/>
-              <a:t>25/06/2021</a:t>
+              <a:t>28/06/2021</a:t>
             </a:fld>
             <a:endParaRPr lang="en-IL"/>
           </a:p>
@@ -10351,7 +10351,7 @@
                   <a:srgbClr val="FFFFFF"/>
                 </a:solidFill>
               </a:rPr>
-              <a:t>We used ‘sklearn’ library and Logistic Regression method to train and predict the strain type.</a:t>
+              <a:t>We used ‘sklearn’ library and Logistic Regression method to train the model and predict the strain type.</a:t>
             </a:r>
           </a:p>
           <a:p>
